--- a/Docs/Technology.pptx
+++ b/Docs/Technology.pptx
@@ -7,6 +7,8 @@
   <p:sldIdLst>
     <p:sldId id="256" r:id="rId2"/>
     <p:sldId id="257" r:id="rId3"/>
+    <p:sldId id="258" r:id="rId4"/>
+    <p:sldId id="259" r:id="rId5"/>
   </p:sldIdLst>
   <p:sldSz cx="12192000" cy="6858000"/>
   <p:notesSz cx="6858000" cy="9144000"/>
@@ -106,6 +108,22 @@
     </a:lvl9pPr>
   </p:defaultTextStyle>
   <p:extLst>
+    <p:ext uri="{521415D9-36F7-43E2-AB2F-B90AF26B5E84}">
+      <p14:sectionLst xmlns:p14="http://schemas.microsoft.com/office/powerpoint/2010/main">
+        <p14:section name="默认节" id="{289095E2-0FD9-429A-9119-E5C9E4EC3378}">
+          <p14:sldIdLst>
+            <p14:sldId id="256"/>
+            <p14:sldId id="257"/>
+          </p14:sldIdLst>
+        </p14:section>
+        <p14:section name="开题报告" id="{1DB51CEB-4772-4655-9A02-77E3CBD3DAB5}">
+          <p14:sldIdLst>
+            <p14:sldId id="258"/>
+            <p14:sldId id="259"/>
+          </p14:sldIdLst>
+        </p14:section>
+      </p14:sectionLst>
+    </p:ext>
     <p:ext uri="{EFAFB233-063F-42B5-8137-9DF3F51BA10A}">
       <p15:sldGuideLst xmlns:p15="http://schemas.microsoft.com/office/powerpoint/2012/main"/>
     </p:ext>
@@ -155,10 +173,9 @@
           </a:lstStyle>
           <a:p>
             <a:r>
-              <a:rPr lang="zh-CN" altLang="en-US" smtClean="0"/>
+              <a:rPr lang="zh-CN" altLang="en-US"/>
               <a:t>单击此处编辑母版标题样式</a:t>
             </a:r>
-            <a:endParaRPr lang="zh-CN" altLang="en-US"/>
           </a:p>
         </p:txBody>
       </p:sp>
@@ -220,10 +237,9 @@
           </a:lstStyle>
           <a:p>
             <a:r>
-              <a:rPr lang="zh-CN" altLang="en-US" smtClean="0"/>
+              <a:rPr lang="zh-CN" altLang="en-US"/>
               <a:t>单击以编辑母版副标题样式</a:t>
             </a:r>
-            <a:endParaRPr lang="zh-CN" altLang="en-US"/>
           </a:p>
         </p:txBody>
       </p:sp>
@@ -244,7 +260,7 @@
           <a:p>
             <a:fld id="{CC1FC442-B89C-44C2-8ED1-A5E42BD589E9}" type="datetimeFigureOut">
               <a:rPr lang="zh-CN" altLang="en-US" smtClean="0"/>
-              <a:t>2019/3/17</a:t>
+              <a:t>2019/4/2</a:t>
             </a:fld>
             <a:endParaRPr lang="zh-CN" altLang="en-US"/>
           </a:p>
@@ -338,10 +354,9 @@
           <a:lstStyle/>
           <a:p>
             <a:r>
-              <a:rPr lang="zh-CN" altLang="en-US" smtClean="0"/>
+              <a:rPr lang="zh-CN" altLang="en-US"/>
               <a:t>单击此处编辑母版标题样式</a:t>
             </a:r>
-            <a:endParaRPr lang="zh-CN" altLang="en-US"/>
           </a:p>
         </p:txBody>
       </p:sp>
@@ -362,38 +377,37 @@
           <a:p>
             <a:pPr lvl="0"/>
             <a:r>
-              <a:rPr lang="zh-CN" altLang="en-US" smtClean="0"/>
+              <a:rPr lang="zh-CN" altLang="en-US"/>
               <a:t>编辑母版文本样式</a:t>
             </a:r>
           </a:p>
           <a:p>
             <a:pPr lvl="1"/>
             <a:r>
-              <a:rPr lang="zh-CN" altLang="en-US" smtClean="0"/>
+              <a:rPr lang="zh-CN" altLang="en-US"/>
               <a:t>第二级</a:t>
             </a:r>
           </a:p>
           <a:p>
             <a:pPr lvl="2"/>
             <a:r>
-              <a:rPr lang="zh-CN" altLang="en-US" smtClean="0"/>
+              <a:rPr lang="zh-CN" altLang="en-US"/>
               <a:t>第三级</a:t>
             </a:r>
           </a:p>
           <a:p>
             <a:pPr lvl="3"/>
             <a:r>
-              <a:rPr lang="zh-CN" altLang="en-US" smtClean="0"/>
+              <a:rPr lang="zh-CN" altLang="en-US"/>
               <a:t>第四级</a:t>
             </a:r>
           </a:p>
           <a:p>
             <a:pPr lvl="4"/>
             <a:r>
-              <a:rPr lang="zh-CN" altLang="en-US" smtClean="0"/>
+              <a:rPr lang="zh-CN" altLang="en-US"/>
               <a:t>第五级</a:t>
             </a:r>
-            <a:endParaRPr lang="zh-CN" altLang="en-US"/>
           </a:p>
         </p:txBody>
       </p:sp>
@@ -414,7 +428,7 @@
           <a:p>
             <a:fld id="{CC1FC442-B89C-44C2-8ED1-A5E42BD589E9}" type="datetimeFigureOut">
               <a:rPr lang="zh-CN" altLang="en-US" smtClean="0"/>
-              <a:t>2019/3/17</a:t>
+              <a:t>2019/4/2</a:t>
             </a:fld>
             <a:endParaRPr lang="zh-CN" altLang="en-US"/>
           </a:p>
@@ -513,10 +527,9 @@
           <a:lstStyle/>
           <a:p>
             <a:r>
-              <a:rPr lang="zh-CN" altLang="en-US" smtClean="0"/>
+              <a:rPr lang="zh-CN" altLang="en-US"/>
               <a:t>单击此处编辑母版标题样式</a:t>
             </a:r>
-            <a:endParaRPr lang="zh-CN" altLang="en-US"/>
           </a:p>
         </p:txBody>
       </p:sp>
@@ -542,38 +555,37 @@
           <a:p>
             <a:pPr lvl="0"/>
             <a:r>
-              <a:rPr lang="zh-CN" altLang="en-US" smtClean="0"/>
+              <a:rPr lang="zh-CN" altLang="en-US"/>
               <a:t>编辑母版文本样式</a:t>
             </a:r>
           </a:p>
           <a:p>
             <a:pPr lvl="1"/>
             <a:r>
-              <a:rPr lang="zh-CN" altLang="en-US" smtClean="0"/>
+              <a:rPr lang="zh-CN" altLang="en-US"/>
               <a:t>第二级</a:t>
             </a:r>
           </a:p>
           <a:p>
             <a:pPr lvl="2"/>
             <a:r>
-              <a:rPr lang="zh-CN" altLang="en-US" smtClean="0"/>
+              <a:rPr lang="zh-CN" altLang="en-US"/>
               <a:t>第三级</a:t>
             </a:r>
           </a:p>
           <a:p>
             <a:pPr lvl="3"/>
             <a:r>
-              <a:rPr lang="zh-CN" altLang="en-US" smtClean="0"/>
+              <a:rPr lang="zh-CN" altLang="en-US"/>
               <a:t>第四级</a:t>
             </a:r>
           </a:p>
           <a:p>
             <a:pPr lvl="4"/>
             <a:r>
-              <a:rPr lang="zh-CN" altLang="en-US" smtClean="0"/>
+              <a:rPr lang="zh-CN" altLang="en-US"/>
               <a:t>第五级</a:t>
             </a:r>
-            <a:endParaRPr lang="zh-CN" altLang="en-US"/>
           </a:p>
         </p:txBody>
       </p:sp>
@@ -594,7 +606,7 @@
           <a:p>
             <a:fld id="{CC1FC442-B89C-44C2-8ED1-A5E42BD589E9}" type="datetimeFigureOut">
               <a:rPr lang="zh-CN" altLang="en-US" smtClean="0"/>
-              <a:t>2019/3/17</a:t>
+              <a:t>2019/4/2</a:t>
             </a:fld>
             <a:endParaRPr lang="zh-CN" altLang="en-US"/>
           </a:p>
@@ -688,10 +700,9 @@
           <a:lstStyle/>
           <a:p>
             <a:r>
-              <a:rPr lang="zh-CN" altLang="en-US" smtClean="0"/>
+              <a:rPr lang="zh-CN" altLang="en-US"/>
               <a:t>单击此处编辑母版标题样式</a:t>
             </a:r>
-            <a:endParaRPr lang="zh-CN" altLang="en-US"/>
           </a:p>
         </p:txBody>
       </p:sp>
@@ -712,38 +723,37 @@
           <a:p>
             <a:pPr lvl="0"/>
             <a:r>
-              <a:rPr lang="zh-CN" altLang="en-US" smtClean="0"/>
+              <a:rPr lang="zh-CN" altLang="en-US"/>
               <a:t>编辑母版文本样式</a:t>
             </a:r>
           </a:p>
           <a:p>
             <a:pPr lvl="1"/>
             <a:r>
-              <a:rPr lang="zh-CN" altLang="en-US" smtClean="0"/>
+              <a:rPr lang="zh-CN" altLang="en-US"/>
               <a:t>第二级</a:t>
             </a:r>
           </a:p>
           <a:p>
             <a:pPr lvl="2"/>
             <a:r>
-              <a:rPr lang="zh-CN" altLang="en-US" smtClean="0"/>
+              <a:rPr lang="zh-CN" altLang="en-US"/>
               <a:t>第三级</a:t>
             </a:r>
           </a:p>
           <a:p>
             <a:pPr lvl="3"/>
             <a:r>
-              <a:rPr lang="zh-CN" altLang="en-US" smtClean="0"/>
+              <a:rPr lang="zh-CN" altLang="en-US"/>
               <a:t>第四级</a:t>
             </a:r>
           </a:p>
           <a:p>
             <a:pPr lvl="4"/>
             <a:r>
-              <a:rPr lang="zh-CN" altLang="en-US" smtClean="0"/>
+              <a:rPr lang="zh-CN" altLang="en-US"/>
               <a:t>第五级</a:t>
             </a:r>
-            <a:endParaRPr lang="zh-CN" altLang="en-US"/>
           </a:p>
         </p:txBody>
       </p:sp>
@@ -764,7 +774,7 @@
           <a:p>
             <a:fld id="{CC1FC442-B89C-44C2-8ED1-A5E42BD589E9}" type="datetimeFigureOut">
               <a:rPr lang="zh-CN" altLang="en-US" smtClean="0"/>
-              <a:t>2019/3/17</a:t>
+              <a:t>2019/4/2</a:t>
             </a:fld>
             <a:endParaRPr lang="zh-CN" altLang="en-US"/>
           </a:p>
@@ -867,10 +877,9 @@
           </a:lstStyle>
           <a:p>
             <a:r>
-              <a:rPr lang="zh-CN" altLang="en-US" smtClean="0"/>
+              <a:rPr lang="zh-CN" altLang="en-US"/>
               <a:t>单击此处编辑母版标题样式</a:t>
             </a:r>
-            <a:endParaRPr lang="zh-CN" altLang="en-US"/>
           </a:p>
         </p:txBody>
       </p:sp>
@@ -987,7 +996,7 @@
           <a:p>
             <a:pPr lvl="0"/>
             <a:r>
-              <a:rPr lang="zh-CN" altLang="en-US" smtClean="0"/>
+              <a:rPr lang="zh-CN" altLang="en-US"/>
               <a:t>编辑母版文本样式</a:t>
             </a:r>
           </a:p>
@@ -1010,7 +1019,7 @@
           <a:p>
             <a:fld id="{CC1FC442-B89C-44C2-8ED1-A5E42BD589E9}" type="datetimeFigureOut">
               <a:rPr lang="zh-CN" altLang="en-US" smtClean="0"/>
-              <a:t>2019/3/17</a:t>
+              <a:t>2019/4/2</a:t>
             </a:fld>
             <a:endParaRPr lang="zh-CN" altLang="en-US"/>
           </a:p>
@@ -1104,10 +1113,9 @@
           <a:lstStyle/>
           <a:p>
             <a:r>
-              <a:rPr lang="zh-CN" altLang="en-US" smtClean="0"/>
+              <a:rPr lang="zh-CN" altLang="en-US"/>
               <a:t>单击此处编辑母版标题样式</a:t>
             </a:r>
-            <a:endParaRPr lang="zh-CN" altLang="en-US"/>
           </a:p>
         </p:txBody>
       </p:sp>
@@ -1133,38 +1141,37 @@
           <a:p>
             <a:pPr lvl="0"/>
             <a:r>
-              <a:rPr lang="zh-CN" altLang="en-US" smtClean="0"/>
+              <a:rPr lang="zh-CN" altLang="en-US"/>
               <a:t>编辑母版文本样式</a:t>
             </a:r>
           </a:p>
           <a:p>
             <a:pPr lvl="1"/>
             <a:r>
-              <a:rPr lang="zh-CN" altLang="en-US" smtClean="0"/>
+              <a:rPr lang="zh-CN" altLang="en-US"/>
               <a:t>第二级</a:t>
             </a:r>
           </a:p>
           <a:p>
             <a:pPr lvl="2"/>
             <a:r>
-              <a:rPr lang="zh-CN" altLang="en-US" smtClean="0"/>
+              <a:rPr lang="zh-CN" altLang="en-US"/>
               <a:t>第三级</a:t>
             </a:r>
           </a:p>
           <a:p>
             <a:pPr lvl="3"/>
             <a:r>
-              <a:rPr lang="zh-CN" altLang="en-US" smtClean="0"/>
+              <a:rPr lang="zh-CN" altLang="en-US"/>
               <a:t>第四级</a:t>
             </a:r>
           </a:p>
           <a:p>
             <a:pPr lvl="4"/>
             <a:r>
-              <a:rPr lang="zh-CN" altLang="en-US" smtClean="0"/>
+              <a:rPr lang="zh-CN" altLang="en-US"/>
               <a:t>第五级</a:t>
             </a:r>
-            <a:endParaRPr lang="zh-CN" altLang="en-US"/>
           </a:p>
         </p:txBody>
       </p:sp>
@@ -1190,38 +1197,37 @@
           <a:p>
             <a:pPr lvl="0"/>
             <a:r>
-              <a:rPr lang="zh-CN" altLang="en-US" smtClean="0"/>
+              <a:rPr lang="zh-CN" altLang="en-US"/>
               <a:t>编辑母版文本样式</a:t>
             </a:r>
           </a:p>
           <a:p>
             <a:pPr lvl="1"/>
             <a:r>
-              <a:rPr lang="zh-CN" altLang="en-US" smtClean="0"/>
+              <a:rPr lang="zh-CN" altLang="en-US"/>
               <a:t>第二级</a:t>
             </a:r>
           </a:p>
           <a:p>
             <a:pPr lvl="2"/>
             <a:r>
-              <a:rPr lang="zh-CN" altLang="en-US" smtClean="0"/>
+              <a:rPr lang="zh-CN" altLang="en-US"/>
               <a:t>第三级</a:t>
             </a:r>
           </a:p>
           <a:p>
             <a:pPr lvl="3"/>
             <a:r>
-              <a:rPr lang="zh-CN" altLang="en-US" smtClean="0"/>
+              <a:rPr lang="zh-CN" altLang="en-US"/>
               <a:t>第四级</a:t>
             </a:r>
           </a:p>
           <a:p>
             <a:pPr lvl="4"/>
             <a:r>
-              <a:rPr lang="zh-CN" altLang="en-US" smtClean="0"/>
+              <a:rPr lang="zh-CN" altLang="en-US"/>
               <a:t>第五级</a:t>
             </a:r>
-            <a:endParaRPr lang="zh-CN" altLang="en-US"/>
           </a:p>
         </p:txBody>
       </p:sp>
@@ -1242,7 +1248,7 @@
           <a:p>
             <a:fld id="{CC1FC442-B89C-44C2-8ED1-A5E42BD589E9}" type="datetimeFigureOut">
               <a:rPr lang="zh-CN" altLang="en-US" smtClean="0"/>
-              <a:t>2019/3/17</a:t>
+              <a:t>2019/4/2</a:t>
             </a:fld>
             <a:endParaRPr lang="zh-CN" altLang="en-US"/>
           </a:p>
@@ -1341,10 +1347,9 @@
           <a:lstStyle/>
           <a:p>
             <a:r>
-              <a:rPr lang="zh-CN" altLang="en-US" smtClean="0"/>
+              <a:rPr lang="zh-CN" altLang="en-US"/>
               <a:t>单击此处编辑母版标题样式</a:t>
             </a:r>
-            <a:endParaRPr lang="zh-CN" altLang="en-US"/>
           </a:p>
         </p:txBody>
       </p:sp>
@@ -1407,7 +1412,7 @@
           <a:p>
             <a:pPr lvl="0"/>
             <a:r>
-              <a:rPr lang="zh-CN" altLang="en-US" smtClean="0"/>
+              <a:rPr lang="zh-CN" altLang="en-US"/>
               <a:t>编辑母版文本样式</a:t>
             </a:r>
           </a:p>
@@ -1435,38 +1440,37 @@
           <a:p>
             <a:pPr lvl="0"/>
             <a:r>
-              <a:rPr lang="zh-CN" altLang="en-US" smtClean="0"/>
+              <a:rPr lang="zh-CN" altLang="en-US"/>
               <a:t>编辑母版文本样式</a:t>
             </a:r>
           </a:p>
           <a:p>
             <a:pPr lvl="1"/>
             <a:r>
-              <a:rPr lang="zh-CN" altLang="en-US" smtClean="0"/>
+              <a:rPr lang="zh-CN" altLang="en-US"/>
               <a:t>第二级</a:t>
             </a:r>
           </a:p>
           <a:p>
             <a:pPr lvl="2"/>
             <a:r>
-              <a:rPr lang="zh-CN" altLang="en-US" smtClean="0"/>
+              <a:rPr lang="zh-CN" altLang="en-US"/>
               <a:t>第三级</a:t>
             </a:r>
           </a:p>
           <a:p>
             <a:pPr lvl="3"/>
             <a:r>
-              <a:rPr lang="zh-CN" altLang="en-US" smtClean="0"/>
+              <a:rPr lang="zh-CN" altLang="en-US"/>
               <a:t>第四级</a:t>
             </a:r>
           </a:p>
           <a:p>
             <a:pPr lvl="4"/>
             <a:r>
-              <a:rPr lang="zh-CN" altLang="en-US" smtClean="0"/>
+              <a:rPr lang="zh-CN" altLang="en-US"/>
               <a:t>第五级</a:t>
             </a:r>
-            <a:endParaRPr lang="zh-CN" altLang="en-US"/>
           </a:p>
         </p:txBody>
       </p:sp>
@@ -1529,7 +1533,7 @@
           <a:p>
             <a:pPr lvl="0"/>
             <a:r>
-              <a:rPr lang="zh-CN" altLang="en-US" smtClean="0"/>
+              <a:rPr lang="zh-CN" altLang="en-US"/>
               <a:t>编辑母版文本样式</a:t>
             </a:r>
           </a:p>
@@ -1557,38 +1561,37 @@
           <a:p>
             <a:pPr lvl="0"/>
             <a:r>
-              <a:rPr lang="zh-CN" altLang="en-US" smtClean="0"/>
+              <a:rPr lang="zh-CN" altLang="en-US"/>
               <a:t>编辑母版文本样式</a:t>
             </a:r>
           </a:p>
           <a:p>
             <a:pPr lvl="1"/>
             <a:r>
-              <a:rPr lang="zh-CN" altLang="en-US" smtClean="0"/>
+              <a:rPr lang="zh-CN" altLang="en-US"/>
               <a:t>第二级</a:t>
             </a:r>
           </a:p>
           <a:p>
             <a:pPr lvl="2"/>
             <a:r>
-              <a:rPr lang="zh-CN" altLang="en-US" smtClean="0"/>
+              <a:rPr lang="zh-CN" altLang="en-US"/>
               <a:t>第三级</a:t>
             </a:r>
           </a:p>
           <a:p>
             <a:pPr lvl="3"/>
             <a:r>
-              <a:rPr lang="zh-CN" altLang="en-US" smtClean="0"/>
+              <a:rPr lang="zh-CN" altLang="en-US"/>
               <a:t>第四级</a:t>
             </a:r>
           </a:p>
           <a:p>
             <a:pPr lvl="4"/>
             <a:r>
-              <a:rPr lang="zh-CN" altLang="en-US" smtClean="0"/>
+              <a:rPr lang="zh-CN" altLang="en-US"/>
               <a:t>第五级</a:t>
             </a:r>
-            <a:endParaRPr lang="zh-CN" altLang="en-US"/>
           </a:p>
         </p:txBody>
       </p:sp>
@@ -1609,7 +1612,7 @@
           <a:p>
             <a:fld id="{CC1FC442-B89C-44C2-8ED1-A5E42BD589E9}" type="datetimeFigureOut">
               <a:rPr lang="zh-CN" altLang="en-US" smtClean="0"/>
-              <a:t>2019/3/17</a:t>
+              <a:t>2019/4/2</a:t>
             </a:fld>
             <a:endParaRPr lang="zh-CN" altLang="en-US"/>
           </a:p>
@@ -1703,10 +1706,9 @@
           <a:lstStyle/>
           <a:p>
             <a:r>
-              <a:rPr lang="zh-CN" altLang="en-US" smtClean="0"/>
+              <a:rPr lang="zh-CN" altLang="en-US"/>
               <a:t>单击此处编辑母版标题样式</a:t>
             </a:r>
-            <a:endParaRPr lang="zh-CN" altLang="en-US"/>
           </a:p>
         </p:txBody>
       </p:sp>
@@ -1727,7 +1729,7 @@
           <a:p>
             <a:fld id="{CC1FC442-B89C-44C2-8ED1-A5E42BD589E9}" type="datetimeFigureOut">
               <a:rPr lang="zh-CN" altLang="en-US" smtClean="0"/>
-              <a:t>2019/3/17</a:t>
+              <a:t>2019/4/2</a:t>
             </a:fld>
             <a:endParaRPr lang="zh-CN" altLang="en-US"/>
           </a:p>
@@ -1822,7 +1824,7 @@
           <a:p>
             <a:fld id="{CC1FC442-B89C-44C2-8ED1-A5E42BD589E9}" type="datetimeFigureOut">
               <a:rPr lang="zh-CN" altLang="en-US" smtClean="0"/>
-              <a:t>2019/3/17</a:t>
+              <a:t>2019/4/2</a:t>
             </a:fld>
             <a:endParaRPr lang="zh-CN" altLang="en-US"/>
           </a:p>
@@ -1925,10 +1927,9 @@
           </a:lstStyle>
           <a:p>
             <a:r>
-              <a:rPr lang="zh-CN" altLang="en-US" smtClean="0"/>
+              <a:rPr lang="zh-CN" altLang="en-US"/>
               <a:t>单击此处编辑母版标题样式</a:t>
             </a:r>
-            <a:endParaRPr lang="zh-CN" altLang="en-US"/>
           </a:p>
         </p:txBody>
       </p:sp>
@@ -1982,38 +1983,37 @@
           <a:p>
             <a:pPr lvl="0"/>
             <a:r>
-              <a:rPr lang="zh-CN" altLang="en-US" smtClean="0"/>
+              <a:rPr lang="zh-CN" altLang="en-US"/>
               <a:t>编辑母版文本样式</a:t>
             </a:r>
           </a:p>
           <a:p>
             <a:pPr lvl="1"/>
             <a:r>
-              <a:rPr lang="zh-CN" altLang="en-US" smtClean="0"/>
+              <a:rPr lang="zh-CN" altLang="en-US"/>
               <a:t>第二级</a:t>
             </a:r>
           </a:p>
           <a:p>
             <a:pPr lvl="2"/>
             <a:r>
-              <a:rPr lang="zh-CN" altLang="en-US" smtClean="0"/>
+              <a:rPr lang="zh-CN" altLang="en-US"/>
               <a:t>第三级</a:t>
             </a:r>
           </a:p>
           <a:p>
             <a:pPr lvl="3"/>
             <a:r>
-              <a:rPr lang="zh-CN" altLang="en-US" smtClean="0"/>
+              <a:rPr lang="zh-CN" altLang="en-US"/>
               <a:t>第四级</a:t>
             </a:r>
           </a:p>
           <a:p>
             <a:pPr lvl="4"/>
             <a:r>
-              <a:rPr lang="zh-CN" altLang="en-US" smtClean="0"/>
+              <a:rPr lang="zh-CN" altLang="en-US"/>
               <a:t>第五级</a:t>
             </a:r>
-            <a:endParaRPr lang="zh-CN" altLang="en-US"/>
           </a:p>
         </p:txBody>
       </p:sp>
@@ -2076,7 +2076,7 @@
           <a:p>
             <a:pPr lvl="0"/>
             <a:r>
-              <a:rPr lang="zh-CN" altLang="en-US" smtClean="0"/>
+              <a:rPr lang="zh-CN" altLang="en-US"/>
               <a:t>编辑母版文本样式</a:t>
             </a:r>
           </a:p>
@@ -2099,7 +2099,7 @@
           <a:p>
             <a:fld id="{CC1FC442-B89C-44C2-8ED1-A5E42BD589E9}" type="datetimeFigureOut">
               <a:rPr lang="zh-CN" altLang="en-US" smtClean="0"/>
-              <a:t>2019/3/17</a:t>
+              <a:t>2019/4/2</a:t>
             </a:fld>
             <a:endParaRPr lang="zh-CN" altLang="en-US"/>
           </a:p>
@@ -2202,10 +2202,9 @@
           </a:lstStyle>
           <a:p>
             <a:r>
-              <a:rPr lang="zh-CN" altLang="en-US" smtClean="0"/>
+              <a:rPr lang="zh-CN" altLang="en-US"/>
               <a:t>单击此处编辑母版标题样式</a:t>
             </a:r>
-            <a:endParaRPr lang="zh-CN" altLang="en-US"/>
           </a:p>
         </p:txBody>
       </p:sp>
@@ -2329,7 +2328,7 @@
           <a:p>
             <a:pPr lvl="0"/>
             <a:r>
-              <a:rPr lang="zh-CN" altLang="en-US" smtClean="0"/>
+              <a:rPr lang="zh-CN" altLang="en-US"/>
               <a:t>编辑母版文本样式</a:t>
             </a:r>
           </a:p>
@@ -2352,7 +2351,7 @@
           <a:p>
             <a:fld id="{CC1FC442-B89C-44C2-8ED1-A5E42BD589E9}" type="datetimeFigureOut">
               <a:rPr lang="zh-CN" altLang="en-US" smtClean="0"/>
-              <a:t>2019/3/17</a:t>
+              <a:t>2019/4/2</a:t>
             </a:fld>
             <a:endParaRPr lang="zh-CN" altLang="en-US"/>
           </a:p>
@@ -2461,10 +2460,9 @@
           <a:lstStyle/>
           <a:p>
             <a:r>
-              <a:rPr lang="zh-CN" altLang="en-US" smtClean="0"/>
+              <a:rPr lang="zh-CN" altLang="en-US"/>
               <a:t>单击此处编辑母版标题样式</a:t>
             </a:r>
-            <a:endParaRPr lang="zh-CN" altLang="en-US"/>
           </a:p>
         </p:txBody>
       </p:sp>
@@ -2495,38 +2493,37 @@
           <a:p>
             <a:pPr lvl="0"/>
             <a:r>
-              <a:rPr lang="zh-CN" altLang="en-US" smtClean="0"/>
+              <a:rPr lang="zh-CN" altLang="en-US"/>
               <a:t>编辑母版文本样式</a:t>
             </a:r>
           </a:p>
           <a:p>
             <a:pPr lvl="1"/>
             <a:r>
-              <a:rPr lang="zh-CN" altLang="en-US" smtClean="0"/>
+              <a:rPr lang="zh-CN" altLang="en-US"/>
               <a:t>第二级</a:t>
             </a:r>
           </a:p>
           <a:p>
             <a:pPr lvl="2"/>
             <a:r>
-              <a:rPr lang="zh-CN" altLang="en-US" smtClean="0"/>
+              <a:rPr lang="zh-CN" altLang="en-US"/>
               <a:t>第三级</a:t>
             </a:r>
           </a:p>
           <a:p>
             <a:pPr lvl="3"/>
             <a:r>
-              <a:rPr lang="zh-CN" altLang="en-US" smtClean="0"/>
+              <a:rPr lang="zh-CN" altLang="en-US"/>
               <a:t>第四级</a:t>
             </a:r>
           </a:p>
           <a:p>
             <a:pPr lvl="4"/>
             <a:r>
-              <a:rPr lang="zh-CN" altLang="en-US" smtClean="0"/>
+              <a:rPr lang="zh-CN" altLang="en-US"/>
               <a:t>第五级</a:t>
             </a:r>
-            <a:endParaRPr lang="zh-CN" altLang="en-US"/>
           </a:p>
         </p:txBody>
       </p:sp>
@@ -2565,7 +2562,7 @@
           <a:p>
             <a:fld id="{CC1FC442-B89C-44C2-8ED1-A5E42BD589E9}" type="datetimeFigureOut">
               <a:rPr lang="zh-CN" altLang="en-US" smtClean="0"/>
-              <a:t>2019/3/17</a:t>
+              <a:t>2019/4/2</a:t>
             </a:fld>
             <a:endParaRPr lang="zh-CN" altLang="en-US"/>
           </a:p>
@@ -2993,7 +2990,7 @@
           <a:lstStyle/>
           <a:p>
             <a:r>
-              <a:rPr lang="en-US" altLang="zh-CN" dirty="0" smtClean="0"/>
+              <a:rPr lang="en-US" altLang="zh-CN" dirty="0"/>
               <a:t>Project</a:t>
             </a:r>
             <a:endParaRPr lang="zh-CN" altLang="en-US" dirty="0"/>
@@ -3023,29 +3020,29 @@
           <a:lstStyle/>
           <a:p>
             <a:r>
-              <a:rPr lang="zh-CN" altLang="en-US" b="1" dirty="0" smtClean="0">
+              <a:rPr lang="zh-CN" altLang="en-US" b="1" dirty="0">
                 <a:latin typeface="Consolas" panose="020B0609020204030204" pitchFamily="49" charset="0"/>
               </a:rPr>
               <a:t>项目逻辑</a:t>
             </a:r>
-            <a:endParaRPr lang="en-US" altLang="zh-CN" b="1" dirty="0" smtClean="0">
-              <a:latin typeface="Consolas" panose="020B0609020204030204" pitchFamily="49" charset="0"/>
-            </a:endParaRPr>
-          </a:p>
-          <a:p>
             <a:endParaRPr lang="en-US" altLang="zh-CN" b="1" dirty="0">
               <a:latin typeface="Consolas" panose="020B0609020204030204" pitchFamily="49" charset="0"/>
             </a:endParaRPr>
           </a:p>
           <a:p>
-            <a:r>
-              <a:rPr lang="en-US" altLang="zh-CN" b="1" dirty="0" smtClean="0">
+            <a:endParaRPr lang="en-US" altLang="zh-CN" b="1" dirty="0">
+              <a:latin typeface="Consolas" panose="020B0609020204030204" pitchFamily="49" charset="0"/>
+            </a:endParaRPr>
+          </a:p>
+          <a:p>
+            <a:r>
+              <a:rPr lang="en-US" altLang="zh-CN" b="1" dirty="0">
                 <a:latin typeface="Consolas" panose="020B0609020204030204" pitchFamily="49" charset="0"/>
               </a:rPr>
               <a:t>Project</a:t>
             </a:r>
             <a:r>
-              <a:rPr lang="en-US" altLang="zh-CN" b="1" dirty="0" smtClean="0">
+              <a:rPr lang="en-US" altLang="zh-CN" b="1" dirty="0">
                 <a:solidFill>
                   <a:srgbClr val="FF0000"/>
                 </a:solidFill>
@@ -3054,7 +3051,7 @@
               <a:t>【</a:t>
             </a:r>
             <a:r>
-              <a:rPr lang="zh-CN" altLang="en-US" b="1" dirty="0" smtClean="0">
+              <a:rPr lang="zh-CN" altLang="en-US" b="1" dirty="0">
                 <a:solidFill>
                   <a:srgbClr val="FF0000"/>
                 </a:solidFill>
@@ -3063,7 +3060,7 @@
               <a:t>不可点击</a:t>
             </a:r>
             <a:r>
-              <a:rPr lang="en-US" altLang="zh-CN" b="1" dirty="0" smtClean="0">
+              <a:rPr lang="en-US" altLang="zh-CN" b="1" dirty="0">
                 <a:solidFill>
                   <a:srgbClr val="FF0000"/>
                 </a:solidFill>
@@ -3074,19 +3071,19 @@
           </a:p>
           <a:p>
             <a:r>
-              <a:rPr lang="en-US" altLang="zh-CN" dirty="0" smtClean="0">
+              <a:rPr lang="en-US" altLang="zh-CN" dirty="0">
                 <a:latin typeface="Consolas" panose="020B0609020204030204" pitchFamily="49" charset="0"/>
               </a:rPr>
               <a:t>|-</a:t>
             </a:r>
             <a:r>
-              <a:rPr lang="en-US" altLang="zh-CN" b="1" dirty="0" smtClean="0">
+              <a:rPr lang="en-US" altLang="zh-CN" b="1" dirty="0">
                 <a:latin typeface="Consolas" panose="020B0609020204030204" pitchFamily="49" charset="0"/>
               </a:rPr>
               <a:t>Geo1</a:t>
             </a:r>
             <a:r>
-              <a:rPr lang="en-US" altLang="zh-CN" b="1" dirty="0" smtClean="0">
+              <a:rPr lang="en-US" altLang="zh-CN" b="1" dirty="0">
                 <a:solidFill>
                   <a:srgbClr val="FF0000"/>
                 </a:solidFill>
@@ -3095,7 +3092,7 @@
               <a:t>【</a:t>
             </a:r>
             <a:r>
-              <a:rPr lang="zh-CN" altLang="en-US" b="1" dirty="0" smtClean="0">
+              <a:rPr lang="zh-CN" altLang="en-US" b="1" dirty="0">
                 <a:solidFill>
                   <a:srgbClr val="FF0000"/>
                 </a:solidFill>
@@ -3104,7 +3101,7 @@
               <a:t>工程设置</a:t>
             </a:r>
             <a:r>
-              <a:rPr lang="en-US" altLang="zh-CN" b="1" dirty="0" smtClean="0">
+              <a:rPr lang="en-US" altLang="zh-CN" b="1" dirty="0">
                 <a:solidFill>
                   <a:srgbClr val="FF0000"/>
                 </a:solidFill>
@@ -3115,31 +3112,31 @@
           </a:p>
           <a:p>
             <a:r>
-              <a:rPr lang="en-US" altLang="zh-CN" dirty="0" smtClean="0">
+              <a:rPr lang="en-US" altLang="zh-CN" dirty="0">
                 <a:latin typeface="Consolas" panose="020B0609020204030204" pitchFamily="49" charset="0"/>
               </a:rPr>
               <a:t>| |-</a:t>
             </a:r>
             <a:r>
-              <a:rPr lang="en-US" altLang="zh-CN" dirty="0" err="1" smtClean="0">
+              <a:rPr lang="en-US" altLang="zh-CN" dirty="0" err="1">
                 <a:latin typeface="Consolas" panose="020B0609020204030204" pitchFamily="49" charset="0"/>
               </a:rPr>
               <a:t>RandomMap</a:t>
             </a:r>
             <a:r>
-              <a:rPr lang="en-US" altLang="zh-CN" dirty="0" smtClean="0">
+              <a:rPr lang="en-US" altLang="zh-CN" dirty="0">
                 <a:latin typeface="Consolas" panose="020B0609020204030204" pitchFamily="49" charset="0"/>
               </a:rPr>
               <a:t>【</a:t>
             </a:r>
             <a:r>
-              <a:rPr lang="zh-CN" altLang="en-US" dirty="0" smtClean="0">
+              <a:rPr lang="zh-CN" altLang="en-US" dirty="0">
                 <a:latin typeface="Consolas" panose="020B0609020204030204" pitchFamily="49" charset="0"/>
               </a:rPr>
               <a:t>随机数图</a:t>
             </a:r>
             <a:r>
-              <a:rPr lang="en-US" altLang="zh-CN" dirty="0" smtClean="0">
+              <a:rPr lang="en-US" altLang="zh-CN" dirty="0">
                 <a:latin typeface="Consolas" panose="020B0609020204030204" pitchFamily="49" charset="0"/>
               </a:rPr>
               <a:t>】</a:t>
@@ -3147,31 +3144,31 @@
           </a:p>
           <a:p>
             <a:r>
-              <a:rPr lang="en-US" altLang="zh-CN" dirty="0" smtClean="0">
+              <a:rPr lang="en-US" altLang="zh-CN" dirty="0">
                 <a:latin typeface="Consolas" panose="020B0609020204030204" pitchFamily="49" charset="0"/>
               </a:rPr>
               <a:t>| |-</a:t>
             </a:r>
             <a:r>
-              <a:rPr lang="en-US" altLang="zh-CN" dirty="0" err="1" smtClean="0">
+              <a:rPr lang="en-US" altLang="zh-CN" dirty="0" err="1">
                 <a:latin typeface="Consolas" panose="020B0609020204030204" pitchFamily="49" charset="0"/>
               </a:rPr>
               <a:t>HeightMap</a:t>
             </a:r>
             <a:r>
-              <a:rPr lang="en-US" altLang="zh-CN" dirty="0" smtClean="0">
+              <a:rPr lang="en-US" altLang="zh-CN" dirty="0">
                 <a:latin typeface="Consolas" panose="020B0609020204030204" pitchFamily="49" charset="0"/>
               </a:rPr>
               <a:t>【</a:t>
             </a:r>
             <a:r>
-              <a:rPr lang="zh-CN" altLang="en-US" dirty="0" smtClean="0">
+              <a:rPr lang="zh-CN" altLang="en-US" dirty="0">
                 <a:latin typeface="Consolas" panose="020B0609020204030204" pitchFamily="49" charset="0"/>
               </a:rPr>
               <a:t>高度图</a:t>
             </a:r>
             <a:r>
-              <a:rPr lang="en-US" altLang="zh-CN" dirty="0" smtClean="0">
+              <a:rPr lang="en-US" altLang="zh-CN" dirty="0">
                 <a:latin typeface="Consolas" panose="020B0609020204030204" pitchFamily="49" charset="0"/>
               </a:rPr>
               <a:t>】</a:t>
@@ -3179,25 +3176,25 @@
           </a:p>
           <a:p>
             <a:r>
-              <a:rPr lang="en-US" altLang="zh-CN" dirty="0" smtClean="0">
+              <a:rPr lang="en-US" altLang="zh-CN" dirty="0">
                 <a:latin typeface="Consolas" panose="020B0609020204030204" pitchFamily="49" charset="0"/>
               </a:rPr>
               <a:t>| | |-</a:t>
             </a:r>
             <a:r>
-              <a:rPr lang="en-US" altLang="zh-CN" dirty="0" err="1" smtClean="0">
+              <a:rPr lang="en-US" altLang="zh-CN" dirty="0" err="1">
                 <a:latin typeface="Consolas" panose="020B0609020204030204" pitchFamily="49" charset="0"/>
               </a:rPr>
               <a:t>SubMap</a:t>
             </a:r>
             <a:r>
-              <a:rPr lang="zh-CN" altLang="en-US" dirty="0" smtClean="0">
+              <a:rPr lang="zh-CN" altLang="en-US" dirty="0">
                 <a:latin typeface="Consolas" panose="020B0609020204030204" pitchFamily="49" charset="0"/>
               </a:rPr>
               <a:t>子图</a:t>
             </a:r>
             <a:r>
-              <a:rPr lang="en-US" altLang="zh-CN" dirty="0" smtClean="0">
+              <a:rPr lang="en-US" altLang="zh-CN" dirty="0">
                 <a:latin typeface="Consolas" panose="020B0609020204030204" pitchFamily="49" charset="0"/>
               </a:rPr>
               <a:t>1</a:t>
@@ -3205,25 +3202,25 @@
           </a:p>
           <a:p>
             <a:r>
-              <a:rPr lang="en-US" altLang="zh-CN" dirty="0" smtClean="0">
+              <a:rPr lang="en-US" altLang="zh-CN" dirty="0">
                 <a:latin typeface="Consolas" panose="020B0609020204030204" pitchFamily="49" charset="0"/>
               </a:rPr>
               <a:t>| | |-</a:t>
             </a:r>
             <a:r>
-              <a:rPr lang="en-US" altLang="zh-CN" dirty="0" err="1" smtClean="0">
+              <a:rPr lang="en-US" altLang="zh-CN" dirty="0" err="1">
                 <a:latin typeface="Consolas" panose="020B0609020204030204" pitchFamily="49" charset="0"/>
               </a:rPr>
               <a:t>SubMap</a:t>
             </a:r>
             <a:r>
-              <a:rPr lang="zh-CN" altLang="en-US" dirty="0" smtClean="0">
+              <a:rPr lang="zh-CN" altLang="en-US" dirty="0">
                 <a:latin typeface="Consolas" panose="020B0609020204030204" pitchFamily="49" charset="0"/>
               </a:rPr>
               <a:t>子图</a:t>
             </a:r>
             <a:r>
-              <a:rPr lang="en-US" altLang="zh-CN" dirty="0" smtClean="0">
+              <a:rPr lang="en-US" altLang="zh-CN" dirty="0">
                 <a:latin typeface="Consolas" panose="020B0609020204030204" pitchFamily="49" charset="0"/>
               </a:rPr>
               <a:t>2</a:t>
@@ -3231,31 +3228,31 @@
           </a:p>
           <a:p>
             <a:r>
-              <a:rPr lang="en-US" altLang="zh-CN" dirty="0" smtClean="0">
+              <a:rPr lang="en-US" altLang="zh-CN" dirty="0">
                 <a:latin typeface="Consolas" panose="020B0609020204030204" pitchFamily="49" charset="0"/>
               </a:rPr>
               <a:t>| |-</a:t>
             </a:r>
             <a:r>
-              <a:rPr lang="en-US" altLang="zh-CN" dirty="0" err="1" smtClean="0">
+              <a:rPr lang="en-US" altLang="zh-CN" dirty="0" err="1">
                 <a:latin typeface="Consolas" panose="020B0609020204030204" pitchFamily="49" charset="0"/>
               </a:rPr>
               <a:t>TerrainMap</a:t>
             </a:r>
             <a:r>
-              <a:rPr lang="en-US" altLang="zh-CN" dirty="0" smtClean="0">
+              <a:rPr lang="en-US" altLang="zh-CN" dirty="0">
                 <a:latin typeface="Consolas" panose="020B0609020204030204" pitchFamily="49" charset="0"/>
               </a:rPr>
               <a:t>【</a:t>
             </a:r>
             <a:r>
-              <a:rPr lang="zh-CN" altLang="en-US" dirty="0" smtClean="0">
+              <a:rPr lang="zh-CN" altLang="en-US" dirty="0">
                 <a:latin typeface="Consolas" panose="020B0609020204030204" pitchFamily="49" charset="0"/>
               </a:rPr>
               <a:t>地势图</a:t>
             </a:r>
             <a:r>
-              <a:rPr lang="en-US" altLang="zh-CN" dirty="0" smtClean="0">
+              <a:rPr lang="en-US" altLang="zh-CN" dirty="0">
                 <a:latin typeface="Consolas" panose="020B0609020204030204" pitchFamily="49" charset="0"/>
               </a:rPr>
               <a:t>】</a:t>
@@ -3263,31 +3260,31 @@
           </a:p>
           <a:p>
             <a:r>
-              <a:rPr lang="en-US" altLang="zh-CN" dirty="0" smtClean="0">
+              <a:rPr lang="en-US" altLang="zh-CN" dirty="0">
                 <a:latin typeface="Consolas" panose="020B0609020204030204" pitchFamily="49" charset="0"/>
               </a:rPr>
               <a:t>| |-</a:t>
             </a:r>
             <a:r>
-              <a:rPr lang="en-US" altLang="zh-CN" b="1" dirty="0" err="1" smtClean="0">
+              <a:rPr lang="en-US" altLang="zh-CN" b="1" dirty="0" err="1">
                 <a:latin typeface="Consolas" panose="020B0609020204030204" pitchFamily="49" charset="0"/>
               </a:rPr>
               <a:t>LaterFactory</a:t>
             </a:r>
             <a:r>
-              <a:rPr lang="en-US" altLang="zh-CN" b="1" dirty="0" smtClean="0">
+              <a:rPr lang="en-US" altLang="zh-CN" b="1" dirty="0">
                 <a:latin typeface="Consolas" panose="020B0609020204030204" pitchFamily="49" charset="0"/>
               </a:rPr>
               <a:t>【</a:t>
             </a:r>
             <a:r>
-              <a:rPr lang="zh-CN" altLang="en-US" b="1" dirty="0" smtClean="0">
+              <a:rPr lang="zh-CN" altLang="en-US" b="1" dirty="0">
                 <a:latin typeface="Consolas" panose="020B0609020204030204" pitchFamily="49" charset="0"/>
               </a:rPr>
               <a:t>后期工厂</a:t>
             </a:r>
             <a:r>
-              <a:rPr lang="en-US" altLang="zh-CN" dirty="0" smtClean="0">
+              <a:rPr lang="en-US" altLang="zh-CN" dirty="0">
                 <a:latin typeface="Consolas" panose="020B0609020204030204" pitchFamily="49" charset="0"/>
               </a:rPr>
               <a:t>】</a:t>
@@ -3295,31 +3292,31 @@
           </a:p>
           <a:p>
             <a:r>
-              <a:rPr lang="en-US" altLang="zh-CN" dirty="0" smtClean="0">
+              <a:rPr lang="en-US" altLang="zh-CN" dirty="0">
                 <a:latin typeface="Consolas" panose="020B0609020204030204" pitchFamily="49" charset="0"/>
               </a:rPr>
               <a:t>|   |-</a:t>
             </a:r>
             <a:r>
-              <a:rPr lang="en-US" altLang="zh-CN" dirty="0" err="1" smtClean="0">
+              <a:rPr lang="en-US" altLang="zh-CN" dirty="0" err="1">
                 <a:latin typeface="Consolas" panose="020B0609020204030204" pitchFamily="49" charset="0"/>
               </a:rPr>
               <a:t>AirMotion</a:t>
             </a:r>
             <a:r>
-              <a:rPr lang="en-US" altLang="zh-CN" dirty="0" smtClean="0">
+              <a:rPr lang="en-US" altLang="zh-CN" dirty="0">
                 <a:latin typeface="Consolas" panose="020B0609020204030204" pitchFamily="49" charset="0"/>
               </a:rPr>
               <a:t>【</a:t>
             </a:r>
             <a:r>
-              <a:rPr lang="zh-CN" altLang="en-US" dirty="0" smtClean="0">
+              <a:rPr lang="zh-CN" altLang="en-US" dirty="0">
                 <a:latin typeface="Consolas" panose="020B0609020204030204" pitchFamily="49" charset="0"/>
               </a:rPr>
               <a:t>空气流动图</a:t>
             </a:r>
             <a:r>
-              <a:rPr lang="en-US" altLang="zh-CN" dirty="0" smtClean="0">
+              <a:rPr lang="en-US" altLang="zh-CN" dirty="0">
                 <a:latin typeface="Consolas" panose="020B0609020204030204" pitchFamily="49" charset="0"/>
               </a:rPr>
               <a:t>】</a:t>
@@ -3327,19 +3324,19 @@
           </a:p>
           <a:p>
             <a:r>
-              <a:rPr lang="en-US" altLang="zh-CN" dirty="0" smtClean="0">
+              <a:rPr lang="en-US" altLang="zh-CN" dirty="0">
                 <a:latin typeface="Consolas" panose="020B0609020204030204" pitchFamily="49" charset="0"/>
               </a:rPr>
               <a:t>|   |-Precipitation【</a:t>
             </a:r>
             <a:r>
-              <a:rPr lang="zh-CN" altLang="en-US" dirty="0" smtClean="0">
+              <a:rPr lang="zh-CN" altLang="en-US" dirty="0">
                 <a:latin typeface="Consolas" panose="020B0609020204030204" pitchFamily="49" charset="0"/>
               </a:rPr>
               <a:t>降水</a:t>
             </a:r>
             <a:r>
-              <a:rPr lang="en-US" altLang="zh-CN" dirty="0" smtClean="0">
+              <a:rPr lang="en-US" altLang="zh-CN" dirty="0">
                 <a:latin typeface="Consolas" panose="020B0609020204030204" pitchFamily="49" charset="0"/>
               </a:rPr>
               <a:t>】</a:t>
@@ -3347,19 +3344,19 @@
           </a:p>
           <a:p>
             <a:r>
-              <a:rPr lang="en-US" altLang="zh-CN" dirty="0" smtClean="0">
+              <a:rPr lang="en-US" altLang="zh-CN" dirty="0">
                 <a:latin typeface="Consolas" panose="020B0609020204030204" pitchFamily="49" charset="0"/>
               </a:rPr>
               <a:t>|   |-【</a:t>
             </a:r>
             <a:r>
-              <a:rPr lang="zh-CN" altLang="en-US" dirty="0" smtClean="0">
+              <a:rPr lang="zh-CN" altLang="en-US" dirty="0">
                 <a:latin typeface="Consolas" panose="020B0609020204030204" pitchFamily="49" charset="0"/>
               </a:rPr>
               <a:t>水域</a:t>
             </a:r>
             <a:r>
-              <a:rPr lang="en-US" altLang="zh-CN" dirty="0" smtClean="0">
+              <a:rPr lang="en-US" altLang="zh-CN" dirty="0">
                 <a:latin typeface="Consolas" panose="020B0609020204030204" pitchFamily="49" charset="0"/>
               </a:rPr>
               <a:t>】</a:t>
@@ -3367,19 +3364,19 @@
           </a:p>
           <a:p>
             <a:r>
-              <a:rPr lang="en-US" altLang="zh-CN" dirty="0" smtClean="0">
+              <a:rPr lang="en-US" altLang="zh-CN" dirty="0">
                 <a:latin typeface="Consolas" panose="020B0609020204030204" pitchFamily="49" charset="0"/>
               </a:rPr>
               <a:t>|   |-【</a:t>
             </a:r>
             <a:r>
-              <a:rPr lang="zh-CN" altLang="en-US" dirty="0" smtClean="0">
+              <a:rPr lang="zh-CN" altLang="en-US" dirty="0">
                 <a:latin typeface="Consolas" panose="020B0609020204030204" pitchFamily="49" charset="0"/>
               </a:rPr>
               <a:t>生物群</a:t>
             </a:r>
             <a:r>
-              <a:rPr lang="en-US" altLang="zh-CN" dirty="0" smtClean="0">
+              <a:rPr lang="en-US" altLang="zh-CN" dirty="0">
                 <a:latin typeface="Consolas" panose="020B0609020204030204" pitchFamily="49" charset="0"/>
               </a:rPr>
               <a:t>】</a:t>
@@ -3387,13 +3384,13 @@
           </a:p>
           <a:p>
             <a:r>
-              <a:rPr lang="en-US" altLang="zh-CN" dirty="0" smtClean="0">
+              <a:rPr lang="en-US" altLang="zh-CN" dirty="0">
                 <a:latin typeface="Consolas" panose="020B0609020204030204" pitchFamily="49" charset="0"/>
               </a:rPr>
               <a:t>|-</a:t>
             </a:r>
             <a:r>
-              <a:rPr lang="en-US" altLang="zh-CN" b="1" dirty="0" smtClean="0">
+              <a:rPr lang="en-US" altLang="zh-CN" b="1" dirty="0">
                 <a:latin typeface="Consolas" panose="020B0609020204030204" pitchFamily="49" charset="0"/>
               </a:rPr>
               <a:t>Geo2</a:t>
@@ -3401,31 +3398,31 @@
           </a:p>
           <a:p>
             <a:r>
-              <a:rPr lang="en-US" altLang="zh-CN" dirty="0" smtClean="0">
+              <a:rPr lang="en-US" altLang="zh-CN" dirty="0">
                 <a:latin typeface="Consolas" panose="020B0609020204030204" pitchFamily="49" charset="0"/>
               </a:rPr>
               <a:t>| |-</a:t>
             </a:r>
             <a:r>
-              <a:rPr lang="en-US" altLang="zh-CN" dirty="0" err="1" smtClean="0">
+              <a:rPr lang="en-US" altLang="zh-CN" dirty="0" err="1">
                 <a:latin typeface="Consolas" panose="020B0609020204030204" pitchFamily="49" charset="0"/>
               </a:rPr>
               <a:t>RandomMap</a:t>
             </a:r>
             <a:r>
-              <a:rPr lang="en-US" altLang="zh-CN" dirty="0" smtClean="0">
+              <a:rPr lang="en-US" altLang="zh-CN" dirty="0">
                 <a:latin typeface="Consolas" panose="020B0609020204030204" pitchFamily="49" charset="0"/>
               </a:rPr>
               <a:t>【</a:t>
             </a:r>
             <a:r>
-              <a:rPr lang="zh-CN" altLang="en-US" dirty="0" smtClean="0">
+              <a:rPr lang="zh-CN" altLang="en-US" dirty="0">
                 <a:latin typeface="Consolas" panose="020B0609020204030204" pitchFamily="49" charset="0"/>
               </a:rPr>
               <a:t>随机数图</a:t>
             </a:r>
             <a:r>
-              <a:rPr lang="en-US" altLang="zh-CN" dirty="0" smtClean="0">
+              <a:rPr lang="en-US" altLang="zh-CN" dirty="0">
                 <a:latin typeface="Consolas" panose="020B0609020204030204" pitchFamily="49" charset="0"/>
               </a:rPr>
               <a:t>】</a:t>
@@ -3433,31 +3430,31 @@
           </a:p>
           <a:p>
             <a:r>
-              <a:rPr lang="en-US" altLang="zh-CN" dirty="0" smtClean="0">
+              <a:rPr lang="en-US" altLang="zh-CN" dirty="0">
                 <a:latin typeface="Consolas" panose="020B0609020204030204" pitchFamily="49" charset="0"/>
               </a:rPr>
               <a:t>| |-</a:t>
             </a:r>
             <a:r>
-              <a:rPr lang="en-US" altLang="zh-CN" dirty="0" err="1" smtClean="0">
+              <a:rPr lang="en-US" altLang="zh-CN" dirty="0" err="1">
                 <a:latin typeface="Consolas" panose="020B0609020204030204" pitchFamily="49" charset="0"/>
               </a:rPr>
               <a:t>HeightMap</a:t>
             </a:r>
             <a:r>
-              <a:rPr lang="en-US" altLang="zh-CN" dirty="0" smtClean="0">
+              <a:rPr lang="en-US" altLang="zh-CN" dirty="0">
                 <a:latin typeface="Consolas" panose="020B0609020204030204" pitchFamily="49" charset="0"/>
               </a:rPr>
               <a:t>【</a:t>
             </a:r>
             <a:r>
-              <a:rPr lang="zh-CN" altLang="en-US" dirty="0" smtClean="0">
+              <a:rPr lang="zh-CN" altLang="en-US" dirty="0">
                 <a:latin typeface="Consolas" panose="020B0609020204030204" pitchFamily="49" charset="0"/>
               </a:rPr>
               <a:t>高度图</a:t>
             </a:r>
             <a:r>
-              <a:rPr lang="en-US" altLang="zh-CN" dirty="0" smtClean="0">
+              <a:rPr lang="en-US" altLang="zh-CN" dirty="0">
                 <a:latin typeface="Consolas" panose="020B0609020204030204" pitchFamily="49" charset="0"/>
               </a:rPr>
               <a:t>】</a:t>
@@ -3465,31 +3462,31 @@
           </a:p>
           <a:p>
             <a:r>
-              <a:rPr lang="en-US" altLang="zh-CN" dirty="0" smtClean="0">
+              <a:rPr lang="en-US" altLang="zh-CN" dirty="0">
                 <a:latin typeface="Consolas" panose="020B0609020204030204" pitchFamily="49" charset="0"/>
               </a:rPr>
               <a:t>| |-</a:t>
             </a:r>
             <a:r>
-              <a:rPr lang="en-US" altLang="zh-CN" dirty="0" err="1" smtClean="0">
+              <a:rPr lang="en-US" altLang="zh-CN" dirty="0" err="1">
                 <a:latin typeface="Consolas" panose="020B0609020204030204" pitchFamily="49" charset="0"/>
               </a:rPr>
               <a:t>TerrainMap</a:t>
             </a:r>
             <a:r>
-              <a:rPr lang="en-US" altLang="zh-CN" dirty="0" smtClean="0">
+              <a:rPr lang="en-US" altLang="zh-CN" dirty="0">
                 <a:latin typeface="Consolas" panose="020B0609020204030204" pitchFamily="49" charset="0"/>
               </a:rPr>
               <a:t>【</a:t>
             </a:r>
             <a:r>
-              <a:rPr lang="zh-CN" altLang="en-US" dirty="0" smtClean="0">
+              <a:rPr lang="zh-CN" altLang="en-US" dirty="0">
                 <a:latin typeface="Consolas" panose="020B0609020204030204" pitchFamily="49" charset="0"/>
               </a:rPr>
               <a:t>地势图</a:t>
             </a:r>
             <a:r>
-              <a:rPr lang="en-US" altLang="zh-CN" dirty="0" smtClean="0">
+              <a:rPr lang="en-US" altLang="zh-CN" dirty="0">
                 <a:latin typeface="Consolas" panose="020B0609020204030204" pitchFamily="49" charset="0"/>
               </a:rPr>
               <a:t>】</a:t>
@@ -3497,31 +3494,31 @@
           </a:p>
           <a:p>
             <a:r>
-              <a:rPr lang="en-US" altLang="zh-CN" dirty="0" smtClean="0">
+              <a:rPr lang="en-US" altLang="zh-CN" dirty="0">
                 <a:latin typeface="Consolas" panose="020B0609020204030204" pitchFamily="49" charset="0"/>
               </a:rPr>
               <a:t>| |-</a:t>
             </a:r>
             <a:r>
-              <a:rPr lang="en-US" altLang="zh-CN" b="1" dirty="0" err="1" smtClean="0">
+              <a:rPr lang="en-US" altLang="zh-CN" b="1" dirty="0" err="1">
                 <a:latin typeface="Consolas" panose="020B0609020204030204" pitchFamily="49" charset="0"/>
               </a:rPr>
               <a:t>LaterFactory</a:t>
             </a:r>
             <a:r>
-              <a:rPr lang="en-US" altLang="zh-CN" b="1" dirty="0" smtClean="0">
+              <a:rPr lang="en-US" altLang="zh-CN" b="1" dirty="0">
                 <a:latin typeface="Consolas" panose="020B0609020204030204" pitchFamily="49" charset="0"/>
               </a:rPr>
               <a:t>【</a:t>
             </a:r>
             <a:r>
-              <a:rPr lang="zh-CN" altLang="en-US" b="1" dirty="0" smtClean="0">
+              <a:rPr lang="zh-CN" altLang="en-US" b="1" dirty="0">
                 <a:latin typeface="Consolas" panose="020B0609020204030204" pitchFamily="49" charset="0"/>
               </a:rPr>
               <a:t>后期工厂</a:t>
             </a:r>
             <a:r>
-              <a:rPr lang="en-US" altLang="zh-CN" dirty="0" smtClean="0">
+              <a:rPr lang="en-US" altLang="zh-CN" dirty="0">
                 <a:latin typeface="Consolas" panose="020B0609020204030204" pitchFamily="49" charset="0"/>
               </a:rPr>
               <a:t>】</a:t>
@@ -3529,31 +3526,31 @@
           </a:p>
           <a:p>
             <a:r>
-              <a:rPr lang="en-US" altLang="zh-CN" dirty="0" smtClean="0">
+              <a:rPr lang="en-US" altLang="zh-CN" dirty="0">
                 <a:latin typeface="Consolas" panose="020B0609020204030204" pitchFamily="49" charset="0"/>
               </a:rPr>
               <a:t>|   |-</a:t>
             </a:r>
             <a:r>
-              <a:rPr lang="en-US" altLang="zh-CN" dirty="0" err="1" smtClean="0">
+              <a:rPr lang="en-US" altLang="zh-CN" dirty="0" err="1">
                 <a:latin typeface="Consolas" panose="020B0609020204030204" pitchFamily="49" charset="0"/>
               </a:rPr>
               <a:t>AirMotion</a:t>
             </a:r>
             <a:r>
-              <a:rPr lang="en-US" altLang="zh-CN" dirty="0" smtClean="0">
+              <a:rPr lang="en-US" altLang="zh-CN" dirty="0">
                 <a:latin typeface="Consolas" panose="020B0609020204030204" pitchFamily="49" charset="0"/>
               </a:rPr>
               <a:t>【</a:t>
             </a:r>
             <a:r>
-              <a:rPr lang="zh-CN" altLang="en-US" dirty="0" smtClean="0">
+              <a:rPr lang="zh-CN" altLang="en-US" dirty="0">
                 <a:latin typeface="Consolas" panose="020B0609020204030204" pitchFamily="49" charset="0"/>
               </a:rPr>
               <a:t>空气流动图</a:t>
             </a:r>
             <a:r>
-              <a:rPr lang="en-US" altLang="zh-CN" dirty="0" smtClean="0">
+              <a:rPr lang="en-US" altLang="zh-CN" dirty="0">
                 <a:latin typeface="Consolas" panose="020B0609020204030204" pitchFamily="49" charset="0"/>
               </a:rPr>
               <a:t>】</a:t>
@@ -3561,19 +3558,19 @@
           </a:p>
           <a:p>
             <a:r>
-              <a:rPr lang="en-US" altLang="zh-CN" dirty="0" smtClean="0">
+              <a:rPr lang="en-US" altLang="zh-CN" dirty="0">
                 <a:latin typeface="Consolas" panose="020B0609020204030204" pitchFamily="49" charset="0"/>
               </a:rPr>
               <a:t>|   |-Precipitation【</a:t>
             </a:r>
             <a:r>
-              <a:rPr lang="zh-CN" altLang="en-US" dirty="0" smtClean="0">
+              <a:rPr lang="zh-CN" altLang="en-US" dirty="0">
                 <a:latin typeface="Consolas" panose="020B0609020204030204" pitchFamily="49" charset="0"/>
               </a:rPr>
               <a:t>降水</a:t>
             </a:r>
             <a:r>
-              <a:rPr lang="en-US" altLang="zh-CN" dirty="0" smtClean="0">
+              <a:rPr lang="en-US" altLang="zh-CN" dirty="0">
                 <a:latin typeface="Consolas" panose="020B0609020204030204" pitchFamily="49" charset="0"/>
               </a:rPr>
               <a:t>】</a:t>
@@ -3581,19 +3578,19 @@
           </a:p>
           <a:p>
             <a:r>
-              <a:rPr lang="en-US" altLang="zh-CN" dirty="0" smtClean="0">
+              <a:rPr lang="en-US" altLang="zh-CN" dirty="0">
                 <a:latin typeface="Consolas" panose="020B0609020204030204" pitchFamily="49" charset="0"/>
               </a:rPr>
               <a:t>|   |-【</a:t>
             </a:r>
             <a:r>
-              <a:rPr lang="zh-CN" altLang="en-US" dirty="0" smtClean="0">
+              <a:rPr lang="zh-CN" altLang="en-US" dirty="0">
                 <a:latin typeface="Consolas" panose="020B0609020204030204" pitchFamily="49" charset="0"/>
               </a:rPr>
               <a:t>水域</a:t>
             </a:r>
             <a:r>
-              <a:rPr lang="en-US" altLang="zh-CN" dirty="0" smtClean="0">
+              <a:rPr lang="en-US" altLang="zh-CN" dirty="0">
                 <a:latin typeface="Consolas" panose="020B0609020204030204" pitchFamily="49" charset="0"/>
               </a:rPr>
               <a:t>】</a:t>
@@ -3601,24 +3598,24 @@
           </a:p>
           <a:p>
             <a:r>
-              <a:rPr lang="en-US" altLang="zh-CN" dirty="0" smtClean="0">
+              <a:rPr lang="en-US" altLang="zh-CN" dirty="0">
                 <a:latin typeface="Consolas" panose="020B0609020204030204" pitchFamily="49" charset="0"/>
               </a:rPr>
               <a:t>|   |-【</a:t>
             </a:r>
             <a:r>
-              <a:rPr lang="zh-CN" altLang="en-US" dirty="0" smtClean="0">
+              <a:rPr lang="zh-CN" altLang="en-US" dirty="0">
                 <a:latin typeface="Consolas" panose="020B0609020204030204" pitchFamily="49" charset="0"/>
               </a:rPr>
               <a:t>生物群</a:t>
             </a:r>
             <a:r>
-              <a:rPr lang="en-US" altLang="zh-CN" dirty="0" smtClean="0">
+              <a:rPr lang="en-US" altLang="zh-CN" dirty="0">
                 <a:latin typeface="Consolas" panose="020B0609020204030204" pitchFamily="49" charset="0"/>
               </a:rPr>
               <a:t>】</a:t>
             </a:r>
-            <a:endParaRPr lang="zh-CN" altLang="en-US" dirty="0" smtClean="0">
+            <a:endParaRPr lang="zh-CN" altLang="en-US" dirty="0">
               <a:latin typeface="Consolas" panose="020B0609020204030204" pitchFamily="49" charset="0"/>
             </a:endParaRPr>
           </a:p>
@@ -3647,173 +3644,173 @@
           <a:lstStyle/>
           <a:p>
             <a:r>
-              <a:rPr lang="zh-CN" altLang="en-US" b="1" dirty="0" smtClean="0">
+              <a:rPr lang="zh-CN" altLang="en-US" b="1" dirty="0">
                 <a:latin typeface="Consolas" panose="020B0609020204030204" pitchFamily="49" charset="0"/>
               </a:rPr>
               <a:t>物理结构</a:t>
             </a:r>
-            <a:endParaRPr lang="en-US" altLang="zh-CN" b="1" dirty="0" smtClean="0">
-              <a:latin typeface="Consolas" panose="020B0609020204030204" pitchFamily="49" charset="0"/>
-            </a:endParaRPr>
-          </a:p>
-          <a:p>
             <a:endParaRPr lang="en-US" altLang="zh-CN" b="1" dirty="0">
               <a:latin typeface="Consolas" panose="020B0609020204030204" pitchFamily="49" charset="0"/>
             </a:endParaRPr>
           </a:p>
           <a:p>
-            <a:r>
-              <a:rPr lang="en-US" altLang="zh-CN" b="1" dirty="0" smtClean="0">
-                <a:latin typeface="Consolas" panose="020B0609020204030204" pitchFamily="49" charset="0"/>
-              </a:rPr>
-              <a:t>Project</a:t>
-            </a:r>
-          </a:p>
-          <a:p>
-            <a:r>
-              <a:rPr lang="en-US" altLang="zh-CN" dirty="0" smtClean="0">
-                <a:latin typeface="Consolas" panose="020B0609020204030204" pitchFamily="49" charset="0"/>
-              </a:rPr>
-              <a:t>|-</a:t>
-            </a:r>
-            <a:r>
-              <a:rPr lang="en-US" altLang="zh-CN" dirty="0" err="1" smtClean="0">
-                <a:latin typeface="Consolas" panose="020B0609020204030204" pitchFamily="49" charset="0"/>
-              </a:rPr>
-              <a:t>proj.mrimcproj</a:t>
-            </a:r>
-            <a:endParaRPr lang="en-US" altLang="zh-CN" b="1" dirty="0" smtClean="0">
+            <a:endParaRPr lang="en-US" altLang="zh-CN" b="1" dirty="0">
               <a:latin typeface="Consolas" panose="020B0609020204030204" pitchFamily="49" charset="0"/>
             </a:endParaRPr>
           </a:p>
           <a:p>
             <a:r>
-              <a:rPr lang="en-US" altLang="zh-CN" dirty="0" smtClean="0">
+              <a:rPr lang="en-US" altLang="zh-CN" b="1" dirty="0">
+                <a:latin typeface="Consolas" panose="020B0609020204030204" pitchFamily="49" charset="0"/>
+              </a:rPr>
+              <a:t>Project</a:t>
+            </a:r>
+          </a:p>
+          <a:p>
+            <a:r>
+              <a:rPr lang="en-US" altLang="zh-CN" dirty="0">
                 <a:latin typeface="Consolas" panose="020B0609020204030204" pitchFamily="49" charset="0"/>
               </a:rPr>
               <a:t>|-</a:t>
             </a:r>
             <a:r>
-              <a:rPr lang="en-US" altLang="zh-CN" b="1" dirty="0" smtClean="0">
-                <a:latin typeface="Consolas" panose="020B0609020204030204" pitchFamily="49" charset="0"/>
-              </a:rPr>
-              <a:t>Geo1</a:t>
-            </a:r>
-          </a:p>
-          <a:p>
-            <a:r>
-              <a:rPr lang="en-US" altLang="zh-CN" dirty="0" smtClean="0">
-                <a:latin typeface="Consolas" panose="020B0609020204030204" pitchFamily="49" charset="0"/>
-              </a:rPr>
-              <a:t>| |-geo1.mrigeoproj</a:t>
-            </a:r>
-          </a:p>
-          <a:p>
-            <a:r>
-              <a:rPr lang="en-US" altLang="zh-CN" dirty="0" smtClean="0">
-                <a:latin typeface="Consolas" panose="020B0609020204030204" pitchFamily="49" charset="0"/>
-              </a:rPr>
-              <a:t>| |-</a:t>
-            </a:r>
-            <a:r>
-              <a:rPr lang="en-US" altLang="zh-CN" b="1" dirty="0" smtClean="0">
-                <a:latin typeface="Consolas" panose="020B0609020204030204" pitchFamily="49" charset="0"/>
-              </a:rPr>
-              <a:t>Images【</a:t>
-            </a:r>
-            <a:r>
-              <a:rPr lang="zh-CN" altLang="en-US" b="1" dirty="0" smtClean="0">
-                <a:latin typeface="Consolas" panose="020B0609020204030204" pitchFamily="49" charset="0"/>
-              </a:rPr>
-              <a:t>缓存图像</a:t>
-            </a:r>
-            <a:r>
-              <a:rPr lang="en-US" altLang="zh-CN" b="1" dirty="0" smtClean="0">
-                <a:latin typeface="Consolas" panose="020B0609020204030204" pitchFamily="49" charset="0"/>
-              </a:rPr>
-              <a:t>】</a:t>
-            </a:r>
-          </a:p>
-          <a:p>
-            <a:r>
-              <a:rPr lang="en-US" altLang="zh-CN" dirty="0" smtClean="0">
-                <a:latin typeface="Consolas" panose="020B0609020204030204" pitchFamily="49" charset="0"/>
-              </a:rPr>
-              <a:t>| | |-img1.png</a:t>
-            </a:r>
-          </a:p>
-          <a:p>
-            <a:r>
-              <a:rPr lang="en-US" altLang="zh-CN" dirty="0" smtClean="0">
-                <a:latin typeface="Consolas" panose="020B0609020204030204" pitchFamily="49" charset="0"/>
-              </a:rPr>
-              <a:t>| | |-……</a:t>
-            </a:r>
-          </a:p>
-          <a:p>
-            <a:r>
-              <a:rPr lang="en-US" altLang="zh-CN" dirty="0" smtClean="0">
-                <a:latin typeface="Consolas" panose="020B0609020204030204" pitchFamily="49" charset="0"/>
-              </a:rPr>
-              <a:t>| |-</a:t>
-            </a:r>
-            <a:r>
-              <a:rPr lang="en-US" altLang="zh-CN" b="1" dirty="0" smtClean="0">
-                <a:latin typeface="Consolas" panose="020B0609020204030204" pitchFamily="49" charset="0"/>
-              </a:rPr>
-              <a:t>Catch【</a:t>
-            </a:r>
-            <a:r>
-              <a:rPr lang="zh-CN" altLang="en-US" b="1" dirty="0" smtClean="0">
-                <a:latin typeface="Consolas" panose="020B0609020204030204" pitchFamily="49" charset="0"/>
-              </a:rPr>
-              <a:t>缓存图像</a:t>
-            </a:r>
-            <a:r>
-              <a:rPr lang="en-US" altLang="zh-CN" b="1" dirty="0" smtClean="0">
-                <a:latin typeface="Consolas" panose="020B0609020204030204" pitchFamily="49" charset="0"/>
-              </a:rPr>
-              <a:t>】</a:t>
-            </a:r>
-          </a:p>
-          <a:p>
-            <a:r>
-              <a:rPr lang="en-US" altLang="zh-CN" dirty="0" smtClean="0">
-                <a:latin typeface="Consolas" panose="020B0609020204030204" pitchFamily="49" charset="0"/>
-              </a:rPr>
-              <a:t>| | |-……</a:t>
-            </a:r>
-            <a:endParaRPr lang="en-US" altLang="zh-CN" b="1" dirty="0" smtClean="0">
+              <a:rPr lang="en-US" altLang="zh-CN" dirty="0" err="1">
+                <a:latin typeface="Consolas" panose="020B0609020204030204" pitchFamily="49" charset="0"/>
+              </a:rPr>
+              <a:t>proj.mrimcproj</a:t>
+            </a:r>
+            <a:endParaRPr lang="en-US" altLang="zh-CN" b="1" dirty="0">
               <a:latin typeface="Consolas" panose="020B0609020204030204" pitchFamily="49" charset="0"/>
             </a:endParaRPr>
           </a:p>
           <a:p>
             <a:r>
-              <a:rPr lang="en-US" altLang="zh-CN" dirty="0" smtClean="0">
+              <a:rPr lang="en-US" altLang="zh-CN" dirty="0">
+                <a:latin typeface="Consolas" panose="020B0609020204030204" pitchFamily="49" charset="0"/>
+              </a:rPr>
+              <a:t>|-</a:t>
+            </a:r>
+            <a:r>
+              <a:rPr lang="en-US" altLang="zh-CN" b="1" dirty="0">
+                <a:latin typeface="Consolas" panose="020B0609020204030204" pitchFamily="49" charset="0"/>
+              </a:rPr>
+              <a:t>Geo1</a:t>
+            </a:r>
+          </a:p>
+          <a:p>
+            <a:r>
+              <a:rPr lang="en-US" altLang="zh-CN" dirty="0">
+                <a:latin typeface="Consolas" panose="020B0609020204030204" pitchFamily="49" charset="0"/>
+              </a:rPr>
+              <a:t>| |-geo1.mrigeoproj</a:t>
+            </a:r>
+          </a:p>
+          <a:p>
+            <a:r>
+              <a:rPr lang="en-US" altLang="zh-CN" dirty="0">
                 <a:latin typeface="Consolas" panose="020B0609020204030204" pitchFamily="49" charset="0"/>
               </a:rPr>
               <a:t>| |-</a:t>
             </a:r>
             <a:r>
-              <a:rPr lang="en-US" altLang="zh-CN" dirty="0" err="1" smtClean="0">
+              <a:rPr lang="en-US" altLang="zh-CN" b="1" dirty="0">
+                <a:latin typeface="Consolas" panose="020B0609020204030204" pitchFamily="49" charset="0"/>
+              </a:rPr>
+              <a:t>Images【</a:t>
+            </a:r>
+            <a:r>
+              <a:rPr lang="zh-CN" altLang="en-US" b="1" dirty="0">
+                <a:latin typeface="Consolas" panose="020B0609020204030204" pitchFamily="49" charset="0"/>
+              </a:rPr>
+              <a:t>缓存图像</a:t>
+            </a:r>
+            <a:r>
+              <a:rPr lang="en-US" altLang="zh-CN" b="1" dirty="0">
+                <a:latin typeface="Consolas" panose="020B0609020204030204" pitchFamily="49" charset="0"/>
+              </a:rPr>
+              <a:t>】</a:t>
+            </a:r>
+          </a:p>
+          <a:p>
+            <a:r>
+              <a:rPr lang="en-US" altLang="zh-CN" dirty="0">
+                <a:latin typeface="Consolas" panose="020B0609020204030204" pitchFamily="49" charset="0"/>
+              </a:rPr>
+              <a:t>| | |-img1.png</a:t>
+            </a:r>
+          </a:p>
+          <a:p>
+            <a:r>
+              <a:rPr lang="en-US" altLang="zh-CN" dirty="0">
+                <a:latin typeface="Consolas" panose="020B0609020204030204" pitchFamily="49" charset="0"/>
+              </a:rPr>
+              <a:t>| | |-……</a:t>
+            </a:r>
+          </a:p>
+          <a:p>
+            <a:r>
+              <a:rPr lang="en-US" altLang="zh-CN" dirty="0">
+                <a:latin typeface="Consolas" panose="020B0609020204030204" pitchFamily="49" charset="0"/>
+              </a:rPr>
+              <a:t>| |-</a:t>
+            </a:r>
+            <a:r>
+              <a:rPr lang="en-US" altLang="zh-CN" b="1" dirty="0">
+                <a:latin typeface="Consolas" panose="020B0609020204030204" pitchFamily="49" charset="0"/>
+              </a:rPr>
+              <a:t>Catch【</a:t>
+            </a:r>
+            <a:r>
+              <a:rPr lang="zh-CN" altLang="en-US" b="1" dirty="0">
+                <a:latin typeface="Consolas" panose="020B0609020204030204" pitchFamily="49" charset="0"/>
+              </a:rPr>
+              <a:t>缓存图像</a:t>
+            </a:r>
+            <a:r>
+              <a:rPr lang="en-US" altLang="zh-CN" b="1" dirty="0">
+                <a:latin typeface="Consolas" panose="020B0609020204030204" pitchFamily="49" charset="0"/>
+              </a:rPr>
+              <a:t>】</a:t>
+            </a:r>
+          </a:p>
+          <a:p>
+            <a:r>
+              <a:rPr lang="en-US" altLang="zh-CN" dirty="0">
+                <a:latin typeface="Consolas" panose="020B0609020204030204" pitchFamily="49" charset="0"/>
+              </a:rPr>
+              <a:t>| | |-……</a:t>
+            </a:r>
+            <a:endParaRPr lang="en-US" altLang="zh-CN" b="1" dirty="0">
+              <a:latin typeface="Consolas" panose="020B0609020204030204" pitchFamily="49" charset="0"/>
+            </a:endParaRPr>
+          </a:p>
+          <a:p>
+            <a:r>
+              <a:rPr lang="en-US" altLang="zh-CN" dirty="0">
+                <a:latin typeface="Consolas" panose="020B0609020204030204" pitchFamily="49" charset="0"/>
+              </a:rPr>
+              <a:t>| |-</a:t>
+            </a:r>
+            <a:r>
+              <a:rPr lang="en-US" altLang="zh-CN" dirty="0" err="1">
                 <a:latin typeface="Consolas" panose="020B0609020204030204" pitchFamily="49" charset="0"/>
               </a:rPr>
               <a:t>RandomMap.dataraw</a:t>
             </a:r>
             <a:r>
-              <a:rPr lang="en-US" altLang="zh-CN" dirty="0" smtClean="0">
+              <a:rPr lang="en-US" altLang="zh-CN" dirty="0">
                 <a:latin typeface="Consolas" panose="020B0609020204030204" pitchFamily="49" charset="0"/>
               </a:rPr>
               <a:t>【</a:t>
             </a:r>
             <a:r>
-              <a:rPr lang="zh-CN" altLang="en-US" dirty="0" smtClean="0">
+              <a:rPr lang="zh-CN" altLang="en-US" dirty="0">
                 <a:latin typeface="Consolas" panose="020B0609020204030204" pitchFamily="49" charset="0"/>
               </a:rPr>
               <a:t>随机数图</a:t>
             </a:r>
             <a:r>
-              <a:rPr lang="en-US" altLang="zh-CN" dirty="0" smtClean="0">
+              <a:rPr lang="en-US" altLang="zh-CN" dirty="0">
                 <a:latin typeface="Consolas" panose="020B0609020204030204" pitchFamily="49" charset="0"/>
               </a:rPr>
               <a:t>】</a:t>
@@ -3821,31 +3818,31 @@
           </a:p>
           <a:p>
             <a:r>
-              <a:rPr lang="en-US" altLang="zh-CN" dirty="0" smtClean="0">
+              <a:rPr lang="en-US" altLang="zh-CN" dirty="0">
                 <a:latin typeface="Consolas" panose="020B0609020204030204" pitchFamily="49" charset="0"/>
               </a:rPr>
               <a:t>| |-</a:t>
             </a:r>
             <a:r>
-              <a:rPr lang="en-US" altLang="zh-CN" dirty="0" err="1" smtClean="0">
+              <a:rPr lang="en-US" altLang="zh-CN" dirty="0" err="1">
                 <a:latin typeface="Consolas" panose="020B0609020204030204" pitchFamily="49" charset="0"/>
               </a:rPr>
               <a:t>HeightMap.dataraw</a:t>
             </a:r>
             <a:r>
-              <a:rPr lang="en-US" altLang="zh-CN" dirty="0" smtClean="0">
+              <a:rPr lang="en-US" altLang="zh-CN" dirty="0">
                 <a:latin typeface="Consolas" panose="020B0609020204030204" pitchFamily="49" charset="0"/>
               </a:rPr>
               <a:t>【</a:t>
             </a:r>
             <a:r>
-              <a:rPr lang="zh-CN" altLang="en-US" dirty="0" smtClean="0">
+              <a:rPr lang="zh-CN" altLang="en-US" dirty="0">
                 <a:latin typeface="Consolas" panose="020B0609020204030204" pitchFamily="49" charset="0"/>
               </a:rPr>
               <a:t>高度图</a:t>
             </a:r>
             <a:r>
-              <a:rPr lang="en-US" altLang="zh-CN" dirty="0" smtClean="0">
+              <a:rPr lang="en-US" altLang="zh-CN" dirty="0">
                 <a:latin typeface="Consolas" panose="020B0609020204030204" pitchFamily="49" charset="0"/>
               </a:rPr>
               <a:t>】</a:t>
@@ -3853,31 +3850,31 @@
           </a:p>
           <a:p>
             <a:r>
-              <a:rPr lang="en-US" altLang="zh-CN" dirty="0" smtClean="0">
+              <a:rPr lang="en-US" altLang="zh-CN" dirty="0">
                 <a:latin typeface="Consolas" panose="020B0609020204030204" pitchFamily="49" charset="0"/>
               </a:rPr>
               <a:t>| |-</a:t>
             </a:r>
             <a:r>
-              <a:rPr lang="en-US" altLang="zh-CN" dirty="0" err="1" smtClean="0">
+              <a:rPr lang="en-US" altLang="zh-CN" dirty="0" err="1">
                 <a:latin typeface="Consolas" panose="020B0609020204030204" pitchFamily="49" charset="0"/>
               </a:rPr>
               <a:t>TerrainMap.dataraw</a:t>
             </a:r>
             <a:r>
-              <a:rPr lang="en-US" altLang="zh-CN" dirty="0" smtClean="0">
+              <a:rPr lang="en-US" altLang="zh-CN" dirty="0">
                 <a:latin typeface="Consolas" panose="020B0609020204030204" pitchFamily="49" charset="0"/>
               </a:rPr>
               <a:t>【</a:t>
             </a:r>
             <a:r>
-              <a:rPr lang="zh-CN" altLang="en-US" dirty="0" smtClean="0">
+              <a:rPr lang="zh-CN" altLang="en-US" dirty="0">
                 <a:latin typeface="Consolas" panose="020B0609020204030204" pitchFamily="49" charset="0"/>
               </a:rPr>
               <a:t>地势图</a:t>
             </a:r>
             <a:r>
-              <a:rPr lang="en-US" altLang="zh-CN" dirty="0" smtClean="0">
+              <a:rPr lang="en-US" altLang="zh-CN" dirty="0">
                 <a:latin typeface="Consolas" panose="020B0609020204030204" pitchFamily="49" charset="0"/>
               </a:rPr>
               <a:t>】</a:t>
@@ -3885,31 +3882,31 @@
           </a:p>
           <a:p>
             <a:r>
-              <a:rPr lang="en-US" altLang="zh-CN" dirty="0" smtClean="0">
+              <a:rPr lang="en-US" altLang="zh-CN" dirty="0">
                 <a:latin typeface="Consolas" panose="020B0609020204030204" pitchFamily="49" charset="0"/>
               </a:rPr>
               <a:t>| |-</a:t>
             </a:r>
             <a:r>
-              <a:rPr lang="en-US" altLang="zh-CN" dirty="0" err="1" smtClean="0">
+              <a:rPr lang="en-US" altLang="zh-CN" dirty="0" err="1">
                 <a:latin typeface="Consolas" panose="020B0609020204030204" pitchFamily="49" charset="0"/>
               </a:rPr>
               <a:t>AirMotion.dataraw</a:t>
             </a:r>
             <a:r>
-              <a:rPr lang="en-US" altLang="zh-CN" dirty="0" smtClean="0">
+              <a:rPr lang="en-US" altLang="zh-CN" dirty="0">
                 <a:latin typeface="Consolas" panose="020B0609020204030204" pitchFamily="49" charset="0"/>
               </a:rPr>
               <a:t>【</a:t>
             </a:r>
             <a:r>
-              <a:rPr lang="zh-CN" altLang="en-US" dirty="0" smtClean="0">
+              <a:rPr lang="zh-CN" altLang="en-US" dirty="0">
                 <a:latin typeface="Consolas" panose="020B0609020204030204" pitchFamily="49" charset="0"/>
               </a:rPr>
               <a:t>空气流动图</a:t>
             </a:r>
             <a:r>
-              <a:rPr lang="en-US" altLang="zh-CN" dirty="0" smtClean="0">
+              <a:rPr lang="en-US" altLang="zh-CN" dirty="0">
                 <a:latin typeface="Consolas" panose="020B0609020204030204" pitchFamily="49" charset="0"/>
               </a:rPr>
               <a:t>】</a:t>
@@ -3917,31 +3914,31 @@
           </a:p>
           <a:p>
             <a:r>
-              <a:rPr lang="en-US" altLang="zh-CN" dirty="0" smtClean="0">
+              <a:rPr lang="en-US" altLang="zh-CN" dirty="0">
                 <a:latin typeface="Consolas" panose="020B0609020204030204" pitchFamily="49" charset="0"/>
               </a:rPr>
               <a:t>| |-</a:t>
             </a:r>
             <a:r>
-              <a:rPr lang="en-US" altLang="zh-CN" dirty="0" err="1" smtClean="0">
+              <a:rPr lang="en-US" altLang="zh-CN" dirty="0" err="1">
                 <a:latin typeface="Consolas" panose="020B0609020204030204" pitchFamily="49" charset="0"/>
               </a:rPr>
               <a:t>Precipitation.dataraw</a:t>
             </a:r>
             <a:r>
-              <a:rPr lang="en-US" altLang="zh-CN" dirty="0" smtClean="0">
+              <a:rPr lang="en-US" altLang="zh-CN" dirty="0">
                 <a:latin typeface="Consolas" panose="020B0609020204030204" pitchFamily="49" charset="0"/>
               </a:rPr>
               <a:t>【</a:t>
             </a:r>
             <a:r>
-              <a:rPr lang="zh-CN" altLang="en-US" dirty="0" smtClean="0">
+              <a:rPr lang="zh-CN" altLang="en-US" dirty="0">
                 <a:latin typeface="Consolas" panose="020B0609020204030204" pitchFamily="49" charset="0"/>
               </a:rPr>
               <a:t>降水</a:t>
             </a:r>
             <a:r>
-              <a:rPr lang="en-US" altLang="zh-CN" dirty="0" smtClean="0">
+              <a:rPr lang="en-US" altLang="zh-CN" dirty="0">
                 <a:latin typeface="Consolas" panose="020B0609020204030204" pitchFamily="49" charset="0"/>
               </a:rPr>
               <a:t>】</a:t>
@@ -3949,19 +3946,19 @@
           </a:p>
           <a:p>
             <a:r>
-              <a:rPr lang="en-US" altLang="zh-CN" dirty="0" smtClean="0">
+              <a:rPr lang="en-US" altLang="zh-CN" dirty="0">
                 <a:latin typeface="Consolas" panose="020B0609020204030204" pitchFamily="49" charset="0"/>
               </a:rPr>
               <a:t>| |-【</a:t>
             </a:r>
             <a:r>
-              <a:rPr lang="zh-CN" altLang="en-US" dirty="0" smtClean="0">
+              <a:rPr lang="zh-CN" altLang="en-US" dirty="0">
                 <a:latin typeface="Consolas" panose="020B0609020204030204" pitchFamily="49" charset="0"/>
               </a:rPr>
               <a:t>水域</a:t>
             </a:r>
             <a:r>
-              <a:rPr lang="en-US" altLang="zh-CN" dirty="0" smtClean="0">
+              <a:rPr lang="en-US" altLang="zh-CN" dirty="0">
                 <a:latin typeface="Consolas" panose="020B0609020204030204" pitchFamily="49" charset="0"/>
               </a:rPr>
               <a:t>】</a:t>
@@ -3969,19 +3966,19 @@
           </a:p>
           <a:p>
             <a:r>
-              <a:rPr lang="en-US" altLang="zh-CN" dirty="0" smtClean="0">
+              <a:rPr lang="en-US" altLang="zh-CN" dirty="0">
                 <a:latin typeface="Consolas" panose="020B0609020204030204" pitchFamily="49" charset="0"/>
               </a:rPr>
               <a:t>| |-【</a:t>
             </a:r>
             <a:r>
-              <a:rPr lang="zh-CN" altLang="en-US" dirty="0" smtClean="0">
+              <a:rPr lang="zh-CN" altLang="en-US" dirty="0">
                 <a:latin typeface="Consolas" panose="020B0609020204030204" pitchFamily="49" charset="0"/>
               </a:rPr>
               <a:t>生物群</a:t>
             </a:r>
             <a:r>
-              <a:rPr lang="en-US" altLang="zh-CN" dirty="0" smtClean="0">
+              <a:rPr lang="en-US" altLang="zh-CN" dirty="0">
                 <a:latin typeface="Consolas" panose="020B0609020204030204" pitchFamily="49" charset="0"/>
               </a:rPr>
               <a:t>】</a:t>
@@ -3989,13 +3986,13 @@
           </a:p>
           <a:p>
             <a:r>
-              <a:rPr lang="en-US" altLang="zh-CN" dirty="0" smtClean="0">
+              <a:rPr lang="en-US" altLang="zh-CN" dirty="0">
                 <a:latin typeface="Consolas" panose="020B0609020204030204" pitchFamily="49" charset="0"/>
               </a:rPr>
               <a:t>|-</a:t>
             </a:r>
             <a:r>
-              <a:rPr lang="en-US" altLang="zh-CN" b="1" dirty="0" smtClean="0">
+              <a:rPr lang="en-US" altLang="zh-CN" b="1" dirty="0">
                 <a:latin typeface="Consolas" panose="020B0609020204030204" pitchFamily="49" charset="0"/>
               </a:rPr>
               <a:t>Geo2</a:t>
@@ -4003,7 +4000,7 @@
           </a:p>
           <a:p>
             <a:r>
-              <a:rPr lang="en-US" altLang="zh-CN" dirty="0" smtClean="0">
+              <a:rPr lang="en-US" altLang="zh-CN" dirty="0">
                 <a:latin typeface="Consolas" panose="020B0609020204030204" pitchFamily="49" charset="0"/>
               </a:rPr>
               <a:t>|-……</a:t>
@@ -4093,7 +4090,7 @@
           <a:lstStyle/>
           <a:p>
             <a:r>
-              <a:rPr lang="en-US" altLang="zh-CN" dirty="0" smtClean="0">
+              <a:rPr lang="en-US" altLang="zh-CN" dirty="0">
                 <a:latin typeface="Consolas" panose="020B0609020204030204" pitchFamily="49" charset="0"/>
               </a:rPr>
               <a:t>Work</a:t>
@@ -4104,31 +4101,16 @@
               <a:rPr lang="en-US" altLang="zh-CN" dirty="0">
                 <a:latin typeface="Consolas" panose="020B0609020204030204" pitchFamily="49" charset="0"/>
               </a:rPr>
-              <a:t> </a:t>
-            </a:r>
-            <a:r>
-              <a:rPr lang="en-US" altLang="zh-CN" dirty="0" smtClean="0">
-                <a:latin typeface="Consolas" panose="020B0609020204030204" pitchFamily="49" charset="0"/>
-              </a:rPr>
-              <a:t> images</a:t>
-            </a:r>
-          </a:p>
-          <a:p>
-            <a:r>
-              <a:rPr lang="en-US" altLang="zh-CN" dirty="0">
-                <a:latin typeface="Consolas" panose="020B0609020204030204" pitchFamily="49" charset="0"/>
-              </a:rPr>
-              <a:t> </a:t>
-            </a:r>
-            <a:r>
-              <a:rPr lang="en-US" altLang="zh-CN" dirty="0" smtClean="0">
-                <a:latin typeface="Consolas" panose="020B0609020204030204" pitchFamily="49" charset="0"/>
-              </a:rPr>
-              <a:t>   </a:t>
-            </a:r>
-            <a:endParaRPr lang="en-US" altLang="zh-CN" dirty="0">
-              <a:latin typeface="Consolas" panose="020B0609020204030204" pitchFamily="49" charset="0"/>
-            </a:endParaRPr>
+              <a:t>  images</a:t>
+            </a:r>
+          </a:p>
+          <a:p>
+            <a:r>
+              <a:rPr lang="en-US" altLang="zh-CN" dirty="0">
+                <a:latin typeface="Consolas" panose="020B0609020204030204" pitchFamily="49" charset="0"/>
+              </a:rPr>
+              <a:t>    </a:t>
+            </a:r>
           </a:p>
         </p:txBody>
       </p:sp>
@@ -4189,18 +4171,13 @@
             <a:p>
               <a:pPr algn="ctr"/>
               <a:r>
-                <a:rPr lang="zh-CN" altLang="en-US" dirty="0" smtClean="0">
+                <a:rPr lang="zh-CN" altLang="en-US" dirty="0">
                   <a:solidFill>
                     <a:sysClr val="windowText" lastClr="000000"/>
                   </a:solidFill>
                 </a:rPr>
                 <a:t>地形生成</a:t>
               </a:r>
-              <a:endParaRPr lang="zh-CN" altLang="en-US" dirty="0">
-                <a:solidFill>
-                  <a:sysClr val="windowText" lastClr="000000"/>
-                </a:solidFill>
-              </a:endParaRPr>
             </a:p>
           </p:txBody>
         </p:sp>
@@ -4247,18 +4224,13 @@
             <a:p>
               <a:pPr algn="ctr"/>
               <a:r>
-                <a:rPr lang="zh-CN" altLang="en-US" dirty="0" smtClean="0">
+                <a:rPr lang="zh-CN" altLang="en-US" dirty="0">
                   <a:solidFill>
                     <a:sysClr val="windowText" lastClr="000000"/>
                   </a:solidFill>
                 </a:rPr>
                 <a:t>空气流动模拟</a:t>
               </a:r>
-              <a:endParaRPr lang="zh-CN" altLang="en-US" dirty="0">
-                <a:solidFill>
-                  <a:sysClr val="windowText" lastClr="000000"/>
-                </a:solidFill>
-              </a:endParaRPr>
             </a:p>
           </p:txBody>
         </p:sp>
@@ -4305,18 +4277,13 @@
             <a:p>
               <a:pPr algn="ctr"/>
               <a:r>
-                <a:rPr lang="zh-CN" altLang="en-US" dirty="0" smtClean="0">
+                <a:rPr lang="zh-CN" altLang="en-US" dirty="0">
                   <a:solidFill>
                     <a:sysClr val="windowText" lastClr="000000"/>
                   </a:solidFill>
                 </a:rPr>
                 <a:t>降水模拟</a:t>
               </a:r>
-              <a:endParaRPr lang="zh-CN" altLang="en-US" dirty="0">
-                <a:solidFill>
-                  <a:sysClr val="windowText" lastClr="000000"/>
-                </a:solidFill>
-              </a:endParaRPr>
             </a:p>
           </p:txBody>
         </p:sp>
@@ -4363,18 +4330,13 @@
             <a:p>
               <a:pPr algn="ctr"/>
               <a:r>
-                <a:rPr lang="zh-CN" altLang="en-US" dirty="0" smtClean="0">
+                <a:rPr lang="zh-CN" altLang="en-US" dirty="0">
                   <a:solidFill>
                     <a:sysClr val="windowText" lastClr="000000"/>
                   </a:solidFill>
                 </a:rPr>
                 <a:t>生物群模拟</a:t>
               </a:r>
-              <a:endParaRPr lang="zh-CN" altLang="en-US" dirty="0">
-                <a:solidFill>
-                  <a:sysClr val="windowText" lastClr="000000"/>
-                </a:solidFill>
-              </a:endParaRPr>
             </a:p>
           </p:txBody>
         </p:sp>
@@ -4561,10 +4523,9 @@
             <a:lstStyle/>
             <a:p>
               <a:r>
-                <a:rPr lang="zh-CN" altLang="en-US" dirty="0" smtClean="0"/>
+                <a:rPr lang="zh-CN" altLang="en-US" dirty="0"/>
                 <a:t>前端工厂</a:t>
               </a:r>
-              <a:endParaRPr lang="zh-CN" altLang="en-US" dirty="0"/>
             </a:p>
           </p:txBody>
         </p:sp>
@@ -4634,10 +4595,9 @@
             <a:lstStyle/>
             <a:p>
               <a:r>
-                <a:rPr lang="zh-CN" altLang="en-US" dirty="0" smtClean="0"/>
+                <a:rPr lang="zh-CN" altLang="en-US" dirty="0"/>
                 <a:t>后端工厂</a:t>
               </a:r>
-              <a:endParaRPr lang="zh-CN" altLang="en-US" dirty="0"/>
             </a:p>
           </p:txBody>
         </p:sp>
@@ -4664,22 +4624,17 @@
             <a:lstStyle/>
             <a:p>
               <a:r>
-                <a:rPr lang="zh-CN" altLang="en-US" dirty="0" smtClean="0"/>
+                <a:rPr lang="zh-CN" altLang="en-US" dirty="0"/>
                 <a:t>图</a:t>
               </a:r>
               <a:r>
-                <a:rPr lang="en-US" altLang="zh-CN" dirty="0" smtClean="0"/>
+                <a:rPr lang="en-US" altLang="zh-CN" dirty="0"/>
                 <a:t>2.3.1 </a:t>
               </a:r>
               <a:r>
-                <a:rPr lang="zh-CN" altLang="en-US" dirty="0" smtClean="0"/>
-                <a:t>工作</a:t>
+                <a:rPr lang="zh-CN" altLang="en-US" dirty="0"/>
+                <a:t>工作流程图</a:t>
               </a:r>
-              <a:r>
-                <a:rPr lang="zh-CN" altLang="en-US" dirty="0" smtClean="0"/>
-                <a:t>流程图</a:t>
-              </a:r>
-              <a:endParaRPr lang="zh-CN" altLang="en-US" dirty="0"/>
             </a:p>
           </p:txBody>
         </p:sp>
@@ -4734,6 +4689,1336 @@
     <p:extLst>
       <p:ext uri="{BB962C8B-B14F-4D97-AF65-F5344CB8AC3E}">
         <p14:creationId xmlns:p14="http://schemas.microsoft.com/office/powerpoint/2010/main" val="1983509033"/>
+      </p:ext>
+    </p:extLst>
+  </p:cSld>
+  <p:clrMapOvr>
+    <a:masterClrMapping/>
+  </p:clrMapOvr>
+</p:sld>
+</file>
+
+<file path=ppt/slides/slide3.xml><?xml version="1.0" encoding="utf-8"?>
+<p:sld xmlns:a="http://schemas.openxmlformats.org/drawingml/2006/main" xmlns:r="http://schemas.openxmlformats.org/officeDocument/2006/relationships" xmlns:p="http://schemas.openxmlformats.org/presentationml/2006/main">
+  <p:cSld>
+    <p:spTree>
+      <p:nvGrpSpPr>
+        <p:cNvPr id="1" name=""/>
+        <p:cNvGrpSpPr/>
+        <p:nvPr/>
+      </p:nvGrpSpPr>
+      <p:grpSpPr>
+        <a:xfrm>
+          <a:off x="0" y="0"/>
+          <a:ext cx="0" cy="0"/>
+          <a:chOff x="0" y="0"/>
+          <a:chExt cx="0" cy="0"/>
+        </a:xfrm>
+      </p:grpSpPr>
+      <p:grpSp>
+        <p:nvGrpSpPr>
+          <p:cNvPr id="30" name="组合 29">
+            <a:extLst>
+              <a:ext uri="{FF2B5EF4-FFF2-40B4-BE49-F238E27FC236}">
+                <a16:creationId xmlns:a16="http://schemas.microsoft.com/office/drawing/2014/main" id="{A9D035F9-07BC-446F-9A0A-5C213D35FF2E}"/>
+              </a:ext>
+            </a:extLst>
+          </p:cNvPr>
+          <p:cNvGrpSpPr/>
+          <p:nvPr/>
+        </p:nvGrpSpPr>
+        <p:grpSpPr>
+          <a:xfrm>
+            <a:off x="1666875" y="2076450"/>
+            <a:ext cx="7267575" cy="3057525"/>
+            <a:chOff x="1666875" y="2076450"/>
+            <a:chExt cx="7267575" cy="3057525"/>
+          </a:xfrm>
+        </p:grpSpPr>
+        <p:sp>
+          <p:nvSpPr>
+            <p:cNvPr id="29" name="矩形 28">
+              <a:extLst>
+                <a:ext uri="{FF2B5EF4-FFF2-40B4-BE49-F238E27FC236}">
+                  <a16:creationId xmlns:a16="http://schemas.microsoft.com/office/drawing/2014/main" id="{98A2059D-F87E-455D-B879-3F46C094BF80}"/>
+                </a:ext>
+              </a:extLst>
+            </p:cNvPr>
+            <p:cNvSpPr/>
+            <p:nvPr/>
+          </p:nvSpPr>
+          <p:spPr>
+            <a:xfrm>
+              <a:off x="1666875" y="2076450"/>
+              <a:ext cx="7267575" cy="3057525"/>
+            </a:xfrm>
+            <a:prstGeom prst="rect">
+              <a:avLst/>
+            </a:prstGeom>
+            <a:solidFill>
+              <a:schemeClr val="bg1"/>
+            </a:solidFill>
+            <a:ln>
+              <a:solidFill>
+                <a:schemeClr val="tx1"/>
+              </a:solidFill>
+            </a:ln>
+          </p:spPr>
+          <p:style>
+            <a:lnRef idx="2">
+              <a:schemeClr val="accent1">
+                <a:shade val="50000"/>
+              </a:schemeClr>
+            </a:lnRef>
+            <a:fillRef idx="1">
+              <a:schemeClr val="accent1"/>
+            </a:fillRef>
+            <a:effectRef idx="0">
+              <a:schemeClr val="accent1"/>
+            </a:effectRef>
+            <a:fontRef idx="minor">
+              <a:schemeClr val="lt1"/>
+            </a:fontRef>
+          </p:style>
+          <p:txBody>
+            <a:bodyPr rtlCol="0" anchor="ctr"/>
+            <a:lstStyle/>
+            <a:p>
+              <a:pPr algn="ctr"/>
+              <a:endParaRPr lang="zh-CN" altLang="en-US">
+                <a:latin typeface="思源黑体" panose="020B0500000000000000" pitchFamily="34" charset="-122"/>
+                <a:ea typeface="思源黑体" panose="020B0500000000000000" pitchFamily="34" charset="-122"/>
+              </a:endParaRPr>
+            </a:p>
+          </p:txBody>
+        </p:sp>
+        <p:sp>
+          <p:nvSpPr>
+            <p:cNvPr id="6" name="矩形 5">
+              <a:extLst>
+                <a:ext uri="{FF2B5EF4-FFF2-40B4-BE49-F238E27FC236}">
+                  <a16:creationId xmlns:a16="http://schemas.microsoft.com/office/drawing/2014/main" id="{12AFA5B0-3854-4480-BB2E-3B1C79768A9A}"/>
+                </a:ext>
+              </a:extLst>
+            </p:cNvPr>
+            <p:cNvSpPr/>
+            <p:nvPr/>
+          </p:nvSpPr>
+          <p:spPr>
+            <a:xfrm>
+              <a:off x="2178147" y="3127722"/>
+              <a:ext cx="6445348" cy="1755427"/>
+            </a:xfrm>
+            <a:prstGeom prst="rect">
+              <a:avLst/>
+            </a:prstGeom>
+            <a:solidFill>
+              <a:schemeClr val="bg1"/>
+            </a:solidFill>
+            <a:ln>
+              <a:solidFill>
+                <a:schemeClr val="tx1"/>
+              </a:solidFill>
+            </a:ln>
+          </p:spPr>
+          <p:style>
+            <a:lnRef idx="2">
+              <a:schemeClr val="accent1">
+                <a:shade val="50000"/>
+              </a:schemeClr>
+            </a:lnRef>
+            <a:fillRef idx="1">
+              <a:schemeClr val="accent1"/>
+            </a:fillRef>
+            <a:effectRef idx="0">
+              <a:schemeClr val="accent1"/>
+            </a:effectRef>
+            <a:fontRef idx="minor">
+              <a:schemeClr val="lt1"/>
+            </a:fontRef>
+          </p:style>
+          <p:txBody>
+            <a:bodyPr rtlCol="0" anchor="ctr"/>
+            <a:lstStyle/>
+            <a:p>
+              <a:pPr algn="ctr"/>
+              <a:endParaRPr lang="zh-CN" altLang="en-US" dirty="0">
+                <a:solidFill>
+                  <a:sysClr val="windowText" lastClr="000000"/>
+                </a:solidFill>
+                <a:latin typeface="思源黑体" panose="020B0500000000000000" pitchFamily="34" charset="-122"/>
+                <a:ea typeface="思源黑体" panose="020B0500000000000000" pitchFamily="34" charset="-122"/>
+              </a:endParaRPr>
+            </a:p>
+          </p:txBody>
+        </p:sp>
+        <p:sp>
+          <p:nvSpPr>
+            <p:cNvPr id="4" name="矩形 3">
+              <a:extLst>
+                <a:ext uri="{FF2B5EF4-FFF2-40B4-BE49-F238E27FC236}">
+                  <a16:creationId xmlns:a16="http://schemas.microsoft.com/office/drawing/2014/main" id="{36A293A0-9A89-4CE4-BB5A-DED5064645E1}"/>
+                </a:ext>
+              </a:extLst>
+            </p:cNvPr>
+            <p:cNvSpPr/>
+            <p:nvPr/>
+          </p:nvSpPr>
+          <p:spPr>
+            <a:xfrm>
+              <a:off x="2518116" y="4149968"/>
+              <a:ext cx="5795889" cy="492369"/>
+            </a:xfrm>
+            <a:prstGeom prst="rect">
+              <a:avLst/>
+            </a:prstGeom>
+            <a:solidFill>
+              <a:schemeClr val="bg1"/>
+            </a:solidFill>
+            <a:ln>
+              <a:solidFill>
+                <a:schemeClr val="tx1"/>
+              </a:solidFill>
+            </a:ln>
+          </p:spPr>
+          <p:style>
+            <a:lnRef idx="2">
+              <a:schemeClr val="accent1">
+                <a:shade val="50000"/>
+              </a:schemeClr>
+            </a:lnRef>
+            <a:fillRef idx="1">
+              <a:schemeClr val="accent1"/>
+            </a:fillRef>
+            <a:effectRef idx="0">
+              <a:schemeClr val="accent1"/>
+            </a:effectRef>
+            <a:fontRef idx="minor">
+              <a:schemeClr val="lt1"/>
+            </a:fontRef>
+          </p:style>
+          <p:txBody>
+            <a:bodyPr rtlCol="0" anchor="ctr"/>
+            <a:lstStyle/>
+            <a:p>
+              <a:pPr algn="ctr"/>
+              <a:r>
+                <a:rPr lang="en-US" altLang="zh-CN" dirty="0">
+                  <a:solidFill>
+                    <a:sysClr val="windowText" lastClr="000000"/>
+                  </a:solidFill>
+                  <a:latin typeface="思源黑体" panose="020B0500000000000000" pitchFamily="34" charset="-122"/>
+                  <a:ea typeface="思源黑体" panose="020B0500000000000000" pitchFamily="34" charset="-122"/>
+                </a:rPr>
+                <a:t>Studio Core</a:t>
+              </a:r>
+              <a:endParaRPr lang="zh-CN" altLang="en-US" dirty="0">
+                <a:solidFill>
+                  <a:sysClr val="windowText" lastClr="000000"/>
+                </a:solidFill>
+                <a:latin typeface="思源黑体" panose="020B0500000000000000" pitchFamily="34" charset="-122"/>
+                <a:ea typeface="思源黑体" panose="020B0500000000000000" pitchFamily="34" charset="-122"/>
+              </a:endParaRPr>
+            </a:p>
+          </p:txBody>
+        </p:sp>
+        <p:sp>
+          <p:nvSpPr>
+            <p:cNvPr id="5" name="矩形 4">
+              <a:extLst>
+                <a:ext uri="{FF2B5EF4-FFF2-40B4-BE49-F238E27FC236}">
+                  <a16:creationId xmlns:a16="http://schemas.microsoft.com/office/drawing/2014/main" id="{5722600C-73B3-4B99-99DB-E50D525C8024}"/>
+                </a:ext>
+              </a:extLst>
+            </p:cNvPr>
+            <p:cNvSpPr/>
+            <p:nvPr/>
+          </p:nvSpPr>
+          <p:spPr>
+            <a:xfrm>
+              <a:off x="2518117" y="3322175"/>
+              <a:ext cx="2208628" cy="492369"/>
+            </a:xfrm>
+            <a:prstGeom prst="rect">
+              <a:avLst/>
+            </a:prstGeom>
+            <a:solidFill>
+              <a:schemeClr val="bg1"/>
+            </a:solidFill>
+            <a:ln>
+              <a:solidFill>
+                <a:schemeClr val="tx1"/>
+              </a:solidFill>
+            </a:ln>
+          </p:spPr>
+          <p:style>
+            <a:lnRef idx="2">
+              <a:schemeClr val="accent1">
+                <a:shade val="50000"/>
+              </a:schemeClr>
+            </a:lnRef>
+            <a:fillRef idx="1">
+              <a:schemeClr val="accent1"/>
+            </a:fillRef>
+            <a:effectRef idx="0">
+              <a:schemeClr val="accent1"/>
+            </a:effectRef>
+            <a:fontRef idx="minor">
+              <a:schemeClr val="lt1"/>
+            </a:fontRef>
+          </p:style>
+          <p:txBody>
+            <a:bodyPr rtlCol="0" anchor="ctr"/>
+            <a:lstStyle/>
+            <a:p>
+              <a:pPr algn="ctr"/>
+              <a:r>
+                <a:rPr lang="en-US" altLang="zh-CN" dirty="0">
+                  <a:solidFill>
+                    <a:sysClr val="windowText" lastClr="000000"/>
+                  </a:solidFill>
+                  <a:latin typeface="思源黑体" panose="020B0500000000000000" pitchFamily="34" charset="-122"/>
+                  <a:ea typeface="思源黑体" panose="020B0500000000000000" pitchFamily="34" charset="-122"/>
+                </a:rPr>
+                <a:t>Studio UI</a:t>
+              </a:r>
+              <a:endParaRPr lang="zh-CN" altLang="en-US" dirty="0">
+                <a:solidFill>
+                  <a:sysClr val="windowText" lastClr="000000"/>
+                </a:solidFill>
+                <a:latin typeface="思源黑体" panose="020B0500000000000000" pitchFamily="34" charset="-122"/>
+                <a:ea typeface="思源黑体" panose="020B0500000000000000" pitchFamily="34" charset="-122"/>
+              </a:endParaRPr>
+            </a:p>
+          </p:txBody>
+        </p:sp>
+        <p:sp>
+          <p:nvSpPr>
+            <p:cNvPr id="7" name="矩形 6">
+              <a:extLst>
+                <a:ext uri="{FF2B5EF4-FFF2-40B4-BE49-F238E27FC236}">
+                  <a16:creationId xmlns:a16="http://schemas.microsoft.com/office/drawing/2014/main" id="{B0D8E357-9F88-40E1-9A21-3FA5D347BF38}"/>
+                </a:ext>
+              </a:extLst>
+            </p:cNvPr>
+            <p:cNvSpPr/>
+            <p:nvPr/>
+          </p:nvSpPr>
+          <p:spPr>
+            <a:xfrm>
+              <a:off x="4726745" y="2457311"/>
+              <a:ext cx="1758461" cy="492369"/>
+            </a:xfrm>
+            <a:prstGeom prst="rect">
+              <a:avLst/>
+            </a:prstGeom>
+            <a:solidFill>
+              <a:schemeClr val="bg1"/>
+            </a:solidFill>
+            <a:ln>
+              <a:solidFill>
+                <a:schemeClr val="tx1"/>
+              </a:solidFill>
+            </a:ln>
+          </p:spPr>
+          <p:style>
+            <a:lnRef idx="2">
+              <a:schemeClr val="accent1">
+                <a:shade val="50000"/>
+              </a:schemeClr>
+            </a:lnRef>
+            <a:fillRef idx="1">
+              <a:schemeClr val="accent1"/>
+            </a:fillRef>
+            <a:effectRef idx="0">
+              <a:schemeClr val="accent1"/>
+            </a:effectRef>
+            <a:fontRef idx="minor">
+              <a:schemeClr val="lt1"/>
+            </a:fontRef>
+          </p:style>
+          <p:txBody>
+            <a:bodyPr rtlCol="0" anchor="ctr"/>
+            <a:lstStyle/>
+            <a:p>
+              <a:pPr algn="ctr"/>
+              <a:r>
+                <a:rPr lang="zh-CN" altLang="en-US" dirty="0">
+                  <a:solidFill>
+                    <a:sysClr val="windowText" lastClr="000000"/>
+                  </a:solidFill>
+                  <a:latin typeface="思源黑体" panose="020B0500000000000000" pitchFamily="34" charset="-122"/>
+                  <a:ea typeface="思源黑体" panose="020B0500000000000000" pitchFamily="34" charset="-122"/>
+                </a:rPr>
+                <a:t>前端工厂</a:t>
+              </a:r>
+            </a:p>
+          </p:txBody>
+        </p:sp>
+        <p:sp>
+          <p:nvSpPr>
+            <p:cNvPr id="8" name="矩形 7">
+              <a:extLst>
+                <a:ext uri="{FF2B5EF4-FFF2-40B4-BE49-F238E27FC236}">
+                  <a16:creationId xmlns:a16="http://schemas.microsoft.com/office/drawing/2014/main" id="{4CF0AD0A-37CF-4D1C-B027-B2EB7F2B0C50}"/>
+                </a:ext>
+              </a:extLst>
+            </p:cNvPr>
+            <p:cNvSpPr/>
+            <p:nvPr/>
+          </p:nvSpPr>
+          <p:spPr>
+            <a:xfrm>
+              <a:off x="6710288" y="2457311"/>
+              <a:ext cx="1758462" cy="492369"/>
+            </a:xfrm>
+            <a:prstGeom prst="rect">
+              <a:avLst/>
+            </a:prstGeom>
+            <a:solidFill>
+              <a:schemeClr val="bg1"/>
+            </a:solidFill>
+            <a:ln>
+              <a:solidFill>
+                <a:schemeClr val="tx1"/>
+              </a:solidFill>
+            </a:ln>
+          </p:spPr>
+          <p:style>
+            <a:lnRef idx="2">
+              <a:schemeClr val="accent1">
+                <a:shade val="50000"/>
+              </a:schemeClr>
+            </a:lnRef>
+            <a:fillRef idx="1">
+              <a:schemeClr val="accent1"/>
+            </a:fillRef>
+            <a:effectRef idx="0">
+              <a:schemeClr val="accent1"/>
+            </a:effectRef>
+            <a:fontRef idx="minor">
+              <a:schemeClr val="lt1"/>
+            </a:fontRef>
+          </p:style>
+          <p:txBody>
+            <a:bodyPr rtlCol="0" anchor="ctr"/>
+            <a:lstStyle/>
+            <a:p>
+              <a:pPr algn="ctr"/>
+              <a:r>
+                <a:rPr lang="zh-CN" altLang="en-US" dirty="0">
+                  <a:solidFill>
+                    <a:sysClr val="windowText" lastClr="000000"/>
+                  </a:solidFill>
+                  <a:latin typeface="思源黑体" panose="020B0500000000000000" pitchFamily="34" charset="-122"/>
+                  <a:ea typeface="思源黑体" panose="020B0500000000000000" pitchFamily="34" charset="-122"/>
+                </a:rPr>
+                <a:t>后端工厂</a:t>
+              </a:r>
+            </a:p>
+          </p:txBody>
+        </p:sp>
+        <p:cxnSp>
+          <p:nvCxnSpPr>
+            <p:cNvPr id="10" name="直接箭头连接符 9">
+              <a:extLst>
+                <a:ext uri="{FF2B5EF4-FFF2-40B4-BE49-F238E27FC236}">
+                  <a16:creationId xmlns:a16="http://schemas.microsoft.com/office/drawing/2014/main" id="{45DFEDE9-211E-479A-A168-30A0C7F8D106}"/>
+                </a:ext>
+              </a:extLst>
+            </p:cNvPr>
+            <p:cNvCxnSpPr>
+              <a:cxnSpLocks/>
+              <a:stCxn id="8" idx="2"/>
+            </p:cNvCxnSpPr>
+            <p:nvPr/>
+          </p:nvCxnSpPr>
+          <p:spPr>
+            <a:xfrm>
+              <a:off x="7589519" y="2949680"/>
+              <a:ext cx="0" cy="1200288"/>
+            </a:xfrm>
+            <a:prstGeom prst="straightConnector1">
+              <a:avLst/>
+            </a:prstGeom>
+            <a:ln w="38100">
+              <a:solidFill>
+                <a:schemeClr val="tx1"/>
+              </a:solidFill>
+              <a:headEnd type="triangle"/>
+              <a:tailEnd type="triangle"/>
+            </a:ln>
+          </p:spPr>
+          <p:style>
+            <a:lnRef idx="1">
+              <a:schemeClr val="accent1"/>
+            </a:lnRef>
+            <a:fillRef idx="0">
+              <a:schemeClr val="accent1"/>
+            </a:fillRef>
+            <a:effectRef idx="0">
+              <a:schemeClr val="accent1"/>
+            </a:effectRef>
+            <a:fontRef idx="minor">
+              <a:schemeClr val="tx1"/>
+            </a:fontRef>
+          </p:style>
+        </p:cxnSp>
+        <p:cxnSp>
+          <p:nvCxnSpPr>
+            <p:cNvPr id="13" name="直接箭头连接符 12">
+              <a:extLst>
+                <a:ext uri="{FF2B5EF4-FFF2-40B4-BE49-F238E27FC236}">
+                  <a16:creationId xmlns:a16="http://schemas.microsoft.com/office/drawing/2014/main" id="{50DE987E-7C95-44EA-9E85-765003DFA4EF}"/>
+                </a:ext>
+              </a:extLst>
+            </p:cNvPr>
+            <p:cNvCxnSpPr>
+              <a:cxnSpLocks/>
+              <a:stCxn id="7" idx="2"/>
+            </p:cNvCxnSpPr>
+            <p:nvPr/>
+          </p:nvCxnSpPr>
+          <p:spPr>
+            <a:xfrm>
+              <a:off x="5605976" y="2949680"/>
+              <a:ext cx="0" cy="1200288"/>
+            </a:xfrm>
+            <a:prstGeom prst="straightConnector1">
+              <a:avLst/>
+            </a:prstGeom>
+            <a:ln w="38100">
+              <a:solidFill>
+                <a:schemeClr val="tx1"/>
+              </a:solidFill>
+              <a:headEnd type="triangle"/>
+              <a:tailEnd type="triangle"/>
+            </a:ln>
+          </p:spPr>
+          <p:style>
+            <a:lnRef idx="1">
+              <a:schemeClr val="accent1"/>
+            </a:lnRef>
+            <a:fillRef idx="0">
+              <a:schemeClr val="accent1"/>
+            </a:fillRef>
+            <a:effectRef idx="0">
+              <a:schemeClr val="accent1"/>
+            </a:effectRef>
+            <a:fontRef idx="minor">
+              <a:schemeClr val="tx1"/>
+            </a:fontRef>
+          </p:style>
+        </p:cxnSp>
+        <p:sp>
+          <p:nvSpPr>
+            <p:cNvPr id="19" name="矩形 18">
+              <a:extLst>
+                <a:ext uri="{FF2B5EF4-FFF2-40B4-BE49-F238E27FC236}">
+                  <a16:creationId xmlns:a16="http://schemas.microsoft.com/office/drawing/2014/main" id="{3DBD84FA-00B0-406F-945F-6C4B8EF1547F}"/>
+                </a:ext>
+              </a:extLst>
+            </p:cNvPr>
+            <p:cNvSpPr/>
+            <p:nvPr/>
+          </p:nvSpPr>
+          <p:spPr>
+            <a:xfrm>
+              <a:off x="2743211" y="2296191"/>
+              <a:ext cx="1758452" cy="492369"/>
+            </a:xfrm>
+            <a:prstGeom prst="rect">
+              <a:avLst/>
+            </a:prstGeom>
+            <a:solidFill>
+              <a:schemeClr val="bg1"/>
+            </a:solidFill>
+            <a:ln>
+              <a:solidFill>
+                <a:schemeClr val="tx1"/>
+              </a:solidFill>
+            </a:ln>
+          </p:spPr>
+          <p:style>
+            <a:lnRef idx="2">
+              <a:schemeClr val="accent1">
+                <a:shade val="50000"/>
+              </a:schemeClr>
+            </a:lnRef>
+            <a:fillRef idx="1">
+              <a:schemeClr val="accent1"/>
+            </a:fillRef>
+            <a:effectRef idx="0">
+              <a:schemeClr val="accent1"/>
+            </a:effectRef>
+            <a:fontRef idx="minor">
+              <a:schemeClr val="lt1"/>
+            </a:fontRef>
+          </p:style>
+          <p:txBody>
+            <a:bodyPr rtlCol="0" anchor="ctr"/>
+            <a:lstStyle/>
+            <a:p>
+              <a:pPr algn="ctr"/>
+              <a:r>
+                <a:rPr lang="zh-CN" altLang="en-US" dirty="0">
+                  <a:solidFill>
+                    <a:sysClr val="windowText" lastClr="000000"/>
+                  </a:solidFill>
+                  <a:latin typeface="思源黑体" panose="020B0500000000000000" pitchFamily="34" charset="-122"/>
+                  <a:ea typeface="思源黑体" panose="020B0500000000000000" pitchFamily="34" charset="-122"/>
+                </a:rPr>
+                <a:t>用户</a:t>
+              </a:r>
+            </a:p>
+          </p:txBody>
+        </p:sp>
+        <p:cxnSp>
+          <p:nvCxnSpPr>
+            <p:cNvPr id="20" name="直接箭头连接符 19">
+              <a:extLst>
+                <a:ext uri="{FF2B5EF4-FFF2-40B4-BE49-F238E27FC236}">
+                  <a16:creationId xmlns:a16="http://schemas.microsoft.com/office/drawing/2014/main" id="{A7FE214A-5AB4-47C1-AE2E-A99BAD7441B8}"/>
+                </a:ext>
+              </a:extLst>
+            </p:cNvPr>
+            <p:cNvCxnSpPr>
+              <a:cxnSpLocks/>
+              <a:stCxn id="19" idx="2"/>
+              <a:endCxn id="5" idx="0"/>
+            </p:cNvCxnSpPr>
+            <p:nvPr/>
+          </p:nvCxnSpPr>
+          <p:spPr>
+            <a:xfrm flipH="1">
+              <a:off x="3622431" y="2788560"/>
+              <a:ext cx="6" cy="533615"/>
+            </a:xfrm>
+            <a:prstGeom prst="straightConnector1">
+              <a:avLst/>
+            </a:prstGeom>
+            <a:ln w="38100">
+              <a:solidFill>
+                <a:schemeClr val="tx1"/>
+              </a:solidFill>
+              <a:headEnd type="triangle"/>
+              <a:tailEnd type="triangle"/>
+            </a:ln>
+          </p:spPr>
+          <p:style>
+            <a:lnRef idx="1">
+              <a:schemeClr val="accent1"/>
+            </a:lnRef>
+            <a:fillRef idx="0">
+              <a:schemeClr val="accent1"/>
+            </a:fillRef>
+            <a:effectRef idx="0">
+              <a:schemeClr val="accent1"/>
+            </a:effectRef>
+            <a:fontRef idx="minor">
+              <a:schemeClr val="tx1"/>
+            </a:fontRef>
+          </p:style>
+        </p:cxnSp>
+        <p:cxnSp>
+          <p:nvCxnSpPr>
+            <p:cNvPr id="23" name="直接箭头连接符 22">
+              <a:extLst>
+                <a:ext uri="{FF2B5EF4-FFF2-40B4-BE49-F238E27FC236}">
+                  <a16:creationId xmlns:a16="http://schemas.microsoft.com/office/drawing/2014/main" id="{58139020-11F8-49AD-8270-7B2A17D2EDCC}"/>
+                </a:ext>
+              </a:extLst>
+            </p:cNvPr>
+            <p:cNvCxnSpPr>
+              <a:cxnSpLocks/>
+              <a:stCxn id="5" idx="2"/>
+            </p:cNvCxnSpPr>
+            <p:nvPr/>
+          </p:nvCxnSpPr>
+          <p:spPr>
+            <a:xfrm>
+              <a:off x="3622431" y="3814544"/>
+              <a:ext cx="0" cy="335424"/>
+            </a:xfrm>
+            <a:prstGeom prst="straightConnector1">
+              <a:avLst/>
+            </a:prstGeom>
+            <a:ln w="38100">
+              <a:solidFill>
+                <a:schemeClr val="tx1"/>
+              </a:solidFill>
+              <a:headEnd type="triangle"/>
+              <a:tailEnd type="triangle"/>
+            </a:ln>
+          </p:spPr>
+          <p:style>
+            <a:lnRef idx="1">
+              <a:schemeClr val="accent1"/>
+            </a:lnRef>
+            <a:fillRef idx="0">
+              <a:schemeClr val="accent1"/>
+            </a:fillRef>
+            <a:effectRef idx="0">
+              <a:schemeClr val="accent1"/>
+            </a:effectRef>
+            <a:fontRef idx="minor">
+              <a:schemeClr val="tx1"/>
+            </a:fontRef>
+          </p:style>
+        </p:cxnSp>
+      </p:grpSp>
+    </p:spTree>
+    <p:extLst>
+      <p:ext uri="{BB962C8B-B14F-4D97-AF65-F5344CB8AC3E}">
+        <p14:creationId xmlns:p14="http://schemas.microsoft.com/office/powerpoint/2010/main" val="2969894386"/>
+      </p:ext>
+    </p:extLst>
+  </p:cSld>
+  <p:clrMapOvr>
+    <a:masterClrMapping/>
+  </p:clrMapOvr>
+</p:sld>
+</file>
+
+<file path=ppt/slides/slide4.xml><?xml version="1.0" encoding="utf-8"?>
+<p:sld xmlns:a="http://schemas.openxmlformats.org/drawingml/2006/main" xmlns:r="http://schemas.openxmlformats.org/officeDocument/2006/relationships" xmlns:p="http://schemas.openxmlformats.org/presentationml/2006/main">
+  <p:cSld>
+    <p:spTree>
+      <p:nvGrpSpPr>
+        <p:cNvPr id="1" name=""/>
+        <p:cNvGrpSpPr/>
+        <p:nvPr/>
+      </p:nvGrpSpPr>
+      <p:grpSpPr>
+        <a:xfrm>
+          <a:off x="0" y="0"/>
+          <a:ext cx="0" cy="0"/>
+          <a:chOff x="0" y="0"/>
+          <a:chExt cx="0" cy="0"/>
+        </a:xfrm>
+      </p:grpSpPr>
+      <p:cxnSp>
+        <p:nvCxnSpPr>
+          <p:cNvPr id="5" name="直接箭头连接符 4">
+            <a:extLst>
+              <a:ext uri="{FF2B5EF4-FFF2-40B4-BE49-F238E27FC236}">
+                <a16:creationId xmlns:a16="http://schemas.microsoft.com/office/drawing/2014/main" id="{6DE20B27-9D1C-49B4-B6F5-697281B83232}"/>
+              </a:ext>
+            </a:extLst>
+          </p:cNvPr>
+          <p:cNvCxnSpPr>
+            <a:cxnSpLocks/>
+          </p:cNvCxnSpPr>
+          <p:nvPr/>
+        </p:nvCxnSpPr>
+        <p:spPr>
+          <a:xfrm>
+            <a:off x="972457" y="6066971"/>
+            <a:ext cx="7257143" cy="0"/>
+          </a:xfrm>
+          <a:prstGeom prst="straightConnector1">
+            <a:avLst/>
+          </a:prstGeom>
+          <a:ln w="38100">
+            <a:solidFill>
+              <a:schemeClr val="tx1"/>
+            </a:solidFill>
+            <a:tailEnd type="triangle"/>
+          </a:ln>
+        </p:spPr>
+        <p:style>
+          <a:lnRef idx="1">
+            <a:schemeClr val="accent1"/>
+          </a:lnRef>
+          <a:fillRef idx="0">
+            <a:schemeClr val="accent1"/>
+          </a:fillRef>
+          <a:effectRef idx="0">
+            <a:schemeClr val="accent1"/>
+          </a:effectRef>
+          <a:fontRef idx="minor">
+            <a:schemeClr val="tx1"/>
+          </a:fontRef>
+        </p:style>
+      </p:cxnSp>
+      <p:cxnSp>
+        <p:nvCxnSpPr>
+          <p:cNvPr id="7" name="直接箭头连接符 6">
+            <a:extLst>
+              <a:ext uri="{FF2B5EF4-FFF2-40B4-BE49-F238E27FC236}">
+                <a16:creationId xmlns:a16="http://schemas.microsoft.com/office/drawing/2014/main" id="{BA541CF2-1729-4D9F-B4FF-13656158DD4E}"/>
+              </a:ext>
+            </a:extLst>
+          </p:cNvPr>
+          <p:cNvCxnSpPr/>
+          <p:nvPr/>
+        </p:nvCxnSpPr>
+        <p:spPr>
+          <a:xfrm flipV="1">
+            <a:off x="972457" y="464456"/>
+            <a:ext cx="0" cy="5617029"/>
+          </a:xfrm>
+          <a:prstGeom prst="straightConnector1">
+            <a:avLst/>
+          </a:prstGeom>
+          <a:ln w="38100">
+            <a:solidFill>
+              <a:schemeClr val="tx1"/>
+            </a:solidFill>
+            <a:tailEnd type="triangle"/>
+          </a:ln>
+        </p:spPr>
+        <p:style>
+          <a:lnRef idx="1">
+            <a:schemeClr val="accent1"/>
+          </a:lnRef>
+          <a:fillRef idx="0">
+            <a:schemeClr val="accent1"/>
+          </a:fillRef>
+          <a:effectRef idx="0">
+            <a:schemeClr val="accent1"/>
+          </a:effectRef>
+          <a:fontRef idx="minor">
+            <a:schemeClr val="tx1"/>
+          </a:fontRef>
+        </p:style>
+      </p:cxnSp>
+      <p:sp>
+        <p:nvSpPr>
+          <p:cNvPr id="9" name="文本框 8">
+            <a:extLst>
+              <a:ext uri="{FF2B5EF4-FFF2-40B4-BE49-F238E27FC236}">
+                <a16:creationId xmlns:a16="http://schemas.microsoft.com/office/drawing/2014/main" id="{C546021B-D869-4E34-A80C-7EE9555794D8}"/>
+              </a:ext>
+            </a:extLst>
+          </p:cNvPr>
+          <p:cNvSpPr txBox="1"/>
+          <p:nvPr/>
+        </p:nvSpPr>
+        <p:spPr>
+          <a:xfrm>
+            <a:off x="8249114" y="5785509"/>
+            <a:ext cx="1011000" cy="830997"/>
+          </a:xfrm>
+          <a:prstGeom prst="rect">
+            <a:avLst/>
+          </a:prstGeom>
+          <a:noFill/>
+        </p:spPr>
+        <p:txBody>
+          <a:bodyPr wrap="square" rtlCol="0">
+            <a:spAutoFit/>
+          </a:bodyPr>
+          <a:lstStyle/>
+          <a:p>
+            <a:r>
+              <a:rPr lang="zh-CN" altLang="en-US" sz="2400" dirty="0">
+                <a:latin typeface="思源黑体" panose="020B0500000000000000" pitchFamily="34" charset="-122"/>
+                <a:ea typeface="思源黑体" panose="020B0500000000000000" pitchFamily="34" charset="-122"/>
+              </a:rPr>
+              <a:t>降水水平</a:t>
+            </a:r>
+          </a:p>
+        </p:txBody>
+      </p:sp>
+      <p:sp>
+        <p:nvSpPr>
+          <p:cNvPr id="10" name="文本框 9">
+            <a:extLst>
+              <a:ext uri="{FF2B5EF4-FFF2-40B4-BE49-F238E27FC236}">
+                <a16:creationId xmlns:a16="http://schemas.microsoft.com/office/drawing/2014/main" id="{52AA5B50-495A-4A4F-85B9-94B92DC4CFDA}"/>
+              </a:ext>
+            </a:extLst>
+          </p:cNvPr>
+          <p:cNvSpPr txBox="1"/>
+          <p:nvPr/>
+        </p:nvSpPr>
+        <p:spPr>
+          <a:xfrm>
+            <a:off x="1119412" y="264635"/>
+            <a:ext cx="906239" cy="830997"/>
+          </a:xfrm>
+          <a:prstGeom prst="rect">
+            <a:avLst/>
+          </a:prstGeom>
+          <a:noFill/>
+        </p:spPr>
+        <p:txBody>
+          <a:bodyPr wrap="square" rtlCol="0">
+            <a:spAutoFit/>
+          </a:bodyPr>
+          <a:lstStyle/>
+          <a:p>
+            <a:r>
+              <a:rPr lang="zh-CN" altLang="en-US" sz="2400" dirty="0">
+                <a:latin typeface="思源黑体" panose="020B0500000000000000" pitchFamily="34" charset="-122"/>
+                <a:ea typeface="思源黑体" panose="020B0500000000000000" pitchFamily="34" charset="-122"/>
+              </a:rPr>
+              <a:t>气温水平</a:t>
+            </a:r>
+          </a:p>
+        </p:txBody>
+      </p:sp>
+      <p:sp>
+        <p:nvSpPr>
+          <p:cNvPr id="11" name="文本框 10">
+            <a:extLst>
+              <a:ext uri="{FF2B5EF4-FFF2-40B4-BE49-F238E27FC236}">
+                <a16:creationId xmlns:a16="http://schemas.microsoft.com/office/drawing/2014/main" id="{34FD20DD-69AB-46E1-B94C-5443CACC55C6}"/>
+              </a:ext>
+            </a:extLst>
+          </p:cNvPr>
+          <p:cNvSpPr txBox="1"/>
+          <p:nvPr/>
+        </p:nvSpPr>
+        <p:spPr>
+          <a:xfrm>
+            <a:off x="464465" y="6140328"/>
+            <a:ext cx="598710" cy="461665"/>
+          </a:xfrm>
+          <a:prstGeom prst="rect">
+            <a:avLst/>
+          </a:prstGeom>
+          <a:noFill/>
+        </p:spPr>
+        <p:txBody>
+          <a:bodyPr wrap="square" rtlCol="0">
+            <a:spAutoFit/>
+          </a:bodyPr>
+          <a:lstStyle/>
+          <a:p>
+            <a:r>
+              <a:rPr lang="zh-CN" altLang="en-US" sz="2400" dirty="0">
+                <a:latin typeface="思源黑体" panose="020B0500000000000000" pitchFamily="34" charset="-122"/>
+                <a:ea typeface="思源黑体" panose="020B0500000000000000" pitchFamily="34" charset="-122"/>
+              </a:rPr>
+              <a:t>低</a:t>
+            </a:r>
+          </a:p>
+        </p:txBody>
+      </p:sp>
+      <p:sp>
+        <p:nvSpPr>
+          <p:cNvPr id="12" name="文本框 11">
+            <a:extLst>
+              <a:ext uri="{FF2B5EF4-FFF2-40B4-BE49-F238E27FC236}">
+                <a16:creationId xmlns:a16="http://schemas.microsoft.com/office/drawing/2014/main" id="{77C95696-C571-49D4-B68A-3EEAF94AC8C4}"/>
+              </a:ext>
+            </a:extLst>
+          </p:cNvPr>
+          <p:cNvSpPr txBox="1"/>
+          <p:nvPr/>
+        </p:nvSpPr>
+        <p:spPr>
+          <a:xfrm>
+            <a:off x="6846208" y="6251637"/>
+            <a:ext cx="598710" cy="461665"/>
+          </a:xfrm>
+          <a:prstGeom prst="rect">
+            <a:avLst/>
+          </a:prstGeom>
+          <a:noFill/>
+        </p:spPr>
+        <p:txBody>
+          <a:bodyPr wrap="square" rtlCol="0">
+            <a:spAutoFit/>
+          </a:bodyPr>
+          <a:lstStyle/>
+          <a:p>
+            <a:r>
+              <a:rPr lang="zh-CN" altLang="en-US" sz="2400" dirty="0">
+                <a:latin typeface="思源黑体" panose="020B0500000000000000" pitchFamily="34" charset="-122"/>
+                <a:ea typeface="思源黑体" panose="020B0500000000000000" pitchFamily="34" charset="-122"/>
+              </a:rPr>
+              <a:t>高</a:t>
+            </a:r>
+          </a:p>
+        </p:txBody>
+      </p:sp>
+      <p:sp>
+        <p:nvSpPr>
+          <p:cNvPr id="13" name="文本框 12">
+            <a:extLst>
+              <a:ext uri="{FF2B5EF4-FFF2-40B4-BE49-F238E27FC236}">
+                <a16:creationId xmlns:a16="http://schemas.microsoft.com/office/drawing/2014/main" id="{F475132A-EAC6-4DE3-95D2-22A1CE36043F}"/>
+              </a:ext>
+            </a:extLst>
+          </p:cNvPr>
+          <p:cNvSpPr txBox="1"/>
+          <p:nvPr/>
+        </p:nvSpPr>
+        <p:spPr>
+          <a:xfrm>
+            <a:off x="244494" y="1441041"/>
+            <a:ext cx="598710" cy="461665"/>
+          </a:xfrm>
+          <a:prstGeom prst="rect">
+            <a:avLst/>
+          </a:prstGeom>
+          <a:noFill/>
+        </p:spPr>
+        <p:txBody>
+          <a:bodyPr wrap="square" rtlCol="0">
+            <a:spAutoFit/>
+          </a:bodyPr>
+          <a:lstStyle/>
+          <a:p>
+            <a:r>
+              <a:rPr lang="zh-CN" altLang="en-US" sz="2400" dirty="0">
+                <a:latin typeface="思源黑体" panose="020B0500000000000000" pitchFamily="34" charset="-122"/>
+                <a:ea typeface="思源黑体" panose="020B0500000000000000" pitchFamily="34" charset="-122"/>
+              </a:rPr>
+              <a:t>高</a:t>
+            </a:r>
+          </a:p>
+        </p:txBody>
+      </p:sp>
+      <p:sp>
+        <p:nvSpPr>
+          <p:cNvPr id="14" name="文本框 13">
+            <a:extLst>
+              <a:ext uri="{FF2B5EF4-FFF2-40B4-BE49-F238E27FC236}">
+                <a16:creationId xmlns:a16="http://schemas.microsoft.com/office/drawing/2014/main" id="{EEE20599-A4CA-4FBB-8276-BE447537B263}"/>
+              </a:ext>
+            </a:extLst>
+          </p:cNvPr>
+          <p:cNvSpPr txBox="1"/>
+          <p:nvPr/>
+        </p:nvSpPr>
+        <p:spPr>
+          <a:xfrm>
+            <a:off x="1765303" y="5224915"/>
+            <a:ext cx="1416488" cy="461665"/>
+          </a:xfrm>
+          <a:prstGeom prst="rect">
+            <a:avLst/>
+          </a:prstGeom>
+          <a:noFill/>
+        </p:spPr>
+        <p:txBody>
+          <a:bodyPr wrap="square" rtlCol="0">
+            <a:spAutoFit/>
+          </a:bodyPr>
+          <a:lstStyle/>
+          <a:p>
+            <a:r>
+              <a:rPr lang="zh-CN" altLang="en-US" sz="2400" dirty="0">
+                <a:latin typeface="思源黑体" panose="020B0500000000000000" pitchFamily="34" charset="-122"/>
+                <a:ea typeface="思源黑体" panose="020B0500000000000000" pitchFamily="34" charset="-122"/>
+              </a:rPr>
+              <a:t>寒带草原</a:t>
+            </a:r>
+          </a:p>
+        </p:txBody>
+      </p:sp>
+      <p:sp>
+        <p:nvSpPr>
+          <p:cNvPr id="15" name="文本框 14">
+            <a:extLst>
+              <a:ext uri="{FF2B5EF4-FFF2-40B4-BE49-F238E27FC236}">
+                <a16:creationId xmlns:a16="http://schemas.microsoft.com/office/drawing/2014/main" id="{581C2C39-0CD9-4B68-83C9-CDB6AE51BEAC}"/>
+              </a:ext>
+            </a:extLst>
+          </p:cNvPr>
+          <p:cNvSpPr txBox="1"/>
+          <p:nvPr/>
+        </p:nvSpPr>
+        <p:spPr>
+          <a:xfrm>
+            <a:off x="6027518" y="5293574"/>
+            <a:ext cx="1416495" cy="461665"/>
+          </a:xfrm>
+          <a:prstGeom prst="rect">
+            <a:avLst/>
+          </a:prstGeom>
+          <a:noFill/>
+        </p:spPr>
+        <p:txBody>
+          <a:bodyPr wrap="square" rtlCol="0">
+            <a:spAutoFit/>
+          </a:bodyPr>
+          <a:lstStyle/>
+          <a:p>
+            <a:r>
+              <a:rPr lang="zh-CN" altLang="en-US" sz="2400" dirty="0">
+                <a:latin typeface="思源黑体" panose="020B0500000000000000" pitchFamily="34" charset="-122"/>
+                <a:ea typeface="思源黑体" panose="020B0500000000000000" pitchFamily="34" charset="-122"/>
+              </a:rPr>
+              <a:t>寒带丛林</a:t>
+            </a:r>
+          </a:p>
+        </p:txBody>
+      </p:sp>
+      <p:sp>
+        <p:nvSpPr>
+          <p:cNvPr id="16" name="文本框 15">
+            <a:extLst>
+              <a:ext uri="{FF2B5EF4-FFF2-40B4-BE49-F238E27FC236}">
+                <a16:creationId xmlns:a16="http://schemas.microsoft.com/office/drawing/2014/main" id="{0175236E-B70C-41D0-97F5-21203D53309F}"/>
+              </a:ext>
+            </a:extLst>
+          </p:cNvPr>
+          <p:cNvSpPr txBox="1"/>
+          <p:nvPr/>
+        </p:nvSpPr>
+        <p:spPr>
+          <a:xfrm>
+            <a:off x="3974636" y="5249803"/>
+            <a:ext cx="1416491" cy="461665"/>
+          </a:xfrm>
+          <a:prstGeom prst="rect">
+            <a:avLst/>
+          </a:prstGeom>
+          <a:noFill/>
+        </p:spPr>
+        <p:txBody>
+          <a:bodyPr wrap="square" rtlCol="0">
+            <a:spAutoFit/>
+          </a:bodyPr>
+          <a:lstStyle/>
+          <a:p>
+            <a:r>
+              <a:rPr lang="zh-CN" altLang="en-US" sz="2400" dirty="0">
+                <a:latin typeface="思源黑体" panose="020B0500000000000000" pitchFamily="34" charset="-122"/>
+                <a:ea typeface="思源黑体" panose="020B0500000000000000" pitchFamily="34" charset="-122"/>
+              </a:rPr>
+              <a:t>寒带灌木</a:t>
+            </a:r>
+          </a:p>
+        </p:txBody>
+      </p:sp>
+      <p:sp>
+        <p:nvSpPr>
+          <p:cNvPr id="17" name="文本框 16">
+            <a:extLst>
+              <a:ext uri="{FF2B5EF4-FFF2-40B4-BE49-F238E27FC236}">
+                <a16:creationId xmlns:a16="http://schemas.microsoft.com/office/drawing/2014/main" id="{06A88666-ED63-4D65-A264-CD42B03A7F9A}"/>
+              </a:ext>
+            </a:extLst>
+          </p:cNvPr>
+          <p:cNvSpPr txBox="1"/>
+          <p:nvPr/>
+        </p:nvSpPr>
+        <p:spPr>
+          <a:xfrm>
+            <a:off x="2155853" y="3291228"/>
+            <a:ext cx="1416483" cy="461665"/>
+          </a:xfrm>
+          <a:prstGeom prst="rect">
+            <a:avLst/>
+          </a:prstGeom>
+          <a:noFill/>
+        </p:spPr>
+        <p:txBody>
+          <a:bodyPr wrap="square" rtlCol="0">
+            <a:spAutoFit/>
+          </a:bodyPr>
+          <a:lstStyle/>
+          <a:p>
+            <a:r>
+              <a:rPr lang="zh-CN" altLang="en-US" sz="2400" dirty="0">
+                <a:latin typeface="思源黑体" panose="020B0500000000000000" pitchFamily="34" charset="-122"/>
+                <a:ea typeface="思源黑体" panose="020B0500000000000000" pitchFamily="34" charset="-122"/>
+              </a:rPr>
+              <a:t>温带草原</a:t>
+            </a:r>
+          </a:p>
+        </p:txBody>
+      </p:sp>
+      <p:sp>
+        <p:nvSpPr>
+          <p:cNvPr id="18" name="文本框 17">
+            <a:extLst>
+              <a:ext uri="{FF2B5EF4-FFF2-40B4-BE49-F238E27FC236}">
+                <a16:creationId xmlns:a16="http://schemas.microsoft.com/office/drawing/2014/main" id="{6FA83C63-1AB8-4F0A-967D-9E2D998FE1A2}"/>
+              </a:ext>
+            </a:extLst>
+          </p:cNvPr>
+          <p:cNvSpPr txBox="1"/>
+          <p:nvPr/>
+        </p:nvSpPr>
+        <p:spPr>
+          <a:xfrm>
+            <a:off x="1312659" y="1393425"/>
+            <a:ext cx="713014" cy="830997"/>
+          </a:xfrm>
+          <a:prstGeom prst="rect">
+            <a:avLst/>
+          </a:prstGeom>
+          <a:noFill/>
+        </p:spPr>
+        <p:txBody>
+          <a:bodyPr wrap="square" rtlCol="0">
+            <a:spAutoFit/>
+          </a:bodyPr>
+          <a:lstStyle/>
+          <a:p>
+            <a:r>
+              <a:rPr lang="zh-CN" altLang="en-US" sz="2400" dirty="0">
+                <a:latin typeface="思源黑体" panose="020B0500000000000000" pitchFamily="34" charset="-122"/>
+                <a:ea typeface="思源黑体" panose="020B0500000000000000" pitchFamily="34" charset="-122"/>
+              </a:rPr>
+              <a:t>沙漠</a:t>
+            </a:r>
+          </a:p>
+        </p:txBody>
+      </p:sp>
+      <p:sp>
+        <p:nvSpPr>
+          <p:cNvPr id="19" name="文本框 18">
+            <a:extLst>
+              <a:ext uri="{FF2B5EF4-FFF2-40B4-BE49-F238E27FC236}">
+                <a16:creationId xmlns:a16="http://schemas.microsoft.com/office/drawing/2014/main" id="{EDDF380D-CB1F-4157-9C2A-08A50ADADEA2}"/>
+              </a:ext>
+            </a:extLst>
+          </p:cNvPr>
+          <p:cNvSpPr txBox="1"/>
+          <p:nvPr/>
+        </p:nvSpPr>
+        <p:spPr>
+          <a:xfrm>
+            <a:off x="3852889" y="3291228"/>
+            <a:ext cx="1416491" cy="461665"/>
+          </a:xfrm>
+          <a:prstGeom prst="rect">
+            <a:avLst/>
+          </a:prstGeom>
+          <a:noFill/>
+        </p:spPr>
+        <p:txBody>
+          <a:bodyPr wrap="square" rtlCol="0">
+            <a:spAutoFit/>
+          </a:bodyPr>
+          <a:lstStyle/>
+          <a:p>
+            <a:r>
+              <a:rPr lang="zh-CN" altLang="en-US" sz="2400" dirty="0">
+                <a:latin typeface="思源黑体" panose="020B0500000000000000" pitchFamily="34" charset="-122"/>
+                <a:ea typeface="思源黑体" panose="020B0500000000000000" pitchFamily="34" charset="-122"/>
+              </a:rPr>
+              <a:t>温带灌木</a:t>
+            </a:r>
+          </a:p>
+        </p:txBody>
+      </p:sp>
+      <p:sp>
+        <p:nvSpPr>
+          <p:cNvPr id="20" name="文本框 19">
+            <a:extLst>
+              <a:ext uri="{FF2B5EF4-FFF2-40B4-BE49-F238E27FC236}">
+                <a16:creationId xmlns:a16="http://schemas.microsoft.com/office/drawing/2014/main" id="{F8545242-DE69-4A9A-A95C-274110539CA0}"/>
+              </a:ext>
+            </a:extLst>
+          </p:cNvPr>
+          <p:cNvSpPr txBox="1"/>
+          <p:nvPr/>
+        </p:nvSpPr>
+        <p:spPr>
+          <a:xfrm>
+            <a:off x="5871935" y="3329089"/>
+            <a:ext cx="1416491" cy="461665"/>
+          </a:xfrm>
+          <a:prstGeom prst="rect">
+            <a:avLst/>
+          </a:prstGeom>
+          <a:noFill/>
+        </p:spPr>
+        <p:txBody>
+          <a:bodyPr wrap="square" rtlCol="0">
+            <a:spAutoFit/>
+          </a:bodyPr>
+          <a:lstStyle/>
+          <a:p>
+            <a:r>
+              <a:rPr lang="zh-CN" altLang="en-US" sz="2400" dirty="0">
+                <a:latin typeface="思源黑体" panose="020B0500000000000000" pitchFamily="34" charset="-122"/>
+                <a:ea typeface="思源黑体" panose="020B0500000000000000" pitchFamily="34" charset="-122"/>
+              </a:rPr>
+              <a:t>温带丛林</a:t>
+            </a:r>
+          </a:p>
+        </p:txBody>
+      </p:sp>
+      <p:sp>
+        <p:nvSpPr>
+          <p:cNvPr id="21" name="文本框 20">
+            <a:extLst>
+              <a:ext uri="{FF2B5EF4-FFF2-40B4-BE49-F238E27FC236}">
+                <a16:creationId xmlns:a16="http://schemas.microsoft.com/office/drawing/2014/main" id="{AAA944E6-9CB7-457D-A9AA-931A6AF98B58}"/>
+              </a:ext>
+            </a:extLst>
+          </p:cNvPr>
+          <p:cNvSpPr txBox="1"/>
+          <p:nvPr/>
+        </p:nvSpPr>
+        <p:spPr>
+          <a:xfrm>
+            <a:off x="6095999" y="1578091"/>
+            <a:ext cx="957938" cy="461665"/>
+          </a:xfrm>
+          <a:prstGeom prst="rect">
+            <a:avLst/>
+          </a:prstGeom>
+          <a:noFill/>
+        </p:spPr>
+        <p:txBody>
+          <a:bodyPr wrap="square" rtlCol="0">
+            <a:spAutoFit/>
+          </a:bodyPr>
+          <a:lstStyle/>
+          <a:p>
+            <a:r>
+              <a:rPr lang="zh-CN" altLang="en-US" sz="2400" dirty="0">
+                <a:latin typeface="思源黑体" panose="020B0500000000000000" pitchFamily="34" charset="-122"/>
+                <a:ea typeface="思源黑体" panose="020B0500000000000000" pitchFamily="34" charset="-122"/>
+              </a:rPr>
+              <a:t>雨林</a:t>
+            </a:r>
+          </a:p>
+        </p:txBody>
+      </p:sp>
+      <p:sp>
+        <p:nvSpPr>
+          <p:cNvPr id="22" name="文本框 21">
+            <a:extLst>
+              <a:ext uri="{FF2B5EF4-FFF2-40B4-BE49-F238E27FC236}">
+                <a16:creationId xmlns:a16="http://schemas.microsoft.com/office/drawing/2014/main" id="{41C49958-B576-474D-9075-7ADEE4A5C242}"/>
+              </a:ext>
+            </a:extLst>
+          </p:cNvPr>
+          <p:cNvSpPr txBox="1"/>
+          <p:nvPr/>
+        </p:nvSpPr>
+        <p:spPr>
+          <a:xfrm>
+            <a:off x="3239413" y="1671873"/>
+            <a:ext cx="1470445" cy="461665"/>
+          </a:xfrm>
+          <a:prstGeom prst="rect">
+            <a:avLst/>
+          </a:prstGeom>
+          <a:noFill/>
+        </p:spPr>
+        <p:txBody>
+          <a:bodyPr wrap="square" rtlCol="0">
+            <a:spAutoFit/>
+          </a:bodyPr>
+          <a:lstStyle/>
+          <a:p>
+            <a:r>
+              <a:rPr lang="zh-CN" altLang="en-US" sz="2400" dirty="0">
+                <a:latin typeface="思源黑体" panose="020B0500000000000000" pitchFamily="34" charset="-122"/>
+                <a:ea typeface="思源黑体" panose="020B0500000000000000" pitchFamily="34" charset="-122"/>
+              </a:rPr>
+              <a:t>热带草原</a:t>
+            </a:r>
+          </a:p>
+        </p:txBody>
+      </p:sp>
+    </p:spTree>
+    <p:extLst>
+      <p:ext uri="{BB962C8B-B14F-4D97-AF65-F5344CB8AC3E}">
+        <p14:creationId xmlns:p14="http://schemas.microsoft.com/office/powerpoint/2010/main" val="267263637"/>
       </p:ext>
     </p:extLst>
   </p:cSld>

--- a/Docs/Technology.pptx
+++ b/Docs/Technology.pptx
@@ -9,6 +9,7 @@
     <p:sldId id="257" r:id="rId3"/>
     <p:sldId id="258" r:id="rId4"/>
     <p:sldId id="259" r:id="rId5"/>
+    <p:sldId id="260" r:id="rId6"/>
   </p:sldIdLst>
   <p:sldSz cx="12192000" cy="6858000"/>
   <p:notesSz cx="6858000" cy="9144000"/>
@@ -120,6 +121,7 @@
           <p14:sldIdLst>
             <p14:sldId id="258"/>
             <p14:sldId id="259"/>
+            <p14:sldId id="260"/>
           </p14:sldIdLst>
         </p14:section>
       </p14:sectionLst>
@@ -260,7 +262,7 @@
           <a:p>
             <a:fld id="{CC1FC442-B89C-44C2-8ED1-A5E42BD589E9}" type="datetimeFigureOut">
               <a:rPr lang="zh-CN" altLang="en-US" smtClean="0"/>
-              <a:t>2019/4/2</a:t>
+              <a:t>2019/4/7</a:t>
             </a:fld>
             <a:endParaRPr lang="zh-CN" altLang="en-US"/>
           </a:p>
@@ -428,7 +430,7 @@
           <a:p>
             <a:fld id="{CC1FC442-B89C-44C2-8ED1-A5E42BD589E9}" type="datetimeFigureOut">
               <a:rPr lang="zh-CN" altLang="en-US" smtClean="0"/>
-              <a:t>2019/4/2</a:t>
+              <a:t>2019/4/7</a:t>
             </a:fld>
             <a:endParaRPr lang="zh-CN" altLang="en-US"/>
           </a:p>
@@ -606,7 +608,7 @@
           <a:p>
             <a:fld id="{CC1FC442-B89C-44C2-8ED1-A5E42BD589E9}" type="datetimeFigureOut">
               <a:rPr lang="zh-CN" altLang="en-US" smtClean="0"/>
-              <a:t>2019/4/2</a:t>
+              <a:t>2019/4/7</a:t>
             </a:fld>
             <a:endParaRPr lang="zh-CN" altLang="en-US"/>
           </a:p>
@@ -774,7 +776,7 @@
           <a:p>
             <a:fld id="{CC1FC442-B89C-44C2-8ED1-A5E42BD589E9}" type="datetimeFigureOut">
               <a:rPr lang="zh-CN" altLang="en-US" smtClean="0"/>
-              <a:t>2019/4/2</a:t>
+              <a:t>2019/4/7</a:t>
             </a:fld>
             <a:endParaRPr lang="zh-CN" altLang="en-US"/>
           </a:p>
@@ -1019,7 +1021,7 @@
           <a:p>
             <a:fld id="{CC1FC442-B89C-44C2-8ED1-A5E42BD589E9}" type="datetimeFigureOut">
               <a:rPr lang="zh-CN" altLang="en-US" smtClean="0"/>
-              <a:t>2019/4/2</a:t>
+              <a:t>2019/4/7</a:t>
             </a:fld>
             <a:endParaRPr lang="zh-CN" altLang="en-US"/>
           </a:p>
@@ -1248,7 +1250,7 @@
           <a:p>
             <a:fld id="{CC1FC442-B89C-44C2-8ED1-A5E42BD589E9}" type="datetimeFigureOut">
               <a:rPr lang="zh-CN" altLang="en-US" smtClean="0"/>
-              <a:t>2019/4/2</a:t>
+              <a:t>2019/4/7</a:t>
             </a:fld>
             <a:endParaRPr lang="zh-CN" altLang="en-US"/>
           </a:p>
@@ -1612,7 +1614,7 @@
           <a:p>
             <a:fld id="{CC1FC442-B89C-44C2-8ED1-A5E42BD589E9}" type="datetimeFigureOut">
               <a:rPr lang="zh-CN" altLang="en-US" smtClean="0"/>
-              <a:t>2019/4/2</a:t>
+              <a:t>2019/4/7</a:t>
             </a:fld>
             <a:endParaRPr lang="zh-CN" altLang="en-US"/>
           </a:p>
@@ -1729,7 +1731,7 @@
           <a:p>
             <a:fld id="{CC1FC442-B89C-44C2-8ED1-A5E42BD589E9}" type="datetimeFigureOut">
               <a:rPr lang="zh-CN" altLang="en-US" smtClean="0"/>
-              <a:t>2019/4/2</a:t>
+              <a:t>2019/4/7</a:t>
             </a:fld>
             <a:endParaRPr lang="zh-CN" altLang="en-US"/>
           </a:p>
@@ -1824,7 +1826,7 @@
           <a:p>
             <a:fld id="{CC1FC442-B89C-44C2-8ED1-A5E42BD589E9}" type="datetimeFigureOut">
               <a:rPr lang="zh-CN" altLang="en-US" smtClean="0"/>
-              <a:t>2019/4/2</a:t>
+              <a:t>2019/4/7</a:t>
             </a:fld>
             <a:endParaRPr lang="zh-CN" altLang="en-US"/>
           </a:p>
@@ -2099,7 +2101,7 @@
           <a:p>
             <a:fld id="{CC1FC442-B89C-44C2-8ED1-A5E42BD589E9}" type="datetimeFigureOut">
               <a:rPr lang="zh-CN" altLang="en-US" smtClean="0"/>
-              <a:t>2019/4/2</a:t>
+              <a:t>2019/4/7</a:t>
             </a:fld>
             <a:endParaRPr lang="zh-CN" altLang="en-US"/>
           </a:p>
@@ -2351,7 +2353,7 @@
           <a:p>
             <a:fld id="{CC1FC442-B89C-44C2-8ED1-A5E42BD589E9}" type="datetimeFigureOut">
               <a:rPr lang="zh-CN" altLang="en-US" smtClean="0"/>
-              <a:t>2019/4/2</a:t>
+              <a:t>2019/4/7</a:t>
             </a:fld>
             <a:endParaRPr lang="zh-CN" altLang="en-US"/>
           </a:p>
@@ -2562,7 +2564,7 @@
           <a:p>
             <a:fld id="{CC1FC442-B89C-44C2-8ED1-A5E42BD589E9}" type="datetimeFigureOut">
               <a:rPr lang="zh-CN" altLang="en-US" smtClean="0"/>
-              <a:t>2019/4/2</a:t>
+              <a:t>2019/4/7</a:t>
             </a:fld>
             <a:endParaRPr lang="zh-CN" altLang="en-US"/>
           </a:p>
@@ -6028,6 +6030,2205 @@
 </p:sld>
 </file>
 
+<file path=ppt/slides/slide5.xml><?xml version="1.0" encoding="utf-8"?>
+<p:sld xmlns:a="http://schemas.openxmlformats.org/drawingml/2006/main" xmlns:r="http://schemas.openxmlformats.org/officeDocument/2006/relationships" xmlns:p="http://schemas.openxmlformats.org/presentationml/2006/main">
+  <p:cSld>
+    <p:spTree>
+      <p:nvGrpSpPr>
+        <p:cNvPr id="1" name=""/>
+        <p:cNvGrpSpPr/>
+        <p:nvPr/>
+      </p:nvGrpSpPr>
+      <p:grpSpPr>
+        <a:xfrm>
+          <a:off x="0" y="0"/>
+          <a:ext cx="0" cy="0"/>
+          <a:chOff x="0" y="0"/>
+          <a:chExt cx="0" cy="0"/>
+        </a:xfrm>
+      </p:grpSpPr>
+      <p:sp>
+        <p:nvSpPr>
+          <p:cNvPr id="4" name="矩形 3">
+            <a:extLst>
+              <a:ext uri="{FF2B5EF4-FFF2-40B4-BE49-F238E27FC236}">
+                <a16:creationId xmlns:a16="http://schemas.microsoft.com/office/drawing/2014/main" id="{7ADBE389-819D-4164-801D-A6C368F3DA10}"/>
+              </a:ext>
+            </a:extLst>
+          </p:cNvPr>
+          <p:cNvSpPr/>
+          <p:nvPr/>
+        </p:nvSpPr>
+        <p:spPr>
+          <a:xfrm>
+            <a:off x="0" y="2257778"/>
+            <a:ext cx="1930400" cy="2009422"/>
+          </a:xfrm>
+          <a:prstGeom prst="rect">
+            <a:avLst/>
+          </a:prstGeom>
+        </p:spPr>
+        <p:style>
+          <a:lnRef idx="2">
+            <a:schemeClr val="accent1">
+              <a:shade val="50000"/>
+            </a:schemeClr>
+          </a:lnRef>
+          <a:fillRef idx="1">
+            <a:schemeClr val="accent1"/>
+          </a:fillRef>
+          <a:effectRef idx="0">
+            <a:schemeClr val="accent1"/>
+          </a:effectRef>
+          <a:fontRef idx="minor">
+            <a:schemeClr val="lt1"/>
+          </a:fontRef>
+        </p:style>
+        <p:txBody>
+          <a:bodyPr rtlCol="0" anchor="ctr"/>
+          <a:lstStyle/>
+          <a:p>
+            <a:pPr algn="ctr"/>
+            <a:endParaRPr lang="zh-CN" altLang="en-US"/>
+          </a:p>
+        </p:txBody>
+      </p:sp>
+      <p:graphicFrame>
+        <p:nvGraphicFramePr>
+          <p:cNvPr id="5" name="表格 4">
+            <a:extLst>
+              <a:ext uri="{FF2B5EF4-FFF2-40B4-BE49-F238E27FC236}">
+                <a16:creationId xmlns:a16="http://schemas.microsoft.com/office/drawing/2014/main" id="{BF23989E-2BDA-45ED-9ECE-66319E3F435C}"/>
+              </a:ext>
+            </a:extLst>
+          </p:cNvPr>
+          <p:cNvGraphicFramePr>
+            <a:graphicFrameLocks noGrp="1"/>
+          </p:cNvGraphicFramePr>
+          <p:nvPr>
+            <p:extLst>
+              <p:ext uri="{D42A27DB-BD31-4B8C-83A1-F6EECF244321}">
+                <p14:modId xmlns:p14="http://schemas.microsoft.com/office/powerpoint/2010/main" val="2808348971"/>
+              </p:ext>
+            </p:extLst>
+          </p:nvPr>
+        </p:nvGraphicFramePr>
+        <p:xfrm>
+          <a:off x="3048001" y="831612"/>
+          <a:ext cx="3307644" cy="3435588"/>
+        </p:xfrm>
+        <a:graphic>
+          <a:graphicData uri="http://schemas.openxmlformats.org/drawingml/2006/table">
+            <a:tbl>
+              <a:tblPr>
+                <a:tableStyleId>{5C22544A-7EE6-4342-B048-85BDC9FD1C3A}</a:tableStyleId>
+              </a:tblPr>
+              <a:tblGrid>
+                <a:gridCol w="826911">
+                  <a:extLst>
+                    <a:ext uri="{9D8B030D-6E8A-4147-A177-3AD203B41FA5}">
+                      <a16:colId xmlns:a16="http://schemas.microsoft.com/office/drawing/2014/main" val="2770260843"/>
+                    </a:ext>
+                  </a:extLst>
+                </a:gridCol>
+                <a:gridCol w="826911">
+                  <a:extLst>
+                    <a:ext uri="{9D8B030D-6E8A-4147-A177-3AD203B41FA5}">
+                      <a16:colId xmlns:a16="http://schemas.microsoft.com/office/drawing/2014/main" val="3640410575"/>
+                    </a:ext>
+                  </a:extLst>
+                </a:gridCol>
+                <a:gridCol w="826911">
+                  <a:extLst>
+                    <a:ext uri="{9D8B030D-6E8A-4147-A177-3AD203B41FA5}">
+                      <a16:colId xmlns:a16="http://schemas.microsoft.com/office/drawing/2014/main" val="1474065265"/>
+                    </a:ext>
+                  </a:extLst>
+                </a:gridCol>
+                <a:gridCol w="826911">
+                  <a:extLst>
+                    <a:ext uri="{9D8B030D-6E8A-4147-A177-3AD203B41FA5}">
+                      <a16:colId xmlns:a16="http://schemas.microsoft.com/office/drawing/2014/main" val="834528977"/>
+                    </a:ext>
+                  </a:extLst>
+                </a:gridCol>
+              </a:tblGrid>
+              <a:tr h="858897">
+                <a:tc>
+                  <a:txBody>
+                    <a:bodyPr/>
+                    <a:lstStyle/>
+                    <a:p>
+                      <a:endParaRPr lang="zh-CN" altLang="en-US" dirty="0">
+                        <a:solidFill>
+                          <a:schemeClr val="tx1">
+                            <a:lumMod val="50000"/>
+                            <a:lumOff val="50000"/>
+                          </a:schemeClr>
+                        </a:solidFill>
+                      </a:endParaRPr>
+                    </a:p>
+                  </a:txBody>
+                  <a:tcPr>
+                    <a:lnL w="12700" cap="flat" cmpd="sng" algn="ctr">
+                      <a:solidFill>
+                        <a:schemeClr val="tx1"/>
+                      </a:solidFill>
+                      <a:prstDash val="solid"/>
+                      <a:round/>
+                      <a:headEnd type="none" w="med" len="med"/>
+                      <a:tailEnd type="none" w="med" len="med"/>
+                    </a:lnL>
+                    <a:lnR w="12700" cap="flat" cmpd="sng" algn="ctr">
+                      <a:solidFill>
+                        <a:schemeClr val="tx1"/>
+                      </a:solidFill>
+                      <a:prstDash val="solid"/>
+                      <a:round/>
+                      <a:headEnd type="none" w="med" len="med"/>
+                      <a:tailEnd type="none" w="med" len="med"/>
+                    </a:lnR>
+                    <a:lnT w="12700" cap="flat" cmpd="sng" algn="ctr">
+                      <a:solidFill>
+                        <a:schemeClr val="tx1"/>
+                      </a:solidFill>
+                      <a:prstDash val="solid"/>
+                      <a:round/>
+                      <a:headEnd type="none" w="med" len="med"/>
+                      <a:tailEnd type="none" w="med" len="med"/>
+                    </a:lnT>
+                    <a:lnB w="12700" cap="flat" cmpd="sng" algn="ctr">
+                      <a:solidFill>
+                        <a:schemeClr val="tx1"/>
+                      </a:solidFill>
+                      <a:prstDash val="solid"/>
+                      <a:round/>
+                      <a:headEnd type="none" w="med" len="med"/>
+                      <a:tailEnd type="none" w="med" len="med"/>
+                    </a:lnB>
+                    <a:noFill/>
+                  </a:tcPr>
+                </a:tc>
+                <a:tc>
+                  <a:txBody>
+                    <a:bodyPr/>
+                    <a:lstStyle/>
+                    <a:p>
+                      <a:r>
+                        <a:rPr lang="en-US" altLang="zh-CN" dirty="0">
+                          <a:solidFill>
+                            <a:schemeClr val="tx1">
+                              <a:lumMod val="50000"/>
+                              <a:lumOff val="50000"/>
+                            </a:schemeClr>
+                          </a:solidFill>
+                        </a:rPr>
+                        <a:t>11</a:t>
+                      </a:r>
+                      <a:endParaRPr lang="zh-CN" altLang="en-US" dirty="0">
+                        <a:solidFill>
+                          <a:schemeClr val="tx1">
+                            <a:lumMod val="50000"/>
+                            <a:lumOff val="50000"/>
+                          </a:schemeClr>
+                        </a:solidFill>
+                      </a:endParaRPr>
+                    </a:p>
+                  </a:txBody>
+                  <a:tcPr>
+                    <a:lnL w="12700" cap="flat" cmpd="sng" algn="ctr">
+                      <a:solidFill>
+                        <a:schemeClr val="tx1"/>
+                      </a:solidFill>
+                      <a:prstDash val="solid"/>
+                      <a:round/>
+                      <a:headEnd type="none" w="med" len="med"/>
+                      <a:tailEnd type="none" w="med" len="med"/>
+                    </a:lnL>
+                    <a:lnR w="12700" cap="flat" cmpd="sng" algn="ctr">
+                      <a:solidFill>
+                        <a:schemeClr val="tx1"/>
+                      </a:solidFill>
+                      <a:prstDash val="solid"/>
+                      <a:round/>
+                      <a:headEnd type="none" w="med" len="med"/>
+                      <a:tailEnd type="none" w="med" len="med"/>
+                    </a:lnR>
+                    <a:lnT w="12700" cap="flat" cmpd="sng" algn="ctr">
+                      <a:solidFill>
+                        <a:schemeClr val="tx1"/>
+                      </a:solidFill>
+                      <a:prstDash val="solid"/>
+                      <a:round/>
+                      <a:headEnd type="none" w="med" len="med"/>
+                      <a:tailEnd type="none" w="med" len="med"/>
+                    </a:lnT>
+                    <a:lnB w="12700" cap="flat" cmpd="sng" algn="ctr">
+                      <a:solidFill>
+                        <a:schemeClr val="tx1"/>
+                      </a:solidFill>
+                      <a:prstDash val="solid"/>
+                      <a:round/>
+                      <a:headEnd type="none" w="med" len="med"/>
+                      <a:tailEnd type="none" w="med" len="med"/>
+                    </a:lnB>
+                    <a:noFill/>
+                  </a:tcPr>
+                </a:tc>
+                <a:tc>
+                  <a:txBody>
+                    <a:bodyPr/>
+                    <a:lstStyle/>
+                    <a:p>
+                      <a:r>
+                        <a:rPr lang="en-US" altLang="zh-CN" dirty="0">
+                          <a:solidFill>
+                            <a:schemeClr val="tx1">
+                              <a:lumMod val="50000"/>
+                              <a:lumOff val="50000"/>
+                            </a:schemeClr>
+                          </a:solidFill>
+                        </a:rPr>
+                        <a:t>00</a:t>
+                      </a:r>
+                      <a:endParaRPr lang="zh-CN" altLang="en-US" dirty="0">
+                        <a:solidFill>
+                          <a:schemeClr val="tx1">
+                            <a:lumMod val="50000"/>
+                            <a:lumOff val="50000"/>
+                          </a:schemeClr>
+                        </a:solidFill>
+                      </a:endParaRPr>
+                    </a:p>
+                  </a:txBody>
+                  <a:tcPr>
+                    <a:lnL w="12700" cap="flat" cmpd="sng" algn="ctr">
+                      <a:solidFill>
+                        <a:schemeClr val="tx1"/>
+                      </a:solidFill>
+                      <a:prstDash val="solid"/>
+                      <a:round/>
+                      <a:headEnd type="none" w="med" len="med"/>
+                      <a:tailEnd type="none" w="med" len="med"/>
+                    </a:lnL>
+                    <a:lnR w="12700" cap="flat" cmpd="sng" algn="ctr">
+                      <a:solidFill>
+                        <a:schemeClr val="tx1"/>
+                      </a:solidFill>
+                      <a:prstDash val="solid"/>
+                      <a:round/>
+                      <a:headEnd type="none" w="med" len="med"/>
+                      <a:tailEnd type="none" w="med" len="med"/>
+                    </a:lnR>
+                    <a:lnT w="12700" cap="flat" cmpd="sng" algn="ctr">
+                      <a:solidFill>
+                        <a:schemeClr val="tx1"/>
+                      </a:solidFill>
+                      <a:prstDash val="solid"/>
+                      <a:round/>
+                      <a:headEnd type="none" w="med" len="med"/>
+                      <a:tailEnd type="none" w="med" len="med"/>
+                    </a:lnT>
+                    <a:lnB w="12700" cap="flat" cmpd="sng" algn="ctr">
+                      <a:solidFill>
+                        <a:schemeClr val="tx1"/>
+                      </a:solidFill>
+                      <a:prstDash val="solid"/>
+                      <a:round/>
+                      <a:headEnd type="none" w="med" len="med"/>
+                      <a:tailEnd type="none" w="med" len="med"/>
+                    </a:lnB>
+                    <a:noFill/>
+                  </a:tcPr>
+                </a:tc>
+                <a:tc>
+                  <a:txBody>
+                    <a:bodyPr/>
+                    <a:lstStyle/>
+                    <a:p>
+                      <a:r>
+                        <a:rPr lang="en-US" altLang="zh-CN" dirty="0">
+                          <a:solidFill>
+                            <a:schemeClr val="tx1">
+                              <a:lumMod val="50000"/>
+                              <a:lumOff val="50000"/>
+                            </a:schemeClr>
+                          </a:solidFill>
+                        </a:rPr>
+                        <a:t>01</a:t>
+                      </a:r>
+                      <a:endParaRPr lang="zh-CN" altLang="en-US" dirty="0">
+                        <a:solidFill>
+                          <a:schemeClr val="tx1">
+                            <a:lumMod val="50000"/>
+                            <a:lumOff val="50000"/>
+                          </a:schemeClr>
+                        </a:solidFill>
+                      </a:endParaRPr>
+                    </a:p>
+                  </a:txBody>
+                  <a:tcPr>
+                    <a:lnL w="12700" cap="flat" cmpd="sng" algn="ctr">
+                      <a:solidFill>
+                        <a:schemeClr val="tx1"/>
+                      </a:solidFill>
+                      <a:prstDash val="solid"/>
+                      <a:round/>
+                      <a:headEnd type="none" w="med" len="med"/>
+                      <a:tailEnd type="none" w="med" len="med"/>
+                    </a:lnL>
+                    <a:lnR w="12700" cap="flat" cmpd="sng" algn="ctr">
+                      <a:solidFill>
+                        <a:schemeClr val="tx1"/>
+                      </a:solidFill>
+                      <a:prstDash val="solid"/>
+                      <a:round/>
+                      <a:headEnd type="none" w="med" len="med"/>
+                      <a:tailEnd type="none" w="med" len="med"/>
+                    </a:lnR>
+                    <a:lnT w="12700" cap="flat" cmpd="sng" algn="ctr">
+                      <a:solidFill>
+                        <a:schemeClr val="tx1"/>
+                      </a:solidFill>
+                      <a:prstDash val="solid"/>
+                      <a:round/>
+                      <a:headEnd type="none" w="med" len="med"/>
+                      <a:tailEnd type="none" w="med" len="med"/>
+                    </a:lnT>
+                    <a:lnB w="12700" cap="flat" cmpd="sng" algn="ctr">
+                      <a:solidFill>
+                        <a:schemeClr val="tx1"/>
+                      </a:solidFill>
+                      <a:prstDash val="solid"/>
+                      <a:round/>
+                      <a:headEnd type="none" w="med" len="med"/>
+                      <a:tailEnd type="none" w="med" len="med"/>
+                    </a:lnB>
+                    <a:noFill/>
+                  </a:tcPr>
+                </a:tc>
+                <a:extLst>
+                  <a:ext uri="{0D108BD9-81ED-4DB2-BD59-A6C34878D82A}">
+                    <a16:rowId xmlns:a16="http://schemas.microsoft.com/office/drawing/2014/main" val="3330095366"/>
+                  </a:ext>
+                </a:extLst>
+              </a:tr>
+              <a:tr h="858897">
+                <a:tc>
+                  <a:txBody>
+                    <a:bodyPr/>
+                    <a:lstStyle/>
+                    <a:p>
+                      <a:r>
+                        <a:rPr lang="en-US" altLang="zh-CN" dirty="0">
+                          <a:solidFill>
+                            <a:schemeClr val="tx1">
+                              <a:lumMod val="50000"/>
+                              <a:lumOff val="50000"/>
+                            </a:schemeClr>
+                          </a:solidFill>
+                        </a:rPr>
+                        <a:t>01</a:t>
+                      </a:r>
+                      <a:endParaRPr lang="zh-CN" altLang="en-US" dirty="0">
+                        <a:solidFill>
+                          <a:schemeClr val="tx1">
+                            <a:lumMod val="50000"/>
+                            <a:lumOff val="50000"/>
+                          </a:schemeClr>
+                        </a:solidFill>
+                      </a:endParaRPr>
+                    </a:p>
+                  </a:txBody>
+                  <a:tcPr>
+                    <a:lnL w="12700" cap="flat" cmpd="sng" algn="ctr">
+                      <a:solidFill>
+                        <a:schemeClr val="tx1"/>
+                      </a:solidFill>
+                      <a:prstDash val="solid"/>
+                      <a:round/>
+                      <a:headEnd type="none" w="med" len="med"/>
+                      <a:tailEnd type="none" w="med" len="med"/>
+                    </a:lnL>
+                    <a:lnR w="12700" cap="flat" cmpd="sng" algn="ctr">
+                      <a:solidFill>
+                        <a:schemeClr val="tx1"/>
+                      </a:solidFill>
+                      <a:prstDash val="solid"/>
+                      <a:round/>
+                      <a:headEnd type="none" w="med" len="med"/>
+                      <a:tailEnd type="none" w="med" len="med"/>
+                    </a:lnR>
+                    <a:lnT w="12700" cap="flat" cmpd="sng" algn="ctr">
+                      <a:solidFill>
+                        <a:schemeClr val="tx1"/>
+                      </a:solidFill>
+                      <a:prstDash val="solid"/>
+                      <a:round/>
+                      <a:headEnd type="none" w="med" len="med"/>
+                      <a:tailEnd type="none" w="med" len="med"/>
+                    </a:lnT>
+                    <a:lnB w="12700" cap="flat" cmpd="sng" algn="ctr">
+                      <a:solidFill>
+                        <a:schemeClr val="tx1"/>
+                      </a:solidFill>
+                      <a:prstDash val="solid"/>
+                      <a:round/>
+                      <a:headEnd type="none" w="med" len="med"/>
+                      <a:tailEnd type="none" w="med" len="med"/>
+                    </a:lnB>
+                    <a:noFill/>
+                  </a:tcPr>
+                </a:tc>
+                <a:tc>
+                  <a:txBody>
+                    <a:bodyPr/>
+                    <a:lstStyle/>
+                    <a:p>
+                      <a:r>
+                        <a:rPr lang="en-US" altLang="zh-CN" dirty="0"/>
+                        <a:t>11 01</a:t>
+                      </a:r>
+                    </a:p>
+                    <a:p>
+                      <a:r>
+                        <a:rPr lang="en-US" altLang="zh-CN" b="1" dirty="0"/>
+                        <a:t>13</a:t>
+                      </a:r>
+                      <a:endParaRPr lang="zh-CN" altLang="en-US" b="1" dirty="0"/>
+                    </a:p>
+                  </a:txBody>
+                  <a:tcPr>
+                    <a:lnL w="12700" cap="flat" cmpd="sng" algn="ctr">
+                      <a:solidFill>
+                        <a:schemeClr val="tx1"/>
+                      </a:solidFill>
+                      <a:prstDash val="solid"/>
+                      <a:round/>
+                      <a:headEnd type="none" w="med" len="med"/>
+                      <a:tailEnd type="none" w="med" len="med"/>
+                    </a:lnL>
+                    <a:lnR w="12700" cap="flat" cmpd="sng" algn="ctr">
+                      <a:solidFill>
+                        <a:schemeClr val="tx1"/>
+                      </a:solidFill>
+                      <a:prstDash val="solid"/>
+                      <a:round/>
+                      <a:headEnd type="none" w="med" len="med"/>
+                      <a:tailEnd type="none" w="med" len="med"/>
+                    </a:lnR>
+                    <a:lnT w="12700" cap="flat" cmpd="sng" algn="ctr">
+                      <a:solidFill>
+                        <a:schemeClr val="tx1"/>
+                      </a:solidFill>
+                      <a:prstDash val="solid"/>
+                      <a:round/>
+                      <a:headEnd type="none" w="med" len="med"/>
+                      <a:tailEnd type="none" w="med" len="med"/>
+                    </a:lnT>
+                    <a:lnB w="12700" cap="flat" cmpd="sng" algn="ctr">
+                      <a:solidFill>
+                        <a:schemeClr val="tx1"/>
+                      </a:solidFill>
+                      <a:prstDash val="solid"/>
+                      <a:round/>
+                      <a:headEnd type="none" w="med" len="med"/>
+                      <a:tailEnd type="none" w="med" len="med"/>
+                    </a:lnB>
+                    <a:noFill/>
+                  </a:tcPr>
+                </a:tc>
+                <a:tc>
+                  <a:txBody>
+                    <a:bodyPr/>
+                    <a:lstStyle/>
+                    <a:p>
+                      <a:r>
+                        <a:rPr lang="en-US" altLang="zh-CN" dirty="0"/>
+                        <a:t>00 01</a:t>
+                      </a:r>
+                    </a:p>
+                    <a:p>
+                      <a:r>
+                        <a:rPr lang="en-US" altLang="zh-CN" b="1" dirty="0"/>
+                        <a:t>1</a:t>
+                      </a:r>
+                      <a:endParaRPr lang="zh-CN" altLang="en-US" b="1" dirty="0"/>
+                    </a:p>
+                  </a:txBody>
+                  <a:tcPr>
+                    <a:lnL w="12700" cap="flat" cmpd="sng" algn="ctr">
+                      <a:solidFill>
+                        <a:schemeClr val="tx1"/>
+                      </a:solidFill>
+                      <a:prstDash val="solid"/>
+                      <a:round/>
+                      <a:headEnd type="none" w="med" len="med"/>
+                      <a:tailEnd type="none" w="med" len="med"/>
+                    </a:lnL>
+                    <a:lnR w="12700" cap="flat" cmpd="sng" algn="ctr">
+                      <a:solidFill>
+                        <a:schemeClr val="tx1"/>
+                      </a:solidFill>
+                      <a:prstDash val="solid"/>
+                      <a:round/>
+                      <a:headEnd type="none" w="med" len="med"/>
+                      <a:tailEnd type="none" w="med" len="med"/>
+                    </a:lnR>
+                    <a:lnT w="12700" cap="flat" cmpd="sng" algn="ctr">
+                      <a:solidFill>
+                        <a:schemeClr val="tx1"/>
+                      </a:solidFill>
+                      <a:prstDash val="solid"/>
+                      <a:round/>
+                      <a:headEnd type="none" w="med" len="med"/>
+                      <a:tailEnd type="none" w="med" len="med"/>
+                    </a:lnT>
+                    <a:lnB w="12700" cap="flat" cmpd="sng" algn="ctr">
+                      <a:solidFill>
+                        <a:schemeClr val="tx1"/>
+                      </a:solidFill>
+                      <a:prstDash val="solid"/>
+                      <a:round/>
+                      <a:headEnd type="none" w="med" len="med"/>
+                      <a:tailEnd type="none" w="med" len="med"/>
+                    </a:lnB>
+                    <a:noFill/>
+                  </a:tcPr>
+                </a:tc>
+                <a:tc>
+                  <a:txBody>
+                    <a:bodyPr/>
+                    <a:lstStyle/>
+                    <a:p>
+                      <a:r>
+                        <a:rPr lang="en-US" altLang="zh-CN" dirty="0"/>
+                        <a:t>01 01</a:t>
+                      </a:r>
+                    </a:p>
+                    <a:p>
+                      <a:r>
+                        <a:rPr lang="en-US" altLang="zh-CN" b="1" dirty="0"/>
+                        <a:t>5</a:t>
+                      </a:r>
+                      <a:endParaRPr lang="zh-CN" altLang="en-US" b="1" dirty="0"/>
+                    </a:p>
+                  </a:txBody>
+                  <a:tcPr>
+                    <a:lnL w="12700" cap="flat" cmpd="sng" algn="ctr">
+                      <a:solidFill>
+                        <a:schemeClr val="tx1"/>
+                      </a:solidFill>
+                      <a:prstDash val="solid"/>
+                      <a:round/>
+                      <a:headEnd type="none" w="med" len="med"/>
+                      <a:tailEnd type="none" w="med" len="med"/>
+                    </a:lnL>
+                    <a:lnR w="12700" cap="flat" cmpd="sng" algn="ctr">
+                      <a:solidFill>
+                        <a:schemeClr val="tx1"/>
+                      </a:solidFill>
+                      <a:prstDash val="solid"/>
+                      <a:round/>
+                      <a:headEnd type="none" w="med" len="med"/>
+                      <a:tailEnd type="none" w="med" len="med"/>
+                    </a:lnR>
+                    <a:lnT w="12700" cap="flat" cmpd="sng" algn="ctr">
+                      <a:solidFill>
+                        <a:schemeClr val="tx1"/>
+                      </a:solidFill>
+                      <a:prstDash val="solid"/>
+                      <a:round/>
+                      <a:headEnd type="none" w="med" len="med"/>
+                      <a:tailEnd type="none" w="med" len="med"/>
+                    </a:lnT>
+                    <a:lnB w="12700" cap="flat" cmpd="sng" algn="ctr">
+                      <a:solidFill>
+                        <a:schemeClr val="tx1"/>
+                      </a:solidFill>
+                      <a:prstDash val="solid"/>
+                      <a:round/>
+                      <a:headEnd type="none" w="med" len="med"/>
+                      <a:tailEnd type="none" w="med" len="med"/>
+                    </a:lnB>
+                    <a:noFill/>
+                  </a:tcPr>
+                </a:tc>
+                <a:extLst>
+                  <a:ext uri="{0D108BD9-81ED-4DB2-BD59-A6C34878D82A}">
+                    <a16:rowId xmlns:a16="http://schemas.microsoft.com/office/drawing/2014/main" val="1425767527"/>
+                  </a:ext>
+                </a:extLst>
+              </a:tr>
+              <a:tr h="858897">
+                <a:tc>
+                  <a:txBody>
+                    <a:bodyPr/>
+                    <a:lstStyle/>
+                    <a:p>
+                      <a:r>
+                        <a:rPr lang="en-US" altLang="zh-CN" dirty="0">
+                          <a:solidFill>
+                            <a:schemeClr val="tx1">
+                              <a:lumMod val="50000"/>
+                              <a:lumOff val="50000"/>
+                            </a:schemeClr>
+                          </a:solidFill>
+                        </a:rPr>
+                        <a:t>00</a:t>
+                      </a:r>
+                      <a:endParaRPr lang="zh-CN" altLang="en-US" dirty="0">
+                        <a:solidFill>
+                          <a:schemeClr val="tx1">
+                            <a:lumMod val="50000"/>
+                            <a:lumOff val="50000"/>
+                          </a:schemeClr>
+                        </a:solidFill>
+                      </a:endParaRPr>
+                    </a:p>
+                  </a:txBody>
+                  <a:tcPr>
+                    <a:lnL w="12700" cap="flat" cmpd="sng" algn="ctr">
+                      <a:solidFill>
+                        <a:schemeClr val="tx1"/>
+                      </a:solidFill>
+                      <a:prstDash val="solid"/>
+                      <a:round/>
+                      <a:headEnd type="none" w="med" len="med"/>
+                      <a:tailEnd type="none" w="med" len="med"/>
+                    </a:lnL>
+                    <a:lnR w="12700" cap="flat" cmpd="sng" algn="ctr">
+                      <a:solidFill>
+                        <a:schemeClr val="tx1"/>
+                      </a:solidFill>
+                      <a:prstDash val="solid"/>
+                      <a:round/>
+                      <a:headEnd type="none" w="med" len="med"/>
+                      <a:tailEnd type="none" w="med" len="med"/>
+                    </a:lnR>
+                    <a:lnT w="12700" cap="flat" cmpd="sng" algn="ctr">
+                      <a:solidFill>
+                        <a:schemeClr val="tx1"/>
+                      </a:solidFill>
+                      <a:prstDash val="solid"/>
+                      <a:round/>
+                      <a:headEnd type="none" w="med" len="med"/>
+                      <a:tailEnd type="none" w="med" len="med"/>
+                    </a:lnT>
+                    <a:lnB w="12700" cap="flat" cmpd="sng" algn="ctr">
+                      <a:solidFill>
+                        <a:schemeClr val="tx1"/>
+                      </a:solidFill>
+                      <a:prstDash val="solid"/>
+                      <a:round/>
+                      <a:headEnd type="none" w="med" len="med"/>
+                      <a:tailEnd type="none" w="med" len="med"/>
+                    </a:lnB>
+                    <a:noFill/>
+                  </a:tcPr>
+                </a:tc>
+                <a:tc>
+                  <a:txBody>
+                    <a:bodyPr/>
+                    <a:lstStyle/>
+                    <a:p>
+                      <a:r>
+                        <a:rPr lang="en-US" altLang="zh-CN" dirty="0"/>
+                        <a:t>11 00</a:t>
+                      </a:r>
+                    </a:p>
+                    <a:p>
+                      <a:r>
+                        <a:rPr lang="en-US" altLang="zh-CN" b="1" dirty="0"/>
+                        <a:t>12</a:t>
+                      </a:r>
+                      <a:endParaRPr lang="zh-CN" altLang="en-US" b="1" dirty="0"/>
+                    </a:p>
+                  </a:txBody>
+                  <a:tcPr>
+                    <a:lnL w="12700" cap="flat" cmpd="sng" algn="ctr">
+                      <a:solidFill>
+                        <a:schemeClr val="tx1"/>
+                      </a:solidFill>
+                      <a:prstDash val="solid"/>
+                      <a:round/>
+                      <a:headEnd type="none" w="med" len="med"/>
+                      <a:tailEnd type="none" w="med" len="med"/>
+                    </a:lnL>
+                    <a:lnR w="12700" cap="flat" cmpd="sng" algn="ctr">
+                      <a:solidFill>
+                        <a:schemeClr val="tx1"/>
+                      </a:solidFill>
+                      <a:prstDash val="solid"/>
+                      <a:round/>
+                      <a:headEnd type="none" w="med" len="med"/>
+                      <a:tailEnd type="none" w="med" len="med"/>
+                    </a:lnR>
+                    <a:lnT w="12700" cap="flat" cmpd="sng" algn="ctr">
+                      <a:solidFill>
+                        <a:schemeClr val="tx1"/>
+                      </a:solidFill>
+                      <a:prstDash val="solid"/>
+                      <a:round/>
+                      <a:headEnd type="none" w="med" len="med"/>
+                      <a:tailEnd type="none" w="med" len="med"/>
+                    </a:lnT>
+                    <a:lnB w="12700" cap="flat" cmpd="sng" algn="ctr">
+                      <a:solidFill>
+                        <a:schemeClr val="tx1"/>
+                      </a:solidFill>
+                      <a:prstDash val="solid"/>
+                      <a:round/>
+                      <a:headEnd type="none" w="med" len="med"/>
+                      <a:tailEnd type="none" w="med" len="med"/>
+                    </a:lnB>
+                    <a:noFill/>
+                  </a:tcPr>
+                </a:tc>
+                <a:tc>
+                  <a:txBody>
+                    <a:bodyPr/>
+                    <a:lstStyle/>
+                    <a:p>
+                      <a:r>
+                        <a:rPr lang="en-US" altLang="zh-CN" dirty="0"/>
+                        <a:t>00 00</a:t>
+                      </a:r>
+                    </a:p>
+                    <a:p>
+                      <a:r>
+                        <a:rPr lang="en-US" altLang="zh-CN" b="1" dirty="0"/>
+                        <a:t>0</a:t>
+                      </a:r>
+                      <a:endParaRPr lang="zh-CN" altLang="en-US" b="1" dirty="0"/>
+                    </a:p>
+                  </a:txBody>
+                  <a:tcPr>
+                    <a:lnL w="12700" cap="flat" cmpd="sng" algn="ctr">
+                      <a:solidFill>
+                        <a:schemeClr val="tx1"/>
+                      </a:solidFill>
+                      <a:prstDash val="solid"/>
+                      <a:round/>
+                      <a:headEnd type="none" w="med" len="med"/>
+                      <a:tailEnd type="none" w="med" len="med"/>
+                    </a:lnL>
+                    <a:lnR w="12700" cap="flat" cmpd="sng" algn="ctr">
+                      <a:solidFill>
+                        <a:schemeClr val="tx1"/>
+                      </a:solidFill>
+                      <a:prstDash val="solid"/>
+                      <a:round/>
+                      <a:headEnd type="none" w="med" len="med"/>
+                      <a:tailEnd type="none" w="med" len="med"/>
+                    </a:lnR>
+                    <a:lnT w="12700" cap="flat" cmpd="sng" algn="ctr">
+                      <a:solidFill>
+                        <a:schemeClr val="tx1"/>
+                      </a:solidFill>
+                      <a:prstDash val="solid"/>
+                      <a:round/>
+                      <a:headEnd type="none" w="med" len="med"/>
+                      <a:tailEnd type="none" w="med" len="med"/>
+                    </a:lnT>
+                    <a:lnB w="12700" cap="flat" cmpd="sng" algn="ctr">
+                      <a:solidFill>
+                        <a:schemeClr val="tx1"/>
+                      </a:solidFill>
+                      <a:prstDash val="solid"/>
+                      <a:round/>
+                      <a:headEnd type="none" w="med" len="med"/>
+                      <a:tailEnd type="none" w="med" len="med"/>
+                    </a:lnB>
+                    <a:noFill/>
+                  </a:tcPr>
+                </a:tc>
+                <a:tc>
+                  <a:txBody>
+                    <a:bodyPr/>
+                    <a:lstStyle/>
+                    <a:p>
+                      <a:r>
+                        <a:rPr lang="en-US" altLang="zh-CN" dirty="0"/>
+                        <a:t>01 00</a:t>
+                      </a:r>
+                    </a:p>
+                    <a:p>
+                      <a:r>
+                        <a:rPr lang="en-US" altLang="zh-CN" b="1" dirty="0"/>
+                        <a:t>4</a:t>
+                      </a:r>
+                      <a:endParaRPr lang="zh-CN" altLang="en-US" b="1" dirty="0"/>
+                    </a:p>
+                  </a:txBody>
+                  <a:tcPr>
+                    <a:lnL w="12700" cap="flat" cmpd="sng" algn="ctr">
+                      <a:solidFill>
+                        <a:schemeClr val="tx1"/>
+                      </a:solidFill>
+                      <a:prstDash val="solid"/>
+                      <a:round/>
+                      <a:headEnd type="none" w="med" len="med"/>
+                      <a:tailEnd type="none" w="med" len="med"/>
+                    </a:lnL>
+                    <a:lnR w="12700" cap="flat" cmpd="sng" algn="ctr">
+                      <a:solidFill>
+                        <a:schemeClr val="tx1"/>
+                      </a:solidFill>
+                      <a:prstDash val="solid"/>
+                      <a:round/>
+                      <a:headEnd type="none" w="med" len="med"/>
+                      <a:tailEnd type="none" w="med" len="med"/>
+                    </a:lnR>
+                    <a:lnT w="12700" cap="flat" cmpd="sng" algn="ctr">
+                      <a:solidFill>
+                        <a:schemeClr val="tx1"/>
+                      </a:solidFill>
+                      <a:prstDash val="solid"/>
+                      <a:round/>
+                      <a:headEnd type="none" w="med" len="med"/>
+                      <a:tailEnd type="none" w="med" len="med"/>
+                    </a:lnT>
+                    <a:lnB w="12700" cap="flat" cmpd="sng" algn="ctr">
+                      <a:solidFill>
+                        <a:schemeClr val="tx1"/>
+                      </a:solidFill>
+                      <a:prstDash val="solid"/>
+                      <a:round/>
+                      <a:headEnd type="none" w="med" len="med"/>
+                      <a:tailEnd type="none" w="med" len="med"/>
+                    </a:lnB>
+                    <a:noFill/>
+                  </a:tcPr>
+                </a:tc>
+                <a:extLst>
+                  <a:ext uri="{0D108BD9-81ED-4DB2-BD59-A6C34878D82A}">
+                    <a16:rowId xmlns:a16="http://schemas.microsoft.com/office/drawing/2014/main" val="1717319277"/>
+                  </a:ext>
+                </a:extLst>
+              </a:tr>
+              <a:tr h="858897">
+                <a:tc>
+                  <a:txBody>
+                    <a:bodyPr/>
+                    <a:lstStyle/>
+                    <a:p>
+                      <a:r>
+                        <a:rPr lang="en-US" altLang="zh-CN" dirty="0">
+                          <a:solidFill>
+                            <a:schemeClr val="tx1">
+                              <a:lumMod val="50000"/>
+                              <a:lumOff val="50000"/>
+                            </a:schemeClr>
+                          </a:solidFill>
+                        </a:rPr>
+                        <a:t>11</a:t>
+                      </a:r>
+                      <a:endParaRPr lang="zh-CN" altLang="en-US" dirty="0">
+                        <a:solidFill>
+                          <a:schemeClr val="tx1">
+                            <a:lumMod val="50000"/>
+                            <a:lumOff val="50000"/>
+                          </a:schemeClr>
+                        </a:solidFill>
+                      </a:endParaRPr>
+                    </a:p>
+                  </a:txBody>
+                  <a:tcPr>
+                    <a:lnL w="12700" cap="flat" cmpd="sng" algn="ctr">
+                      <a:solidFill>
+                        <a:schemeClr val="tx1"/>
+                      </a:solidFill>
+                      <a:prstDash val="solid"/>
+                      <a:round/>
+                      <a:headEnd type="none" w="med" len="med"/>
+                      <a:tailEnd type="none" w="med" len="med"/>
+                    </a:lnL>
+                    <a:lnR w="12700" cap="flat" cmpd="sng" algn="ctr">
+                      <a:solidFill>
+                        <a:schemeClr val="tx1"/>
+                      </a:solidFill>
+                      <a:prstDash val="solid"/>
+                      <a:round/>
+                      <a:headEnd type="none" w="med" len="med"/>
+                      <a:tailEnd type="none" w="med" len="med"/>
+                    </a:lnR>
+                    <a:lnT w="12700" cap="flat" cmpd="sng" algn="ctr">
+                      <a:solidFill>
+                        <a:schemeClr val="tx1"/>
+                      </a:solidFill>
+                      <a:prstDash val="solid"/>
+                      <a:round/>
+                      <a:headEnd type="none" w="med" len="med"/>
+                      <a:tailEnd type="none" w="med" len="med"/>
+                    </a:lnT>
+                    <a:lnB w="12700" cap="flat" cmpd="sng" algn="ctr">
+                      <a:solidFill>
+                        <a:schemeClr val="tx1"/>
+                      </a:solidFill>
+                      <a:prstDash val="solid"/>
+                      <a:round/>
+                      <a:headEnd type="none" w="med" len="med"/>
+                      <a:tailEnd type="none" w="med" len="med"/>
+                    </a:lnB>
+                    <a:noFill/>
+                  </a:tcPr>
+                </a:tc>
+                <a:tc>
+                  <a:txBody>
+                    <a:bodyPr/>
+                    <a:lstStyle/>
+                    <a:p>
+                      <a:r>
+                        <a:rPr lang="en-US" altLang="zh-CN" dirty="0"/>
+                        <a:t>11 11</a:t>
+                      </a:r>
+                    </a:p>
+                    <a:p>
+                      <a:r>
+                        <a:rPr lang="en-US" altLang="zh-CN" b="1" dirty="0"/>
+                        <a:t>15</a:t>
+                      </a:r>
+                      <a:endParaRPr lang="zh-CN" altLang="en-US" b="1" dirty="0"/>
+                    </a:p>
+                  </a:txBody>
+                  <a:tcPr>
+                    <a:lnL w="12700" cap="flat" cmpd="sng" algn="ctr">
+                      <a:solidFill>
+                        <a:schemeClr val="tx1"/>
+                      </a:solidFill>
+                      <a:prstDash val="solid"/>
+                      <a:round/>
+                      <a:headEnd type="none" w="med" len="med"/>
+                      <a:tailEnd type="none" w="med" len="med"/>
+                    </a:lnL>
+                    <a:lnR w="12700" cap="flat" cmpd="sng" algn="ctr">
+                      <a:solidFill>
+                        <a:schemeClr val="tx1"/>
+                      </a:solidFill>
+                      <a:prstDash val="solid"/>
+                      <a:round/>
+                      <a:headEnd type="none" w="med" len="med"/>
+                      <a:tailEnd type="none" w="med" len="med"/>
+                    </a:lnR>
+                    <a:lnT w="12700" cap="flat" cmpd="sng" algn="ctr">
+                      <a:solidFill>
+                        <a:schemeClr val="tx1"/>
+                      </a:solidFill>
+                      <a:prstDash val="solid"/>
+                      <a:round/>
+                      <a:headEnd type="none" w="med" len="med"/>
+                      <a:tailEnd type="none" w="med" len="med"/>
+                    </a:lnT>
+                    <a:lnB w="12700" cap="flat" cmpd="sng" algn="ctr">
+                      <a:solidFill>
+                        <a:schemeClr val="tx1"/>
+                      </a:solidFill>
+                      <a:prstDash val="solid"/>
+                      <a:round/>
+                      <a:headEnd type="none" w="med" len="med"/>
+                      <a:tailEnd type="none" w="med" len="med"/>
+                    </a:lnB>
+                    <a:noFill/>
+                  </a:tcPr>
+                </a:tc>
+                <a:tc>
+                  <a:txBody>
+                    <a:bodyPr/>
+                    <a:lstStyle/>
+                    <a:p>
+                      <a:r>
+                        <a:rPr lang="en-US" altLang="zh-CN" dirty="0"/>
+                        <a:t>00 11</a:t>
+                      </a:r>
+                    </a:p>
+                    <a:p>
+                      <a:r>
+                        <a:rPr lang="en-US" altLang="zh-CN" b="1" dirty="0"/>
+                        <a:t>3</a:t>
+                      </a:r>
+                      <a:endParaRPr lang="zh-CN" altLang="en-US" b="1" dirty="0"/>
+                    </a:p>
+                  </a:txBody>
+                  <a:tcPr>
+                    <a:lnL w="12700" cap="flat" cmpd="sng" algn="ctr">
+                      <a:solidFill>
+                        <a:schemeClr val="tx1"/>
+                      </a:solidFill>
+                      <a:prstDash val="solid"/>
+                      <a:round/>
+                      <a:headEnd type="none" w="med" len="med"/>
+                      <a:tailEnd type="none" w="med" len="med"/>
+                    </a:lnL>
+                    <a:lnR w="12700" cap="flat" cmpd="sng" algn="ctr">
+                      <a:solidFill>
+                        <a:schemeClr val="tx1"/>
+                      </a:solidFill>
+                      <a:prstDash val="solid"/>
+                      <a:round/>
+                      <a:headEnd type="none" w="med" len="med"/>
+                      <a:tailEnd type="none" w="med" len="med"/>
+                    </a:lnR>
+                    <a:lnT w="12700" cap="flat" cmpd="sng" algn="ctr">
+                      <a:solidFill>
+                        <a:schemeClr val="tx1"/>
+                      </a:solidFill>
+                      <a:prstDash val="solid"/>
+                      <a:round/>
+                      <a:headEnd type="none" w="med" len="med"/>
+                      <a:tailEnd type="none" w="med" len="med"/>
+                    </a:lnT>
+                    <a:lnB w="12700" cap="flat" cmpd="sng" algn="ctr">
+                      <a:solidFill>
+                        <a:schemeClr val="tx1"/>
+                      </a:solidFill>
+                      <a:prstDash val="solid"/>
+                      <a:round/>
+                      <a:headEnd type="none" w="med" len="med"/>
+                      <a:tailEnd type="none" w="med" len="med"/>
+                    </a:lnB>
+                    <a:noFill/>
+                  </a:tcPr>
+                </a:tc>
+                <a:tc>
+                  <a:txBody>
+                    <a:bodyPr/>
+                    <a:lstStyle/>
+                    <a:p>
+                      <a:r>
+                        <a:rPr lang="en-US" altLang="zh-CN" dirty="0"/>
+                        <a:t>01 11</a:t>
+                      </a:r>
+                    </a:p>
+                    <a:p>
+                      <a:r>
+                        <a:rPr lang="en-US" altLang="zh-CN" b="1" dirty="0"/>
+                        <a:t>7</a:t>
+                      </a:r>
+                      <a:endParaRPr lang="zh-CN" altLang="en-US" b="1" dirty="0"/>
+                    </a:p>
+                  </a:txBody>
+                  <a:tcPr>
+                    <a:lnL w="12700" cap="flat" cmpd="sng" algn="ctr">
+                      <a:solidFill>
+                        <a:schemeClr val="tx1"/>
+                      </a:solidFill>
+                      <a:prstDash val="solid"/>
+                      <a:round/>
+                      <a:headEnd type="none" w="med" len="med"/>
+                      <a:tailEnd type="none" w="med" len="med"/>
+                    </a:lnL>
+                    <a:lnR w="12700" cap="flat" cmpd="sng" algn="ctr">
+                      <a:solidFill>
+                        <a:schemeClr val="tx1"/>
+                      </a:solidFill>
+                      <a:prstDash val="solid"/>
+                      <a:round/>
+                      <a:headEnd type="none" w="med" len="med"/>
+                      <a:tailEnd type="none" w="med" len="med"/>
+                    </a:lnR>
+                    <a:lnT w="12700" cap="flat" cmpd="sng" algn="ctr">
+                      <a:solidFill>
+                        <a:schemeClr val="tx1"/>
+                      </a:solidFill>
+                      <a:prstDash val="solid"/>
+                      <a:round/>
+                      <a:headEnd type="none" w="med" len="med"/>
+                      <a:tailEnd type="none" w="med" len="med"/>
+                    </a:lnT>
+                    <a:lnB w="12700" cap="flat" cmpd="sng" algn="ctr">
+                      <a:solidFill>
+                        <a:schemeClr val="tx1"/>
+                      </a:solidFill>
+                      <a:prstDash val="solid"/>
+                      <a:round/>
+                      <a:headEnd type="none" w="med" len="med"/>
+                      <a:tailEnd type="none" w="med" len="med"/>
+                    </a:lnB>
+                    <a:noFill/>
+                  </a:tcPr>
+                </a:tc>
+                <a:extLst>
+                  <a:ext uri="{0D108BD9-81ED-4DB2-BD59-A6C34878D82A}">
+                    <a16:rowId xmlns:a16="http://schemas.microsoft.com/office/drawing/2014/main" val="3005423578"/>
+                  </a:ext>
+                </a:extLst>
+              </a:tr>
+            </a:tbl>
+          </a:graphicData>
+        </a:graphic>
+      </p:graphicFrame>
+      <p:graphicFrame>
+        <p:nvGraphicFramePr>
+          <p:cNvPr id="6" name="表格 5">
+            <a:extLst>
+              <a:ext uri="{FF2B5EF4-FFF2-40B4-BE49-F238E27FC236}">
+                <a16:creationId xmlns:a16="http://schemas.microsoft.com/office/drawing/2014/main" id="{4A995A8C-115C-47D5-8EA6-79213B235A0D}"/>
+              </a:ext>
+            </a:extLst>
+          </p:cNvPr>
+          <p:cNvGraphicFramePr>
+            <a:graphicFrameLocks noGrp="1"/>
+          </p:cNvGraphicFramePr>
+          <p:nvPr>
+            <p:extLst>
+              <p:ext uri="{D42A27DB-BD31-4B8C-83A1-F6EECF244321}">
+                <p14:modId xmlns:p14="http://schemas.microsoft.com/office/powerpoint/2010/main" val="1067469739"/>
+              </p:ext>
+            </p:extLst>
+          </p:nvPr>
+        </p:nvGraphicFramePr>
+        <p:xfrm>
+          <a:off x="7095068" y="831612"/>
+          <a:ext cx="3307644" cy="3435588"/>
+        </p:xfrm>
+        <a:graphic>
+          <a:graphicData uri="http://schemas.openxmlformats.org/drawingml/2006/table">
+            <a:tbl>
+              <a:tblPr>
+                <a:tableStyleId>{5C22544A-7EE6-4342-B048-85BDC9FD1C3A}</a:tableStyleId>
+              </a:tblPr>
+              <a:tblGrid>
+                <a:gridCol w="826911">
+                  <a:extLst>
+                    <a:ext uri="{9D8B030D-6E8A-4147-A177-3AD203B41FA5}">
+                      <a16:colId xmlns:a16="http://schemas.microsoft.com/office/drawing/2014/main" val="2770260843"/>
+                    </a:ext>
+                  </a:extLst>
+                </a:gridCol>
+                <a:gridCol w="826911">
+                  <a:extLst>
+                    <a:ext uri="{9D8B030D-6E8A-4147-A177-3AD203B41FA5}">
+                      <a16:colId xmlns:a16="http://schemas.microsoft.com/office/drawing/2014/main" val="3640410575"/>
+                    </a:ext>
+                  </a:extLst>
+                </a:gridCol>
+                <a:gridCol w="826911">
+                  <a:extLst>
+                    <a:ext uri="{9D8B030D-6E8A-4147-A177-3AD203B41FA5}">
+                      <a16:colId xmlns:a16="http://schemas.microsoft.com/office/drawing/2014/main" val="1474065265"/>
+                    </a:ext>
+                  </a:extLst>
+                </a:gridCol>
+                <a:gridCol w="826911">
+                  <a:extLst>
+                    <a:ext uri="{9D8B030D-6E8A-4147-A177-3AD203B41FA5}">
+                      <a16:colId xmlns:a16="http://schemas.microsoft.com/office/drawing/2014/main" val="834528977"/>
+                    </a:ext>
+                  </a:extLst>
+                </a:gridCol>
+              </a:tblGrid>
+              <a:tr h="858897">
+                <a:tc>
+                  <a:txBody>
+                    <a:bodyPr/>
+                    <a:lstStyle/>
+                    <a:p>
+                      <a:endParaRPr lang="zh-CN" altLang="en-US" dirty="0"/>
+                    </a:p>
+                  </a:txBody>
+                  <a:tcPr>
+                    <a:lnL w="12700" cap="flat" cmpd="sng" algn="ctr">
+                      <a:solidFill>
+                        <a:schemeClr val="tx1"/>
+                      </a:solidFill>
+                      <a:prstDash val="solid"/>
+                      <a:round/>
+                      <a:headEnd type="none" w="med" len="med"/>
+                      <a:tailEnd type="none" w="med" len="med"/>
+                    </a:lnL>
+                    <a:lnR w="12700" cap="flat" cmpd="sng" algn="ctr">
+                      <a:solidFill>
+                        <a:schemeClr val="tx1"/>
+                      </a:solidFill>
+                      <a:prstDash val="solid"/>
+                      <a:round/>
+                      <a:headEnd type="none" w="med" len="med"/>
+                      <a:tailEnd type="none" w="med" len="med"/>
+                    </a:lnR>
+                    <a:lnT w="12700" cap="flat" cmpd="sng" algn="ctr">
+                      <a:solidFill>
+                        <a:schemeClr val="tx1"/>
+                      </a:solidFill>
+                      <a:prstDash val="solid"/>
+                      <a:round/>
+                      <a:headEnd type="none" w="med" len="med"/>
+                      <a:tailEnd type="none" w="med" len="med"/>
+                    </a:lnT>
+                    <a:lnB w="12700" cap="flat" cmpd="sng" algn="ctr">
+                      <a:solidFill>
+                        <a:schemeClr val="tx1"/>
+                      </a:solidFill>
+                      <a:prstDash val="solid"/>
+                      <a:round/>
+                      <a:headEnd type="none" w="med" len="med"/>
+                      <a:tailEnd type="none" w="med" len="med"/>
+                    </a:lnB>
+                    <a:noFill/>
+                  </a:tcPr>
+                </a:tc>
+                <a:tc>
+                  <a:txBody>
+                    <a:bodyPr/>
+                    <a:lstStyle/>
+                    <a:p>
+                      <a:r>
+                        <a:rPr lang="en-US" altLang="zh-CN" dirty="0">
+                          <a:solidFill>
+                            <a:schemeClr val="tx1">
+                              <a:lumMod val="50000"/>
+                              <a:lumOff val="50000"/>
+                            </a:schemeClr>
+                          </a:solidFill>
+                        </a:rPr>
+                        <a:t>11</a:t>
+                      </a:r>
+                      <a:endParaRPr lang="zh-CN" altLang="en-US" dirty="0">
+                        <a:solidFill>
+                          <a:schemeClr val="tx1">
+                            <a:lumMod val="50000"/>
+                            <a:lumOff val="50000"/>
+                          </a:schemeClr>
+                        </a:solidFill>
+                      </a:endParaRPr>
+                    </a:p>
+                  </a:txBody>
+                  <a:tcPr>
+                    <a:lnL w="12700" cap="flat" cmpd="sng" algn="ctr">
+                      <a:solidFill>
+                        <a:schemeClr val="tx1"/>
+                      </a:solidFill>
+                      <a:prstDash val="solid"/>
+                      <a:round/>
+                      <a:headEnd type="none" w="med" len="med"/>
+                      <a:tailEnd type="none" w="med" len="med"/>
+                    </a:lnL>
+                    <a:lnR w="12700" cap="flat" cmpd="sng" algn="ctr">
+                      <a:solidFill>
+                        <a:schemeClr val="tx1"/>
+                      </a:solidFill>
+                      <a:prstDash val="solid"/>
+                      <a:round/>
+                      <a:headEnd type="none" w="med" len="med"/>
+                      <a:tailEnd type="none" w="med" len="med"/>
+                    </a:lnR>
+                    <a:lnT w="12700" cap="flat" cmpd="sng" algn="ctr">
+                      <a:solidFill>
+                        <a:schemeClr val="tx1"/>
+                      </a:solidFill>
+                      <a:prstDash val="solid"/>
+                      <a:round/>
+                      <a:headEnd type="none" w="med" len="med"/>
+                      <a:tailEnd type="none" w="med" len="med"/>
+                    </a:lnT>
+                    <a:lnB w="12700" cap="flat" cmpd="sng" algn="ctr">
+                      <a:solidFill>
+                        <a:schemeClr val="tx1"/>
+                      </a:solidFill>
+                      <a:prstDash val="solid"/>
+                      <a:round/>
+                      <a:headEnd type="none" w="med" len="med"/>
+                      <a:tailEnd type="none" w="med" len="med"/>
+                    </a:lnB>
+                    <a:noFill/>
+                  </a:tcPr>
+                </a:tc>
+                <a:tc>
+                  <a:txBody>
+                    <a:bodyPr/>
+                    <a:lstStyle/>
+                    <a:p>
+                      <a:r>
+                        <a:rPr lang="en-US" altLang="zh-CN" dirty="0">
+                          <a:solidFill>
+                            <a:schemeClr val="tx1">
+                              <a:lumMod val="50000"/>
+                              <a:lumOff val="50000"/>
+                            </a:schemeClr>
+                          </a:solidFill>
+                        </a:rPr>
+                        <a:t>00</a:t>
+                      </a:r>
+                      <a:endParaRPr lang="zh-CN" altLang="en-US" dirty="0">
+                        <a:solidFill>
+                          <a:schemeClr val="tx1">
+                            <a:lumMod val="50000"/>
+                            <a:lumOff val="50000"/>
+                          </a:schemeClr>
+                        </a:solidFill>
+                      </a:endParaRPr>
+                    </a:p>
+                  </a:txBody>
+                  <a:tcPr>
+                    <a:lnL w="12700" cap="flat" cmpd="sng" algn="ctr">
+                      <a:solidFill>
+                        <a:schemeClr val="tx1"/>
+                      </a:solidFill>
+                      <a:prstDash val="solid"/>
+                      <a:round/>
+                      <a:headEnd type="none" w="med" len="med"/>
+                      <a:tailEnd type="none" w="med" len="med"/>
+                    </a:lnL>
+                    <a:lnR w="12700" cap="flat" cmpd="sng" algn="ctr">
+                      <a:solidFill>
+                        <a:schemeClr val="tx1"/>
+                      </a:solidFill>
+                      <a:prstDash val="solid"/>
+                      <a:round/>
+                      <a:headEnd type="none" w="med" len="med"/>
+                      <a:tailEnd type="none" w="med" len="med"/>
+                    </a:lnR>
+                    <a:lnT w="12700" cap="flat" cmpd="sng" algn="ctr">
+                      <a:solidFill>
+                        <a:schemeClr val="tx1"/>
+                      </a:solidFill>
+                      <a:prstDash val="solid"/>
+                      <a:round/>
+                      <a:headEnd type="none" w="med" len="med"/>
+                      <a:tailEnd type="none" w="med" len="med"/>
+                    </a:lnT>
+                    <a:lnB w="12700" cap="flat" cmpd="sng" algn="ctr">
+                      <a:solidFill>
+                        <a:schemeClr val="tx1"/>
+                      </a:solidFill>
+                      <a:prstDash val="solid"/>
+                      <a:round/>
+                      <a:headEnd type="none" w="med" len="med"/>
+                      <a:tailEnd type="none" w="med" len="med"/>
+                    </a:lnB>
+                    <a:noFill/>
+                  </a:tcPr>
+                </a:tc>
+                <a:tc>
+                  <a:txBody>
+                    <a:bodyPr/>
+                    <a:lstStyle/>
+                    <a:p>
+                      <a:r>
+                        <a:rPr lang="en-US" altLang="zh-CN" dirty="0">
+                          <a:solidFill>
+                            <a:schemeClr val="tx1">
+                              <a:lumMod val="50000"/>
+                              <a:lumOff val="50000"/>
+                            </a:schemeClr>
+                          </a:solidFill>
+                        </a:rPr>
+                        <a:t>01</a:t>
+                      </a:r>
+                      <a:endParaRPr lang="zh-CN" altLang="en-US" dirty="0">
+                        <a:solidFill>
+                          <a:schemeClr val="tx1">
+                            <a:lumMod val="50000"/>
+                            <a:lumOff val="50000"/>
+                          </a:schemeClr>
+                        </a:solidFill>
+                      </a:endParaRPr>
+                    </a:p>
+                  </a:txBody>
+                  <a:tcPr>
+                    <a:lnL w="12700" cap="flat" cmpd="sng" algn="ctr">
+                      <a:solidFill>
+                        <a:schemeClr val="tx1"/>
+                      </a:solidFill>
+                      <a:prstDash val="solid"/>
+                      <a:round/>
+                      <a:headEnd type="none" w="med" len="med"/>
+                      <a:tailEnd type="none" w="med" len="med"/>
+                    </a:lnL>
+                    <a:lnR w="12700" cap="flat" cmpd="sng" algn="ctr">
+                      <a:solidFill>
+                        <a:schemeClr val="tx1"/>
+                      </a:solidFill>
+                      <a:prstDash val="solid"/>
+                      <a:round/>
+                      <a:headEnd type="none" w="med" len="med"/>
+                      <a:tailEnd type="none" w="med" len="med"/>
+                    </a:lnR>
+                    <a:lnT w="12700" cap="flat" cmpd="sng" algn="ctr">
+                      <a:solidFill>
+                        <a:schemeClr val="tx1"/>
+                      </a:solidFill>
+                      <a:prstDash val="solid"/>
+                      <a:round/>
+                      <a:headEnd type="none" w="med" len="med"/>
+                      <a:tailEnd type="none" w="med" len="med"/>
+                    </a:lnT>
+                    <a:lnB w="12700" cap="flat" cmpd="sng" algn="ctr">
+                      <a:solidFill>
+                        <a:schemeClr val="tx1"/>
+                      </a:solidFill>
+                      <a:prstDash val="solid"/>
+                      <a:round/>
+                      <a:headEnd type="none" w="med" len="med"/>
+                      <a:tailEnd type="none" w="med" len="med"/>
+                    </a:lnB>
+                    <a:noFill/>
+                  </a:tcPr>
+                </a:tc>
+                <a:extLst>
+                  <a:ext uri="{0D108BD9-81ED-4DB2-BD59-A6C34878D82A}">
+                    <a16:rowId xmlns:a16="http://schemas.microsoft.com/office/drawing/2014/main" val="3330095366"/>
+                  </a:ext>
+                </a:extLst>
+              </a:tr>
+              <a:tr h="858897">
+                <a:tc>
+                  <a:txBody>
+                    <a:bodyPr/>
+                    <a:lstStyle/>
+                    <a:p>
+                      <a:r>
+                        <a:rPr lang="en-US" altLang="zh-CN" dirty="0">
+                          <a:solidFill>
+                            <a:schemeClr val="tx1">
+                              <a:lumMod val="50000"/>
+                              <a:lumOff val="50000"/>
+                            </a:schemeClr>
+                          </a:solidFill>
+                        </a:rPr>
+                        <a:t>01</a:t>
+                      </a:r>
+                      <a:endParaRPr lang="zh-CN" altLang="en-US" dirty="0">
+                        <a:solidFill>
+                          <a:schemeClr val="tx1">
+                            <a:lumMod val="50000"/>
+                            <a:lumOff val="50000"/>
+                          </a:schemeClr>
+                        </a:solidFill>
+                      </a:endParaRPr>
+                    </a:p>
+                  </a:txBody>
+                  <a:tcPr>
+                    <a:lnL w="12700" cap="flat" cmpd="sng" algn="ctr">
+                      <a:solidFill>
+                        <a:schemeClr val="tx1"/>
+                      </a:solidFill>
+                      <a:prstDash val="solid"/>
+                      <a:round/>
+                      <a:headEnd type="none" w="med" len="med"/>
+                      <a:tailEnd type="none" w="med" len="med"/>
+                    </a:lnL>
+                    <a:lnR w="12700" cap="flat" cmpd="sng" algn="ctr">
+                      <a:solidFill>
+                        <a:schemeClr val="tx1"/>
+                      </a:solidFill>
+                      <a:prstDash val="solid"/>
+                      <a:round/>
+                      <a:headEnd type="none" w="med" len="med"/>
+                      <a:tailEnd type="none" w="med" len="med"/>
+                    </a:lnR>
+                    <a:lnT w="12700" cap="flat" cmpd="sng" algn="ctr">
+                      <a:solidFill>
+                        <a:schemeClr val="tx1"/>
+                      </a:solidFill>
+                      <a:prstDash val="solid"/>
+                      <a:round/>
+                      <a:headEnd type="none" w="med" len="med"/>
+                      <a:tailEnd type="none" w="med" len="med"/>
+                    </a:lnT>
+                    <a:lnB w="12700" cap="flat" cmpd="sng" algn="ctr">
+                      <a:solidFill>
+                        <a:schemeClr val="tx1"/>
+                      </a:solidFill>
+                      <a:prstDash val="solid"/>
+                      <a:round/>
+                      <a:headEnd type="none" w="med" len="med"/>
+                      <a:tailEnd type="none" w="med" len="med"/>
+                    </a:lnB>
+                    <a:noFill/>
+                  </a:tcPr>
+                </a:tc>
+                <a:tc>
+                  <a:txBody>
+                    <a:bodyPr/>
+                    <a:lstStyle/>
+                    <a:p>
+                      <a:r>
+                        <a:rPr lang="en-US" altLang="zh-CN" b="1" dirty="0"/>
+                        <a:t>1</a:t>
+                      </a:r>
+                    </a:p>
+                    <a:p>
+                      <a:r>
+                        <a:rPr lang="en-US" altLang="zh-CN" b="1" dirty="0"/>
+                        <a:t>NW</a:t>
+                      </a:r>
+                      <a:endParaRPr lang="zh-CN" altLang="en-US" b="1" dirty="0"/>
+                    </a:p>
+                  </a:txBody>
+                  <a:tcPr>
+                    <a:lnL w="12700" cap="flat" cmpd="sng" algn="ctr">
+                      <a:solidFill>
+                        <a:schemeClr val="tx1"/>
+                      </a:solidFill>
+                      <a:prstDash val="solid"/>
+                      <a:round/>
+                      <a:headEnd type="none" w="med" len="med"/>
+                      <a:tailEnd type="none" w="med" len="med"/>
+                    </a:lnL>
+                    <a:lnR w="12700" cap="flat" cmpd="sng" algn="ctr">
+                      <a:solidFill>
+                        <a:schemeClr val="tx1"/>
+                      </a:solidFill>
+                      <a:prstDash val="solid"/>
+                      <a:round/>
+                      <a:headEnd type="none" w="med" len="med"/>
+                      <a:tailEnd type="none" w="med" len="med"/>
+                    </a:lnR>
+                    <a:lnT w="12700" cap="flat" cmpd="sng" algn="ctr">
+                      <a:solidFill>
+                        <a:schemeClr val="tx1"/>
+                      </a:solidFill>
+                      <a:prstDash val="solid"/>
+                      <a:round/>
+                      <a:headEnd type="none" w="med" len="med"/>
+                      <a:tailEnd type="none" w="med" len="med"/>
+                    </a:lnT>
+                    <a:lnB w="12700" cap="flat" cmpd="sng" algn="ctr">
+                      <a:solidFill>
+                        <a:schemeClr val="tx1"/>
+                      </a:solidFill>
+                      <a:prstDash val="solid"/>
+                      <a:round/>
+                      <a:headEnd type="none" w="med" len="med"/>
+                      <a:tailEnd type="none" w="med" len="med"/>
+                    </a:lnB>
+                    <a:noFill/>
+                  </a:tcPr>
+                </a:tc>
+                <a:tc>
+                  <a:txBody>
+                    <a:bodyPr/>
+                    <a:lstStyle/>
+                    <a:p>
+                      <a:r>
+                        <a:rPr lang="en-US" altLang="zh-CN" b="1" dirty="0"/>
+                        <a:t>2</a:t>
+                      </a:r>
+                    </a:p>
+                    <a:p>
+                      <a:r>
+                        <a:rPr lang="en-US" altLang="zh-CN" b="1" dirty="0"/>
+                        <a:t>N</a:t>
+                      </a:r>
+                      <a:endParaRPr lang="zh-CN" altLang="en-US" b="1" dirty="0"/>
+                    </a:p>
+                  </a:txBody>
+                  <a:tcPr>
+                    <a:lnL w="12700" cap="flat" cmpd="sng" algn="ctr">
+                      <a:solidFill>
+                        <a:schemeClr val="tx1"/>
+                      </a:solidFill>
+                      <a:prstDash val="solid"/>
+                      <a:round/>
+                      <a:headEnd type="none" w="med" len="med"/>
+                      <a:tailEnd type="none" w="med" len="med"/>
+                    </a:lnL>
+                    <a:lnR w="12700" cap="flat" cmpd="sng" algn="ctr">
+                      <a:solidFill>
+                        <a:schemeClr val="tx1"/>
+                      </a:solidFill>
+                      <a:prstDash val="solid"/>
+                      <a:round/>
+                      <a:headEnd type="none" w="med" len="med"/>
+                      <a:tailEnd type="none" w="med" len="med"/>
+                    </a:lnR>
+                    <a:lnT w="12700" cap="flat" cmpd="sng" algn="ctr">
+                      <a:solidFill>
+                        <a:schemeClr val="tx1"/>
+                      </a:solidFill>
+                      <a:prstDash val="solid"/>
+                      <a:round/>
+                      <a:headEnd type="none" w="med" len="med"/>
+                      <a:tailEnd type="none" w="med" len="med"/>
+                    </a:lnT>
+                    <a:lnB w="12700" cap="flat" cmpd="sng" algn="ctr">
+                      <a:solidFill>
+                        <a:schemeClr val="tx1"/>
+                      </a:solidFill>
+                      <a:prstDash val="solid"/>
+                      <a:round/>
+                      <a:headEnd type="none" w="med" len="med"/>
+                      <a:tailEnd type="none" w="med" len="med"/>
+                    </a:lnB>
+                    <a:noFill/>
+                  </a:tcPr>
+                </a:tc>
+                <a:tc>
+                  <a:txBody>
+                    <a:bodyPr/>
+                    <a:lstStyle/>
+                    <a:p>
+                      <a:r>
+                        <a:rPr lang="en-US" altLang="zh-CN" b="1" dirty="0"/>
+                        <a:t>3</a:t>
+                      </a:r>
+                    </a:p>
+                    <a:p>
+                      <a:r>
+                        <a:rPr lang="en-US" altLang="zh-CN" b="1" dirty="0"/>
+                        <a:t>NE</a:t>
+                      </a:r>
+                      <a:endParaRPr lang="zh-CN" altLang="en-US" b="1" dirty="0"/>
+                    </a:p>
+                  </a:txBody>
+                  <a:tcPr>
+                    <a:lnL w="12700" cap="flat" cmpd="sng" algn="ctr">
+                      <a:solidFill>
+                        <a:schemeClr val="tx1"/>
+                      </a:solidFill>
+                      <a:prstDash val="solid"/>
+                      <a:round/>
+                      <a:headEnd type="none" w="med" len="med"/>
+                      <a:tailEnd type="none" w="med" len="med"/>
+                    </a:lnL>
+                    <a:lnR w="12700" cap="flat" cmpd="sng" algn="ctr">
+                      <a:solidFill>
+                        <a:schemeClr val="tx1"/>
+                      </a:solidFill>
+                      <a:prstDash val="solid"/>
+                      <a:round/>
+                      <a:headEnd type="none" w="med" len="med"/>
+                      <a:tailEnd type="none" w="med" len="med"/>
+                    </a:lnR>
+                    <a:lnT w="12700" cap="flat" cmpd="sng" algn="ctr">
+                      <a:solidFill>
+                        <a:schemeClr val="tx1"/>
+                      </a:solidFill>
+                      <a:prstDash val="solid"/>
+                      <a:round/>
+                      <a:headEnd type="none" w="med" len="med"/>
+                      <a:tailEnd type="none" w="med" len="med"/>
+                    </a:lnT>
+                    <a:lnB w="12700" cap="flat" cmpd="sng" algn="ctr">
+                      <a:solidFill>
+                        <a:schemeClr val="tx1"/>
+                      </a:solidFill>
+                      <a:prstDash val="solid"/>
+                      <a:round/>
+                      <a:headEnd type="none" w="med" len="med"/>
+                      <a:tailEnd type="none" w="med" len="med"/>
+                    </a:lnB>
+                    <a:noFill/>
+                  </a:tcPr>
+                </a:tc>
+                <a:extLst>
+                  <a:ext uri="{0D108BD9-81ED-4DB2-BD59-A6C34878D82A}">
+                    <a16:rowId xmlns:a16="http://schemas.microsoft.com/office/drawing/2014/main" val="1425767527"/>
+                  </a:ext>
+                </a:extLst>
+              </a:tr>
+              <a:tr h="858897">
+                <a:tc>
+                  <a:txBody>
+                    <a:bodyPr/>
+                    <a:lstStyle/>
+                    <a:p>
+                      <a:r>
+                        <a:rPr lang="en-US" altLang="zh-CN" dirty="0">
+                          <a:solidFill>
+                            <a:schemeClr val="tx1">
+                              <a:lumMod val="50000"/>
+                              <a:lumOff val="50000"/>
+                            </a:schemeClr>
+                          </a:solidFill>
+                        </a:rPr>
+                        <a:t>00</a:t>
+                      </a:r>
+                      <a:endParaRPr lang="zh-CN" altLang="en-US" dirty="0">
+                        <a:solidFill>
+                          <a:schemeClr val="tx1">
+                            <a:lumMod val="50000"/>
+                            <a:lumOff val="50000"/>
+                          </a:schemeClr>
+                        </a:solidFill>
+                      </a:endParaRPr>
+                    </a:p>
+                  </a:txBody>
+                  <a:tcPr>
+                    <a:lnL w="12700" cap="flat" cmpd="sng" algn="ctr">
+                      <a:solidFill>
+                        <a:schemeClr val="tx1"/>
+                      </a:solidFill>
+                      <a:prstDash val="solid"/>
+                      <a:round/>
+                      <a:headEnd type="none" w="med" len="med"/>
+                      <a:tailEnd type="none" w="med" len="med"/>
+                    </a:lnL>
+                    <a:lnR w="12700" cap="flat" cmpd="sng" algn="ctr">
+                      <a:solidFill>
+                        <a:schemeClr val="tx1"/>
+                      </a:solidFill>
+                      <a:prstDash val="solid"/>
+                      <a:round/>
+                      <a:headEnd type="none" w="med" len="med"/>
+                      <a:tailEnd type="none" w="med" len="med"/>
+                    </a:lnR>
+                    <a:lnT w="12700" cap="flat" cmpd="sng" algn="ctr">
+                      <a:solidFill>
+                        <a:schemeClr val="tx1"/>
+                      </a:solidFill>
+                      <a:prstDash val="solid"/>
+                      <a:round/>
+                      <a:headEnd type="none" w="med" len="med"/>
+                      <a:tailEnd type="none" w="med" len="med"/>
+                    </a:lnT>
+                    <a:lnB w="12700" cap="flat" cmpd="sng" algn="ctr">
+                      <a:solidFill>
+                        <a:schemeClr val="tx1"/>
+                      </a:solidFill>
+                      <a:prstDash val="solid"/>
+                      <a:round/>
+                      <a:headEnd type="none" w="med" len="med"/>
+                      <a:tailEnd type="none" w="med" len="med"/>
+                    </a:lnB>
+                    <a:noFill/>
+                  </a:tcPr>
+                </a:tc>
+                <a:tc>
+                  <a:txBody>
+                    <a:bodyPr/>
+                    <a:lstStyle/>
+                    <a:p>
+                      <a:r>
+                        <a:rPr lang="en-US" altLang="zh-CN" b="1" dirty="0"/>
+                        <a:t>8</a:t>
+                      </a:r>
+                    </a:p>
+                    <a:p>
+                      <a:r>
+                        <a:rPr lang="en-US" altLang="zh-CN" b="1" dirty="0"/>
+                        <a:t>W</a:t>
+                      </a:r>
+                      <a:endParaRPr lang="zh-CN" altLang="en-US" b="1" dirty="0"/>
+                    </a:p>
+                  </a:txBody>
+                  <a:tcPr>
+                    <a:lnL w="12700" cap="flat" cmpd="sng" algn="ctr">
+                      <a:solidFill>
+                        <a:schemeClr val="tx1"/>
+                      </a:solidFill>
+                      <a:prstDash val="solid"/>
+                      <a:round/>
+                      <a:headEnd type="none" w="med" len="med"/>
+                      <a:tailEnd type="none" w="med" len="med"/>
+                    </a:lnL>
+                    <a:lnR w="12700" cap="flat" cmpd="sng" algn="ctr">
+                      <a:solidFill>
+                        <a:schemeClr val="tx1"/>
+                      </a:solidFill>
+                      <a:prstDash val="solid"/>
+                      <a:round/>
+                      <a:headEnd type="none" w="med" len="med"/>
+                      <a:tailEnd type="none" w="med" len="med"/>
+                    </a:lnR>
+                    <a:lnT w="12700" cap="flat" cmpd="sng" algn="ctr">
+                      <a:solidFill>
+                        <a:schemeClr val="tx1"/>
+                      </a:solidFill>
+                      <a:prstDash val="solid"/>
+                      <a:round/>
+                      <a:headEnd type="none" w="med" len="med"/>
+                      <a:tailEnd type="none" w="med" len="med"/>
+                    </a:lnT>
+                    <a:lnB w="12700" cap="flat" cmpd="sng" algn="ctr">
+                      <a:solidFill>
+                        <a:schemeClr val="tx1"/>
+                      </a:solidFill>
+                      <a:prstDash val="solid"/>
+                      <a:round/>
+                      <a:headEnd type="none" w="med" len="med"/>
+                      <a:tailEnd type="none" w="med" len="med"/>
+                    </a:lnB>
+                    <a:noFill/>
+                  </a:tcPr>
+                </a:tc>
+                <a:tc>
+                  <a:txBody>
+                    <a:bodyPr/>
+                    <a:lstStyle/>
+                    <a:p>
+                      <a:r>
+                        <a:rPr lang="en-US" altLang="zh-CN" b="1" dirty="0"/>
+                        <a:t>0</a:t>
+                      </a:r>
+                    </a:p>
+                    <a:p>
+                      <a:r>
+                        <a:rPr lang="en-US" altLang="zh-CN" b="1" dirty="0"/>
+                        <a:t>C</a:t>
+                      </a:r>
+                      <a:endParaRPr lang="zh-CN" altLang="en-US" b="1" dirty="0"/>
+                    </a:p>
+                  </a:txBody>
+                  <a:tcPr>
+                    <a:lnL w="12700" cap="flat" cmpd="sng" algn="ctr">
+                      <a:solidFill>
+                        <a:schemeClr val="tx1"/>
+                      </a:solidFill>
+                      <a:prstDash val="solid"/>
+                      <a:round/>
+                      <a:headEnd type="none" w="med" len="med"/>
+                      <a:tailEnd type="none" w="med" len="med"/>
+                    </a:lnL>
+                    <a:lnR w="12700" cap="flat" cmpd="sng" algn="ctr">
+                      <a:solidFill>
+                        <a:schemeClr val="tx1"/>
+                      </a:solidFill>
+                      <a:prstDash val="solid"/>
+                      <a:round/>
+                      <a:headEnd type="none" w="med" len="med"/>
+                      <a:tailEnd type="none" w="med" len="med"/>
+                    </a:lnR>
+                    <a:lnT w="12700" cap="flat" cmpd="sng" algn="ctr">
+                      <a:solidFill>
+                        <a:schemeClr val="tx1"/>
+                      </a:solidFill>
+                      <a:prstDash val="solid"/>
+                      <a:round/>
+                      <a:headEnd type="none" w="med" len="med"/>
+                      <a:tailEnd type="none" w="med" len="med"/>
+                    </a:lnT>
+                    <a:lnB w="12700" cap="flat" cmpd="sng" algn="ctr">
+                      <a:solidFill>
+                        <a:schemeClr val="tx1"/>
+                      </a:solidFill>
+                      <a:prstDash val="solid"/>
+                      <a:round/>
+                      <a:headEnd type="none" w="med" len="med"/>
+                      <a:tailEnd type="none" w="med" len="med"/>
+                    </a:lnB>
+                    <a:noFill/>
+                  </a:tcPr>
+                </a:tc>
+                <a:tc>
+                  <a:txBody>
+                    <a:bodyPr/>
+                    <a:lstStyle/>
+                    <a:p>
+                      <a:r>
+                        <a:rPr lang="en-US" altLang="zh-CN" b="1" dirty="0"/>
+                        <a:t>4</a:t>
+                      </a:r>
+                    </a:p>
+                    <a:p>
+                      <a:r>
+                        <a:rPr lang="en-US" altLang="zh-CN" b="1" dirty="0"/>
+                        <a:t>E</a:t>
+                      </a:r>
+                      <a:endParaRPr lang="zh-CN" altLang="en-US" b="1" dirty="0"/>
+                    </a:p>
+                  </a:txBody>
+                  <a:tcPr>
+                    <a:lnL w="12700" cap="flat" cmpd="sng" algn="ctr">
+                      <a:solidFill>
+                        <a:schemeClr val="tx1"/>
+                      </a:solidFill>
+                      <a:prstDash val="solid"/>
+                      <a:round/>
+                      <a:headEnd type="none" w="med" len="med"/>
+                      <a:tailEnd type="none" w="med" len="med"/>
+                    </a:lnL>
+                    <a:lnR w="12700" cap="flat" cmpd="sng" algn="ctr">
+                      <a:solidFill>
+                        <a:schemeClr val="tx1"/>
+                      </a:solidFill>
+                      <a:prstDash val="solid"/>
+                      <a:round/>
+                      <a:headEnd type="none" w="med" len="med"/>
+                      <a:tailEnd type="none" w="med" len="med"/>
+                    </a:lnR>
+                    <a:lnT w="12700" cap="flat" cmpd="sng" algn="ctr">
+                      <a:solidFill>
+                        <a:schemeClr val="tx1"/>
+                      </a:solidFill>
+                      <a:prstDash val="solid"/>
+                      <a:round/>
+                      <a:headEnd type="none" w="med" len="med"/>
+                      <a:tailEnd type="none" w="med" len="med"/>
+                    </a:lnT>
+                    <a:lnB w="12700" cap="flat" cmpd="sng" algn="ctr">
+                      <a:solidFill>
+                        <a:schemeClr val="tx1"/>
+                      </a:solidFill>
+                      <a:prstDash val="solid"/>
+                      <a:round/>
+                      <a:headEnd type="none" w="med" len="med"/>
+                      <a:tailEnd type="none" w="med" len="med"/>
+                    </a:lnB>
+                    <a:noFill/>
+                  </a:tcPr>
+                </a:tc>
+                <a:extLst>
+                  <a:ext uri="{0D108BD9-81ED-4DB2-BD59-A6C34878D82A}">
+                    <a16:rowId xmlns:a16="http://schemas.microsoft.com/office/drawing/2014/main" val="1717319277"/>
+                  </a:ext>
+                </a:extLst>
+              </a:tr>
+              <a:tr h="858897">
+                <a:tc>
+                  <a:txBody>
+                    <a:bodyPr/>
+                    <a:lstStyle/>
+                    <a:p>
+                      <a:r>
+                        <a:rPr lang="en-US" altLang="zh-CN" dirty="0">
+                          <a:solidFill>
+                            <a:schemeClr val="tx1">
+                              <a:lumMod val="50000"/>
+                              <a:lumOff val="50000"/>
+                            </a:schemeClr>
+                          </a:solidFill>
+                        </a:rPr>
+                        <a:t>11</a:t>
+                      </a:r>
+                      <a:endParaRPr lang="zh-CN" altLang="en-US" dirty="0">
+                        <a:solidFill>
+                          <a:schemeClr val="tx1">
+                            <a:lumMod val="50000"/>
+                            <a:lumOff val="50000"/>
+                          </a:schemeClr>
+                        </a:solidFill>
+                      </a:endParaRPr>
+                    </a:p>
+                  </a:txBody>
+                  <a:tcPr>
+                    <a:lnL w="12700" cap="flat" cmpd="sng" algn="ctr">
+                      <a:solidFill>
+                        <a:schemeClr val="tx1"/>
+                      </a:solidFill>
+                      <a:prstDash val="solid"/>
+                      <a:round/>
+                      <a:headEnd type="none" w="med" len="med"/>
+                      <a:tailEnd type="none" w="med" len="med"/>
+                    </a:lnL>
+                    <a:lnR w="12700" cap="flat" cmpd="sng" algn="ctr">
+                      <a:solidFill>
+                        <a:schemeClr val="tx1"/>
+                      </a:solidFill>
+                      <a:prstDash val="solid"/>
+                      <a:round/>
+                      <a:headEnd type="none" w="med" len="med"/>
+                      <a:tailEnd type="none" w="med" len="med"/>
+                    </a:lnR>
+                    <a:lnT w="12700" cap="flat" cmpd="sng" algn="ctr">
+                      <a:solidFill>
+                        <a:schemeClr val="tx1"/>
+                      </a:solidFill>
+                      <a:prstDash val="solid"/>
+                      <a:round/>
+                      <a:headEnd type="none" w="med" len="med"/>
+                      <a:tailEnd type="none" w="med" len="med"/>
+                    </a:lnT>
+                    <a:lnB w="12700" cap="flat" cmpd="sng" algn="ctr">
+                      <a:solidFill>
+                        <a:schemeClr val="tx1"/>
+                      </a:solidFill>
+                      <a:prstDash val="solid"/>
+                      <a:round/>
+                      <a:headEnd type="none" w="med" len="med"/>
+                      <a:tailEnd type="none" w="med" len="med"/>
+                    </a:lnB>
+                    <a:noFill/>
+                  </a:tcPr>
+                </a:tc>
+                <a:tc>
+                  <a:txBody>
+                    <a:bodyPr/>
+                    <a:lstStyle/>
+                    <a:p>
+                      <a:r>
+                        <a:rPr lang="en-US" altLang="zh-CN" b="1" dirty="0"/>
+                        <a:t>7</a:t>
+                      </a:r>
+                    </a:p>
+                    <a:p>
+                      <a:r>
+                        <a:rPr lang="en-US" altLang="zh-CN" b="1" dirty="0"/>
+                        <a:t>SW</a:t>
+                      </a:r>
+                      <a:endParaRPr lang="zh-CN" altLang="en-US" b="1" dirty="0"/>
+                    </a:p>
+                  </a:txBody>
+                  <a:tcPr>
+                    <a:lnL w="12700" cap="flat" cmpd="sng" algn="ctr">
+                      <a:solidFill>
+                        <a:schemeClr val="tx1"/>
+                      </a:solidFill>
+                      <a:prstDash val="solid"/>
+                      <a:round/>
+                      <a:headEnd type="none" w="med" len="med"/>
+                      <a:tailEnd type="none" w="med" len="med"/>
+                    </a:lnL>
+                    <a:lnR w="12700" cap="flat" cmpd="sng" algn="ctr">
+                      <a:solidFill>
+                        <a:schemeClr val="tx1"/>
+                      </a:solidFill>
+                      <a:prstDash val="solid"/>
+                      <a:round/>
+                      <a:headEnd type="none" w="med" len="med"/>
+                      <a:tailEnd type="none" w="med" len="med"/>
+                    </a:lnR>
+                    <a:lnT w="12700" cap="flat" cmpd="sng" algn="ctr">
+                      <a:solidFill>
+                        <a:schemeClr val="tx1"/>
+                      </a:solidFill>
+                      <a:prstDash val="solid"/>
+                      <a:round/>
+                      <a:headEnd type="none" w="med" len="med"/>
+                      <a:tailEnd type="none" w="med" len="med"/>
+                    </a:lnT>
+                    <a:lnB w="12700" cap="flat" cmpd="sng" algn="ctr">
+                      <a:solidFill>
+                        <a:schemeClr val="tx1"/>
+                      </a:solidFill>
+                      <a:prstDash val="solid"/>
+                      <a:round/>
+                      <a:headEnd type="none" w="med" len="med"/>
+                      <a:tailEnd type="none" w="med" len="med"/>
+                    </a:lnB>
+                    <a:noFill/>
+                  </a:tcPr>
+                </a:tc>
+                <a:tc>
+                  <a:txBody>
+                    <a:bodyPr/>
+                    <a:lstStyle/>
+                    <a:p>
+                      <a:r>
+                        <a:rPr lang="en-US" altLang="zh-CN" b="1" dirty="0"/>
+                        <a:t>6</a:t>
+                      </a:r>
+                    </a:p>
+                    <a:p>
+                      <a:r>
+                        <a:rPr lang="en-US" altLang="zh-CN" b="1" dirty="0"/>
+                        <a:t>S</a:t>
+                      </a:r>
+                      <a:endParaRPr lang="zh-CN" altLang="en-US" b="1" dirty="0"/>
+                    </a:p>
+                  </a:txBody>
+                  <a:tcPr>
+                    <a:lnL w="12700" cap="flat" cmpd="sng" algn="ctr">
+                      <a:solidFill>
+                        <a:schemeClr val="tx1"/>
+                      </a:solidFill>
+                      <a:prstDash val="solid"/>
+                      <a:round/>
+                      <a:headEnd type="none" w="med" len="med"/>
+                      <a:tailEnd type="none" w="med" len="med"/>
+                    </a:lnL>
+                    <a:lnR w="12700" cap="flat" cmpd="sng" algn="ctr">
+                      <a:solidFill>
+                        <a:schemeClr val="tx1"/>
+                      </a:solidFill>
+                      <a:prstDash val="solid"/>
+                      <a:round/>
+                      <a:headEnd type="none" w="med" len="med"/>
+                      <a:tailEnd type="none" w="med" len="med"/>
+                    </a:lnR>
+                    <a:lnT w="12700" cap="flat" cmpd="sng" algn="ctr">
+                      <a:solidFill>
+                        <a:schemeClr val="tx1"/>
+                      </a:solidFill>
+                      <a:prstDash val="solid"/>
+                      <a:round/>
+                      <a:headEnd type="none" w="med" len="med"/>
+                      <a:tailEnd type="none" w="med" len="med"/>
+                    </a:lnT>
+                    <a:lnB w="12700" cap="flat" cmpd="sng" algn="ctr">
+                      <a:solidFill>
+                        <a:schemeClr val="tx1"/>
+                      </a:solidFill>
+                      <a:prstDash val="solid"/>
+                      <a:round/>
+                      <a:headEnd type="none" w="med" len="med"/>
+                      <a:tailEnd type="none" w="med" len="med"/>
+                    </a:lnB>
+                    <a:noFill/>
+                  </a:tcPr>
+                </a:tc>
+                <a:tc>
+                  <a:txBody>
+                    <a:bodyPr/>
+                    <a:lstStyle/>
+                    <a:p>
+                      <a:r>
+                        <a:rPr lang="en-US" altLang="zh-CN" b="1" dirty="0"/>
+                        <a:t>5</a:t>
+                      </a:r>
+                    </a:p>
+                    <a:p>
+                      <a:r>
+                        <a:rPr lang="en-US" altLang="zh-CN" b="1" dirty="0"/>
+                        <a:t>SE</a:t>
+                      </a:r>
+                      <a:endParaRPr lang="zh-CN" altLang="en-US" b="1" dirty="0"/>
+                    </a:p>
+                  </a:txBody>
+                  <a:tcPr>
+                    <a:lnL w="12700" cap="flat" cmpd="sng" algn="ctr">
+                      <a:solidFill>
+                        <a:schemeClr val="tx1"/>
+                      </a:solidFill>
+                      <a:prstDash val="solid"/>
+                      <a:round/>
+                      <a:headEnd type="none" w="med" len="med"/>
+                      <a:tailEnd type="none" w="med" len="med"/>
+                    </a:lnL>
+                    <a:lnR w="12700" cap="flat" cmpd="sng" algn="ctr">
+                      <a:solidFill>
+                        <a:schemeClr val="tx1"/>
+                      </a:solidFill>
+                      <a:prstDash val="solid"/>
+                      <a:round/>
+                      <a:headEnd type="none" w="med" len="med"/>
+                      <a:tailEnd type="none" w="med" len="med"/>
+                    </a:lnR>
+                    <a:lnT w="12700" cap="flat" cmpd="sng" algn="ctr">
+                      <a:solidFill>
+                        <a:schemeClr val="tx1"/>
+                      </a:solidFill>
+                      <a:prstDash val="solid"/>
+                      <a:round/>
+                      <a:headEnd type="none" w="med" len="med"/>
+                      <a:tailEnd type="none" w="med" len="med"/>
+                    </a:lnT>
+                    <a:lnB w="12700" cap="flat" cmpd="sng" algn="ctr">
+                      <a:solidFill>
+                        <a:schemeClr val="tx1"/>
+                      </a:solidFill>
+                      <a:prstDash val="solid"/>
+                      <a:round/>
+                      <a:headEnd type="none" w="med" len="med"/>
+                      <a:tailEnd type="none" w="med" len="med"/>
+                    </a:lnB>
+                    <a:noFill/>
+                  </a:tcPr>
+                </a:tc>
+                <a:extLst>
+                  <a:ext uri="{0D108BD9-81ED-4DB2-BD59-A6C34878D82A}">
+                    <a16:rowId xmlns:a16="http://schemas.microsoft.com/office/drawing/2014/main" val="3005423578"/>
+                  </a:ext>
+                </a:extLst>
+              </a:tr>
+            </a:tbl>
+          </a:graphicData>
+        </a:graphic>
+      </p:graphicFrame>
+    </p:spTree>
+    <p:extLst>
+      <p:ext uri="{BB962C8B-B14F-4D97-AF65-F5344CB8AC3E}">
+        <p14:creationId xmlns:p14="http://schemas.microsoft.com/office/powerpoint/2010/main" val="2807682121"/>
+      </p:ext>
+    </p:extLst>
+  </p:cSld>
+  <p:clrMapOvr>
+    <a:masterClrMapping/>
+  </p:clrMapOvr>
+</p:sld>
+</file>
+
 <file path=ppt/theme/theme1.xml><?xml version="1.0" encoding="utf-8"?>
 <a:theme xmlns:a="http://schemas.openxmlformats.org/drawingml/2006/main" name="Office 主题​​">
   <a:themeElements>

--- a/Docs/Technology.pptx
+++ b/Docs/Technology.pptx
@@ -262,7 +262,7 @@
           <a:p>
             <a:fld id="{CC1FC442-B89C-44C2-8ED1-A5E42BD589E9}" type="datetimeFigureOut">
               <a:rPr lang="zh-CN" altLang="en-US" smtClean="0"/>
-              <a:t>2019/4/7</a:t>
+              <a:t>2019/4/23</a:t>
             </a:fld>
             <a:endParaRPr lang="zh-CN" altLang="en-US"/>
           </a:p>
@@ -430,7 +430,7 @@
           <a:p>
             <a:fld id="{CC1FC442-B89C-44C2-8ED1-A5E42BD589E9}" type="datetimeFigureOut">
               <a:rPr lang="zh-CN" altLang="en-US" smtClean="0"/>
-              <a:t>2019/4/7</a:t>
+              <a:t>2019/4/23</a:t>
             </a:fld>
             <a:endParaRPr lang="zh-CN" altLang="en-US"/>
           </a:p>
@@ -608,7 +608,7 @@
           <a:p>
             <a:fld id="{CC1FC442-B89C-44C2-8ED1-A5E42BD589E9}" type="datetimeFigureOut">
               <a:rPr lang="zh-CN" altLang="en-US" smtClean="0"/>
-              <a:t>2019/4/7</a:t>
+              <a:t>2019/4/23</a:t>
             </a:fld>
             <a:endParaRPr lang="zh-CN" altLang="en-US"/>
           </a:p>
@@ -776,7 +776,7 @@
           <a:p>
             <a:fld id="{CC1FC442-B89C-44C2-8ED1-A5E42BD589E9}" type="datetimeFigureOut">
               <a:rPr lang="zh-CN" altLang="en-US" smtClean="0"/>
-              <a:t>2019/4/7</a:t>
+              <a:t>2019/4/23</a:t>
             </a:fld>
             <a:endParaRPr lang="zh-CN" altLang="en-US"/>
           </a:p>
@@ -1021,7 +1021,7 @@
           <a:p>
             <a:fld id="{CC1FC442-B89C-44C2-8ED1-A5E42BD589E9}" type="datetimeFigureOut">
               <a:rPr lang="zh-CN" altLang="en-US" smtClean="0"/>
-              <a:t>2019/4/7</a:t>
+              <a:t>2019/4/23</a:t>
             </a:fld>
             <a:endParaRPr lang="zh-CN" altLang="en-US"/>
           </a:p>
@@ -1250,7 +1250,7 @@
           <a:p>
             <a:fld id="{CC1FC442-B89C-44C2-8ED1-A5E42BD589E9}" type="datetimeFigureOut">
               <a:rPr lang="zh-CN" altLang="en-US" smtClean="0"/>
-              <a:t>2019/4/7</a:t>
+              <a:t>2019/4/23</a:t>
             </a:fld>
             <a:endParaRPr lang="zh-CN" altLang="en-US"/>
           </a:p>
@@ -1614,7 +1614,7 @@
           <a:p>
             <a:fld id="{CC1FC442-B89C-44C2-8ED1-A5E42BD589E9}" type="datetimeFigureOut">
               <a:rPr lang="zh-CN" altLang="en-US" smtClean="0"/>
-              <a:t>2019/4/7</a:t>
+              <a:t>2019/4/23</a:t>
             </a:fld>
             <a:endParaRPr lang="zh-CN" altLang="en-US"/>
           </a:p>
@@ -1731,7 +1731,7 @@
           <a:p>
             <a:fld id="{CC1FC442-B89C-44C2-8ED1-A5E42BD589E9}" type="datetimeFigureOut">
               <a:rPr lang="zh-CN" altLang="en-US" smtClean="0"/>
-              <a:t>2019/4/7</a:t>
+              <a:t>2019/4/23</a:t>
             </a:fld>
             <a:endParaRPr lang="zh-CN" altLang="en-US"/>
           </a:p>
@@ -1826,7 +1826,7 @@
           <a:p>
             <a:fld id="{CC1FC442-B89C-44C2-8ED1-A5E42BD589E9}" type="datetimeFigureOut">
               <a:rPr lang="zh-CN" altLang="en-US" smtClean="0"/>
-              <a:t>2019/4/7</a:t>
+              <a:t>2019/4/23</a:t>
             </a:fld>
             <a:endParaRPr lang="zh-CN" altLang="en-US"/>
           </a:p>
@@ -2101,7 +2101,7 @@
           <a:p>
             <a:fld id="{CC1FC442-B89C-44C2-8ED1-A5E42BD589E9}" type="datetimeFigureOut">
               <a:rPr lang="zh-CN" altLang="en-US" smtClean="0"/>
-              <a:t>2019/4/7</a:t>
+              <a:t>2019/4/23</a:t>
             </a:fld>
             <a:endParaRPr lang="zh-CN" altLang="en-US"/>
           </a:p>
@@ -2353,7 +2353,7 @@
           <a:p>
             <a:fld id="{CC1FC442-B89C-44C2-8ED1-A5E42BD589E9}" type="datetimeFigureOut">
               <a:rPr lang="zh-CN" altLang="en-US" smtClean="0"/>
-              <a:t>2019/4/7</a:t>
+              <a:t>2019/4/23</a:t>
             </a:fld>
             <a:endParaRPr lang="zh-CN" altLang="en-US"/>
           </a:p>
@@ -2564,7 +2564,7 @@
           <a:p>
             <a:fld id="{CC1FC442-B89C-44C2-8ED1-A5E42BD589E9}" type="datetimeFigureOut">
               <a:rPr lang="zh-CN" altLang="en-US" smtClean="0"/>
-              <a:t>2019/4/7</a:t>
+              <a:t>2019/4/23</a:t>
             </a:fld>
             <a:endParaRPr lang="zh-CN" altLang="en-US"/>
           </a:p>
@@ -5708,7 +5708,7 @@
                 <a:latin typeface="思源黑体" panose="020B0500000000000000" pitchFamily="34" charset="-122"/>
                 <a:ea typeface="思源黑体" panose="020B0500000000000000" pitchFamily="34" charset="-122"/>
               </a:rPr>
-              <a:t>寒带草原</a:t>
+              <a:t>寒带苔原</a:t>
             </a:r>
           </a:p>
         </p:txBody>
@@ -5746,45 +5746,7 @@
                 <a:latin typeface="思源黑体" panose="020B0500000000000000" pitchFamily="34" charset="-122"/>
                 <a:ea typeface="思源黑体" panose="020B0500000000000000" pitchFamily="34" charset="-122"/>
               </a:rPr>
-              <a:t>寒带丛林</a:t>
-            </a:r>
-          </a:p>
-        </p:txBody>
-      </p:sp>
-      <p:sp>
-        <p:nvSpPr>
-          <p:cNvPr id="16" name="文本框 15">
-            <a:extLst>
-              <a:ext uri="{FF2B5EF4-FFF2-40B4-BE49-F238E27FC236}">
-                <a16:creationId xmlns:a16="http://schemas.microsoft.com/office/drawing/2014/main" id="{0175236E-B70C-41D0-97F5-21203D53309F}"/>
-              </a:ext>
-            </a:extLst>
-          </p:cNvPr>
-          <p:cNvSpPr txBox="1"/>
-          <p:nvPr/>
-        </p:nvSpPr>
-        <p:spPr>
-          <a:xfrm>
-            <a:off x="3974636" y="5249803"/>
-            <a:ext cx="1416491" cy="461665"/>
-          </a:xfrm>
-          <a:prstGeom prst="rect">
-            <a:avLst/>
-          </a:prstGeom>
-          <a:noFill/>
-        </p:spPr>
-        <p:txBody>
-          <a:bodyPr wrap="square" rtlCol="0">
-            <a:spAutoFit/>
-          </a:bodyPr>
-          <a:lstStyle/>
-          <a:p>
-            <a:r>
-              <a:rPr lang="zh-CN" altLang="en-US" sz="2400" dirty="0">
-                <a:latin typeface="思源黑体" panose="020B0500000000000000" pitchFamily="34" charset="-122"/>
-                <a:ea typeface="思源黑体" panose="020B0500000000000000" pitchFamily="34" charset="-122"/>
-              </a:rPr>
-              <a:t>寒带灌木</a:t>
+              <a:t>针叶林</a:t>
             </a:r>
           </a:p>
         </p:txBody>
@@ -5803,7 +5765,7 @@
         </p:nvSpPr>
         <p:spPr>
           <a:xfrm>
-            <a:off x="2155853" y="3291228"/>
+            <a:off x="2486061" y="3382178"/>
             <a:ext cx="1416483" cy="461665"/>
           </a:xfrm>
           <a:prstGeom prst="rect">
@@ -5867,10 +5829,10 @@
       </p:sp>
       <p:sp>
         <p:nvSpPr>
-          <p:cNvPr id="19" name="文本框 18">
+          <p:cNvPr id="20" name="文本框 19">
             <a:extLst>
               <a:ext uri="{FF2B5EF4-FFF2-40B4-BE49-F238E27FC236}">
-                <a16:creationId xmlns:a16="http://schemas.microsoft.com/office/drawing/2014/main" id="{EDDF380D-CB1F-4157-9C2A-08A50ADADEA2}"/>
+                <a16:creationId xmlns:a16="http://schemas.microsoft.com/office/drawing/2014/main" id="{F8545242-DE69-4A9A-A95C-274110539CA0}"/>
               </a:ext>
             </a:extLst>
           </p:cNvPr>
@@ -5879,7 +5841,7 @@
         </p:nvSpPr>
         <p:spPr>
           <a:xfrm>
-            <a:off x="3852889" y="3291228"/>
+            <a:off x="6081479" y="3437917"/>
             <a:ext cx="1416491" cy="461665"/>
           </a:xfrm>
           <a:prstGeom prst="rect">
@@ -5898,45 +5860,7 @@
                 <a:latin typeface="思源黑体" panose="020B0500000000000000" pitchFamily="34" charset="-122"/>
                 <a:ea typeface="思源黑体" panose="020B0500000000000000" pitchFamily="34" charset="-122"/>
               </a:rPr>
-              <a:t>温带灌木</a:t>
-            </a:r>
-          </a:p>
-        </p:txBody>
-      </p:sp>
-      <p:sp>
-        <p:nvSpPr>
-          <p:cNvPr id="20" name="文本框 19">
-            <a:extLst>
-              <a:ext uri="{FF2B5EF4-FFF2-40B4-BE49-F238E27FC236}">
-                <a16:creationId xmlns:a16="http://schemas.microsoft.com/office/drawing/2014/main" id="{F8545242-DE69-4A9A-A95C-274110539CA0}"/>
-              </a:ext>
-            </a:extLst>
-          </p:cNvPr>
-          <p:cNvSpPr txBox="1"/>
-          <p:nvPr/>
-        </p:nvSpPr>
-        <p:spPr>
-          <a:xfrm>
-            <a:off x="5871935" y="3329089"/>
-            <a:ext cx="1416491" cy="461665"/>
-          </a:xfrm>
-          <a:prstGeom prst="rect">
-            <a:avLst/>
-          </a:prstGeom>
-          <a:noFill/>
-        </p:spPr>
-        <p:txBody>
-          <a:bodyPr wrap="square" rtlCol="0">
-            <a:spAutoFit/>
-          </a:bodyPr>
-          <a:lstStyle/>
-          <a:p>
-            <a:r>
-              <a:rPr lang="zh-CN" altLang="en-US" sz="2400" dirty="0">
-                <a:latin typeface="思源黑体" panose="020B0500000000000000" pitchFamily="34" charset="-122"/>
-                <a:ea typeface="思源黑体" panose="020B0500000000000000" pitchFamily="34" charset="-122"/>
-              </a:rPr>
-              <a:t>温带丛林</a:t>
+              <a:t>温带森林</a:t>
             </a:r>
           </a:p>
         </p:txBody>
@@ -5955,8 +5879,8 @@
         </p:nvSpPr>
         <p:spPr>
           <a:xfrm>
-            <a:off x="6095999" y="1578091"/>
-            <a:ext cx="957938" cy="461665"/>
+            <a:off x="6913319" y="1523267"/>
+            <a:ext cx="1416485" cy="461665"/>
           </a:xfrm>
           <a:prstGeom prst="rect">
             <a:avLst/>
@@ -5974,7 +5898,7 @@
                 <a:latin typeface="思源黑体" panose="020B0500000000000000" pitchFamily="34" charset="-122"/>
                 <a:ea typeface="思源黑体" panose="020B0500000000000000" pitchFamily="34" charset="-122"/>
               </a:rPr>
-              <a:t>雨林</a:t>
+              <a:t>热带雨林</a:t>
             </a:r>
           </a:p>
         </p:txBody>
@@ -5993,7 +5917,7 @@
         </p:nvSpPr>
         <p:spPr>
           <a:xfrm>
-            <a:off x="3239413" y="1671873"/>
+            <a:off x="2999050" y="1517248"/>
             <a:ext cx="1470445" cy="461665"/>
           </a:xfrm>
           <a:prstGeom prst="rect">
@@ -6013,6 +5937,462 @@
                 <a:ea typeface="思源黑体" panose="020B0500000000000000" pitchFamily="34" charset="-122"/>
               </a:rPr>
               <a:t>热带草原</a:t>
+            </a:r>
+          </a:p>
+        </p:txBody>
+      </p:sp>
+      <p:sp>
+        <p:nvSpPr>
+          <p:cNvPr id="2" name="矩形 1">
+            <a:extLst>
+              <a:ext uri="{FF2B5EF4-FFF2-40B4-BE49-F238E27FC236}">
+                <a16:creationId xmlns:a16="http://schemas.microsoft.com/office/drawing/2014/main" id="{F0B3AD9F-2141-4A18-A83F-2999F1B20697}"/>
+              </a:ext>
+            </a:extLst>
+          </p:cNvPr>
+          <p:cNvSpPr/>
+          <p:nvPr/>
+        </p:nvSpPr>
+        <p:spPr>
+          <a:xfrm>
+            <a:off x="4957389" y="1517248"/>
+            <a:ext cx="1415772" cy="461665"/>
+          </a:xfrm>
+          <a:prstGeom prst="rect">
+            <a:avLst/>
+          </a:prstGeom>
+        </p:spPr>
+        <p:txBody>
+          <a:bodyPr wrap="none">
+            <a:spAutoFit/>
+          </a:bodyPr>
+          <a:lstStyle/>
+          <a:p>
+            <a:r>
+              <a:rPr lang="zh-CN" altLang="en-US" sz="2400" dirty="0">
+                <a:latin typeface="思源黑体" panose="020B0500000000000000" pitchFamily="34" charset="-122"/>
+                <a:ea typeface="思源黑体" panose="020B0500000000000000" pitchFamily="34" charset="-122"/>
+              </a:rPr>
+              <a:t>热带旱林</a:t>
+            </a:r>
+          </a:p>
+        </p:txBody>
+      </p:sp>
+      <p:cxnSp>
+        <p:nvCxnSpPr>
+          <p:cNvPr id="4" name="直接连接符 3">
+            <a:extLst>
+              <a:ext uri="{FF2B5EF4-FFF2-40B4-BE49-F238E27FC236}">
+                <a16:creationId xmlns:a16="http://schemas.microsoft.com/office/drawing/2014/main" id="{888564B9-04BD-40D5-9CAC-671C6151AF68}"/>
+              </a:ext>
+            </a:extLst>
+          </p:cNvPr>
+          <p:cNvCxnSpPr>
+            <a:cxnSpLocks/>
+          </p:cNvCxnSpPr>
+          <p:nvPr/>
+        </p:nvCxnSpPr>
+        <p:spPr>
+          <a:xfrm flipH="1">
+            <a:off x="972457" y="609600"/>
+            <a:ext cx="2026592" cy="5457371"/>
+          </a:xfrm>
+          <a:prstGeom prst="line">
+            <a:avLst/>
+          </a:prstGeom>
+          <a:ln w="28575"/>
+        </p:spPr>
+        <p:style>
+          <a:lnRef idx="1">
+            <a:schemeClr val="accent1"/>
+          </a:lnRef>
+          <a:fillRef idx="0">
+            <a:schemeClr val="accent1"/>
+          </a:fillRef>
+          <a:effectRef idx="0">
+            <a:schemeClr val="accent1"/>
+          </a:effectRef>
+          <a:fontRef idx="minor">
+            <a:schemeClr val="tx1"/>
+          </a:fontRef>
+        </p:style>
+      </p:cxnSp>
+      <p:cxnSp>
+        <p:nvCxnSpPr>
+          <p:cNvPr id="23" name="直接连接符 22">
+            <a:extLst>
+              <a:ext uri="{FF2B5EF4-FFF2-40B4-BE49-F238E27FC236}">
+                <a16:creationId xmlns:a16="http://schemas.microsoft.com/office/drawing/2014/main" id="{FF16E75F-732E-4BE7-80DA-044068631CF1}"/>
+              </a:ext>
+            </a:extLst>
+          </p:cNvPr>
+          <p:cNvCxnSpPr>
+            <a:cxnSpLocks/>
+          </p:cNvCxnSpPr>
+          <p:nvPr/>
+        </p:nvCxnSpPr>
+        <p:spPr>
+          <a:xfrm flipH="1">
+            <a:off x="4295775" y="3076575"/>
+            <a:ext cx="882209" cy="3004910"/>
+          </a:xfrm>
+          <a:prstGeom prst="line">
+            <a:avLst/>
+          </a:prstGeom>
+          <a:ln w="28575"/>
+        </p:spPr>
+        <p:style>
+          <a:lnRef idx="1">
+            <a:schemeClr val="accent1"/>
+          </a:lnRef>
+          <a:fillRef idx="0">
+            <a:schemeClr val="accent1"/>
+          </a:fillRef>
+          <a:effectRef idx="0">
+            <a:schemeClr val="accent1"/>
+          </a:effectRef>
+          <a:fontRef idx="minor">
+            <a:schemeClr val="tx1"/>
+          </a:fontRef>
+        </p:style>
+      </p:cxnSp>
+      <p:cxnSp>
+        <p:nvCxnSpPr>
+          <p:cNvPr id="28" name="直接连接符 27">
+            <a:extLst>
+              <a:ext uri="{FF2B5EF4-FFF2-40B4-BE49-F238E27FC236}">
+                <a16:creationId xmlns:a16="http://schemas.microsoft.com/office/drawing/2014/main" id="{A603FE21-EAB1-4178-813E-A2B28C23D74D}"/>
+              </a:ext>
+            </a:extLst>
+          </p:cNvPr>
+          <p:cNvCxnSpPr>
+            <a:cxnSpLocks/>
+          </p:cNvCxnSpPr>
+          <p:nvPr/>
+        </p:nvCxnSpPr>
+        <p:spPr>
+          <a:xfrm flipH="1">
+            <a:off x="4276261" y="609599"/>
+            <a:ext cx="610468" cy="2200276"/>
+          </a:xfrm>
+          <a:prstGeom prst="line">
+            <a:avLst/>
+          </a:prstGeom>
+          <a:ln w="28575"/>
+        </p:spPr>
+        <p:style>
+          <a:lnRef idx="1">
+            <a:schemeClr val="accent1"/>
+          </a:lnRef>
+          <a:fillRef idx="0">
+            <a:schemeClr val="accent1"/>
+          </a:fillRef>
+          <a:effectRef idx="0">
+            <a:schemeClr val="accent1"/>
+          </a:effectRef>
+          <a:fontRef idx="minor">
+            <a:schemeClr val="tx1"/>
+          </a:fontRef>
+        </p:style>
+      </p:cxnSp>
+      <p:cxnSp>
+        <p:nvCxnSpPr>
+          <p:cNvPr id="31" name="直接连接符 30">
+            <a:extLst>
+              <a:ext uri="{FF2B5EF4-FFF2-40B4-BE49-F238E27FC236}">
+                <a16:creationId xmlns:a16="http://schemas.microsoft.com/office/drawing/2014/main" id="{03C606C0-4B2F-4EDC-8990-52EE1F64FC8A}"/>
+              </a:ext>
+            </a:extLst>
+          </p:cNvPr>
+          <p:cNvCxnSpPr>
+            <a:cxnSpLocks/>
+          </p:cNvCxnSpPr>
+          <p:nvPr/>
+        </p:nvCxnSpPr>
+        <p:spPr>
+          <a:xfrm flipH="1">
+            <a:off x="6180723" y="524711"/>
+            <a:ext cx="804196" cy="2370051"/>
+          </a:xfrm>
+          <a:prstGeom prst="line">
+            <a:avLst/>
+          </a:prstGeom>
+          <a:ln w="28575"/>
+        </p:spPr>
+        <p:style>
+          <a:lnRef idx="1">
+            <a:schemeClr val="accent1"/>
+          </a:lnRef>
+          <a:fillRef idx="0">
+            <a:schemeClr val="accent1"/>
+          </a:fillRef>
+          <a:effectRef idx="0">
+            <a:schemeClr val="accent1"/>
+          </a:effectRef>
+          <a:fontRef idx="minor">
+            <a:schemeClr val="tx1"/>
+          </a:fontRef>
+        </p:style>
+      </p:cxnSp>
+      <p:sp>
+        <p:nvSpPr>
+          <p:cNvPr id="3" name="文本框 2">
+            <a:extLst>
+              <a:ext uri="{FF2B5EF4-FFF2-40B4-BE49-F238E27FC236}">
+                <a16:creationId xmlns:a16="http://schemas.microsoft.com/office/drawing/2014/main" id="{686EB4E5-C291-42FA-B00B-D8E13A435C3D}"/>
+              </a:ext>
+            </a:extLst>
+          </p:cNvPr>
+          <p:cNvSpPr txBox="1"/>
+          <p:nvPr/>
+        </p:nvSpPr>
+        <p:spPr>
+          <a:xfrm>
+            <a:off x="8278913" y="-58530"/>
+            <a:ext cx="2324675" cy="2308324"/>
+          </a:xfrm>
+          <a:prstGeom prst="rect">
+            <a:avLst/>
+          </a:prstGeom>
+          <a:noFill/>
+        </p:spPr>
+        <p:txBody>
+          <a:bodyPr wrap="none" rtlCol="0">
+            <a:spAutoFit/>
+          </a:bodyPr>
+          <a:lstStyle/>
+          <a:p>
+            <a:r>
+              <a:rPr lang="en-US" altLang="zh-CN" dirty="0"/>
+              <a:t>_  _  _  _    _  _  _  _</a:t>
+            </a:r>
+          </a:p>
+          <a:p>
+            <a:r>
+              <a:rPr lang="en-US" altLang="zh-CN" dirty="0"/>
+              <a:t>|  |-----|    |--------|</a:t>
+            </a:r>
+          </a:p>
+          <a:p>
+            <a:r>
+              <a:rPr lang="en-US" altLang="zh-CN" dirty="0"/>
+              <a:t>|  |          |</a:t>
+            </a:r>
+          </a:p>
+          <a:p>
+            <a:r>
+              <a:rPr lang="en-US" altLang="zh-CN" dirty="0"/>
+              <a:t>|  |          </a:t>
+            </a:r>
+            <a:r>
+              <a:rPr lang="zh-CN" altLang="en-US" dirty="0"/>
+              <a:t>降水量</a:t>
+            </a:r>
+          </a:p>
+          <a:p>
+            <a:r>
+              <a:rPr lang="en-US" altLang="zh-CN" dirty="0"/>
+              <a:t>|  </a:t>
+            </a:r>
+            <a:r>
+              <a:rPr lang="zh-CN" altLang="en-US" dirty="0"/>
+              <a:t>温度</a:t>
+            </a:r>
+            <a:r>
+              <a:rPr lang="en-US" altLang="zh-CN" dirty="0"/>
+              <a:t>/</a:t>
+            </a:r>
+            <a:r>
+              <a:rPr lang="zh-CN" altLang="en-US" dirty="0"/>
+              <a:t>类型</a:t>
+            </a:r>
+          </a:p>
+          <a:p>
+            <a:r>
+              <a:rPr lang="en-US" altLang="zh-CN" dirty="0"/>
+              <a:t>|</a:t>
+            </a:r>
+          </a:p>
+          <a:p>
+            <a:r>
+              <a:rPr lang="en-US" altLang="zh-CN" dirty="0"/>
+              <a:t>0</a:t>
+            </a:r>
+            <a:r>
+              <a:rPr lang="zh-CN" altLang="en-US" dirty="0"/>
+              <a:t>陆地</a:t>
+            </a:r>
+          </a:p>
+          <a:p>
+            <a:r>
+              <a:rPr lang="en-US" altLang="zh-CN" dirty="0"/>
+              <a:t>1</a:t>
+            </a:r>
+            <a:r>
+              <a:rPr lang="zh-CN" altLang="en-US" dirty="0"/>
+              <a:t>水域</a:t>
+            </a:r>
+          </a:p>
+        </p:txBody>
+      </p:sp>
+      <p:sp>
+        <p:nvSpPr>
+          <p:cNvPr id="6" name="文本框 5">
+            <a:extLst>
+              <a:ext uri="{FF2B5EF4-FFF2-40B4-BE49-F238E27FC236}">
+                <a16:creationId xmlns:a16="http://schemas.microsoft.com/office/drawing/2014/main" id="{AA497AF3-7C5E-4C67-86EE-38F08C5B6E30}"/>
+              </a:ext>
+            </a:extLst>
+          </p:cNvPr>
+          <p:cNvSpPr txBox="1"/>
+          <p:nvPr/>
+        </p:nvSpPr>
+        <p:spPr>
+          <a:xfrm>
+            <a:off x="9513422" y="1709736"/>
+            <a:ext cx="2731838" cy="4524315"/>
+          </a:xfrm>
+          <a:prstGeom prst="rect">
+            <a:avLst/>
+          </a:prstGeom>
+          <a:noFill/>
+        </p:spPr>
+        <p:txBody>
+          <a:bodyPr wrap="none" rtlCol="0">
+            <a:spAutoFit/>
+          </a:bodyPr>
+          <a:lstStyle/>
+          <a:p>
+            <a:r>
+              <a:rPr lang="en-US" altLang="zh-CN" dirty="0"/>
+              <a:t>0 000 0000 </a:t>
+            </a:r>
+            <a:r>
+              <a:rPr lang="zh-CN" altLang="en-US" dirty="0"/>
+              <a:t>沙漠（寒带）</a:t>
+            </a:r>
+          </a:p>
+          <a:p>
+            <a:r>
+              <a:rPr lang="en-US" altLang="zh-CN" dirty="0"/>
+              <a:t>0 001 0000 </a:t>
+            </a:r>
+            <a:r>
+              <a:rPr lang="zh-CN" altLang="en-US" dirty="0"/>
+              <a:t>沙漠（温带）</a:t>
+            </a:r>
+          </a:p>
+          <a:p>
+            <a:r>
+              <a:rPr lang="en-US" altLang="zh-CN" dirty="0"/>
+              <a:t>0 010 0000 </a:t>
+            </a:r>
+            <a:r>
+              <a:rPr lang="zh-CN" altLang="en-US" dirty="0"/>
+              <a:t>沙漠（热带）</a:t>
+            </a:r>
+          </a:p>
+          <a:p>
+            <a:endParaRPr lang="zh-CN" altLang="en-US" dirty="0"/>
+          </a:p>
+          <a:p>
+            <a:r>
+              <a:rPr lang="en-US" altLang="zh-CN" dirty="0"/>
+              <a:t>0 000 0001 </a:t>
+            </a:r>
+            <a:r>
+              <a:rPr lang="zh-CN" altLang="en-US" dirty="0"/>
+              <a:t>寒带苔原</a:t>
+            </a:r>
+          </a:p>
+          <a:p>
+            <a:r>
+              <a:rPr lang="en-US" altLang="zh-CN" dirty="0"/>
+              <a:t>0 000 0010 </a:t>
+            </a:r>
+            <a:r>
+              <a:rPr lang="zh-CN" altLang="en-US" dirty="0"/>
+              <a:t>针叶林</a:t>
+            </a:r>
+          </a:p>
+          <a:p>
+            <a:endParaRPr lang="zh-CN" altLang="en-US" dirty="0"/>
+          </a:p>
+          <a:p>
+            <a:r>
+              <a:rPr lang="en-US" altLang="zh-CN" dirty="0"/>
+              <a:t>0 001 0001 </a:t>
+            </a:r>
+            <a:r>
+              <a:rPr lang="zh-CN" altLang="en-US" dirty="0"/>
+              <a:t>温带草原</a:t>
+            </a:r>
+          </a:p>
+          <a:p>
+            <a:r>
+              <a:rPr lang="en-US" altLang="zh-CN" dirty="0"/>
+              <a:t>0 001 0010 </a:t>
+            </a:r>
+            <a:r>
+              <a:rPr lang="zh-CN" altLang="en-US" dirty="0"/>
+              <a:t>温带森林</a:t>
+            </a:r>
+          </a:p>
+          <a:p>
+            <a:endParaRPr lang="zh-CN" altLang="en-US" dirty="0"/>
+          </a:p>
+          <a:p>
+            <a:r>
+              <a:rPr lang="en-US" altLang="zh-CN" dirty="0"/>
+              <a:t>0 010 0001 </a:t>
+            </a:r>
+            <a:r>
+              <a:rPr lang="zh-CN" altLang="en-US" dirty="0"/>
+              <a:t>热带草原</a:t>
+            </a:r>
+          </a:p>
+          <a:p>
+            <a:r>
+              <a:rPr lang="en-US" altLang="zh-CN" dirty="0"/>
+              <a:t>0 010 0010 </a:t>
+            </a:r>
+            <a:r>
+              <a:rPr lang="zh-CN" altLang="en-US" dirty="0"/>
+              <a:t>热带旱林</a:t>
+            </a:r>
+          </a:p>
+          <a:p>
+            <a:r>
+              <a:rPr lang="en-US" altLang="zh-CN" dirty="0"/>
+              <a:t>0 010 0011 </a:t>
+            </a:r>
+            <a:r>
+              <a:rPr lang="zh-CN" altLang="en-US" dirty="0"/>
+              <a:t>热带雨林</a:t>
+            </a:r>
+            <a:endParaRPr lang="en-US" altLang="zh-CN" dirty="0"/>
+          </a:p>
+          <a:p>
+            <a:endParaRPr lang="en-US" altLang="zh-CN" dirty="0"/>
+          </a:p>
+          <a:p>
+            <a:r>
+              <a:rPr lang="en-US" altLang="zh-CN" dirty="0"/>
+              <a:t>1 000 0000 </a:t>
+            </a:r>
+            <a:r>
+              <a:rPr lang="zh-CN" altLang="en-US" dirty="0"/>
+              <a:t>淡水</a:t>
+            </a:r>
+          </a:p>
+          <a:p>
+            <a:r>
+              <a:rPr lang="en-US" altLang="zh-CN" dirty="0"/>
+              <a:t>1 001 0000 </a:t>
+            </a:r>
+            <a:r>
+              <a:rPr lang="zh-CN" altLang="en-US" dirty="0"/>
+              <a:t>咸水</a:t>
             </a:r>
           </a:p>
         </p:txBody>

--- a/Docs/Technology.pptx
+++ b/Docs/Technology.pptx
@@ -6033,8 +6033,8 @@
         </p:nvCxnSpPr>
         <p:spPr>
           <a:xfrm flipH="1">
-            <a:off x="4295775" y="3076575"/>
-            <a:ext cx="882209" cy="3004910"/>
+            <a:off x="4295776" y="2894762"/>
+            <a:ext cx="1146236" cy="3186723"/>
           </a:xfrm>
           <a:prstGeom prst="line">
             <a:avLst/>

--- a/Docs/Technology.pptx
+++ b/Docs/Technology.pptx
@@ -7,9 +7,12 @@
   <p:sldIdLst>
     <p:sldId id="256" r:id="rId2"/>
     <p:sldId id="257" r:id="rId3"/>
-    <p:sldId id="258" r:id="rId4"/>
-    <p:sldId id="259" r:id="rId5"/>
-    <p:sldId id="260" r:id="rId6"/>
+    <p:sldId id="261" r:id="rId4"/>
+    <p:sldId id="258" r:id="rId5"/>
+    <p:sldId id="259" r:id="rId6"/>
+    <p:sldId id="260" r:id="rId7"/>
+    <p:sldId id="262" r:id="rId8"/>
+    <p:sldId id="263" r:id="rId9"/>
   </p:sldIdLst>
   <p:sldSz cx="12192000" cy="6858000"/>
   <p:notesSz cx="6858000" cy="9144000"/>
@@ -115,6 +118,7 @@
           <p14:sldIdLst>
             <p14:sldId id="256"/>
             <p14:sldId id="257"/>
+            <p14:sldId id="261"/>
           </p14:sldIdLst>
         </p14:section>
         <p14:section name="开题报告" id="{1DB51CEB-4772-4655-9A02-77E3CBD3DAB5}">
@@ -122,6 +126,8 @@
             <p14:sldId id="258"/>
             <p14:sldId id="259"/>
             <p14:sldId id="260"/>
+            <p14:sldId id="262"/>
+            <p14:sldId id="263"/>
           </p14:sldIdLst>
         </p14:section>
       </p14:sectionLst>
@@ -262,7 +268,7 @@
           <a:p>
             <a:fld id="{CC1FC442-B89C-44C2-8ED1-A5E42BD589E9}" type="datetimeFigureOut">
               <a:rPr lang="zh-CN" altLang="en-US" smtClean="0"/>
-              <a:t>2019/4/23</a:t>
+              <a:t>2019/5/6</a:t>
             </a:fld>
             <a:endParaRPr lang="zh-CN" altLang="en-US"/>
           </a:p>
@@ -430,7 +436,7 @@
           <a:p>
             <a:fld id="{CC1FC442-B89C-44C2-8ED1-A5E42BD589E9}" type="datetimeFigureOut">
               <a:rPr lang="zh-CN" altLang="en-US" smtClean="0"/>
-              <a:t>2019/4/23</a:t>
+              <a:t>2019/5/6</a:t>
             </a:fld>
             <a:endParaRPr lang="zh-CN" altLang="en-US"/>
           </a:p>
@@ -608,7 +614,7 @@
           <a:p>
             <a:fld id="{CC1FC442-B89C-44C2-8ED1-A5E42BD589E9}" type="datetimeFigureOut">
               <a:rPr lang="zh-CN" altLang="en-US" smtClean="0"/>
-              <a:t>2019/4/23</a:t>
+              <a:t>2019/5/6</a:t>
             </a:fld>
             <a:endParaRPr lang="zh-CN" altLang="en-US"/>
           </a:p>
@@ -776,7 +782,7 @@
           <a:p>
             <a:fld id="{CC1FC442-B89C-44C2-8ED1-A5E42BD589E9}" type="datetimeFigureOut">
               <a:rPr lang="zh-CN" altLang="en-US" smtClean="0"/>
-              <a:t>2019/4/23</a:t>
+              <a:t>2019/5/6</a:t>
             </a:fld>
             <a:endParaRPr lang="zh-CN" altLang="en-US"/>
           </a:p>
@@ -1021,7 +1027,7 @@
           <a:p>
             <a:fld id="{CC1FC442-B89C-44C2-8ED1-A5E42BD589E9}" type="datetimeFigureOut">
               <a:rPr lang="zh-CN" altLang="en-US" smtClean="0"/>
-              <a:t>2019/4/23</a:t>
+              <a:t>2019/5/6</a:t>
             </a:fld>
             <a:endParaRPr lang="zh-CN" altLang="en-US"/>
           </a:p>
@@ -1250,7 +1256,7 @@
           <a:p>
             <a:fld id="{CC1FC442-B89C-44C2-8ED1-A5E42BD589E9}" type="datetimeFigureOut">
               <a:rPr lang="zh-CN" altLang="en-US" smtClean="0"/>
-              <a:t>2019/4/23</a:t>
+              <a:t>2019/5/6</a:t>
             </a:fld>
             <a:endParaRPr lang="zh-CN" altLang="en-US"/>
           </a:p>
@@ -1614,7 +1620,7 @@
           <a:p>
             <a:fld id="{CC1FC442-B89C-44C2-8ED1-A5E42BD589E9}" type="datetimeFigureOut">
               <a:rPr lang="zh-CN" altLang="en-US" smtClean="0"/>
-              <a:t>2019/4/23</a:t>
+              <a:t>2019/5/6</a:t>
             </a:fld>
             <a:endParaRPr lang="zh-CN" altLang="en-US"/>
           </a:p>
@@ -1731,7 +1737,7 @@
           <a:p>
             <a:fld id="{CC1FC442-B89C-44C2-8ED1-A5E42BD589E9}" type="datetimeFigureOut">
               <a:rPr lang="zh-CN" altLang="en-US" smtClean="0"/>
-              <a:t>2019/4/23</a:t>
+              <a:t>2019/5/6</a:t>
             </a:fld>
             <a:endParaRPr lang="zh-CN" altLang="en-US"/>
           </a:p>
@@ -1826,7 +1832,7 @@
           <a:p>
             <a:fld id="{CC1FC442-B89C-44C2-8ED1-A5E42BD589E9}" type="datetimeFigureOut">
               <a:rPr lang="zh-CN" altLang="en-US" smtClean="0"/>
-              <a:t>2019/4/23</a:t>
+              <a:t>2019/5/6</a:t>
             </a:fld>
             <a:endParaRPr lang="zh-CN" altLang="en-US"/>
           </a:p>
@@ -2101,7 +2107,7 @@
           <a:p>
             <a:fld id="{CC1FC442-B89C-44C2-8ED1-A5E42BD589E9}" type="datetimeFigureOut">
               <a:rPr lang="zh-CN" altLang="en-US" smtClean="0"/>
-              <a:t>2019/4/23</a:t>
+              <a:t>2019/5/6</a:t>
             </a:fld>
             <a:endParaRPr lang="zh-CN" altLang="en-US"/>
           </a:p>
@@ -2353,7 +2359,7 @@
           <a:p>
             <a:fld id="{CC1FC442-B89C-44C2-8ED1-A5E42BD589E9}" type="datetimeFigureOut">
               <a:rPr lang="zh-CN" altLang="en-US" smtClean="0"/>
-              <a:t>2019/4/23</a:t>
+              <a:t>2019/5/6</a:t>
             </a:fld>
             <a:endParaRPr lang="zh-CN" altLang="en-US"/>
           </a:p>
@@ -2564,7 +2570,7 @@
           <a:p>
             <a:fld id="{CC1FC442-B89C-44C2-8ED1-A5E42BD589E9}" type="datetimeFigureOut">
               <a:rPr lang="zh-CN" altLang="en-US" smtClean="0"/>
-              <a:t>2019/4/23</a:t>
+              <a:t>2019/5/6</a:t>
             </a:fld>
             <a:endParaRPr lang="zh-CN" altLang="en-US"/>
           </a:p>
@@ -4118,16 +4124,22 @@
       </p:sp>
       <p:grpSp>
         <p:nvGrpSpPr>
-          <p:cNvPr id="34" name="组合 33"/>
+          <p:cNvPr id="3" name="组合 2">
+            <a:extLst>
+              <a:ext uri="{FF2B5EF4-FFF2-40B4-BE49-F238E27FC236}">
+                <a16:creationId xmlns:a16="http://schemas.microsoft.com/office/drawing/2014/main" id="{D1AA7C36-5D1C-442E-A249-3187B6E44459}"/>
+              </a:ext>
+            </a:extLst>
+          </p:cNvPr>
           <p:cNvGrpSpPr/>
           <p:nvPr/>
         </p:nvGrpSpPr>
         <p:grpSpPr>
           <a:xfrm>
-            <a:off x="2932771" y="1838378"/>
-            <a:ext cx="7114478" cy="2252547"/>
-            <a:chOff x="3178098" y="1895707"/>
-            <a:chExt cx="7114478" cy="2252547"/>
+            <a:off x="2334459" y="1838378"/>
+            <a:ext cx="8627052" cy="2252547"/>
+            <a:chOff x="2932770" y="1838378"/>
+            <a:chExt cx="8627052" cy="2252547"/>
           </a:xfrm>
         </p:grpSpPr>
         <p:sp>
@@ -4138,7 +4150,7 @@
           </p:nvSpPr>
           <p:spPr>
             <a:xfrm>
-              <a:off x="3479180" y="2141034"/>
+              <a:off x="3233853" y="2083705"/>
               <a:ext cx="1393903" cy="678652"/>
             </a:xfrm>
             <a:prstGeom prst="rect">
@@ -4177,6 +4189,8 @@
                   <a:solidFill>
                     <a:sysClr val="windowText" lastClr="000000"/>
                   </a:solidFill>
+                  <a:latin typeface="思源黑体" panose="020B0500000000000000" pitchFamily="34" charset="-122"/>
+                  <a:ea typeface="思源黑体" panose="020B0500000000000000" pitchFamily="34" charset="-122"/>
                 </a:rPr>
                 <a:t>地形生成</a:t>
               </a:r>
@@ -4191,7 +4205,7 @@
           </p:nvSpPr>
           <p:spPr>
             <a:xfrm>
-              <a:off x="5605346" y="2141034"/>
+              <a:off x="5360019" y="2083705"/>
               <a:ext cx="1492404" cy="678652"/>
             </a:xfrm>
             <a:prstGeom prst="rect">
@@ -4230,6 +4244,8 @@
                   <a:solidFill>
                     <a:sysClr val="windowText" lastClr="000000"/>
                   </a:solidFill>
+                  <a:latin typeface="思源黑体" panose="020B0500000000000000" pitchFamily="34" charset="-122"/>
+                  <a:ea typeface="思源黑体" panose="020B0500000000000000" pitchFamily="34" charset="-122"/>
                 </a:rPr>
                 <a:t>空气流动模拟</a:t>
               </a:r>
@@ -4244,7 +4260,7 @@
           </p:nvSpPr>
           <p:spPr>
             <a:xfrm>
-              <a:off x="7480609" y="2141034"/>
+              <a:off x="7235282" y="2083705"/>
               <a:ext cx="1118839" cy="678652"/>
             </a:xfrm>
             <a:prstGeom prst="rect">
@@ -4283,6 +4299,8 @@
                   <a:solidFill>
                     <a:sysClr val="windowText" lastClr="000000"/>
                   </a:solidFill>
+                  <a:latin typeface="思源黑体" panose="020B0500000000000000" pitchFamily="34" charset="-122"/>
+                  <a:ea typeface="思源黑体" panose="020B0500000000000000" pitchFamily="34" charset="-122"/>
                 </a:rPr>
                 <a:t>降水模拟</a:t>
               </a:r>
@@ -4297,7 +4315,7 @@
           </p:nvSpPr>
           <p:spPr>
             <a:xfrm>
-              <a:off x="8982307" y="2141034"/>
+              <a:off x="8736980" y="2083705"/>
               <a:ext cx="1118839" cy="678652"/>
             </a:xfrm>
             <a:prstGeom prst="rect">
@@ -4336,8 +4354,10 @@
                   <a:solidFill>
                     <a:sysClr val="windowText" lastClr="000000"/>
                   </a:solidFill>
+                  <a:latin typeface="思源黑体" panose="020B0500000000000000" pitchFamily="34" charset="-122"/>
+                  <a:ea typeface="思源黑体" panose="020B0500000000000000" pitchFamily="34" charset="-122"/>
                 </a:rPr>
-                <a:t>生物群模拟</a:t>
+                <a:t>光照模拟</a:t>
               </a:r>
             </a:p>
           </p:txBody>
@@ -4353,7 +4373,7 @@
           </p:nvCxnSpPr>
           <p:spPr>
             <a:xfrm>
-              <a:off x="4873083" y="2480360"/>
+              <a:off x="4627756" y="2423031"/>
               <a:ext cx="732263" cy="0"/>
             </a:xfrm>
             <a:prstGeom prst="straightConnector1">
@@ -4392,7 +4412,7 @@
           </p:nvCxnSpPr>
           <p:spPr>
             <a:xfrm>
-              <a:off x="7097750" y="2480360"/>
+              <a:off x="6852423" y="2423031"/>
               <a:ext cx="382859" cy="0"/>
             </a:xfrm>
             <a:prstGeom prst="straightConnector1">
@@ -4431,7 +4451,7 @@
           </p:nvCxnSpPr>
           <p:spPr>
             <a:xfrm>
-              <a:off x="8599448" y="2480360"/>
+              <a:off x="8354121" y="2423031"/>
               <a:ext cx="382859" cy="0"/>
             </a:xfrm>
             <a:prstGeom prst="straightConnector1">
@@ -4467,7 +4487,7 @@
           </p:nvSpPr>
           <p:spPr>
             <a:xfrm rot="16200000">
-              <a:off x="4088496" y="2355336"/>
+              <a:off x="3843169" y="2298007"/>
               <a:ext cx="175271" cy="1393903"/>
             </a:xfrm>
             <a:prstGeom prst="leftBrace">
@@ -4510,7 +4530,7 @@
           </p:nvSpPr>
           <p:spPr>
             <a:xfrm>
-              <a:off x="3622133" y="3284888"/>
+              <a:off x="3376806" y="3227559"/>
               <a:ext cx="1107996" cy="369332"/>
             </a:xfrm>
             <a:prstGeom prst="rect">
@@ -4525,7 +4545,10 @@
             <a:lstStyle/>
             <a:p>
               <a:r>
-                <a:rPr lang="zh-CN" altLang="en-US" dirty="0"/>
+                <a:rPr lang="zh-CN" altLang="en-US" dirty="0">
+                  <a:latin typeface="思源黑体" panose="020B0500000000000000" pitchFamily="34" charset="-122"/>
+                  <a:ea typeface="思源黑体" panose="020B0500000000000000" pitchFamily="34" charset="-122"/>
+                </a:rPr>
                 <a:t>前端工厂</a:t>
               </a:r>
             </a:p>
@@ -4539,8 +4562,8 @@
           </p:nvSpPr>
           <p:spPr>
             <a:xfrm rot="16200000">
-              <a:off x="7797819" y="836593"/>
-              <a:ext cx="131453" cy="4475204"/>
+              <a:off x="8304835" y="26920"/>
+              <a:ext cx="131329" cy="5979767"/>
             </a:xfrm>
             <a:prstGeom prst="leftBrace">
               <a:avLst/>
@@ -4582,7 +4605,7 @@
           </p:nvSpPr>
           <p:spPr>
             <a:xfrm>
-              <a:off x="7309547" y="3298697"/>
+              <a:off x="7816501" y="3227559"/>
               <a:ext cx="1107996" cy="369332"/>
             </a:xfrm>
             <a:prstGeom prst="rect">
@@ -4597,7 +4620,10 @@
             <a:lstStyle/>
             <a:p>
               <a:r>
-                <a:rPr lang="zh-CN" altLang="en-US" dirty="0"/>
+                <a:rPr lang="zh-CN" altLang="en-US" dirty="0">
+                  <a:latin typeface="思源黑体" panose="020B0500000000000000" pitchFamily="34" charset="-122"/>
+                  <a:ea typeface="思源黑体" panose="020B0500000000000000" pitchFamily="34" charset="-122"/>
+                </a:rPr>
                 <a:t>后端工厂</a:t>
               </a:r>
             </a:p>
@@ -4611,8 +4637,8 @@
           </p:nvSpPr>
           <p:spPr>
             <a:xfrm>
-              <a:off x="5768788" y="3747781"/>
-              <a:ext cx="2100255" cy="369332"/>
+              <a:off x="5993724" y="3670962"/>
+              <a:ext cx="2133918" cy="369332"/>
             </a:xfrm>
             <a:prstGeom prst="rect">
               <a:avLst/>
@@ -4626,15 +4652,24 @@
             <a:lstStyle/>
             <a:p>
               <a:r>
-                <a:rPr lang="zh-CN" altLang="en-US" dirty="0"/>
+                <a:rPr lang="zh-CN" altLang="en-US" dirty="0">
+                  <a:latin typeface="思源黑体" panose="020B0500000000000000" pitchFamily="34" charset="-122"/>
+                  <a:ea typeface="思源黑体" panose="020B0500000000000000" pitchFamily="34" charset="-122"/>
+                </a:rPr>
                 <a:t>图</a:t>
               </a:r>
               <a:r>
-                <a:rPr lang="en-US" altLang="zh-CN" dirty="0"/>
+                <a:rPr lang="en-US" altLang="zh-CN" dirty="0">
+                  <a:latin typeface="思源黑体" panose="020B0500000000000000" pitchFamily="34" charset="-122"/>
+                  <a:ea typeface="思源黑体" panose="020B0500000000000000" pitchFamily="34" charset="-122"/>
+                </a:rPr>
                 <a:t>2.3.1 </a:t>
               </a:r>
               <a:r>
-                <a:rPr lang="zh-CN" altLang="en-US" dirty="0"/>
+                <a:rPr lang="zh-CN" altLang="en-US" dirty="0">
+                  <a:latin typeface="思源黑体" panose="020B0500000000000000" pitchFamily="34" charset="-122"/>
+                  <a:ea typeface="思源黑体" panose="020B0500000000000000" pitchFamily="34" charset="-122"/>
+                </a:rPr>
                 <a:t>工作流程图</a:t>
               </a:r>
             </a:p>
@@ -4648,8 +4683,8 @@
           </p:nvSpPr>
           <p:spPr>
             <a:xfrm>
-              <a:off x="3178098" y="1895707"/>
-              <a:ext cx="7114478" cy="2252547"/>
+              <a:off x="2932770" y="1838378"/>
+              <a:ext cx="8627052" cy="2252547"/>
             </a:xfrm>
             <a:prstGeom prst="rect">
               <a:avLst/>
@@ -4682,10 +4717,116 @@
             <a:lstStyle/>
             <a:p>
               <a:pPr algn="ctr"/>
-              <a:endParaRPr lang="zh-CN" altLang="en-US"/>
+              <a:endParaRPr lang="zh-CN" altLang="en-US" dirty="0">
+                <a:latin typeface="思源黑体" panose="020B0500000000000000" pitchFamily="34" charset="-122"/>
+                <a:ea typeface="思源黑体" panose="020B0500000000000000" pitchFamily="34" charset="-122"/>
+              </a:endParaRPr>
             </a:p>
           </p:txBody>
         </p:sp>
+        <p:sp>
+          <p:nvSpPr>
+            <p:cNvPr id="18" name="矩形 17">
+              <a:extLst>
+                <a:ext uri="{FF2B5EF4-FFF2-40B4-BE49-F238E27FC236}">
+                  <a16:creationId xmlns:a16="http://schemas.microsoft.com/office/drawing/2014/main" id="{B27F2772-2B9F-4725-8258-44B2FAAAEFEA}"/>
+                </a:ext>
+              </a:extLst>
+            </p:cNvPr>
+            <p:cNvSpPr/>
+            <p:nvPr/>
+          </p:nvSpPr>
+          <p:spPr>
+            <a:xfrm>
+              <a:off x="10241543" y="2083705"/>
+              <a:ext cx="1118839" cy="678652"/>
+            </a:xfrm>
+            <a:prstGeom prst="rect">
+              <a:avLst/>
+            </a:prstGeom>
+            <a:noFill/>
+            <a:ln>
+              <a:solidFill>
+                <a:schemeClr val="tx1"/>
+              </a:solidFill>
+            </a:ln>
+          </p:spPr>
+          <p:style>
+            <a:lnRef idx="2">
+              <a:schemeClr val="accent1">
+                <a:shade val="50000"/>
+              </a:schemeClr>
+            </a:lnRef>
+            <a:fillRef idx="1">
+              <a:schemeClr val="accent1"/>
+            </a:fillRef>
+            <a:effectRef idx="0">
+              <a:schemeClr val="accent1"/>
+            </a:effectRef>
+            <a:fontRef idx="minor">
+              <a:schemeClr val="lt1"/>
+            </a:fontRef>
+          </p:style>
+          <p:txBody>
+            <a:bodyPr rtlCol="0" anchor="ctr"/>
+            <a:lstStyle/>
+            <a:p>
+              <a:pPr algn="ctr"/>
+              <a:r>
+                <a:rPr lang="zh-CN" altLang="en-US" dirty="0">
+                  <a:solidFill>
+                    <a:sysClr val="windowText" lastClr="000000"/>
+                  </a:solidFill>
+                  <a:latin typeface="思源黑体" panose="020B0500000000000000" pitchFamily="34" charset="-122"/>
+                  <a:ea typeface="思源黑体" panose="020B0500000000000000" pitchFamily="34" charset="-122"/>
+                </a:rPr>
+                <a:t>生物群模拟</a:t>
+              </a:r>
+            </a:p>
+          </p:txBody>
+        </p:sp>
+        <p:cxnSp>
+          <p:nvCxnSpPr>
+            <p:cNvPr id="19" name="直接箭头连接符 18">
+              <a:extLst>
+                <a:ext uri="{FF2B5EF4-FFF2-40B4-BE49-F238E27FC236}">
+                  <a16:creationId xmlns:a16="http://schemas.microsoft.com/office/drawing/2014/main" id="{DB3DD976-CA83-42A6-85E5-439D8CB372FD}"/>
+                </a:ext>
+              </a:extLst>
+            </p:cNvPr>
+            <p:cNvCxnSpPr/>
+            <p:nvPr/>
+          </p:nvCxnSpPr>
+          <p:spPr>
+            <a:xfrm>
+              <a:off x="9855819" y="2423031"/>
+              <a:ext cx="382859" cy="0"/>
+            </a:xfrm>
+            <a:prstGeom prst="straightConnector1">
+              <a:avLst/>
+            </a:prstGeom>
+            <a:ln w="76200">
+              <a:solidFill>
+                <a:schemeClr val="tx1"/>
+              </a:solidFill>
+              <a:tailEnd type="triangle"/>
+            </a:ln>
+          </p:spPr>
+          <p:style>
+            <a:lnRef idx="1">
+              <a:schemeClr val="accent1"/>
+            </a:lnRef>
+            <a:fillRef idx="0">
+              <a:schemeClr val="accent1"/>
+            </a:fillRef>
+            <a:effectRef idx="0">
+              <a:schemeClr val="accent1"/>
+            </a:effectRef>
+            <a:fontRef idx="minor">
+              <a:schemeClr val="tx1"/>
+            </a:fontRef>
+          </p:style>
+        </p:cxnSp>
       </p:grpSp>
     </p:spTree>
     <p:extLst>
@@ -4717,6 +4858,2335 @@
           <a:chExt cx="0" cy="0"/>
         </a:xfrm>
       </p:grpSpPr>
+      <p:graphicFrame>
+        <p:nvGraphicFramePr>
+          <p:cNvPr id="5" name="表格 4">
+            <a:extLst>
+              <a:ext uri="{FF2B5EF4-FFF2-40B4-BE49-F238E27FC236}">
+                <a16:creationId xmlns:a16="http://schemas.microsoft.com/office/drawing/2014/main" id="{AAA1A280-F70C-4833-82B8-C9B453268683}"/>
+              </a:ext>
+            </a:extLst>
+          </p:cNvPr>
+          <p:cNvGraphicFramePr>
+            <a:graphicFrameLocks noGrp="1"/>
+          </p:cNvGraphicFramePr>
+          <p:nvPr>
+            <p:extLst>
+              <p:ext uri="{D42A27DB-BD31-4B8C-83A1-F6EECF244321}">
+                <p14:modId xmlns:p14="http://schemas.microsoft.com/office/powerpoint/2010/main" val="161413386"/>
+              </p:ext>
+            </p:extLst>
+          </p:nvPr>
+        </p:nvGraphicFramePr>
+        <p:xfrm>
+          <a:off x="767644" y="2208466"/>
+          <a:ext cx="8128000" cy="2880000"/>
+        </p:xfrm>
+        <a:graphic>
+          <a:graphicData uri="http://schemas.openxmlformats.org/drawingml/2006/table">
+            <a:tbl>
+              <a:tblPr>
+                <a:tableStyleId>{5C22544A-7EE6-4342-B048-85BDC9FD1C3A}</a:tableStyleId>
+              </a:tblPr>
+              <a:tblGrid>
+                <a:gridCol w="914400">
+                  <a:extLst>
+                    <a:ext uri="{9D8B030D-6E8A-4147-A177-3AD203B41FA5}">
+                      <a16:colId xmlns:a16="http://schemas.microsoft.com/office/drawing/2014/main" val="1947307380"/>
+                    </a:ext>
+                  </a:extLst>
+                </a:gridCol>
+                <a:gridCol w="7213600">
+                  <a:extLst>
+                    <a:ext uri="{9D8B030D-6E8A-4147-A177-3AD203B41FA5}">
+                      <a16:colId xmlns:a16="http://schemas.microsoft.com/office/drawing/2014/main" val="3637326022"/>
+                    </a:ext>
+                  </a:extLst>
+                </a:gridCol>
+              </a:tblGrid>
+              <a:tr h="720000">
+                <a:tc>
+                  <a:txBody>
+                    <a:bodyPr/>
+                    <a:lstStyle/>
+                    <a:p>
+                      <a:pPr algn="ctr"/>
+                      <a:r>
+                        <a:rPr lang="en-US" altLang="zh-CN" dirty="0">
+                          <a:latin typeface="思源黑体" panose="020B0500000000000000" pitchFamily="34" charset="-122"/>
+                          <a:ea typeface="思源黑体" panose="020B0500000000000000" pitchFamily="34" charset="-122"/>
+                        </a:rPr>
+                        <a:t>0</a:t>
+                      </a:r>
+                      <a:r>
+                        <a:rPr lang="zh-CN" altLang="en-US" dirty="0">
+                          <a:latin typeface="思源黑体" panose="020B0500000000000000" pitchFamily="34" charset="-122"/>
+                          <a:ea typeface="思源黑体" panose="020B0500000000000000" pitchFamily="34" charset="-122"/>
+                        </a:rPr>
+                        <a:t>行</a:t>
+                      </a:r>
+                    </a:p>
+                  </a:txBody>
+                  <a:tcPr anchor="ctr">
+                    <a:lnL w="12700" cap="flat" cmpd="sng" algn="ctr">
+                      <a:solidFill>
+                        <a:schemeClr val="tx1"/>
+                      </a:solidFill>
+                      <a:prstDash val="solid"/>
+                      <a:round/>
+                      <a:headEnd type="none" w="med" len="med"/>
+                      <a:tailEnd type="none" w="med" len="med"/>
+                    </a:lnL>
+                    <a:lnR w="12700" cap="flat" cmpd="sng" algn="ctr">
+                      <a:solidFill>
+                        <a:schemeClr val="tx1"/>
+                      </a:solidFill>
+                      <a:prstDash val="solid"/>
+                      <a:round/>
+                      <a:headEnd type="none" w="med" len="med"/>
+                      <a:tailEnd type="none" w="med" len="med"/>
+                    </a:lnR>
+                    <a:lnT w="12700" cap="flat" cmpd="sng" algn="ctr">
+                      <a:solidFill>
+                        <a:schemeClr val="tx1"/>
+                      </a:solidFill>
+                      <a:prstDash val="solid"/>
+                      <a:round/>
+                      <a:headEnd type="none" w="med" len="med"/>
+                      <a:tailEnd type="none" w="med" len="med"/>
+                    </a:lnT>
+                    <a:lnB w="12700" cap="flat" cmpd="sng" algn="ctr">
+                      <a:solidFill>
+                        <a:schemeClr val="tx1"/>
+                      </a:solidFill>
+                      <a:prstDash val="solid"/>
+                      <a:round/>
+                      <a:headEnd type="none" w="med" len="med"/>
+                      <a:tailEnd type="none" w="med" len="med"/>
+                    </a:lnB>
+                    <a:noFill/>
+                  </a:tcPr>
+                </a:tc>
+                <a:tc>
+                  <a:txBody>
+                    <a:bodyPr/>
+                    <a:lstStyle/>
+                    <a:p>
+                      <a:pPr algn="ctr"/>
+                      <a:endParaRPr lang="zh-CN" altLang="en-US" dirty="0">
+                        <a:latin typeface="思源黑体" panose="020B0500000000000000" pitchFamily="34" charset="-122"/>
+                        <a:ea typeface="思源黑体" panose="020B0500000000000000" pitchFamily="34" charset="-122"/>
+                      </a:endParaRPr>
+                    </a:p>
+                  </a:txBody>
+                  <a:tcPr anchor="ctr">
+                    <a:lnL w="12700" cap="flat" cmpd="sng" algn="ctr">
+                      <a:solidFill>
+                        <a:schemeClr val="tx1"/>
+                      </a:solidFill>
+                      <a:prstDash val="solid"/>
+                      <a:round/>
+                      <a:headEnd type="none" w="med" len="med"/>
+                      <a:tailEnd type="none" w="med" len="med"/>
+                    </a:lnL>
+                    <a:lnR w="12700" cap="flat" cmpd="sng" algn="ctr">
+                      <a:solidFill>
+                        <a:schemeClr val="tx1"/>
+                      </a:solidFill>
+                      <a:prstDash val="solid"/>
+                      <a:round/>
+                      <a:headEnd type="none" w="med" len="med"/>
+                      <a:tailEnd type="none" w="med" len="med"/>
+                    </a:lnR>
+                    <a:lnT w="12700" cap="flat" cmpd="sng" algn="ctr">
+                      <a:solidFill>
+                        <a:schemeClr val="tx1"/>
+                      </a:solidFill>
+                      <a:prstDash val="solid"/>
+                      <a:round/>
+                      <a:headEnd type="none" w="med" len="med"/>
+                      <a:tailEnd type="none" w="med" len="med"/>
+                    </a:lnT>
+                    <a:lnB w="12700" cap="flat" cmpd="sng" algn="ctr">
+                      <a:solidFill>
+                        <a:schemeClr val="tx1"/>
+                      </a:solidFill>
+                      <a:prstDash val="solid"/>
+                      <a:round/>
+                      <a:headEnd type="none" w="med" len="med"/>
+                      <a:tailEnd type="none" w="med" len="med"/>
+                    </a:lnB>
+                    <a:noFill/>
+                  </a:tcPr>
+                </a:tc>
+                <a:extLst>
+                  <a:ext uri="{0D108BD9-81ED-4DB2-BD59-A6C34878D82A}">
+                    <a16:rowId xmlns:a16="http://schemas.microsoft.com/office/drawing/2014/main" val="2503841635"/>
+                  </a:ext>
+                </a:extLst>
+              </a:tr>
+              <a:tr h="720000">
+                <a:tc>
+                  <a:txBody>
+                    <a:bodyPr/>
+                    <a:lstStyle/>
+                    <a:p>
+                      <a:pPr algn="ctr"/>
+                      <a:r>
+                        <a:rPr lang="en-US" altLang="zh-CN" dirty="0">
+                          <a:latin typeface="思源黑体" panose="020B0500000000000000" pitchFamily="34" charset="-122"/>
+                          <a:ea typeface="思源黑体" panose="020B0500000000000000" pitchFamily="34" charset="-122"/>
+                        </a:rPr>
+                        <a:t>1</a:t>
+                      </a:r>
+                      <a:r>
+                        <a:rPr lang="zh-CN" altLang="en-US" dirty="0">
+                          <a:latin typeface="思源黑体" panose="020B0500000000000000" pitchFamily="34" charset="-122"/>
+                          <a:ea typeface="思源黑体" panose="020B0500000000000000" pitchFamily="34" charset="-122"/>
+                        </a:rPr>
+                        <a:t>行</a:t>
+                      </a:r>
+                    </a:p>
+                  </a:txBody>
+                  <a:tcPr anchor="ctr">
+                    <a:lnL w="12700" cap="flat" cmpd="sng" algn="ctr">
+                      <a:solidFill>
+                        <a:schemeClr val="tx1"/>
+                      </a:solidFill>
+                      <a:prstDash val="solid"/>
+                      <a:round/>
+                      <a:headEnd type="none" w="med" len="med"/>
+                      <a:tailEnd type="none" w="med" len="med"/>
+                    </a:lnL>
+                    <a:lnR w="12700" cap="flat" cmpd="sng" algn="ctr">
+                      <a:solidFill>
+                        <a:schemeClr val="tx1"/>
+                      </a:solidFill>
+                      <a:prstDash val="solid"/>
+                      <a:round/>
+                      <a:headEnd type="none" w="med" len="med"/>
+                      <a:tailEnd type="none" w="med" len="med"/>
+                    </a:lnR>
+                    <a:lnT w="12700" cap="flat" cmpd="sng" algn="ctr">
+                      <a:solidFill>
+                        <a:schemeClr val="tx1"/>
+                      </a:solidFill>
+                      <a:prstDash val="solid"/>
+                      <a:round/>
+                      <a:headEnd type="none" w="med" len="med"/>
+                      <a:tailEnd type="none" w="med" len="med"/>
+                    </a:lnT>
+                    <a:lnB w="12700" cap="flat" cmpd="sng" algn="ctr">
+                      <a:solidFill>
+                        <a:schemeClr val="tx1"/>
+                      </a:solidFill>
+                      <a:prstDash val="solid"/>
+                      <a:round/>
+                      <a:headEnd type="none" w="med" len="med"/>
+                      <a:tailEnd type="none" w="med" len="med"/>
+                    </a:lnB>
+                    <a:noFill/>
+                  </a:tcPr>
+                </a:tc>
+                <a:tc>
+                  <a:txBody>
+                    <a:bodyPr/>
+                    <a:lstStyle/>
+                    <a:p>
+                      <a:pPr algn="ctr"/>
+                      <a:endParaRPr lang="zh-CN" altLang="en-US" dirty="0">
+                        <a:latin typeface="思源黑体" panose="020B0500000000000000" pitchFamily="34" charset="-122"/>
+                        <a:ea typeface="思源黑体" panose="020B0500000000000000" pitchFamily="34" charset="-122"/>
+                      </a:endParaRPr>
+                    </a:p>
+                  </a:txBody>
+                  <a:tcPr anchor="ctr">
+                    <a:lnL w="12700" cap="flat" cmpd="sng" algn="ctr">
+                      <a:solidFill>
+                        <a:schemeClr val="tx1"/>
+                      </a:solidFill>
+                      <a:prstDash val="solid"/>
+                      <a:round/>
+                      <a:headEnd type="none" w="med" len="med"/>
+                      <a:tailEnd type="none" w="med" len="med"/>
+                    </a:lnL>
+                    <a:lnR w="12700" cap="flat" cmpd="sng" algn="ctr">
+                      <a:solidFill>
+                        <a:schemeClr val="tx1"/>
+                      </a:solidFill>
+                      <a:prstDash val="solid"/>
+                      <a:round/>
+                      <a:headEnd type="none" w="med" len="med"/>
+                      <a:tailEnd type="none" w="med" len="med"/>
+                    </a:lnR>
+                    <a:lnT w="12700" cap="flat" cmpd="sng" algn="ctr">
+                      <a:solidFill>
+                        <a:schemeClr val="tx1"/>
+                      </a:solidFill>
+                      <a:prstDash val="solid"/>
+                      <a:round/>
+                      <a:headEnd type="none" w="med" len="med"/>
+                      <a:tailEnd type="none" w="med" len="med"/>
+                    </a:lnT>
+                    <a:lnB w="12700" cap="flat" cmpd="sng" algn="ctr">
+                      <a:solidFill>
+                        <a:schemeClr val="tx1"/>
+                      </a:solidFill>
+                      <a:prstDash val="solid"/>
+                      <a:round/>
+                      <a:headEnd type="none" w="med" len="med"/>
+                      <a:tailEnd type="none" w="med" len="med"/>
+                    </a:lnB>
+                    <a:noFill/>
+                  </a:tcPr>
+                </a:tc>
+                <a:extLst>
+                  <a:ext uri="{0D108BD9-81ED-4DB2-BD59-A6C34878D82A}">
+                    <a16:rowId xmlns:a16="http://schemas.microsoft.com/office/drawing/2014/main" val="2856133555"/>
+                  </a:ext>
+                </a:extLst>
+              </a:tr>
+              <a:tr h="720000">
+                <a:tc>
+                  <a:txBody>
+                    <a:bodyPr/>
+                    <a:lstStyle/>
+                    <a:p>
+                      <a:pPr algn="ctr"/>
+                      <a:r>
+                        <a:rPr lang="en-US" altLang="zh-CN" dirty="0">
+                          <a:latin typeface="思源黑体" panose="020B0500000000000000" pitchFamily="34" charset="-122"/>
+                          <a:ea typeface="思源黑体" panose="020B0500000000000000" pitchFamily="34" charset="-122"/>
+                        </a:rPr>
+                        <a:t>2</a:t>
+                      </a:r>
+                      <a:r>
+                        <a:rPr lang="zh-CN" altLang="en-US" dirty="0">
+                          <a:latin typeface="思源黑体" panose="020B0500000000000000" pitchFamily="34" charset="-122"/>
+                          <a:ea typeface="思源黑体" panose="020B0500000000000000" pitchFamily="34" charset="-122"/>
+                        </a:rPr>
+                        <a:t>行</a:t>
+                      </a:r>
+                    </a:p>
+                  </a:txBody>
+                  <a:tcPr anchor="ctr">
+                    <a:lnL w="12700" cap="flat" cmpd="sng" algn="ctr">
+                      <a:solidFill>
+                        <a:schemeClr val="tx1"/>
+                      </a:solidFill>
+                      <a:prstDash val="solid"/>
+                      <a:round/>
+                      <a:headEnd type="none" w="med" len="med"/>
+                      <a:tailEnd type="none" w="med" len="med"/>
+                    </a:lnL>
+                    <a:lnR w="12700" cap="flat" cmpd="sng" algn="ctr">
+                      <a:solidFill>
+                        <a:schemeClr val="tx1"/>
+                      </a:solidFill>
+                      <a:prstDash val="solid"/>
+                      <a:round/>
+                      <a:headEnd type="none" w="med" len="med"/>
+                      <a:tailEnd type="none" w="med" len="med"/>
+                    </a:lnR>
+                    <a:lnT w="12700" cap="flat" cmpd="sng" algn="ctr">
+                      <a:solidFill>
+                        <a:schemeClr val="tx1"/>
+                      </a:solidFill>
+                      <a:prstDash val="solid"/>
+                      <a:round/>
+                      <a:headEnd type="none" w="med" len="med"/>
+                      <a:tailEnd type="none" w="med" len="med"/>
+                    </a:lnT>
+                    <a:lnB w="12700" cap="flat" cmpd="sng" algn="ctr">
+                      <a:solidFill>
+                        <a:schemeClr val="tx1"/>
+                      </a:solidFill>
+                      <a:prstDash val="solid"/>
+                      <a:round/>
+                      <a:headEnd type="none" w="med" len="med"/>
+                      <a:tailEnd type="none" w="med" len="med"/>
+                    </a:lnB>
+                    <a:noFill/>
+                  </a:tcPr>
+                </a:tc>
+                <a:tc>
+                  <a:txBody>
+                    <a:bodyPr/>
+                    <a:lstStyle/>
+                    <a:p>
+                      <a:pPr algn="ctr"/>
+                      <a:endParaRPr lang="zh-CN" altLang="en-US">
+                        <a:latin typeface="思源黑体" panose="020B0500000000000000" pitchFamily="34" charset="-122"/>
+                        <a:ea typeface="思源黑体" panose="020B0500000000000000" pitchFamily="34" charset="-122"/>
+                      </a:endParaRPr>
+                    </a:p>
+                  </a:txBody>
+                  <a:tcPr anchor="ctr">
+                    <a:lnL w="12700" cap="flat" cmpd="sng" algn="ctr">
+                      <a:solidFill>
+                        <a:schemeClr val="tx1"/>
+                      </a:solidFill>
+                      <a:prstDash val="solid"/>
+                      <a:round/>
+                      <a:headEnd type="none" w="med" len="med"/>
+                      <a:tailEnd type="none" w="med" len="med"/>
+                    </a:lnL>
+                    <a:lnR w="12700" cap="flat" cmpd="sng" algn="ctr">
+                      <a:solidFill>
+                        <a:schemeClr val="tx1"/>
+                      </a:solidFill>
+                      <a:prstDash val="solid"/>
+                      <a:round/>
+                      <a:headEnd type="none" w="med" len="med"/>
+                      <a:tailEnd type="none" w="med" len="med"/>
+                    </a:lnR>
+                    <a:lnT w="12700" cap="flat" cmpd="sng" algn="ctr">
+                      <a:solidFill>
+                        <a:schemeClr val="tx1"/>
+                      </a:solidFill>
+                      <a:prstDash val="solid"/>
+                      <a:round/>
+                      <a:headEnd type="none" w="med" len="med"/>
+                      <a:tailEnd type="none" w="med" len="med"/>
+                    </a:lnT>
+                    <a:lnB w="12700" cap="flat" cmpd="sng" algn="ctr">
+                      <a:solidFill>
+                        <a:schemeClr val="tx1"/>
+                      </a:solidFill>
+                      <a:prstDash val="solid"/>
+                      <a:round/>
+                      <a:headEnd type="none" w="med" len="med"/>
+                      <a:tailEnd type="none" w="med" len="med"/>
+                    </a:lnB>
+                    <a:noFill/>
+                  </a:tcPr>
+                </a:tc>
+                <a:extLst>
+                  <a:ext uri="{0D108BD9-81ED-4DB2-BD59-A6C34878D82A}">
+                    <a16:rowId xmlns:a16="http://schemas.microsoft.com/office/drawing/2014/main" val="1630543869"/>
+                  </a:ext>
+                </a:extLst>
+              </a:tr>
+              <a:tr h="720000">
+                <a:tc>
+                  <a:txBody>
+                    <a:bodyPr/>
+                    <a:lstStyle/>
+                    <a:p>
+                      <a:pPr algn="ctr"/>
+                      <a:r>
+                        <a:rPr lang="en-US" altLang="zh-CN" dirty="0">
+                          <a:latin typeface="思源黑体" panose="020B0500000000000000" pitchFamily="34" charset="-122"/>
+                          <a:ea typeface="思源黑体" panose="020B0500000000000000" pitchFamily="34" charset="-122"/>
+                        </a:rPr>
+                        <a:t>3</a:t>
+                      </a:r>
+                      <a:r>
+                        <a:rPr lang="zh-CN" altLang="en-US" dirty="0">
+                          <a:latin typeface="思源黑体" panose="020B0500000000000000" pitchFamily="34" charset="-122"/>
+                          <a:ea typeface="思源黑体" panose="020B0500000000000000" pitchFamily="34" charset="-122"/>
+                        </a:rPr>
+                        <a:t>行</a:t>
+                      </a:r>
+                    </a:p>
+                  </a:txBody>
+                  <a:tcPr anchor="ctr">
+                    <a:lnL w="12700" cap="flat" cmpd="sng" algn="ctr">
+                      <a:solidFill>
+                        <a:schemeClr val="tx1"/>
+                      </a:solidFill>
+                      <a:prstDash val="solid"/>
+                      <a:round/>
+                      <a:headEnd type="none" w="med" len="med"/>
+                      <a:tailEnd type="none" w="med" len="med"/>
+                    </a:lnL>
+                    <a:lnR w="12700" cap="flat" cmpd="sng" algn="ctr">
+                      <a:solidFill>
+                        <a:schemeClr val="tx1"/>
+                      </a:solidFill>
+                      <a:prstDash val="solid"/>
+                      <a:round/>
+                      <a:headEnd type="none" w="med" len="med"/>
+                      <a:tailEnd type="none" w="med" len="med"/>
+                    </a:lnR>
+                    <a:lnT w="12700" cap="flat" cmpd="sng" algn="ctr">
+                      <a:solidFill>
+                        <a:schemeClr val="tx1"/>
+                      </a:solidFill>
+                      <a:prstDash val="solid"/>
+                      <a:round/>
+                      <a:headEnd type="none" w="med" len="med"/>
+                      <a:tailEnd type="none" w="med" len="med"/>
+                    </a:lnT>
+                    <a:lnB w="12700" cap="flat" cmpd="sng" algn="ctr">
+                      <a:solidFill>
+                        <a:schemeClr val="tx1"/>
+                      </a:solidFill>
+                      <a:prstDash val="solid"/>
+                      <a:round/>
+                      <a:headEnd type="none" w="med" len="med"/>
+                      <a:tailEnd type="none" w="med" len="med"/>
+                    </a:lnB>
+                    <a:noFill/>
+                  </a:tcPr>
+                </a:tc>
+                <a:tc>
+                  <a:txBody>
+                    <a:bodyPr/>
+                    <a:lstStyle/>
+                    <a:p>
+                      <a:pPr algn="ctr"/>
+                      <a:endParaRPr lang="zh-CN" altLang="en-US" dirty="0">
+                        <a:latin typeface="思源黑体" panose="020B0500000000000000" pitchFamily="34" charset="-122"/>
+                        <a:ea typeface="思源黑体" panose="020B0500000000000000" pitchFamily="34" charset="-122"/>
+                      </a:endParaRPr>
+                    </a:p>
+                  </a:txBody>
+                  <a:tcPr anchor="ctr">
+                    <a:lnL w="12700" cap="flat" cmpd="sng" algn="ctr">
+                      <a:solidFill>
+                        <a:schemeClr val="tx1"/>
+                      </a:solidFill>
+                      <a:prstDash val="solid"/>
+                      <a:round/>
+                      <a:headEnd type="none" w="med" len="med"/>
+                      <a:tailEnd type="none" w="med" len="med"/>
+                    </a:lnL>
+                    <a:lnR w="12700" cap="flat" cmpd="sng" algn="ctr">
+                      <a:solidFill>
+                        <a:schemeClr val="tx1"/>
+                      </a:solidFill>
+                      <a:prstDash val="solid"/>
+                      <a:round/>
+                      <a:headEnd type="none" w="med" len="med"/>
+                      <a:tailEnd type="none" w="med" len="med"/>
+                    </a:lnR>
+                    <a:lnT w="12700" cap="flat" cmpd="sng" algn="ctr">
+                      <a:solidFill>
+                        <a:schemeClr val="tx1"/>
+                      </a:solidFill>
+                      <a:prstDash val="solid"/>
+                      <a:round/>
+                      <a:headEnd type="none" w="med" len="med"/>
+                      <a:tailEnd type="none" w="med" len="med"/>
+                    </a:lnT>
+                    <a:lnB w="12700" cap="flat" cmpd="sng" algn="ctr">
+                      <a:solidFill>
+                        <a:schemeClr val="tx1"/>
+                      </a:solidFill>
+                      <a:prstDash val="solid"/>
+                      <a:round/>
+                      <a:headEnd type="none" w="med" len="med"/>
+                      <a:tailEnd type="none" w="med" len="med"/>
+                    </a:lnB>
+                    <a:noFill/>
+                  </a:tcPr>
+                </a:tc>
+                <a:extLst>
+                  <a:ext uri="{0D108BD9-81ED-4DB2-BD59-A6C34878D82A}">
+                    <a16:rowId xmlns:a16="http://schemas.microsoft.com/office/drawing/2014/main" val="2957261885"/>
+                  </a:ext>
+                </a:extLst>
+              </a:tr>
+            </a:tbl>
+          </a:graphicData>
+        </a:graphic>
+      </p:graphicFrame>
+      <p:graphicFrame>
+        <p:nvGraphicFramePr>
+          <p:cNvPr id="4" name="表格 3">
+            <a:extLst>
+              <a:ext uri="{FF2B5EF4-FFF2-40B4-BE49-F238E27FC236}">
+                <a16:creationId xmlns:a16="http://schemas.microsoft.com/office/drawing/2014/main" id="{B989D21E-1BCF-4B95-B566-385806348248}"/>
+              </a:ext>
+            </a:extLst>
+          </p:cNvPr>
+          <p:cNvGraphicFramePr>
+            <a:graphicFrameLocks noGrp="1"/>
+          </p:cNvGraphicFramePr>
+          <p:nvPr>
+            <p:extLst>
+              <p:ext uri="{D42A27DB-BD31-4B8C-83A1-F6EECF244321}">
+                <p14:modId xmlns:p14="http://schemas.microsoft.com/office/powerpoint/2010/main" val="86159961"/>
+              </p:ext>
+            </p:extLst>
+          </p:nvPr>
+        </p:nvGraphicFramePr>
+        <p:xfrm>
+          <a:off x="1981199" y="2375466"/>
+          <a:ext cx="6480000" cy="370840"/>
+        </p:xfrm>
+        <a:graphic>
+          <a:graphicData uri="http://schemas.openxmlformats.org/drawingml/2006/table">
+            <a:tbl>
+              <a:tblPr bandRow="1">
+                <a:tableStyleId>{5C22544A-7EE6-4342-B048-85BDC9FD1C3A}</a:tableStyleId>
+              </a:tblPr>
+              <a:tblGrid>
+                <a:gridCol w="1080000">
+                  <a:extLst>
+                    <a:ext uri="{9D8B030D-6E8A-4147-A177-3AD203B41FA5}">
+                      <a16:colId xmlns:a16="http://schemas.microsoft.com/office/drawing/2014/main" val="2571418795"/>
+                    </a:ext>
+                  </a:extLst>
+                </a:gridCol>
+                <a:gridCol w="1080000">
+                  <a:extLst>
+                    <a:ext uri="{9D8B030D-6E8A-4147-A177-3AD203B41FA5}">
+                      <a16:colId xmlns:a16="http://schemas.microsoft.com/office/drawing/2014/main" val="1548189386"/>
+                    </a:ext>
+                  </a:extLst>
+                </a:gridCol>
+                <a:gridCol w="1080000">
+                  <a:extLst>
+                    <a:ext uri="{9D8B030D-6E8A-4147-A177-3AD203B41FA5}">
+                      <a16:colId xmlns:a16="http://schemas.microsoft.com/office/drawing/2014/main" val="3676229636"/>
+                    </a:ext>
+                  </a:extLst>
+                </a:gridCol>
+                <a:gridCol w="1080000">
+                  <a:extLst>
+                    <a:ext uri="{9D8B030D-6E8A-4147-A177-3AD203B41FA5}">
+                      <a16:colId xmlns:a16="http://schemas.microsoft.com/office/drawing/2014/main" val="3009619982"/>
+                    </a:ext>
+                  </a:extLst>
+                </a:gridCol>
+                <a:gridCol w="1080000">
+                  <a:extLst>
+                    <a:ext uri="{9D8B030D-6E8A-4147-A177-3AD203B41FA5}">
+                      <a16:colId xmlns:a16="http://schemas.microsoft.com/office/drawing/2014/main" val="2141454168"/>
+                    </a:ext>
+                  </a:extLst>
+                </a:gridCol>
+                <a:gridCol w="1080000">
+                  <a:extLst>
+                    <a:ext uri="{9D8B030D-6E8A-4147-A177-3AD203B41FA5}">
+                      <a16:colId xmlns:a16="http://schemas.microsoft.com/office/drawing/2014/main" val="3779164980"/>
+                    </a:ext>
+                  </a:extLst>
+                </a:gridCol>
+              </a:tblGrid>
+              <a:tr h="370840">
+                <a:tc>
+                  <a:txBody>
+                    <a:bodyPr/>
+                    <a:lstStyle/>
+                    <a:p>
+                      <a:r>
+                        <a:rPr lang="en-US" altLang="zh-CN" dirty="0">
+                          <a:latin typeface="思源黑体" panose="020B0500000000000000" pitchFamily="34" charset="-122"/>
+                          <a:ea typeface="思源黑体" panose="020B0500000000000000" pitchFamily="34" charset="-122"/>
+                        </a:rPr>
+                        <a:t>Map[0,1]</a:t>
+                      </a:r>
+                      <a:endParaRPr lang="zh-CN" altLang="en-US" dirty="0">
+                        <a:latin typeface="思源黑体" panose="020B0500000000000000" pitchFamily="34" charset="-122"/>
+                        <a:ea typeface="思源黑体" panose="020B0500000000000000" pitchFamily="34" charset="-122"/>
+                      </a:endParaRPr>
+                    </a:p>
+                  </a:txBody>
+                  <a:tcPr>
+                    <a:lnL w="12700" cap="flat" cmpd="sng" algn="ctr">
+                      <a:solidFill>
+                        <a:schemeClr val="tx1"/>
+                      </a:solidFill>
+                      <a:prstDash val="solid"/>
+                      <a:round/>
+                      <a:headEnd type="none" w="med" len="med"/>
+                      <a:tailEnd type="none" w="med" len="med"/>
+                    </a:lnL>
+                    <a:lnR w="12700" cap="flat" cmpd="sng" algn="ctr">
+                      <a:solidFill>
+                        <a:schemeClr val="tx1"/>
+                      </a:solidFill>
+                      <a:prstDash val="solid"/>
+                      <a:round/>
+                      <a:headEnd type="none" w="med" len="med"/>
+                      <a:tailEnd type="none" w="med" len="med"/>
+                    </a:lnR>
+                    <a:lnT w="12700" cap="flat" cmpd="sng" algn="ctr">
+                      <a:solidFill>
+                        <a:schemeClr val="tx1"/>
+                      </a:solidFill>
+                      <a:prstDash val="solid"/>
+                      <a:round/>
+                      <a:headEnd type="none" w="med" len="med"/>
+                      <a:tailEnd type="none" w="med" len="med"/>
+                    </a:lnT>
+                    <a:lnB w="12700" cap="flat" cmpd="sng" algn="ctr">
+                      <a:solidFill>
+                        <a:schemeClr val="tx1"/>
+                      </a:solidFill>
+                      <a:prstDash val="solid"/>
+                      <a:round/>
+                      <a:headEnd type="none" w="med" len="med"/>
+                      <a:tailEnd type="none" w="med" len="med"/>
+                    </a:lnB>
+                    <a:noFill/>
+                  </a:tcPr>
+                </a:tc>
+                <a:tc>
+                  <a:txBody>
+                    <a:bodyPr/>
+                    <a:lstStyle/>
+                    <a:p>
+                      <a:r>
+                        <a:rPr lang="en-US" altLang="zh-CN" dirty="0">
+                          <a:latin typeface="思源黑体" panose="020B0500000000000000" pitchFamily="34" charset="-122"/>
+                          <a:ea typeface="思源黑体" panose="020B0500000000000000" pitchFamily="34" charset="-122"/>
+                        </a:rPr>
+                        <a:t>Map[0,2]</a:t>
+                      </a:r>
+                    </a:p>
+                  </a:txBody>
+                  <a:tcPr>
+                    <a:lnL w="12700" cap="flat" cmpd="sng" algn="ctr">
+                      <a:solidFill>
+                        <a:schemeClr val="tx1"/>
+                      </a:solidFill>
+                      <a:prstDash val="solid"/>
+                      <a:round/>
+                      <a:headEnd type="none" w="med" len="med"/>
+                      <a:tailEnd type="none" w="med" len="med"/>
+                    </a:lnL>
+                    <a:lnR w="12700" cap="flat" cmpd="sng" algn="ctr">
+                      <a:solidFill>
+                        <a:schemeClr val="tx1"/>
+                      </a:solidFill>
+                      <a:prstDash val="solid"/>
+                      <a:round/>
+                      <a:headEnd type="none" w="med" len="med"/>
+                      <a:tailEnd type="none" w="med" len="med"/>
+                    </a:lnR>
+                    <a:lnT w="12700" cap="flat" cmpd="sng" algn="ctr">
+                      <a:solidFill>
+                        <a:schemeClr val="tx1"/>
+                      </a:solidFill>
+                      <a:prstDash val="solid"/>
+                      <a:round/>
+                      <a:headEnd type="none" w="med" len="med"/>
+                      <a:tailEnd type="none" w="med" len="med"/>
+                    </a:lnT>
+                    <a:lnB w="12700" cap="flat" cmpd="sng" algn="ctr">
+                      <a:solidFill>
+                        <a:schemeClr val="tx1"/>
+                      </a:solidFill>
+                      <a:prstDash val="solid"/>
+                      <a:round/>
+                      <a:headEnd type="none" w="med" len="med"/>
+                      <a:tailEnd type="none" w="med" len="med"/>
+                    </a:lnB>
+                    <a:noFill/>
+                  </a:tcPr>
+                </a:tc>
+                <a:tc>
+                  <a:txBody>
+                    <a:bodyPr/>
+                    <a:lstStyle/>
+                    <a:p>
+                      <a:r>
+                        <a:rPr lang="en-US" altLang="zh-CN" dirty="0">
+                          <a:latin typeface="思源黑体" panose="020B0500000000000000" pitchFamily="34" charset="-122"/>
+                          <a:ea typeface="思源黑体" panose="020B0500000000000000" pitchFamily="34" charset="-122"/>
+                        </a:rPr>
+                        <a:t>Map[0,3]</a:t>
+                      </a:r>
+                      <a:endParaRPr lang="zh-CN" altLang="en-US" dirty="0">
+                        <a:latin typeface="思源黑体" panose="020B0500000000000000" pitchFamily="34" charset="-122"/>
+                        <a:ea typeface="思源黑体" panose="020B0500000000000000" pitchFamily="34" charset="-122"/>
+                      </a:endParaRPr>
+                    </a:p>
+                  </a:txBody>
+                  <a:tcPr>
+                    <a:lnL w="12700" cap="flat" cmpd="sng" algn="ctr">
+                      <a:solidFill>
+                        <a:schemeClr val="tx1"/>
+                      </a:solidFill>
+                      <a:prstDash val="solid"/>
+                      <a:round/>
+                      <a:headEnd type="none" w="med" len="med"/>
+                      <a:tailEnd type="none" w="med" len="med"/>
+                    </a:lnL>
+                    <a:lnR w="12700" cap="flat" cmpd="sng" algn="ctr">
+                      <a:solidFill>
+                        <a:schemeClr val="tx1"/>
+                      </a:solidFill>
+                      <a:prstDash val="solid"/>
+                      <a:round/>
+                      <a:headEnd type="none" w="med" len="med"/>
+                      <a:tailEnd type="none" w="med" len="med"/>
+                    </a:lnR>
+                    <a:lnT w="12700" cap="flat" cmpd="sng" algn="ctr">
+                      <a:solidFill>
+                        <a:schemeClr val="tx1"/>
+                      </a:solidFill>
+                      <a:prstDash val="solid"/>
+                      <a:round/>
+                      <a:headEnd type="none" w="med" len="med"/>
+                      <a:tailEnd type="none" w="med" len="med"/>
+                    </a:lnT>
+                    <a:lnB w="12700" cap="flat" cmpd="sng" algn="ctr">
+                      <a:solidFill>
+                        <a:schemeClr val="tx1"/>
+                      </a:solidFill>
+                      <a:prstDash val="solid"/>
+                      <a:round/>
+                      <a:headEnd type="none" w="med" len="med"/>
+                      <a:tailEnd type="none" w="med" len="med"/>
+                    </a:lnB>
+                    <a:noFill/>
+                  </a:tcPr>
+                </a:tc>
+                <a:tc>
+                  <a:txBody>
+                    <a:bodyPr/>
+                    <a:lstStyle/>
+                    <a:p>
+                      <a:r>
+                        <a:rPr lang="en-US" altLang="zh-CN" dirty="0">
+                          <a:latin typeface="思源黑体" panose="020B0500000000000000" pitchFamily="34" charset="-122"/>
+                          <a:ea typeface="思源黑体" panose="020B0500000000000000" pitchFamily="34" charset="-122"/>
+                        </a:rPr>
+                        <a:t>Map[0,4]</a:t>
+                      </a:r>
+                      <a:endParaRPr lang="zh-CN" altLang="en-US" dirty="0">
+                        <a:latin typeface="思源黑体" panose="020B0500000000000000" pitchFamily="34" charset="-122"/>
+                        <a:ea typeface="思源黑体" panose="020B0500000000000000" pitchFamily="34" charset="-122"/>
+                      </a:endParaRPr>
+                    </a:p>
+                  </a:txBody>
+                  <a:tcPr>
+                    <a:lnL w="12700" cap="flat" cmpd="sng" algn="ctr">
+                      <a:solidFill>
+                        <a:schemeClr val="tx1"/>
+                      </a:solidFill>
+                      <a:prstDash val="solid"/>
+                      <a:round/>
+                      <a:headEnd type="none" w="med" len="med"/>
+                      <a:tailEnd type="none" w="med" len="med"/>
+                    </a:lnL>
+                    <a:lnR w="12700" cap="flat" cmpd="sng" algn="ctr">
+                      <a:solidFill>
+                        <a:schemeClr val="tx1"/>
+                      </a:solidFill>
+                      <a:prstDash val="solid"/>
+                      <a:round/>
+                      <a:headEnd type="none" w="med" len="med"/>
+                      <a:tailEnd type="none" w="med" len="med"/>
+                    </a:lnR>
+                    <a:lnT w="12700" cap="flat" cmpd="sng" algn="ctr">
+                      <a:solidFill>
+                        <a:schemeClr val="tx1"/>
+                      </a:solidFill>
+                      <a:prstDash val="solid"/>
+                      <a:round/>
+                      <a:headEnd type="none" w="med" len="med"/>
+                      <a:tailEnd type="none" w="med" len="med"/>
+                    </a:lnT>
+                    <a:lnB w="12700" cap="flat" cmpd="sng" algn="ctr">
+                      <a:solidFill>
+                        <a:schemeClr val="tx1"/>
+                      </a:solidFill>
+                      <a:prstDash val="solid"/>
+                      <a:round/>
+                      <a:headEnd type="none" w="med" len="med"/>
+                      <a:tailEnd type="none" w="med" len="med"/>
+                    </a:lnB>
+                    <a:noFill/>
+                  </a:tcPr>
+                </a:tc>
+                <a:tc>
+                  <a:txBody>
+                    <a:bodyPr/>
+                    <a:lstStyle/>
+                    <a:p>
+                      <a:r>
+                        <a:rPr lang="en-US" altLang="zh-CN" dirty="0">
+                          <a:latin typeface="思源黑体" panose="020B0500000000000000" pitchFamily="34" charset="-122"/>
+                          <a:ea typeface="思源黑体" panose="020B0500000000000000" pitchFamily="34" charset="-122"/>
+                        </a:rPr>
+                        <a:t>Map[0,5]</a:t>
+                      </a:r>
+                      <a:endParaRPr lang="zh-CN" altLang="en-US" dirty="0">
+                        <a:latin typeface="思源黑体" panose="020B0500000000000000" pitchFamily="34" charset="-122"/>
+                        <a:ea typeface="思源黑体" panose="020B0500000000000000" pitchFamily="34" charset="-122"/>
+                      </a:endParaRPr>
+                    </a:p>
+                  </a:txBody>
+                  <a:tcPr>
+                    <a:lnL w="12700" cap="flat" cmpd="sng" algn="ctr">
+                      <a:solidFill>
+                        <a:schemeClr val="tx1"/>
+                      </a:solidFill>
+                      <a:prstDash val="solid"/>
+                      <a:round/>
+                      <a:headEnd type="none" w="med" len="med"/>
+                      <a:tailEnd type="none" w="med" len="med"/>
+                    </a:lnL>
+                    <a:lnR w="12700" cap="flat" cmpd="sng" algn="ctr">
+                      <a:solidFill>
+                        <a:schemeClr val="tx1"/>
+                      </a:solidFill>
+                      <a:prstDash val="solid"/>
+                      <a:round/>
+                      <a:headEnd type="none" w="med" len="med"/>
+                      <a:tailEnd type="none" w="med" len="med"/>
+                    </a:lnR>
+                    <a:lnT w="12700" cap="flat" cmpd="sng" algn="ctr">
+                      <a:solidFill>
+                        <a:schemeClr val="tx1"/>
+                      </a:solidFill>
+                      <a:prstDash val="solid"/>
+                      <a:round/>
+                      <a:headEnd type="none" w="med" len="med"/>
+                      <a:tailEnd type="none" w="med" len="med"/>
+                    </a:lnT>
+                    <a:lnB w="12700" cap="flat" cmpd="sng" algn="ctr">
+                      <a:solidFill>
+                        <a:schemeClr val="tx1"/>
+                      </a:solidFill>
+                      <a:prstDash val="solid"/>
+                      <a:round/>
+                      <a:headEnd type="none" w="med" len="med"/>
+                      <a:tailEnd type="none" w="med" len="med"/>
+                    </a:lnB>
+                    <a:noFill/>
+                  </a:tcPr>
+                </a:tc>
+                <a:tc>
+                  <a:txBody>
+                    <a:bodyPr/>
+                    <a:lstStyle/>
+                    <a:p>
+                      <a:r>
+                        <a:rPr lang="en-US" altLang="zh-CN" dirty="0">
+                          <a:latin typeface="思源黑体" panose="020B0500000000000000" pitchFamily="34" charset="-122"/>
+                          <a:ea typeface="思源黑体" panose="020B0500000000000000" pitchFamily="34" charset="-122"/>
+                        </a:rPr>
+                        <a:t>……</a:t>
+                      </a:r>
+                      <a:endParaRPr lang="zh-CN" altLang="en-US" dirty="0">
+                        <a:latin typeface="思源黑体" panose="020B0500000000000000" pitchFamily="34" charset="-122"/>
+                        <a:ea typeface="思源黑体" panose="020B0500000000000000" pitchFamily="34" charset="-122"/>
+                      </a:endParaRPr>
+                    </a:p>
+                  </a:txBody>
+                  <a:tcPr>
+                    <a:lnL w="12700" cap="flat" cmpd="sng" algn="ctr">
+                      <a:solidFill>
+                        <a:schemeClr val="tx1"/>
+                      </a:solidFill>
+                      <a:prstDash val="solid"/>
+                      <a:round/>
+                      <a:headEnd type="none" w="med" len="med"/>
+                      <a:tailEnd type="none" w="med" len="med"/>
+                    </a:lnL>
+                    <a:lnR w="12700" cap="flat" cmpd="sng" algn="ctr">
+                      <a:solidFill>
+                        <a:schemeClr val="tx1"/>
+                      </a:solidFill>
+                      <a:prstDash val="solid"/>
+                      <a:round/>
+                      <a:headEnd type="none" w="med" len="med"/>
+                      <a:tailEnd type="none" w="med" len="med"/>
+                    </a:lnR>
+                    <a:lnT w="12700" cap="flat" cmpd="sng" algn="ctr">
+                      <a:solidFill>
+                        <a:schemeClr val="tx1"/>
+                      </a:solidFill>
+                      <a:prstDash val="solid"/>
+                      <a:round/>
+                      <a:headEnd type="none" w="med" len="med"/>
+                      <a:tailEnd type="none" w="med" len="med"/>
+                    </a:lnT>
+                    <a:lnB w="12700" cap="flat" cmpd="sng" algn="ctr">
+                      <a:solidFill>
+                        <a:schemeClr val="tx1"/>
+                      </a:solidFill>
+                      <a:prstDash val="solid"/>
+                      <a:round/>
+                      <a:headEnd type="none" w="med" len="med"/>
+                      <a:tailEnd type="none" w="med" len="med"/>
+                    </a:lnB>
+                    <a:noFill/>
+                  </a:tcPr>
+                </a:tc>
+                <a:extLst>
+                  <a:ext uri="{0D108BD9-81ED-4DB2-BD59-A6C34878D82A}">
+                    <a16:rowId xmlns:a16="http://schemas.microsoft.com/office/drawing/2014/main" val="3394786632"/>
+                  </a:ext>
+                </a:extLst>
+              </a:tr>
+            </a:tbl>
+          </a:graphicData>
+        </a:graphic>
+      </p:graphicFrame>
+      <p:graphicFrame>
+        <p:nvGraphicFramePr>
+          <p:cNvPr id="6" name="表格 5">
+            <a:extLst>
+              <a:ext uri="{FF2B5EF4-FFF2-40B4-BE49-F238E27FC236}">
+                <a16:creationId xmlns:a16="http://schemas.microsoft.com/office/drawing/2014/main" id="{594B67A6-166B-41B0-82A0-DE10E86030FC}"/>
+              </a:ext>
+            </a:extLst>
+          </p:cNvPr>
+          <p:cNvGraphicFramePr>
+            <a:graphicFrameLocks noGrp="1"/>
+          </p:cNvGraphicFramePr>
+          <p:nvPr>
+            <p:extLst>
+              <p:ext uri="{D42A27DB-BD31-4B8C-83A1-F6EECF244321}">
+                <p14:modId xmlns:p14="http://schemas.microsoft.com/office/powerpoint/2010/main" val="3618845185"/>
+              </p:ext>
+            </p:extLst>
+          </p:nvPr>
+        </p:nvGraphicFramePr>
+        <p:xfrm>
+          <a:off x="1981199" y="3096652"/>
+          <a:ext cx="6480000" cy="370840"/>
+        </p:xfrm>
+        <a:graphic>
+          <a:graphicData uri="http://schemas.openxmlformats.org/drawingml/2006/table">
+            <a:tbl>
+              <a:tblPr bandRow="1">
+                <a:tableStyleId>{5C22544A-7EE6-4342-B048-85BDC9FD1C3A}</a:tableStyleId>
+              </a:tblPr>
+              <a:tblGrid>
+                <a:gridCol w="1080000">
+                  <a:extLst>
+                    <a:ext uri="{9D8B030D-6E8A-4147-A177-3AD203B41FA5}">
+                      <a16:colId xmlns:a16="http://schemas.microsoft.com/office/drawing/2014/main" val="2571418795"/>
+                    </a:ext>
+                  </a:extLst>
+                </a:gridCol>
+                <a:gridCol w="1080000">
+                  <a:extLst>
+                    <a:ext uri="{9D8B030D-6E8A-4147-A177-3AD203B41FA5}">
+                      <a16:colId xmlns:a16="http://schemas.microsoft.com/office/drawing/2014/main" val="1548189386"/>
+                    </a:ext>
+                  </a:extLst>
+                </a:gridCol>
+                <a:gridCol w="1080000">
+                  <a:extLst>
+                    <a:ext uri="{9D8B030D-6E8A-4147-A177-3AD203B41FA5}">
+                      <a16:colId xmlns:a16="http://schemas.microsoft.com/office/drawing/2014/main" val="3676229636"/>
+                    </a:ext>
+                  </a:extLst>
+                </a:gridCol>
+                <a:gridCol w="1080000">
+                  <a:extLst>
+                    <a:ext uri="{9D8B030D-6E8A-4147-A177-3AD203B41FA5}">
+                      <a16:colId xmlns:a16="http://schemas.microsoft.com/office/drawing/2014/main" val="3009619982"/>
+                    </a:ext>
+                  </a:extLst>
+                </a:gridCol>
+                <a:gridCol w="1080000">
+                  <a:extLst>
+                    <a:ext uri="{9D8B030D-6E8A-4147-A177-3AD203B41FA5}">
+                      <a16:colId xmlns:a16="http://schemas.microsoft.com/office/drawing/2014/main" val="2141454168"/>
+                    </a:ext>
+                  </a:extLst>
+                </a:gridCol>
+                <a:gridCol w="1080000">
+                  <a:extLst>
+                    <a:ext uri="{9D8B030D-6E8A-4147-A177-3AD203B41FA5}">
+                      <a16:colId xmlns:a16="http://schemas.microsoft.com/office/drawing/2014/main" val="3779164980"/>
+                    </a:ext>
+                  </a:extLst>
+                </a:gridCol>
+              </a:tblGrid>
+              <a:tr h="370840">
+                <a:tc>
+                  <a:txBody>
+                    <a:bodyPr/>
+                    <a:lstStyle/>
+                    <a:p>
+                      <a:r>
+                        <a:rPr lang="en-US" altLang="zh-CN" dirty="0">
+                          <a:latin typeface="思源黑体" panose="020B0500000000000000" pitchFamily="34" charset="-122"/>
+                          <a:ea typeface="思源黑体" panose="020B0500000000000000" pitchFamily="34" charset="-122"/>
+                        </a:rPr>
+                        <a:t>Map[1,1]</a:t>
+                      </a:r>
+                      <a:endParaRPr lang="zh-CN" altLang="en-US" dirty="0">
+                        <a:latin typeface="思源黑体" panose="020B0500000000000000" pitchFamily="34" charset="-122"/>
+                        <a:ea typeface="思源黑体" panose="020B0500000000000000" pitchFamily="34" charset="-122"/>
+                      </a:endParaRPr>
+                    </a:p>
+                  </a:txBody>
+                  <a:tcPr>
+                    <a:lnL w="12700" cap="flat" cmpd="sng" algn="ctr">
+                      <a:solidFill>
+                        <a:schemeClr val="tx1"/>
+                      </a:solidFill>
+                      <a:prstDash val="solid"/>
+                      <a:round/>
+                      <a:headEnd type="none" w="med" len="med"/>
+                      <a:tailEnd type="none" w="med" len="med"/>
+                    </a:lnL>
+                    <a:lnR w="12700" cap="flat" cmpd="sng" algn="ctr">
+                      <a:solidFill>
+                        <a:schemeClr val="tx1"/>
+                      </a:solidFill>
+                      <a:prstDash val="solid"/>
+                      <a:round/>
+                      <a:headEnd type="none" w="med" len="med"/>
+                      <a:tailEnd type="none" w="med" len="med"/>
+                    </a:lnR>
+                    <a:lnT w="12700" cap="flat" cmpd="sng" algn="ctr">
+                      <a:solidFill>
+                        <a:schemeClr val="tx1"/>
+                      </a:solidFill>
+                      <a:prstDash val="solid"/>
+                      <a:round/>
+                      <a:headEnd type="none" w="med" len="med"/>
+                      <a:tailEnd type="none" w="med" len="med"/>
+                    </a:lnT>
+                    <a:lnB w="12700" cap="flat" cmpd="sng" algn="ctr">
+                      <a:solidFill>
+                        <a:schemeClr val="tx1"/>
+                      </a:solidFill>
+                      <a:prstDash val="solid"/>
+                      <a:round/>
+                      <a:headEnd type="none" w="med" len="med"/>
+                      <a:tailEnd type="none" w="med" len="med"/>
+                    </a:lnB>
+                    <a:noFill/>
+                  </a:tcPr>
+                </a:tc>
+                <a:tc>
+                  <a:txBody>
+                    <a:bodyPr/>
+                    <a:lstStyle/>
+                    <a:p>
+                      <a:r>
+                        <a:rPr lang="en-US" altLang="zh-CN" dirty="0">
+                          <a:latin typeface="思源黑体" panose="020B0500000000000000" pitchFamily="34" charset="-122"/>
+                          <a:ea typeface="思源黑体" panose="020B0500000000000000" pitchFamily="34" charset="-122"/>
+                        </a:rPr>
+                        <a:t>Map[1,2]</a:t>
+                      </a:r>
+                    </a:p>
+                  </a:txBody>
+                  <a:tcPr>
+                    <a:lnL w="12700" cap="flat" cmpd="sng" algn="ctr">
+                      <a:solidFill>
+                        <a:schemeClr val="tx1"/>
+                      </a:solidFill>
+                      <a:prstDash val="solid"/>
+                      <a:round/>
+                      <a:headEnd type="none" w="med" len="med"/>
+                      <a:tailEnd type="none" w="med" len="med"/>
+                    </a:lnL>
+                    <a:lnR w="12700" cap="flat" cmpd="sng" algn="ctr">
+                      <a:solidFill>
+                        <a:schemeClr val="tx1"/>
+                      </a:solidFill>
+                      <a:prstDash val="solid"/>
+                      <a:round/>
+                      <a:headEnd type="none" w="med" len="med"/>
+                      <a:tailEnd type="none" w="med" len="med"/>
+                    </a:lnR>
+                    <a:lnT w="12700" cap="flat" cmpd="sng" algn="ctr">
+                      <a:solidFill>
+                        <a:schemeClr val="tx1"/>
+                      </a:solidFill>
+                      <a:prstDash val="solid"/>
+                      <a:round/>
+                      <a:headEnd type="none" w="med" len="med"/>
+                      <a:tailEnd type="none" w="med" len="med"/>
+                    </a:lnT>
+                    <a:lnB w="12700" cap="flat" cmpd="sng" algn="ctr">
+                      <a:solidFill>
+                        <a:schemeClr val="tx1"/>
+                      </a:solidFill>
+                      <a:prstDash val="solid"/>
+                      <a:round/>
+                      <a:headEnd type="none" w="med" len="med"/>
+                      <a:tailEnd type="none" w="med" len="med"/>
+                    </a:lnB>
+                    <a:noFill/>
+                  </a:tcPr>
+                </a:tc>
+                <a:tc>
+                  <a:txBody>
+                    <a:bodyPr/>
+                    <a:lstStyle/>
+                    <a:p>
+                      <a:r>
+                        <a:rPr lang="en-US" altLang="zh-CN" dirty="0">
+                          <a:latin typeface="思源黑体" panose="020B0500000000000000" pitchFamily="34" charset="-122"/>
+                          <a:ea typeface="思源黑体" panose="020B0500000000000000" pitchFamily="34" charset="-122"/>
+                        </a:rPr>
+                        <a:t>Map[1,3]</a:t>
+                      </a:r>
+                      <a:endParaRPr lang="zh-CN" altLang="en-US" dirty="0">
+                        <a:latin typeface="思源黑体" panose="020B0500000000000000" pitchFamily="34" charset="-122"/>
+                        <a:ea typeface="思源黑体" panose="020B0500000000000000" pitchFamily="34" charset="-122"/>
+                      </a:endParaRPr>
+                    </a:p>
+                  </a:txBody>
+                  <a:tcPr>
+                    <a:lnL w="12700" cap="flat" cmpd="sng" algn="ctr">
+                      <a:solidFill>
+                        <a:schemeClr val="tx1"/>
+                      </a:solidFill>
+                      <a:prstDash val="solid"/>
+                      <a:round/>
+                      <a:headEnd type="none" w="med" len="med"/>
+                      <a:tailEnd type="none" w="med" len="med"/>
+                    </a:lnL>
+                    <a:lnR w="12700" cap="flat" cmpd="sng" algn="ctr">
+                      <a:solidFill>
+                        <a:schemeClr val="tx1"/>
+                      </a:solidFill>
+                      <a:prstDash val="solid"/>
+                      <a:round/>
+                      <a:headEnd type="none" w="med" len="med"/>
+                      <a:tailEnd type="none" w="med" len="med"/>
+                    </a:lnR>
+                    <a:lnT w="12700" cap="flat" cmpd="sng" algn="ctr">
+                      <a:solidFill>
+                        <a:schemeClr val="tx1"/>
+                      </a:solidFill>
+                      <a:prstDash val="solid"/>
+                      <a:round/>
+                      <a:headEnd type="none" w="med" len="med"/>
+                      <a:tailEnd type="none" w="med" len="med"/>
+                    </a:lnT>
+                    <a:lnB w="12700" cap="flat" cmpd="sng" algn="ctr">
+                      <a:solidFill>
+                        <a:schemeClr val="tx1"/>
+                      </a:solidFill>
+                      <a:prstDash val="solid"/>
+                      <a:round/>
+                      <a:headEnd type="none" w="med" len="med"/>
+                      <a:tailEnd type="none" w="med" len="med"/>
+                    </a:lnB>
+                    <a:noFill/>
+                  </a:tcPr>
+                </a:tc>
+                <a:tc>
+                  <a:txBody>
+                    <a:bodyPr/>
+                    <a:lstStyle/>
+                    <a:p>
+                      <a:r>
+                        <a:rPr lang="en-US" altLang="zh-CN" dirty="0">
+                          <a:latin typeface="思源黑体" panose="020B0500000000000000" pitchFamily="34" charset="-122"/>
+                          <a:ea typeface="思源黑体" panose="020B0500000000000000" pitchFamily="34" charset="-122"/>
+                        </a:rPr>
+                        <a:t>Map[1,4]</a:t>
+                      </a:r>
+                      <a:endParaRPr lang="zh-CN" altLang="en-US" dirty="0">
+                        <a:latin typeface="思源黑体" panose="020B0500000000000000" pitchFamily="34" charset="-122"/>
+                        <a:ea typeface="思源黑体" panose="020B0500000000000000" pitchFamily="34" charset="-122"/>
+                      </a:endParaRPr>
+                    </a:p>
+                  </a:txBody>
+                  <a:tcPr>
+                    <a:lnL w="12700" cap="flat" cmpd="sng" algn="ctr">
+                      <a:solidFill>
+                        <a:schemeClr val="tx1"/>
+                      </a:solidFill>
+                      <a:prstDash val="solid"/>
+                      <a:round/>
+                      <a:headEnd type="none" w="med" len="med"/>
+                      <a:tailEnd type="none" w="med" len="med"/>
+                    </a:lnL>
+                    <a:lnR w="12700" cap="flat" cmpd="sng" algn="ctr">
+                      <a:solidFill>
+                        <a:schemeClr val="tx1"/>
+                      </a:solidFill>
+                      <a:prstDash val="solid"/>
+                      <a:round/>
+                      <a:headEnd type="none" w="med" len="med"/>
+                      <a:tailEnd type="none" w="med" len="med"/>
+                    </a:lnR>
+                    <a:lnT w="12700" cap="flat" cmpd="sng" algn="ctr">
+                      <a:solidFill>
+                        <a:schemeClr val="tx1"/>
+                      </a:solidFill>
+                      <a:prstDash val="solid"/>
+                      <a:round/>
+                      <a:headEnd type="none" w="med" len="med"/>
+                      <a:tailEnd type="none" w="med" len="med"/>
+                    </a:lnT>
+                    <a:lnB w="12700" cap="flat" cmpd="sng" algn="ctr">
+                      <a:solidFill>
+                        <a:schemeClr val="tx1"/>
+                      </a:solidFill>
+                      <a:prstDash val="solid"/>
+                      <a:round/>
+                      <a:headEnd type="none" w="med" len="med"/>
+                      <a:tailEnd type="none" w="med" len="med"/>
+                    </a:lnB>
+                    <a:noFill/>
+                  </a:tcPr>
+                </a:tc>
+                <a:tc>
+                  <a:txBody>
+                    <a:bodyPr/>
+                    <a:lstStyle/>
+                    <a:p>
+                      <a:r>
+                        <a:rPr lang="en-US" altLang="zh-CN" dirty="0">
+                          <a:latin typeface="思源黑体" panose="020B0500000000000000" pitchFamily="34" charset="-122"/>
+                          <a:ea typeface="思源黑体" panose="020B0500000000000000" pitchFamily="34" charset="-122"/>
+                        </a:rPr>
+                        <a:t>Map[1,5]</a:t>
+                      </a:r>
+                      <a:endParaRPr lang="zh-CN" altLang="en-US" dirty="0">
+                        <a:latin typeface="思源黑体" panose="020B0500000000000000" pitchFamily="34" charset="-122"/>
+                        <a:ea typeface="思源黑体" panose="020B0500000000000000" pitchFamily="34" charset="-122"/>
+                      </a:endParaRPr>
+                    </a:p>
+                  </a:txBody>
+                  <a:tcPr>
+                    <a:lnL w="12700" cap="flat" cmpd="sng" algn="ctr">
+                      <a:solidFill>
+                        <a:schemeClr val="tx1"/>
+                      </a:solidFill>
+                      <a:prstDash val="solid"/>
+                      <a:round/>
+                      <a:headEnd type="none" w="med" len="med"/>
+                      <a:tailEnd type="none" w="med" len="med"/>
+                    </a:lnL>
+                    <a:lnR w="12700" cap="flat" cmpd="sng" algn="ctr">
+                      <a:solidFill>
+                        <a:schemeClr val="tx1"/>
+                      </a:solidFill>
+                      <a:prstDash val="solid"/>
+                      <a:round/>
+                      <a:headEnd type="none" w="med" len="med"/>
+                      <a:tailEnd type="none" w="med" len="med"/>
+                    </a:lnR>
+                    <a:lnT w="12700" cap="flat" cmpd="sng" algn="ctr">
+                      <a:solidFill>
+                        <a:schemeClr val="tx1"/>
+                      </a:solidFill>
+                      <a:prstDash val="solid"/>
+                      <a:round/>
+                      <a:headEnd type="none" w="med" len="med"/>
+                      <a:tailEnd type="none" w="med" len="med"/>
+                    </a:lnT>
+                    <a:lnB w="12700" cap="flat" cmpd="sng" algn="ctr">
+                      <a:solidFill>
+                        <a:schemeClr val="tx1"/>
+                      </a:solidFill>
+                      <a:prstDash val="solid"/>
+                      <a:round/>
+                      <a:headEnd type="none" w="med" len="med"/>
+                      <a:tailEnd type="none" w="med" len="med"/>
+                    </a:lnB>
+                    <a:noFill/>
+                  </a:tcPr>
+                </a:tc>
+                <a:tc>
+                  <a:txBody>
+                    <a:bodyPr/>
+                    <a:lstStyle/>
+                    <a:p>
+                      <a:r>
+                        <a:rPr lang="en-US" altLang="zh-CN" dirty="0">
+                          <a:latin typeface="思源黑体" panose="020B0500000000000000" pitchFamily="34" charset="-122"/>
+                          <a:ea typeface="思源黑体" panose="020B0500000000000000" pitchFamily="34" charset="-122"/>
+                        </a:rPr>
+                        <a:t>……</a:t>
+                      </a:r>
+                      <a:endParaRPr lang="zh-CN" altLang="en-US" dirty="0">
+                        <a:latin typeface="思源黑体" panose="020B0500000000000000" pitchFamily="34" charset="-122"/>
+                        <a:ea typeface="思源黑体" panose="020B0500000000000000" pitchFamily="34" charset="-122"/>
+                      </a:endParaRPr>
+                    </a:p>
+                  </a:txBody>
+                  <a:tcPr>
+                    <a:lnL w="12700" cap="flat" cmpd="sng" algn="ctr">
+                      <a:solidFill>
+                        <a:schemeClr val="tx1"/>
+                      </a:solidFill>
+                      <a:prstDash val="solid"/>
+                      <a:round/>
+                      <a:headEnd type="none" w="med" len="med"/>
+                      <a:tailEnd type="none" w="med" len="med"/>
+                    </a:lnL>
+                    <a:lnR w="12700" cap="flat" cmpd="sng" algn="ctr">
+                      <a:solidFill>
+                        <a:schemeClr val="tx1"/>
+                      </a:solidFill>
+                      <a:prstDash val="solid"/>
+                      <a:round/>
+                      <a:headEnd type="none" w="med" len="med"/>
+                      <a:tailEnd type="none" w="med" len="med"/>
+                    </a:lnR>
+                    <a:lnT w="12700" cap="flat" cmpd="sng" algn="ctr">
+                      <a:solidFill>
+                        <a:schemeClr val="tx1"/>
+                      </a:solidFill>
+                      <a:prstDash val="solid"/>
+                      <a:round/>
+                      <a:headEnd type="none" w="med" len="med"/>
+                      <a:tailEnd type="none" w="med" len="med"/>
+                    </a:lnT>
+                    <a:lnB w="12700" cap="flat" cmpd="sng" algn="ctr">
+                      <a:solidFill>
+                        <a:schemeClr val="tx1"/>
+                      </a:solidFill>
+                      <a:prstDash val="solid"/>
+                      <a:round/>
+                      <a:headEnd type="none" w="med" len="med"/>
+                      <a:tailEnd type="none" w="med" len="med"/>
+                    </a:lnB>
+                    <a:noFill/>
+                  </a:tcPr>
+                </a:tc>
+                <a:extLst>
+                  <a:ext uri="{0D108BD9-81ED-4DB2-BD59-A6C34878D82A}">
+                    <a16:rowId xmlns:a16="http://schemas.microsoft.com/office/drawing/2014/main" val="3394786632"/>
+                  </a:ext>
+                </a:extLst>
+              </a:tr>
+            </a:tbl>
+          </a:graphicData>
+        </a:graphic>
+      </p:graphicFrame>
+      <p:graphicFrame>
+        <p:nvGraphicFramePr>
+          <p:cNvPr id="7" name="表格 6">
+            <a:extLst>
+              <a:ext uri="{FF2B5EF4-FFF2-40B4-BE49-F238E27FC236}">
+                <a16:creationId xmlns:a16="http://schemas.microsoft.com/office/drawing/2014/main" id="{F10731E0-732B-4343-8540-612D644AAEE1}"/>
+              </a:ext>
+            </a:extLst>
+          </p:cNvPr>
+          <p:cNvGraphicFramePr>
+            <a:graphicFrameLocks noGrp="1"/>
+          </p:cNvGraphicFramePr>
+          <p:nvPr>
+            <p:extLst>
+              <p:ext uri="{D42A27DB-BD31-4B8C-83A1-F6EECF244321}">
+                <p14:modId xmlns:p14="http://schemas.microsoft.com/office/powerpoint/2010/main" val="2678655246"/>
+              </p:ext>
+            </p:extLst>
+          </p:nvPr>
+        </p:nvGraphicFramePr>
+        <p:xfrm>
+          <a:off x="1981199" y="3806504"/>
+          <a:ext cx="6480000" cy="370840"/>
+        </p:xfrm>
+        <a:graphic>
+          <a:graphicData uri="http://schemas.openxmlformats.org/drawingml/2006/table">
+            <a:tbl>
+              <a:tblPr bandRow="1">
+                <a:tableStyleId>{5C22544A-7EE6-4342-B048-85BDC9FD1C3A}</a:tableStyleId>
+              </a:tblPr>
+              <a:tblGrid>
+                <a:gridCol w="1080000">
+                  <a:extLst>
+                    <a:ext uri="{9D8B030D-6E8A-4147-A177-3AD203B41FA5}">
+                      <a16:colId xmlns:a16="http://schemas.microsoft.com/office/drawing/2014/main" val="2571418795"/>
+                    </a:ext>
+                  </a:extLst>
+                </a:gridCol>
+                <a:gridCol w="1080000">
+                  <a:extLst>
+                    <a:ext uri="{9D8B030D-6E8A-4147-A177-3AD203B41FA5}">
+                      <a16:colId xmlns:a16="http://schemas.microsoft.com/office/drawing/2014/main" val="1548189386"/>
+                    </a:ext>
+                  </a:extLst>
+                </a:gridCol>
+                <a:gridCol w="1080000">
+                  <a:extLst>
+                    <a:ext uri="{9D8B030D-6E8A-4147-A177-3AD203B41FA5}">
+                      <a16:colId xmlns:a16="http://schemas.microsoft.com/office/drawing/2014/main" val="3676229636"/>
+                    </a:ext>
+                  </a:extLst>
+                </a:gridCol>
+                <a:gridCol w="1080000">
+                  <a:extLst>
+                    <a:ext uri="{9D8B030D-6E8A-4147-A177-3AD203B41FA5}">
+                      <a16:colId xmlns:a16="http://schemas.microsoft.com/office/drawing/2014/main" val="3009619982"/>
+                    </a:ext>
+                  </a:extLst>
+                </a:gridCol>
+                <a:gridCol w="1080000">
+                  <a:extLst>
+                    <a:ext uri="{9D8B030D-6E8A-4147-A177-3AD203B41FA5}">
+                      <a16:colId xmlns:a16="http://schemas.microsoft.com/office/drawing/2014/main" val="2141454168"/>
+                    </a:ext>
+                  </a:extLst>
+                </a:gridCol>
+                <a:gridCol w="1080000">
+                  <a:extLst>
+                    <a:ext uri="{9D8B030D-6E8A-4147-A177-3AD203B41FA5}">
+                      <a16:colId xmlns:a16="http://schemas.microsoft.com/office/drawing/2014/main" val="3779164980"/>
+                    </a:ext>
+                  </a:extLst>
+                </a:gridCol>
+              </a:tblGrid>
+              <a:tr h="370840">
+                <a:tc>
+                  <a:txBody>
+                    <a:bodyPr/>
+                    <a:lstStyle/>
+                    <a:p>
+                      <a:r>
+                        <a:rPr lang="en-US" altLang="zh-CN" dirty="0">
+                          <a:latin typeface="思源黑体" panose="020B0500000000000000" pitchFamily="34" charset="-122"/>
+                          <a:ea typeface="思源黑体" panose="020B0500000000000000" pitchFamily="34" charset="-122"/>
+                        </a:rPr>
+                        <a:t>Map[2,1]</a:t>
+                      </a:r>
+                      <a:endParaRPr lang="zh-CN" altLang="en-US" dirty="0">
+                        <a:latin typeface="思源黑体" panose="020B0500000000000000" pitchFamily="34" charset="-122"/>
+                        <a:ea typeface="思源黑体" panose="020B0500000000000000" pitchFamily="34" charset="-122"/>
+                      </a:endParaRPr>
+                    </a:p>
+                  </a:txBody>
+                  <a:tcPr>
+                    <a:lnL w="12700" cap="flat" cmpd="sng" algn="ctr">
+                      <a:solidFill>
+                        <a:schemeClr val="tx1"/>
+                      </a:solidFill>
+                      <a:prstDash val="solid"/>
+                      <a:round/>
+                      <a:headEnd type="none" w="med" len="med"/>
+                      <a:tailEnd type="none" w="med" len="med"/>
+                    </a:lnL>
+                    <a:lnR w="12700" cap="flat" cmpd="sng" algn="ctr">
+                      <a:solidFill>
+                        <a:schemeClr val="tx1"/>
+                      </a:solidFill>
+                      <a:prstDash val="solid"/>
+                      <a:round/>
+                      <a:headEnd type="none" w="med" len="med"/>
+                      <a:tailEnd type="none" w="med" len="med"/>
+                    </a:lnR>
+                    <a:lnT w="12700" cap="flat" cmpd="sng" algn="ctr">
+                      <a:solidFill>
+                        <a:schemeClr val="tx1"/>
+                      </a:solidFill>
+                      <a:prstDash val="solid"/>
+                      <a:round/>
+                      <a:headEnd type="none" w="med" len="med"/>
+                      <a:tailEnd type="none" w="med" len="med"/>
+                    </a:lnT>
+                    <a:lnB w="12700" cap="flat" cmpd="sng" algn="ctr">
+                      <a:solidFill>
+                        <a:schemeClr val="tx1"/>
+                      </a:solidFill>
+                      <a:prstDash val="solid"/>
+                      <a:round/>
+                      <a:headEnd type="none" w="med" len="med"/>
+                      <a:tailEnd type="none" w="med" len="med"/>
+                    </a:lnB>
+                    <a:noFill/>
+                  </a:tcPr>
+                </a:tc>
+                <a:tc>
+                  <a:txBody>
+                    <a:bodyPr/>
+                    <a:lstStyle/>
+                    <a:p>
+                      <a:r>
+                        <a:rPr lang="en-US" altLang="zh-CN" dirty="0">
+                          <a:latin typeface="思源黑体" panose="020B0500000000000000" pitchFamily="34" charset="-122"/>
+                          <a:ea typeface="思源黑体" panose="020B0500000000000000" pitchFamily="34" charset="-122"/>
+                        </a:rPr>
+                        <a:t>Map[2,2]</a:t>
+                      </a:r>
+                    </a:p>
+                  </a:txBody>
+                  <a:tcPr>
+                    <a:lnL w="12700" cap="flat" cmpd="sng" algn="ctr">
+                      <a:solidFill>
+                        <a:schemeClr val="tx1"/>
+                      </a:solidFill>
+                      <a:prstDash val="solid"/>
+                      <a:round/>
+                      <a:headEnd type="none" w="med" len="med"/>
+                      <a:tailEnd type="none" w="med" len="med"/>
+                    </a:lnL>
+                    <a:lnR w="12700" cap="flat" cmpd="sng" algn="ctr">
+                      <a:solidFill>
+                        <a:schemeClr val="tx1"/>
+                      </a:solidFill>
+                      <a:prstDash val="solid"/>
+                      <a:round/>
+                      <a:headEnd type="none" w="med" len="med"/>
+                      <a:tailEnd type="none" w="med" len="med"/>
+                    </a:lnR>
+                    <a:lnT w="12700" cap="flat" cmpd="sng" algn="ctr">
+                      <a:solidFill>
+                        <a:schemeClr val="tx1"/>
+                      </a:solidFill>
+                      <a:prstDash val="solid"/>
+                      <a:round/>
+                      <a:headEnd type="none" w="med" len="med"/>
+                      <a:tailEnd type="none" w="med" len="med"/>
+                    </a:lnT>
+                    <a:lnB w="12700" cap="flat" cmpd="sng" algn="ctr">
+                      <a:solidFill>
+                        <a:schemeClr val="tx1"/>
+                      </a:solidFill>
+                      <a:prstDash val="solid"/>
+                      <a:round/>
+                      <a:headEnd type="none" w="med" len="med"/>
+                      <a:tailEnd type="none" w="med" len="med"/>
+                    </a:lnB>
+                    <a:noFill/>
+                  </a:tcPr>
+                </a:tc>
+                <a:tc>
+                  <a:txBody>
+                    <a:bodyPr/>
+                    <a:lstStyle/>
+                    <a:p>
+                      <a:r>
+                        <a:rPr lang="en-US" altLang="zh-CN" dirty="0">
+                          <a:latin typeface="思源黑体" panose="020B0500000000000000" pitchFamily="34" charset="-122"/>
+                          <a:ea typeface="思源黑体" panose="020B0500000000000000" pitchFamily="34" charset="-122"/>
+                        </a:rPr>
+                        <a:t>Map[2,3]</a:t>
+                      </a:r>
+                      <a:endParaRPr lang="zh-CN" altLang="en-US" dirty="0">
+                        <a:latin typeface="思源黑体" panose="020B0500000000000000" pitchFamily="34" charset="-122"/>
+                        <a:ea typeface="思源黑体" panose="020B0500000000000000" pitchFamily="34" charset="-122"/>
+                      </a:endParaRPr>
+                    </a:p>
+                  </a:txBody>
+                  <a:tcPr>
+                    <a:lnL w="12700" cap="flat" cmpd="sng" algn="ctr">
+                      <a:solidFill>
+                        <a:schemeClr val="tx1"/>
+                      </a:solidFill>
+                      <a:prstDash val="solid"/>
+                      <a:round/>
+                      <a:headEnd type="none" w="med" len="med"/>
+                      <a:tailEnd type="none" w="med" len="med"/>
+                    </a:lnL>
+                    <a:lnR w="12700" cap="flat" cmpd="sng" algn="ctr">
+                      <a:solidFill>
+                        <a:schemeClr val="tx1"/>
+                      </a:solidFill>
+                      <a:prstDash val="solid"/>
+                      <a:round/>
+                      <a:headEnd type="none" w="med" len="med"/>
+                      <a:tailEnd type="none" w="med" len="med"/>
+                    </a:lnR>
+                    <a:lnT w="12700" cap="flat" cmpd="sng" algn="ctr">
+                      <a:solidFill>
+                        <a:schemeClr val="tx1"/>
+                      </a:solidFill>
+                      <a:prstDash val="solid"/>
+                      <a:round/>
+                      <a:headEnd type="none" w="med" len="med"/>
+                      <a:tailEnd type="none" w="med" len="med"/>
+                    </a:lnT>
+                    <a:lnB w="12700" cap="flat" cmpd="sng" algn="ctr">
+                      <a:solidFill>
+                        <a:schemeClr val="tx1"/>
+                      </a:solidFill>
+                      <a:prstDash val="solid"/>
+                      <a:round/>
+                      <a:headEnd type="none" w="med" len="med"/>
+                      <a:tailEnd type="none" w="med" len="med"/>
+                    </a:lnB>
+                    <a:noFill/>
+                  </a:tcPr>
+                </a:tc>
+                <a:tc>
+                  <a:txBody>
+                    <a:bodyPr/>
+                    <a:lstStyle/>
+                    <a:p>
+                      <a:r>
+                        <a:rPr lang="en-US" altLang="zh-CN" dirty="0">
+                          <a:latin typeface="思源黑体" panose="020B0500000000000000" pitchFamily="34" charset="-122"/>
+                          <a:ea typeface="思源黑体" panose="020B0500000000000000" pitchFamily="34" charset="-122"/>
+                        </a:rPr>
+                        <a:t>Map[2,4]</a:t>
+                      </a:r>
+                      <a:endParaRPr lang="zh-CN" altLang="en-US" dirty="0">
+                        <a:latin typeface="思源黑体" panose="020B0500000000000000" pitchFamily="34" charset="-122"/>
+                        <a:ea typeface="思源黑体" panose="020B0500000000000000" pitchFamily="34" charset="-122"/>
+                      </a:endParaRPr>
+                    </a:p>
+                  </a:txBody>
+                  <a:tcPr>
+                    <a:lnL w="12700" cap="flat" cmpd="sng" algn="ctr">
+                      <a:solidFill>
+                        <a:schemeClr val="tx1"/>
+                      </a:solidFill>
+                      <a:prstDash val="solid"/>
+                      <a:round/>
+                      <a:headEnd type="none" w="med" len="med"/>
+                      <a:tailEnd type="none" w="med" len="med"/>
+                    </a:lnL>
+                    <a:lnR w="12700" cap="flat" cmpd="sng" algn="ctr">
+                      <a:solidFill>
+                        <a:schemeClr val="tx1"/>
+                      </a:solidFill>
+                      <a:prstDash val="solid"/>
+                      <a:round/>
+                      <a:headEnd type="none" w="med" len="med"/>
+                      <a:tailEnd type="none" w="med" len="med"/>
+                    </a:lnR>
+                    <a:lnT w="12700" cap="flat" cmpd="sng" algn="ctr">
+                      <a:solidFill>
+                        <a:schemeClr val="tx1"/>
+                      </a:solidFill>
+                      <a:prstDash val="solid"/>
+                      <a:round/>
+                      <a:headEnd type="none" w="med" len="med"/>
+                      <a:tailEnd type="none" w="med" len="med"/>
+                    </a:lnT>
+                    <a:lnB w="12700" cap="flat" cmpd="sng" algn="ctr">
+                      <a:solidFill>
+                        <a:schemeClr val="tx1"/>
+                      </a:solidFill>
+                      <a:prstDash val="solid"/>
+                      <a:round/>
+                      <a:headEnd type="none" w="med" len="med"/>
+                      <a:tailEnd type="none" w="med" len="med"/>
+                    </a:lnB>
+                    <a:noFill/>
+                  </a:tcPr>
+                </a:tc>
+                <a:tc>
+                  <a:txBody>
+                    <a:bodyPr/>
+                    <a:lstStyle/>
+                    <a:p>
+                      <a:r>
+                        <a:rPr lang="en-US" altLang="zh-CN" dirty="0">
+                          <a:latin typeface="思源黑体" panose="020B0500000000000000" pitchFamily="34" charset="-122"/>
+                          <a:ea typeface="思源黑体" panose="020B0500000000000000" pitchFamily="34" charset="-122"/>
+                        </a:rPr>
+                        <a:t>Map[2,5]</a:t>
+                      </a:r>
+                      <a:endParaRPr lang="zh-CN" altLang="en-US" dirty="0">
+                        <a:latin typeface="思源黑体" panose="020B0500000000000000" pitchFamily="34" charset="-122"/>
+                        <a:ea typeface="思源黑体" panose="020B0500000000000000" pitchFamily="34" charset="-122"/>
+                      </a:endParaRPr>
+                    </a:p>
+                  </a:txBody>
+                  <a:tcPr>
+                    <a:lnL w="12700" cap="flat" cmpd="sng" algn="ctr">
+                      <a:solidFill>
+                        <a:schemeClr val="tx1"/>
+                      </a:solidFill>
+                      <a:prstDash val="solid"/>
+                      <a:round/>
+                      <a:headEnd type="none" w="med" len="med"/>
+                      <a:tailEnd type="none" w="med" len="med"/>
+                    </a:lnL>
+                    <a:lnR w="12700" cap="flat" cmpd="sng" algn="ctr">
+                      <a:solidFill>
+                        <a:schemeClr val="tx1"/>
+                      </a:solidFill>
+                      <a:prstDash val="solid"/>
+                      <a:round/>
+                      <a:headEnd type="none" w="med" len="med"/>
+                      <a:tailEnd type="none" w="med" len="med"/>
+                    </a:lnR>
+                    <a:lnT w="12700" cap="flat" cmpd="sng" algn="ctr">
+                      <a:solidFill>
+                        <a:schemeClr val="tx1"/>
+                      </a:solidFill>
+                      <a:prstDash val="solid"/>
+                      <a:round/>
+                      <a:headEnd type="none" w="med" len="med"/>
+                      <a:tailEnd type="none" w="med" len="med"/>
+                    </a:lnT>
+                    <a:lnB w="12700" cap="flat" cmpd="sng" algn="ctr">
+                      <a:solidFill>
+                        <a:schemeClr val="tx1"/>
+                      </a:solidFill>
+                      <a:prstDash val="solid"/>
+                      <a:round/>
+                      <a:headEnd type="none" w="med" len="med"/>
+                      <a:tailEnd type="none" w="med" len="med"/>
+                    </a:lnB>
+                    <a:noFill/>
+                  </a:tcPr>
+                </a:tc>
+                <a:tc>
+                  <a:txBody>
+                    <a:bodyPr/>
+                    <a:lstStyle/>
+                    <a:p>
+                      <a:r>
+                        <a:rPr lang="en-US" altLang="zh-CN" dirty="0">
+                          <a:latin typeface="思源黑体" panose="020B0500000000000000" pitchFamily="34" charset="-122"/>
+                          <a:ea typeface="思源黑体" panose="020B0500000000000000" pitchFamily="34" charset="-122"/>
+                        </a:rPr>
+                        <a:t>……</a:t>
+                      </a:r>
+                      <a:endParaRPr lang="zh-CN" altLang="en-US" dirty="0">
+                        <a:latin typeface="思源黑体" panose="020B0500000000000000" pitchFamily="34" charset="-122"/>
+                        <a:ea typeface="思源黑体" panose="020B0500000000000000" pitchFamily="34" charset="-122"/>
+                      </a:endParaRPr>
+                    </a:p>
+                  </a:txBody>
+                  <a:tcPr>
+                    <a:lnL w="12700" cap="flat" cmpd="sng" algn="ctr">
+                      <a:solidFill>
+                        <a:schemeClr val="tx1"/>
+                      </a:solidFill>
+                      <a:prstDash val="solid"/>
+                      <a:round/>
+                      <a:headEnd type="none" w="med" len="med"/>
+                      <a:tailEnd type="none" w="med" len="med"/>
+                    </a:lnL>
+                    <a:lnR w="12700" cap="flat" cmpd="sng" algn="ctr">
+                      <a:solidFill>
+                        <a:schemeClr val="tx1"/>
+                      </a:solidFill>
+                      <a:prstDash val="solid"/>
+                      <a:round/>
+                      <a:headEnd type="none" w="med" len="med"/>
+                      <a:tailEnd type="none" w="med" len="med"/>
+                    </a:lnR>
+                    <a:lnT w="12700" cap="flat" cmpd="sng" algn="ctr">
+                      <a:solidFill>
+                        <a:schemeClr val="tx1"/>
+                      </a:solidFill>
+                      <a:prstDash val="solid"/>
+                      <a:round/>
+                      <a:headEnd type="none" w="med" len="med"/>
+                      <a:tailEnd type="none" w="med" len="med"/>
+                    </a:lnT>
+                    <a:lnB w="12700" cap="flat" cmpd="sng" algn="ctr">
+                      <a:solidFill>
+                        <a:schemeClr val="tx1"/>
+                      </a:solidFill>
+                      <a:prstDash val="solid"/>
+                      <a:round/>
+                      <a:headEnd type="none" w="med" len="med"/>
+                      <a:tailEnd type="none" w="med" len="med"/>
+                    </a:lnB>
+                    <a:noFill/>
+                  </a:tcPr>
+                </a:tc>
+                <a:extLst>
+                  <a:ext uri="{0D108BD9-81ED-4DB2-BD59-A6C34878D82A}">
+                    <a16:rowId xmlns:a16="http://schemas.microsoft.com/office/drawing/2014/main" val="3394786632"/>
+                  </a:ext>
+                </a:extLst>
+              </a:tr>
+            </a:tbl>
+          </a:graphicData>
+        </a:graphic>
+      </p:graphicFrame>
+      <p:graphicFrame>
+        <p:nvGraphicFramePr>
+          <p:cNvPr id="8" name="表格 7">
+            <a:extLst>
+              <a:ext uri="{FF2B5EF4-FFF2-40B4-BE49-F238E27FC236}">
+                <a16:creationId xmlns:a16="http://schemas.microsoft.com/office/drawing/2014/main" id="{3EE214F3-33A4-4A2E-A580-1538E9100017}"/>
+              </a:ext>
+            </a:extLst>
+          </p:cNvPr>
+          <p:cNvGraphicFramePr>
+            <a:graphicFrameLocks noGrp="1"/>
+          </p:cNvGraphicFramePr>
+          <p:nvPr>
+            <p:extLst>
+              <p:ext uri="{D42A27DB-BD31-4B8C-83A1-F6EECF244321}">
+                <p14:modId xmlns:p14="http://schemas.microsoft.com/office/powerpoint/2010/main" val="2149757037"/>
+              </p:ext>
+            </p:extLst>
+          </p:nvPr>
+        </p:nvGraphicFramePr>
+        <p:xfrm>
+          <a:off x="1981199" y="4538979"/>
+          <a:ext cx="6480000" cy="370840"/>
+        </p:xfrm>
+        <a:graphic>
+          <a:graphicData uri="http://schemas.openxmlformats.org/drawingml/2006/table">
+            <a:tbl>
+              <a:tblPr bandRow="1">
+                <a:tableStyleId>{5C22544A-7EE6-4342-B048-85BDC9FD1C3A}</a:tableStyleId>
+              </a:tblPr>
+              <a:tblGrid>
+                <a:gridCol w="1080000">
+                  <a:extLst>
+                    <a:ext uri="{9D8B030D-6E8A-4147-A177-3AD203B41FA5}">
+                      <a16:colId xmlns:a16="http://schemas.microsoft.com/office/drawing/2014/main" val="2571418795"/>
+                    </a:ext>
+                  </a:extLst>
+                </a:gridCol>
+                <a:gridCol w="1080000">
+                  <a:extLst>
+                    <a:ext uri="{9D8B030D-6E8A-4147-A177-3AD203B41FA5}">
+                      <a16:colId xmlns:a16="http://schemas.microsoft.com/office/drawing/2014/main" val="1548189386"/>
+                    </a:ext>
+                  </a:extLst>
+                </a:gridCol>
+                <a:gridCol w="1080000">
+                  <a:extLst>
+                    <a:ext uri="{9D8B030D-6E8A-4147-A177-3AD203B41FA5}">
+                      <a16:colId xmlns:a16="http://schemas.microsoft.com/office/drawing/2014/main" val="3676229636"/>
+                    </a:ext>
+                  </a:extLst>
+                </a:gridCol>
+                <a:gridCol w="1080000">
+                  <a:extLst>
+                    <a:ext uri="{9D8B030D-6E8A-4147-A177-3AD203B41FA5}">
+                      <a16:colId xmlns:a16="http://schemas.microsoft.com/office/drawing/2014/main" val="3009619982"/>
+                    </a:ext>
+                  </a:extLst>
+                </a:gridCol>
+                <a:gridCol w="1080000">
+                  <a:extLst>
+                    <a:ext uri="{9D8B030D-6E8A-4147-A177-3AD203B41FA5}">
+                      <a16:colId xmlns:a16="http://schemas.microsoft.com/office/drawing/2014/main" val="2141454168"/>
+                    </a:ext>
+                  </a:extLst>
+                </a:gridCol>
+                <a:gridCol w="1080000">
+                  <a:extLst>
+                    <a:ext uri="{9D8B030D-6E8A-4147-A177-3AD203B41FA5}">
+                      <a16:colId xmlns:a16="http://schemas.microsoft.com/office/drawing/2014/main" val="3779164980"/>
+                    </a:ext>
+                  </a:extLst>
+                </a:gridCol>
+              </a:tblGrid>
+              <a:tr h="370840">
+                <a:tc>
+                  <a:txBody>
+                    <a:bodyPr/>
+                    <a:lstStyle/>
+                    <a:p>
+                      <a:r>
+                        <a:rPr lang="en-US" altLang="zh-CN" dirty="0">
+                          <a:latin typeface="思源黑体" panose="020B0500000000000000" pitchFamily="34" charset="-122"/>
+                          <a:ea typeface="思源黑体" panose="020B0500000000000000" pitchFamily="34" charset="-122"/>
+                        </a:rPr>
+                        <a:t>Map[3,1]</a:t>
+                      </a:r>
+                      <a:endParaRPr lang="zh-CN" altLang="en-US" dirty="0">
+                        <a:latin typeface="思源黑体" panose="020B0500000000000000" pitchFamily="34" charset="-122"/>
+                        <a:ea typeface="思源黑体" panose="020B0500000000000000" pitchFamily="34" charset="-122"/>
+                      </a:endParaRPr>
+                    </a:p>
+                  </a:txBody>
+                  <a:tcPr>
+                    <a:lnL w="12700" cap="flat" cmpd="sng" algn="ctr">
+                      <a:solidFill>
+                        <a:schemeClr val="tx1"/>
+                      </a:solidFill>
+                      <a:prstDash val="solid"/>
+                      <a:round/>
+                      <a:headEnd type="none" w="med" len="med"/>
+                      <a:tailEnd type="none" w="med" len="med"/>
+                    </a:lnL>
+                    <a:lnR w="12700" cap="flat" cmpd="sng" algn="ctr">
+                      <a:solidFill>
+                        <a:schemeClr val="tx1"/>
+                      </a:solidFill>
+                      <a:prstDash val="solid"/>
+                      <a:round/>
+                      <a:headEnd type="none" w="med" len="med"/>
+                      <a:tailEnd type="none" w="med" len="med"/>
+                    </a:lnR>
+                    <a:lnT w="12700" cap="flat" cmpd="sng" algn="ctr">
+                      <a:solidFill>
+                        <a:schemeClr val="tx1"/>
+                      </a:solidFill>
+                      <a:prstDash val="solid"/>
+                      <a:round/>
+                      <a:headEnd type="none" w="med" len="med"/>
+                      <a:tailEnd type="none" w="med" len="med"/>
+                    </a:lnT>
+                    <a:lnB w="12700" cap="flat" cmpd="sng" algn="ctr">
+                      <a:solidFill>
+                        <a:schemeClr val="tx1"/>
+                      </a:solidFill>
+                      <a:prstDash val="solid"/>
+                      <a:round/>
+                      <a:headEnd type="none" w="med" len="med"/>
+                      <a:tailEnd type="none" w="med" len="med"/>
+                    </a:lnB>
+                    <a:noFill/>
+                  </a:tcPr>
+                </a:tc>
+                <a:tc>
+                  <a:txBody>
+                    <a:bodyPr/>
+                    <a:lstStyle/>
+                    <a:p>
+                      <a:r>
+                        <a:rPr lang="en-US" altLang="zh-CN" dirty="0">
+                          <a:latin typeface="思源黑体" panose="020B0500000000000000" pitchFamily="34" charset="-122"/>
+                          <a:ea typeface="思源黑体" panose="020B0500000000000000" pitchFamily="34" charset="-122"/>
+                        </a:rPr>
+                        <a:t>Map[3,2]</a:t>
+                      </a:r>
+                    </a:p>
+                  </a:txBody>
+                  <a:tcPr>
+                    <a:lnL w="12700" cap="flat" cmpd="sng" algn="ctr">
+                      <a:solidFill>
+                        <a:schemeClr val="tx1"/>
+                      </a:solidFill>
+                      <a:prstDash val="solid"/>
+                      <a:round/>
+                      <a:headEnd type="none" w="med" len="med"/>
+                      <a:tailEnd type="none" w="med" len="med"/>
+                    </a:lnL>
+                    <a:lnR w="12700" cap="flat" cmpd="sng" algn="ctr">
+                      <a:solidFill>
+                        <a:schemeClr val="tx1"/>
+                      </a:solidFill>
+                      <a:prstDash val="solid"/>
+                      <a:round/>
+                      <a:headEnd type="none" w="med" len="med"/>
+                      <a:tailEnd type="none" w="med" len="med"/>
+                    </a:lnR>
+                    <a:lnT w="12700" cap="flat" cmpd="sng" algn="ctr">
+                      <a:solidFill>
+                        <a:schemeClr val="tx1"/>
+                      </a:solidFill>
+                      <a:prstDash val="solid"/>
+                      <a:round/>
+                      <a:headEnd type="none" w="med" len="med"/>
+                      <a:tailEnd type="none" w="med" len="med"/>
+                    </a:lnT>
+                    <a:lnB w="12700" cap="flat" cmpd="sng" algn="ctr">
+                      <a:solidFill>
+                        <a:schemeClr val="tx1"/>
+                      </a:solidFill>
+                      <a:prstDash val="solid"/>
+                      <a:round/>
+                      <a:headEnd type="none" w="med" len="med"/>
+                      <a:tailEnd type="none" w="med" len="med"/>
+                    </a:lnB>
+                    <a:noFill/>
+                  </a:tcPr>
+                </a:tc>
+                <a:tc>
+                  <a:txBody>
+                    <a:bodyPr/>
+                    <a:lstStyle/>
+                    <a:p>
+                      <a:r>
+                        <a:rPr lang="en-US" altLang="zh-CN" dirty="0">
+                          <a:latin typeface="思源黑体" panose="020B0500000000000000" pitchFamily="34" charset="-122"/>
+                          <a:ea typeface="思源黑体" panose="020B0500000000000000" pitchFamily="34" charset="-122"/>
+                        </a:rPr>
+                        <a:t>Map[3,3]</a:t>
+                      </a:r>
+                      <a:endParaRPr lang="zh-CN" altLang="en-US" dirty="0">
+                        <a:latin typeface="思源黑体" panose="020B0500000000000000" pitchFamily="34" charset="-122"/>
+                        <a:ea typeface="思源黑体" panose="020B0500000000000000" pitchFamily="34" charset="-122"/>
+                      </a:endParaRPr>
+                    </a:p>
+                  </a:txBody>
+                  <a:tcPr>
+                    <a:lnL w="12700" cap="flat" cmpd="sng" algn="ctr">
+                      <a:solidFill>
+                        <a:schemeClr val="tx1"/>
+                      </a:solidFill>
+                      <a:prstDash val="solid"/>
+                      <a:round/>
+                      <a:headEnd type="none" w="med" len="med"/>
+                      <a:tailEnd type="none" w="med" len="med"/>
+                    </a:lnL>
+                    <a:lnR w="12700" cap="flat" cmpd="sng" algn="ctr">
+                      <a:solidFill>
+                        <a:schemeClr val="tx1"/>
+                      </a:solidFill>
+                      <a:prstDash val="solid"/>
+                      <a:round/>
+                      <a:headEnd type="none" w="med" len="med"/>
+                      <a:tailEnd type="none" w="med" len="med"/>
+                    </a:lnR>
+                    <a:lnT w="12700" cap="flat" cmpd="sng" algn="ctr">
+                      <a:solidFill>
+                        <a:schemeClr val="tx1"/>
+                      </a:solidFill>
+                      <a:prstDash val="solid"/>
+                      <a:round/>
+                      <a:headEnd type="none" w="med" len="med"/>
+                      <a:tailEnd type="none" w="med" len="med"/>
+                    </a:lnT>
+                    <a:lnB w="12700" cap="flat" cmpd="sng" algn="ctr">
+                      <a:solidFill>
+                        <a:schemeClr val="tx1"/>
+                      </a:solidFill>
+                      <a:prstDash val="solid"/>
+                      <a:round/>
+                      <a:headEnd type="none" w="med" len="med"/>
+                      <a:tailEnd type="none" w="med" len="med"/>
+                    </a:lnB>
+                    <a:noFill/>
+                  </a:tcPr>
+                </a:tc>
+                <a:tc>
+                  <a:txBody>
+                    <a:bodyPr/>
+                    <a:lstStyle/>
+                    <a:p>
+                      <a:r>
+                        <a:rPr lang="en-US" altLang="zh-CN" dirty="0">
+                          <a:latin typeface="思源黑体" panose="020B0500000000000000" pitchFamily="34" charset="-122"/>
+                          <a:ea typeface="思源黑体" panose="020B0500000000000000" pitchFamily="34" charset="-122"/>
+                        </a:rPr>
+                        <a:t>Map[3,4]</a:t>
+                      </a:r>
+                      <a:endParaRPr lang="zh-CN" altLang="en-US" dirty="0">
+                        <a:latin typeface="思源黑体" panose="020B0500000000000000" pitchFamily="34" charset="-122"/>
+                        <a:ea typeface="思源黑体" panose="020B0500000000000000" pitchFamily="34" charset="-122"/>
+                      </a:endParaRPr>
+                    </a:p>
+                  </a:txBody>
+                  <a:tcPr>
+                    <a:lnL w="12700" cap="flat" cmpd="sng" algn="ctr">
+                      <a:solidFill>
+                        <a:schemeClr val="tx1"/>
+                      </a:solidFill>
+                      <a:prstDash val="solid"/>
+                      <a:round/>
+                      <a:headEnd type="none" w="med" len="med"/>
+                      <a:tailEnd type="none" w="med" len="med"/>
+                    </a:lnL>
+                    <a:lnR w="12700" cap="flat" cmpd="sng" algn="ctr">
+                      <a:solidFill>
+                        <a:schemeClr val="tx1"/>
+                      </a:solidFill>
+                      <a:prstDash val="solid"/>
+                      <a:round/>
+                      <a:headEnd type="none" w="med" len="med"/>
+                      <a:tailEnd type="none" w="med" len="med"/>
+                    </a:lnR>
+                    <a:lnT w="12700" cap="flat" cmpd="sng" algn="ctr">
+                      <a:solidFill>
+                        <a:schemeClr val="tx1"/>
+                      </a:solidFill>
+                      <a:prstDash val="solid"/>
+                      <a:round/>
+                      <a:headEnd type="none" w="med" len="med"/>
+                      <a:tailEnd type="none" w="med" len="med"/>
+                    </a:lnT>
+                    <a:lnB w="12700" cap="flat" cmpd="sng" algn="ctr">
+                      <a:solidFill>
+                        <a:schemeClr val="tx1"/>
+                      </a:solidFill>
+                      <a:prstDash val="solid"/>
+                      <a:round/>
+                      <a:headEnd type="none" w="med" len="med"/>
+                      <a:tailEnd type="none" w="med" len="med"/>
+                    </a:lnB>
+                    <a:noFill/>
+                  </a:tcPr>
+                </a:tc>
+                <a:tc>
+                  <a:txBody>
+                    <a:bodyPr/>
+                    <a:lstStyle/>
+                    <a:p>
+                      <a:r>
+                        <a:rPr lang="en-US" altLang="zh-CN" dirty="0">
+                          <a:latin typeface="思源黑体" panose="020B0500000000000000" pitchFamily="34" charset="-122"/>
+                          <a:ea typeface="思源黑体" panose="020B0500000000000000" pitchFamily="34" charset="-122"/>
+                        </a:rPr>
+                        <a:t>Map[3,5]</a:t>
+                      </a:r>
+                      <a:endParaRPr lang="zh-CN" altLang="en-US" dirty="0">
+                        <a:latin typeface="思源黑体" panose="020B0500000000000000" pitchFamily="34" charset="-122"/>
+                        <a:ea typeface="思源黑体" panose="020B0500000000000000" pitchFamily="34" charset="-122"/>
+                      </a:endParaRPr>
+                    </a:p>
+                  </a:txBody>
+                  <a:tcPr>
+                    <a:lnL w="12700" cap="flat" cmpd="sng" algn="ctr">
+                      <a:solidFill>
+                        <a:schemeClr val="tx1"/>
+                      </a:solidFill>
+                      <a:prstDash val="solid"/>
+                      <a:round/>
+                      <a:headEnd type="none" w="med" len="med"/>
+                      <a:tailEnd type="none" w="med" len="med"/>
+                    </a:lnL>
+                    <a:lnR w="12700" cap="flat" cmpd="sng" algn="ctr">
+                      <a:solidFill>
+                        <a:schemeClr val="tx1"/>
+                      </a:solidFill>
+                      <a:prstDash val="solid"/>
+                      <a:round/>
+                      <a:headEnd type="none" w="med" len="med"/>
+                      <a:tailEnd type="none" w="med" len="med"/>
+                    </a:lnR>
+                    <a:lnT w="12700" cap="flat" cmpd="sng" algn="ctr">
+                      <a:solidFill>
+                        <a:schemeClr val="tx1"/>
+                      </a:solidFill>
+                      <a:prstDash val="solid"/>
+                      <a:round/>
+                      <a:headEnd type="none" w="med" len="med"/>
+                      <a:tailEnd type="none" w="med" len="med"/>
+                    </a:lnT>
+                    <a:lnB w="12700" cap="flat" cmpd="sng" algn="ctr">
+                      <a:solidFill>
+                        <a:schemeClr val="tx1"/>
+                      </a:solidFill>
+                      <a:prstDash val="solid"/>
+                      <a:round/>
+                      <a:headEnd type="none" w="med" len="med"/>
+                      <a:tailEnd type="none" w="med" len="med"/>
+                    </a:lnB>
+                    <a:noFill/>
+                  </a:tcPr>
+                </a:tc>
+                <a:tc>
+                  <a:txBody>
+                    <a:bodyPr/>
+                    <a:lstStyle/>
+                    <a:p>
+                      <a:r>
+                        <a:rPr lang="en-US" altLang="zh-CN" dirty="0">
+                          <a:latin typeface="思源黑体" panose="020B0500000000000000" pitchFamily="34" charset="-122"/>
+                          <a:ea typeface="思源黑体" panose="020B0500000000000000" pitchFamily="34" charset="-122"/>
+                        </a:rPr>
+                        <a:t>……</a:t>
+                      </a:r>
+                      <a:endParaRPr lang="zh-CN" altLang="en-US" dirty="0">
+                        <a:latin typeface="思源黑体" panose="020B0500000000000000" pitchFamily="34" charset="-122"/>
+                        <a:ea typeface="思源黑体" panose="020B0500000000000000" pitchFamily="34" charset="-122"/>
+                      </a:endParaRPr>
+                    </a:p>
+                  </a:txBody>
+                  <a:tcPr>
+                    <a:lnL w="12700" cap="flat" cmpd="sng" algn="ctr">
+                      <a:solidFill>
+                        <a:schemeClr val="tx1"/>
+                      </a:solidFill>
+                      <a:prstDash val="solid"/>
+                      <a:round/>
+                      <a:headEnd type="none" w="med" len="med"/>
+                      <a:tailEnd type="none" w="med" len="med"/>
+                    </a:lnL>
+                    <a:lnR w="12700" cap="flat" cmpd="sng" algn="ctr">
+                      <a:solidFill>
+                        <a:schemeClr val="tx1"/>
+                      </a:solidFill>
+                      <a:prstDash val="solid"/>
+                      <a:round/>
+                      <a:headEnd type="none" w="med" len="med"/>
+                      <a:tailEnd type="none" w="med" len="med"/>
+                    </a:lnR>
+                    <a:lnT w="12700" cap="flat" cmpd="sng" algn="ctr">
+                      <a:solidFill>
+                        <a:schemeClr val="tx1"/>
+                      </a:solidFill>
+                      <a:prstDash val="solid"/>
+                      <a:round/>
+                      <a:headEnd type="none" w="med" len="med"/>
+                      <a:tailEnd type="none" w="med" len="med"/>
+                    </a:lnT>
+                    <a:lnB w="12700" cap="flat" cmpd="sng" algn="ctr">
+                      <a:solidFill>
+                        <a:schemeClr val="tx1"/>
+                      </a:solidFill>
+                      <a:prstDash val="solid"/>
+                      <a:round/>
+                      <a:headEnd type="none" w="med" len="med"/>
+                      <a:tailEnd type="none" w="med" len="med"/>
+                    </a:lnB>
+                    <a:noFill/>
+                  </a:tcPr>
+                </a:tc>
+                <a:extLst>
+                  <a:ext uri="{0D108BD9-81ED-4DB2-BD59-A6C34878D82A}">
+                    <a16:rowId xmlns:a16="http://schemas.microsoft.com/office/drawing/2014/main" val="3394786632"/>
+                  </a:ext>
+                </a:extLst>
+              </a:tr>
+            </a:tbl>
+          </a:graphicData>
+        </a:graphic>
+      </p:graphicFrame>
+      <p:sp>
+        <p:nvSpPr>
+          <p:cNvPr id="9" name="文本框 8">
+            <a:extLst>
+              <a:ext uri="{FF2B5EF4-FFF2-40B4-BE49-F238E27FC236}">
+                <a16:creationId xmlns:a16="http://schemas.microsoft.com/office/drawing/2014/main" id="{CEACF483-CE98-40E4-84FD-0F8B1DE06765}"/>
+              </a:ext>
+            </a:extLst>
+          </p:cNvPr>
+          <p:cNvSpPr txBox="1"/>
+          <p:nvPr/>
+        </p:nvSpPr>
+        <p:spPr>
+          <a:xfrm>
+            <a:off x="4241444" y="5242812"/>
+            <a:ext cx="979755" cy="369332"/>
+          </a:xfrm>
+          <a:prstGeom prst="rect">
+            <a:avLst/>
+          </a:prstGeom>
+          <a:noFill/>
+        </p:spPr>
+        <p:txBody>
+          <a:bodyPr wrap="none" rtlCol="0">
+            <a:spAutoFit/>
+          </a:bodyPr>
+          <a:lstStyle/>
+          <a:p>
+            <a:r>
+              <a:rPr lang="zh-CN" altLang="en-US" dirty="0">
+                <a:latin typeface="思源黑体" panose="020B0500000000000000" pitchFamily="34" charset="-122"/>
+                <a:ea typeface="思源黑体" panose="020B0500000000000000" pitchFamily="34" charset="-122"/>
+              </a:rPr>
+              <a:t>图 </a:t>
+            </a:r>
+            <a:r>
+              <a:rPr lang="en-US" altLang="zh-CN" dirty="0">
+                <a:latin typeface="思源黑体" panose="020B0500000000000000" pitchFamily="34" charset="-122"/>
+                <a:ea typeface="思源黑体" panose="020B0500000000000000" pitchFamily="34" charset="-122"/>
+              </a:rPr>
+              <a:t>4.3.1</a:t>
+            </a:r>
+            <a:endParaRPr lang="zh-CN" altLang="en-US" dirty="0">
+              <a:latin typeface="思源黑体" panose="020B0500000000000000" pitchFamily="34" charset="-122"/>
+              <a:ea typeface="思源黑体" panose="020B0500000000000000" pitchFamily="34" charset="-122"/>
+            </a:endParaRPr>
+          </a:p>
+        </p:txBody>
+      </p:sp>
+    </p:spTree>
+    <p:extLst>
+      <p:ext uri="{BB962C8B-B14F-4D97-AF65-F5344CB8AC3E}">
+        <p14:creationId xmlns:p14="http://schemas.microsoft.com/office/powerpoint/2010/main" val="2743005527"/>
+      </p:ext>
+    </p:extLst>
+  </p:cSld>
+  <p:clrMapOvr>
+    <a:masterClrMapping/>
+  </p:clrMapOvr>
+</p:sld>
+</file>
+
+<file path=ppt/slides/slide4.xml><?xml version="1.0" encoding="utf-8"?>
+<p:sld xmlns:a="http://schemas.openxmlformats.org/drawingml/2006/main" xmlns:r="http://schemas.openxmlformats.org/officeDocument/2006/relationships" xmlns:p="http://schemas.openxmlformats.org/presentationml/2006/main">
+  <p:cSld>
+    <p:spTree>
+      <p:nvGrpSpPr>
+        <p:cNvPr id="1" name=""/>
+        <p:cNvGrpSpPr/>
+        <p:nvPr/>
+      </p:nvGrpSpPr>
+      <p:grpSpPr>
+        <a:xfrm>
+          <a:off x="0" y="0"/>
+          <a:ext cx="0" cy="0"/>
+          <a:chOff x="0" y="0"/>
+          <a:chExt cx="0" cy="0"/>
+        </a:xfrm>
+      </p:grpSpPr>
       <p:grpSp>
         <p:nvGrpSpPr>
           <p:cNvPr id="30" name="组合 29">
@@ -4731,10 +7201,10 @@
         </p:nvGrpSpPr>
         <p:grpSpPr>
           <a:xfrm>
-            <a:off x="1666875" y="2076450"/>
-            <a:ext cx="7267575" cy="3057525"/>
-            <a:chOff x="1666875" y="2076450"/>
-            <a:chExt cx="7267575" cy="3057525"/>
+            <a:off x="1666875" y="1248657"/>
+            <a:ext cx="7267575" cy="3885318"/>
+            <a:chOff x="1666875" y="1248657"/>
+            <a:chExt cx="7267575" cy="3885318"/>
           </a:xfrm>
         </p:grpSpPr>
         <p:sp>
@@ -4751,8 +7221,8 @@
           </p:nvSpPr>
           <p:spPr>
             <a:xfrm>
-              <a:off x="1666875" y="2076450"/>
-              <a:ext cx="7267575" cy="3057525"/>
+              <a:off x="1666875" y="2233395"/>
+              <a:ext cx="7267575" cy="2900580"/>
             </a:xfrm>
             <a:prstGeom prst="rect">
               <a:avLst/>
@@ -5008,8 +7478,8 @@
           </p:nvSpPr>
           <p:spPr>
             <a:xfrm>
-              <a:off x="4726745" y="2457311"/>
-              <a:ext cx="1758461" cy="492369"/>
+              <a:off x="4726745" y="2314223"/>
+              <a:ext cx="1758461" cy="635458"/>
             </a:xfrm>
             <a:prstGeom prst="rect">
               <a:avLst/>
@@ -5052,7 +7522,7 @@
                   <a:latin typeface="思源黑体" panose="020B0500000000000000" pitchFamily="34" charset="-122"/>
                   <a:ea typeface="思源黑体" panose="020B0500000000000000" pitchFamily="34" charset="-122"/>
                 </a:rPr>
-                <a:t>前端工厂</a:t>
+                <a:t>前端工厂相关实现算法模块</a:t>
               </a:r>
             </a:p>
           </p:txBody>
@@ -5071,8 +7541,8 @@
           </p:nvSpPr>
           <p:spPr>
             <a:xfrm>
-              <a:off x="6710288" y="2457311"/>
-              <a:ext cx="1758462" cy="492369"/>
+              <a:off x="6710288" y="2314223"/>
+              <a:ext cx="1758462" cy="635458"/>
             </a:xfrm>
             <a:prstGeom prst="rect">
               <a:avLst/>
@@ -5115,7 +7585,7 @@
                   <a:latin typeface="思源黑体" panose="020B0500000000000000" pitchFamily="34" charset="-122"/>
                   <a:ea typeface="思源黑体" panose="020B0500000000000000" pitchFamily="34" charset="-122"/>
                 </a:rPr>
-                <a:t>后端工厂</a:t>
+                <a:t>后端工厂相关实现算法模块</a:t>
               </a:r>
             </a:p>
           </p:txBody>
@@ -5137,8 +7607,8 @@
           </p:nvCxnSpPr>
           <p:spPr>
             <a:xfrm>
-              <a:off x="7589519" y="2949680"/>
-              <a:ext cx="0" cy="1200288"/>
+              <a:off x="7589519" y="2949681"/>
+              <a:ext cx="0" cy="1200287"/>
             </a:xfrm>
             <a:prstGeom prst="straightConnector1">
               <a:avLst/>
@@ -5183,8 +7653,8 @@
           </p:nvCxnSpPr>
           <p:spPr>
             <a:xfrm>
-              <a:off x="5605976" y="2949680"/>
-              <a:ext cx="0" cy="1200288"/>
+              <a:off x="5605976" y="2949681"/>
+              <a:ext cx="0" cy="1200287"/>
             </a:xfrm>
             <a:prstGeom prst="straightConnector1">
               <a:avLst/>
@@ -5226,7 +7696,7 @@
           </p:nvSpPr>
           <p:spPr>
             <a:xfrm>
-              <a:off x="2743211" y="2296191"/>
+              <a:off x="2743205" y="1248657"/>
               <a:ext cx="1758452" cy="492369"/>
             </a:xfrm>
             <a:prstGeom prst="rect">
@@ -5292,9 +7762,9 @@
             <p:nvPr/>
           </p:nvCxnSpPr>
           <p:spPr>
-            <a:xfrm flipH="1">
-              <a:off x="3622431" y="2788560"/>
-              <a:ext cx="6" cy="533615"/>
+            <a:xfrm>
+              <a:off x="3622431" y="1741026"/>
+              <a:ext cx="0" cy="1581149"/>
             </a:xfrm>
             <a:prstGeom prst="straightConnector1">
               <a:avLst/>
@@ -5382,7 +7852,7 @@
 </p:sld>
 </file>
 
-<file path=ppt/slides/slide4.xml><?xml version="1.0" encoding="utf-8"?>
+<file path=ppt/slides/slide5.xml><?xml version="1.0" encoding="utf-8"?>
 <p:sld xmlns:a="http://schemas.openxmlformats.org/drawingml/2006/main" xmlns:r="http://schemas.openxmlformats.org/officeDocument/2006/relationships" xmlns:p="http://schemas.openxmlformats.org/presentationml/2006/main">
   <p:cSld>
     <p:spTree>
@@ -6410,7 +8880,7 @@
 </p:sld>
 </file>
 
-<file path=ppt/slides/slide5.xml><?xml version="1.0" encoding="utf-8"?>
+<file path=ppt/slides/slide6.xml><?xml version="1.0" encoding="utf-8"?>
 <p:sld xmlns:a="http://schemas.openxmlformats.org/drawingml/2006/main" xmlns:r="http://schemas.openxmlformats.org/officeDocument/2006/relationships" xmlns:p="http://schemas.openxmlformats.org/presentationml/2006/main">
   <p:cSld>
     <p:spTree>
@@ -8600,6 +11070,2440 @@
     <p:extLst>
       <p:ext uri="{BB962C8B-B14F-4D97-AF65-F5344CB8AC3E}">
         <p14:creationId xmlns:p14="http://schemas.microsoft.com/office/powerpoint/2010/main" val="2807682121"/>
+      </p:ext>
+    </p:extLst>
+  </p:cSld>
+  <p:clrMapOvr>
+    <a:masterClrMapping/>
+  </p:clrMapOvr>
+</p:sld>
+</file>
+
+<file path=ppt/slides/slide7.xml><?xml version="1.0" encoding="utf-8"?>
+<p:sld xmlns:a="http://schemas.openxmlformats.org/drawingml/2006/main" xmlns:r="http://schemas.openxmlformats.org/officeDocument/2006/relationships" xmlns:p="http://schemas.openxmlformats.org/presentationml/2006/main">
+  <p:cSld>
+    <p:spTree>
+      <p:nvGrpSpPr>
+        <p:cNvPr id="1" name=""/>
+        <p:cNvGrpSpPr/>
+        <p:nvPr/>
+      </p:nvGrpSpPr>
+      <p:grpSpPr>
+        <a:xfrm>
+          <a:off x="0" y="0"/>
+          <a:ext cx="0" cy="0"/>
+          <a:chOff x="0" y="0"/>
+          <a:chExt cx="0" cy="0"/>
+        </a:xfrm>
+      </p:grpSpPr>
+      <p:sp>
+        <p:nvSpPr>
+          <p:cNvPr id="4" name="矩形 3">
+            <a:extLst>
+              <a:ext uri="{FF2B5EF4-FFF2-40B4-BE49-F238E27FC236}">
+                <a16:creationId xmlns:a16="http://schemas.microsoft.com/office/drawing/2014/main" id="{D2FAC73E-BBD4-4DD3-892B-80EFA0987618}"/>
+              </a:ext>
+            </a:extLst>
+          </p:cNvPr>
+          <p:cNvSpPr/>
+          <p:nvPr/>
+        </p:nvSpPr>
+        <p:spPr>
+          <a:xfrm>
+            <a:off x="1332090" y="1343378"/>
+            <a:ext cx="3036711" cy="3036711"/>
+          </a:xfrm>
+          <a:prstGeom prst="rect">
+            <a:avLst/>
+          </a:prstGeom>
+          <a:noFill/>
+          <a:ln w="19050">
+            <a:solidFill>
+              <a:schemeClr val="tx1"/>
+            </a:solidFill>
+          </a:ln>
+        </p:spPr>
+        <p:style>
+          <a:lnRef idx="2">
+            <a:schemeClr val="accent1">
+              <a:shade val="50000"/>
+            </a:schemeClr>
+          </a:lnRef>
+          <a:fillRef idx="1">
+            <a:schemeClr val="accent1"/>
+          </a:fillRef>
+          <a:effectRef idx="0">
+            <a:schemeClr val="accent1"/>
+          </a:effectRef>
+          <a:fontRef idx="minor">
+            <a:schemeClr val="lt1"/>
+          </a:fontRef>
+        </p:style>
+        <p:txBody>
+          <a:bodyPr rtlCol="0" anchor="ctr"/>
+          <a:lstStyle/>
+          <a:p>
+            <a:pPr algn="ctr"/>
+            <a:endParaRPr lang="zh-CN" altLang="en-US" sz="2800">
+              <a:latin typeface="思源黑体" panose="020B0500000000000000" pitchFamily="34" charset="-122"/>
+              <a:ea typeface="思源黑体" panose="020B0500000000000000" pitchFamily="34" charset="-122"/>
+            </a:endParaRPr>
+          </a:p>
+        </p:txBody>
+      </p:sp>
+      <p:cxnSp>
+        <p:nvCxnSpPr>
+          <p:cNvPr id="6" name="直接连接符 5">
+            <a:extLst>
+              <a:ext uri="{FF2B5EF4-FFF2-40B4-BE49-F238E27FC236}">
+                <a16:creationId xmlns:a16="http://schemas.microsoft.com/office/drawing/2014/main" id="{B3F80C59-66CD-4BE6-8E6F-F9E507B6C354}"/>
+              </a:ext>
+            </a:extLst>
+          </p:cNvPr>
+          <p:cNvCxnSpPr/>
+          <p:nvPr/>
+        </p:nvCxnSpPr>
+        <p:spPr>
+          <a:xfrm>
+            <a:off x="1332090" y="1343378"/>
+            <a:ext cx="3036711" cy="3036711"/>
+          </a:xfrm>
+          <a:prstGeom prst="line">
+            <a:avLst/>
+          </a:prstGeom>
+          <a:ln w="19050">
+            <a:solidFill>
+              <a:schemeClr val="tx1"/>
+            </a:solidFill>
+          </a:ln>
+        </p:spPr>
+        <p:style>
+          <a:lnRef idx="1">
+            <a:schemeClr val="accent1"/>
+          </a:lnRef>
+          <a:fillRef idx="0">
+            <a:schemeClr val="accent1"/>
+          </a:fillRef>
+          <a:effectRef idx="0">
+            <a:schemeClr val="accent1"/>
+          </a:effectRef>
+          <a:fontRef idx="minor">
+            <a:schemeClr val="tx1"/>
+          </a:fontRef>
+        </p:style>
+      </p:cxnSp>
+      <p:cxnSp>
+        <p:nvCxnSpPr>
+          <p:cNvPr id="8" name="直接连接符 7">
+            <a:extLst>
+              <a:ext uri="{FF2B5EF4-FFF2-40B4-BE49-F238E27FC236}">
+                <a16:creationId xmlns:a16="http://schemas.microsoft.com/office/drawing/2014/main" id="{089C4947-AD92-4387-82E5-79F5D66DB1D2}"/>
+              </a:ext>
+            </a:extLst>
+          </p:cNvPr>
+          <p:cNvCxnSpPr/>
+          <p:nvPr/>
+        </p:nvCxnSpPr>
+        <p:spPr>
+          <a:xfrm flipH="1">
+            <a:off x="1332090" y="1343378"/>
+            <a:ext cx="3036711" cy="3036711"/>
+          </a:xfrm>
+          <a:prstGeom prst="line">
+            <a:avLst/>
+          </a:prstGeom>
+          <a:ln w="19050">
+            <a:solidFill>
+              <a:schemeClr val="tx1"/>
+            </a:solidFill>
+          </a:ln>
+        </p:spPr>
+        <p:style>
+          <a:lnRef idx="1">
+            <a:schemeClr val="accent1"/>
+          </a:lnRef>
+          <a:fillRef idx="0">
+            <a:schemeClr val="accent1"/>
+          </a:fillRef>
+          <a:effectRef idx="0">
+            <a:schemeClr val="accent1"/>
+          </a:effectRef>
+          <a:fontRef idx="minor">
+            <a:schemeClr val="tx1"/>
+          </a:fontRef>
+        </p:style>
+      </p:cxnSp>
+      <p:sp>
+        <p:nvSpPr>
+          <p:cNvPr id="9" name="文本框 8">
+            <a:extLst>
+              <a:ext uri="{FF2B5EF4-FFF2-40B4-BE49-F238E27FC236}">
+                <a16:creationId xmlns:a16="http://schemas.microsoft.com/office/drawing/2014/main" id="{86C16060-6A2C-4F5C-A24C-6B2437082978}"/>
+              </a:ext>
+            </a:extLst>
+          </p:cNvPr>
+          <p:cNvSpPr txBox="1"/>
+          <p:nvPr/>
+        </p:nvSpPr>
+        <p:spPr>
+          <a:xfrm>
+            <a:off x="2658726" y="1806223"/>
+            <a:ext cx="383438" cy="523220"/>
+          </a:xfrm>
+          <a:prstGeom prst="rect">
+            <a:avLst/>
+          </a:prstGeom>
+          <a:noFill/>
+          <a:ln w="19050">
+            <a:noFill/>
+          </a:ln>
+        </p:spPr>
+        <p:txBody>
+          <a:bodyPr wrap="none" rtlCol="0">
+            <a:spAutoFit/>
+          </a:bodyPr>
+          <a:lstStyle/>
+          <a:p>
+            <a:r>
+              <a:rPr lang="en-US" altLang="zh-CN" sz="2800" dirty="0">
+                <a:latin typeface="思源黑体" panose="020B0500000000000000" pitchFamily="34" charset="-122"/>
+                <a:ea typeface="思源黑体" panose="020B0500000000000000" pitchFamily="34" charset="-122"/>
+              </a:rPr>
+              <a:t>1</a:t>
+            </a:r>
+            <a:endParaRPr lang="zh-CN" altLang="en-US" sz="2800" dirty="0">
+              <a:latin typeface="思源黑体" panose="020B0500000000000000" pitchFamily="34" charset="-122"/>
+              <a:ea typeface="思源黑体" panose="020B0500000000000000" pitchFamily="34" charset="-122"/>
+            </a:endParaRPr>
+          </a:p>
+        </p:txBody>
+      </p:sp>
+      <p:sp>
+        <p:nvSpPr>
+          <p:cNvPr id="10" name="文本框 9">
+            <a:extLst>
+              <a:ext uri="{FF2B5EF4-FFF2-40B4-BE49-F238E27FC236}">
+                <a16:creationId xmlns:a16="http://schemas.microsoft.com/office/drawing/2014/main" id="{3EF3BC2E-1453-4CC5-AF1D-ED06098A5633}"/>
+              </a:ext>
+            </a:extLst>
+          </p:cNvPr>
+          <p:cNvSpPr txBox="1"/>
+          <p:nvPr/>
+        </p:nvSpPr>
+        <p:spPr>
+          <a:xfrm>
+            <a:off x="3730132" y="2600123"/>
+            <a:ext cx="383438" cy="523220"/>
+          </a:xfrm>
+          <a:prstGeom prst="rect">
+            <a:avLst/>
+          </a:prstGeom>
+          <a:noFill/>
+          <a:ln w="19050">
+            <a:noFill/>
+          </a:ln>
+        </p:spPr>
+        <p:txBody>
+          <a:bodyPr wrap="none" rtlCol="0">
+            <a:spAutoFit/>
+          </a:bodyPr>
+          <a:lstStyle/>
+          <a:p>
+            <a:r>
+              <a:rPr lang="en-US" altLang="zh-CN" sz="2800" dirty="0">
+                <a:latin typeface="思源黑体" panose="020B0500000000000000" pitchFamily="34" charset="-122"/>
+                <a:ea typeface="思源黑体" panose="020B0500000000000000" pitchFamily="34" charset="-122"/>
+              </a:rPr>
+              <a:t>2</a:t>
+            </a:r>
+            <a:endParaRPr lang="zh-CN" altLang="en-US" sz="2800" dirty="0">
+              <a:latin typeface="思源黑体" panose="020B0500000000000000" pitchFamily="34" charset="-122"/>
+              <a:ea typeface="思源黑体" panose="020B0500000000000000" pitchFamily="34" charset="-122"/>
+            </a:endParaRPr>
+          </a:p>
+        </p:txBody>
+      </p:sp>
+      <p:sp>
+        <p:nvSpPr>
+          <p:cNvPr id="11" name="文本框 10">
+            <a:extLst>
+              <a:ext uri="{FF2B5EF4-FFF2-40B4-BE49-F238E27FC236}">
+                <a16:creationId xmlns:a16="http://schemas.microsoft.com/office/drawing/2014/main" id="{3F380FFB-F305-43AA-935F-AB9568A06711}"/>
+              </a:ext>
+            </a:extLst>
+          </p:cNvPr>
+          <p:cNvSpPr txBox="1"/>
+          <p:nvPr/>
+        </p:nvSpPr>
+        <p:spPr>
+          <a:xfrm>
+            <a:off x="2658726" y="3674534"/>
+            <a:ext cx="383438" cy="523220"/>
+          </a:xfrm>
+          <a:prstGeom prst="rect">
+            <a:avLst/>
+          </a:prstGeom>
+          <a:noFill/>
+          <a:ln w="19050">
+            <a:noFill/>
+          </a:ln>
+        </p:spPr>
+        <p:txBody>
+          <a:bodyPr wrap="none" rtlCol="0">
+            <a:spAutoFit/>
+          </a:bodyPr>
+          <a:lstStyle/>
+          <a:p>
+            <a:r>
+              <a:rPr lang="en-US" altLang="zh-CN" sz="2800" dirty="0">
+                <a:latin typeface="思源黑体" panose="020B0500000000000000" pitchFamily="34" charset="-122"/>
+                <a:ea typeface="思源黑体" panose="020B0500000000000000" pitchFamily="34" charset="-122"/>
+              </a:rPr>
+              <a:t>3</a:t>
+            </a:r>
+            <a:endParaRPr lang="zh-CN" altLang="en-US" sz="2800" dirty="0">
+              <a:latin typeface="思源黑体" panose="020B0500000000000000" pitchFamily="34" charset="-122"/>
+              <a:ea typeface="思源黑体" panose="020B0500000000000000" pitchFamily="34" charset="-122"/>
+            </a:endParaRPr>
+          </a:p>
+        </p:txBody>
+      </p:sp>
+      <p:sp>
+        <p:nvSpPr>
+          <p:cNvPr id="12" name="文本框 11">
+            <a:extLst>
+              <a:ext uri="{FF2B5EF4-FFF2-40B4-BE49-F238E27FC236}">
+                <a16:creationId xmlns:a16="http://schemas.microsoft.com/office/drawing/2014/main" id="{F2BDFAE2-753B-498D-AC77-4DCCBD489634}"/>
+              </a:ext>
+            </a:extLst>
+          </p:cNvPr>
+          <p:cNvSpPr txBox="1"/>
+          <p:nvPr/>
+        </p:nvSpPr>
+        <p:spPr>
+          <a:xfrm>
+            <a:off x="1720710" y="2600123"/>
+            <a:ext cx="383438" cy="523220"/>
+          </a:xfrm>
+          <a:prstGeom prst="rect">
+            <a:avLst/>
+          </a:prstGeom>
+          <a:noFill/>
+          <a:ln w="19050">
+            <a:noFill/>
+          </a:ln>
+        </p:spPr>
+        <p:txBody>
+          <a:bodyPr wrap="none" rtlCol="0">
+            <a:spAutoFit/>
+          </a:bodyPr>
+          <a:lstStyle/>
+          <a:p>
+            <a:r>
+              <a:rPr lang="en-US" altLang="zh-CN" sz="2800" dirty="0">
+                <a:latin typeface="思源黑体" panose="020B0500000000000000" pitchFamily="34" charset="-122"/>
+                <a:ea typeface="思源黑体" panose="020B0500000000000000" pitchFamily="34" charset="-122"/>
+              </a:rPr>
+              <a:t>4</a:t>
+            </a:r>
+          </a:p>
+        </p:txBody>
+      </p:sp>
+      <p:sp>
+        <p:nvSpPr>
+          <p:cNvPr id="13" name="文本框 12">
+            <a:extLst>
+              <a:ext uri="{FF2B5EF4-FFF2-40B4-BE49-F238E27FC236}">
+                <a16:creationId xmlns:a16="http://schemas.microsoft.com/office/drawing/2014/main" id="{3BF88F16-70CB-49C2-8877-95DBC57B8AC8}"/>
+              </a:ext>
+            </a:extLst>
+          </p:cNvPr>
+          <p:cNvSpPr txBox="1"/>
+          <p:nvPr/>
+        </p:nvSpPr>
+        <p:spPr>
+          <a:xfrm flipH="1">
+            <a:off x="434341" y="753322"/>
+            <a:ext cx="1795497" cy="461665"/>
+          </a:xfrm>
+          <a:prstGeom prst="rect">
+            <a:avLst/>
+          </a:prstGeom>
+          <a:noFill/>
+        </p:spPr>
+        <p:txBody>
+          <a:bodyPr wrap="square" rtlCol="0">
+            <a:spAutoFit/>
+          </a:bodyPr>
+          <a:lstStyle/>
+          <a:p>
+            <a:r>
+              <a:rPr lang="en-US" altLang="zh-CN" sz="2400" dirty="0">
+                <a:latin typeface="思源黑体" panose="020B0500000000000000" pitchFamily="34" charset="-122"/>
+                <a:ea typeface="思源黑体" panose="020B0500000000000000" pitchFamily="34" charset="-122"/>
+              </a:rPr>
+              <a:t>height[t, l]</a:t>
+            </a:r>
+            <a:endParaRPr lang="zh-CN" altLang="en-US" sz="2400" dirty="0">
+              <a:latin typeface="思源黑体" panose="020B0500000000000000" pitchFamily="34" charset="-122"/>
+              <a:ea typeface="思源黑体" panose="020B0500000000000000" pitchFamily="34" charset="-122"/>
+            </a:endParaRPr>
+          </a:p>
+        </p:txBody>
+      </p:sp>
+      <p:sp>
+        <p:nvSpPr>
+          <p:cNvPr id="14" name="文本框 13">
+            <a:extLst>
+              <a:ext uri="{FF2B5EF4-FFF2-40B4-BE49-F238E27FC236}">
+                <a16:creationId xmlns:a16="http://schemas.microsoft.com/office/drawing/2014/main" id="{EA563060-F192-4A01-A13D-02B465FE5215}"/>
+              </a:ext>
+            </a:extLst>
+          </p:cNvPr>
+          <p:cNvSpPr txBox="1"/>
+          <p:nvPr/>
+        </p:nvSpPr>
+        <p:spPr>
+          <a:xfrm flipH="1">
+            <a:off x="3922235" y="753322"/>
+            <a:ext cx="2040002" cy="461665"/>
+          </a:xfrm>
+          <a:prstGeom prst="rect">
+            <a:avLst/>
+          </a:prstGeom>
+          <a:noFill/>
+        </p:spPr>
+        <p:txBody>
+          <a:bodyPr wrap="square" rtlCol="0">
+            <a:spAutoFit/>
+          </a:bodyPr>
+          <a:lstStyle/>
+          <a:p>
+            <a:r>
+              <a:rPr lang="en-US" altLang="zh-CN" sz="2400" dirty="0">
+                <a:latin typeface="思源黑体" panose="020B0500000000000000" pitchFamily="34" charset="-122"/>
+                <a:ea typeface="思源黑体" panose="020B0500000000000000" pitchFamily="34" charset="-122"/>
+              </a:rPr>
+              <a:t>height[t, l + 1]</a:t>
+            </a:r>
+            <a:endParaRPr lang="zh-CN" altLang="en-US" sz="2400" dirty="0">
+              <a:latin typeface="思源黑体" panose="020B0500000000000000" pitchFamily="34" charset="-122"/>
+              <a:ea typeface="思源黑体" panose="020B0500000000000000" pitchFamily="34" charset="-122"/>
+            </a:endParaRPr>
+          </a:p>
+        </p:txBody>
+      </p:sp>
+      <p:sp>
+        <p:nvSpPr>
+          <p:cNvPr id="15" name="文本框 14">
+            <a:extLst>
+              <a:ext uri="{FF2B5EF4-FFF2-40B4-BE49-F238E27FC236}">
+                <a16:creationId xmlns:a16="http://schemas.microsoft.com/office/drawing/2014/main" id="{AE3DC11F-BEA1-41BE-8773-CCB64C9CC208}"/>
+              </a:ext>
+            </a:extLst>
+          </p:cNvPr>
+          <p:cNvSpPr txBox="1"/>
+          <p:nvPr/>
+        </p:nvSpPr>
+        <p:spPr>
+          <a:xfrm flipH="1">
+            <a:off x="513082" y="4546796"/>
+            <a:ext cx="2218830" cy="461665"/>
+          </a:xfrm>
+          <a:prstGeom prst="rect">
+            <a:avLst/>
+          </a:prstGeom>
+          <a:noFill/>
+        </p:spPr>
+        <p:txBody>
+          <a:bodyPr wrap="square" rtlCol="0">
+            <a:spAutoFit/>
+          </a:bodyPr>
+          <a:lstStyle/>
+          <a:p>
+            <a:r>
+              <a:rPr lang="en-US" altLang="zh-CN" sz="2400" dirty="0">
+                <a:latin typeface="思源黑体" panose="020B0500000000000000" pitchFamily="34" charset="-122"/>
+                <a:ea typeface="思源黑体" panose="020B0500000000000000" pitchFamily="34" charset="-122"/>
+              </a:rPr>
+              <a:t>height[t + 1, l]</a:t>
+            </a:r>
+            <a:endParaRPr lang="zh-CN" altLang="en-US" sz="2400" dirty="0">
+              <a:latin typeface="思源黑体" panose="020B0500000000000000" pitchFamily="34" charset="-122"/>
+              <a:ea typeface="思源黑体" panose="020B0500000000000000" pitchFamily="34" charset="-122"/>
+            </a:endParaRPr>
+          </a:p>
+        </p:txBody>
+      </p:sp>
+      <p:sp>
+        <p:nvSpPr>
+          <p:cNvPr id="16" name="文本框 15">
+            <a:extLst>
+              <a:ext uri="{FF2B5EF4-FFF2-40B4-BE49-F238E27FC236}">
+                <a16:creationId xmlns:a16="http://schemas.microsoft.com/office/drawing/2014/main" id="{3A613EA6-6ECB-44A4-8708-B9FB1195CC28}"/>
+              </a:ext>
+            </a:extLst>
+          </p:cNvPr>
+          <p:cNvSpPr txBox="1"/>
+          <p:nvPr/>
+        </p:nvSpPr>
+        <p:spPr>
+          <a:xfrm flipH="1">
+            <a:off x="3657510" y="4543934"/>
+            <a:ext cx="2569452" cy="461665"/>
+          </a:xfrm>
+          <a:prstGeom prst="rect">
+            <a:avLst/>
+          </a:prstGeom>
+          <a:noFill/>
+        </p:spPr>
+        <p:txBody>
+          <a:bodyPr wrap="square" rtlCol="0">
+            <a:spAutoFit/>
+          </a:bodyPr>
+          <a:lstStyle/>
+          <a:p>
+            <a:r>
+              <a:rPr lang="en-US" altLang="zh-CN" sz="2400" dirty="0">
+                <a:latin typeface="思源黑体" panose="020B0500000000000000" pitchFamily="34" charset="-122"/>
+                <a:ea typeface="思源黑体" panose="020B0500000000000000" pitchFamily="34" charset="-122"/>
+              </a:rPr>
+              <a:t>height[t + 1, l + 1]</a:t>
+            </a:r>
+            <a:endParaRPr lang="zh-CN" altLang="en-US" sz="2400" dirty="0">
+              <a:latin typeface="思源黑体" panose="020B0500000000000000" pitchFamily="34" charset="-122"/>
+              <a:ea typeface="思源黑体" panose="020B0500000000000000" pitchFamily="34" charset="-122"/>
+            </a:endParaRPr>
+          </a:p>
+        </p:txBody>
+      </p:sp>
+      <p:sp>
+        <p:nvSpPr>
+          <p:cNvPr id="17" name="文本框 16">
+            <a:extLst>
+              <a:ext uri="{FF2B5EF4-FFF2-40B4-BE49-F238E27FC236}">
+                <a16:creationId xmlns:a16="http://schemas.microsoft.com/office/drawing/2014/main" id="{73D86D5D-94DD-4FB2-B6A7-824EBBFA9828}"/>
+              </a:ext>
+            </a:extLst>
+          </p:cNvPr>
+          <p:cNvSpPr txBox="1"/>
+          <p:nvPr/>
+        </p:nvSpPr>
+        <p:spPr>
+          <a:xfrm>
+            <a:off x="2731912" y="2967335"/>
+            <a:ext cx="1820691" cy="461665"/>
+          </a:xfrm>
+          <a:prstGeom prst="rect">
+            <a:avLst/>
+          </a:prstGeom>
+          <a:noFill/>
+          <a:effectLst/>
+        </p:spPr>
+        <p:txBody>
+          <a:bodyPr wrap="none" rtlCol="0">
+            <a:spAutoFit/>
+          </a:bodyPr>
+          <a:lstStyle/>
+          <a:p>
+            <a:r>
+              <a:rPr lang="en-US" altLang="zh-CN" sz="2400" b="1" dirty="0" err="1">
+                <a:ln w="19050" cmpd="sng">
+                  <a:solidFill>
+                    <a:srgbClr val="FF0000"/>
+                  </a:solidFill>
+                  <a:prstDash val="solid"/>
+                </a:ln>
+                <a:solidFill>
+                  <a:schemeClr val="bg1"/>
+                </a:solidFill>
+                <a:effectLst>
+                  <a:outerShdw blurRad="101600" dist="38100" dir="2700000" algn="tl" rotWithShape="0">
+                    <a:schemeClr val="tx1"/>
+                  </a:outerShdw>
+                </a:effectLst>
+                <a:latin typeface="思源黑体" panose="020B0500000000000000" pitchFamily="34" charset="-122"/>
+                <a:ea typeface="思源黑体" panose="020B0500000000000000" pitchFamily="34" charset="-122"/>
+              </a:rPr>
+              <a:t>midval</a:t>
+            </a:r>
+            <a:r>
+              <a:rPr lang="en-US" altLang="zh-CN" sz="2400" b="1" dirty="0">
+                <a:ln w="19050" cmpd="sng">
+                  <a:solidFill>
+                    <a:srgbClr val="FF0000"/>
+                  </a:solidFill>
+                  <a:prstDash val="solid"/>
+                </a:ln>
+                <a:solidFill>
+                  <a:schemeClr val="bg1"/>
+                </a:solidFill>
+                <a:effectLst>
+                  <a:outerShdw blurRad="101600" dist="38100" dir="2700000" algn="tl" rotWithShape="0">
+                    <a:schemeClr val="tx1"/>
+                  </a:outerShdw>
+                </a:effectLst>
+                <a:latin typeface="思源黑体" panose="020B0500000000000000" pitchFamily="34" charset="-122"/>
+                <a:ea typeface="思源黑体" panose="020B0500000000000000" pitchFamily="34" charset="-122"/>
+              </a:rPr>
+              <a:t>[I, j]</a:t>
+            </a:r>
+            <a:endParaRPr lang="zh-CN" altLang="en-US" sz="2400" b="1" dirty="0">
+              <a:ln w="19050" cmpd="sng">
+                <a:solidFill>
+                  <a:srgbClr val="FF0000"/>
+                </a:solidFill>
+                <a:prstDash val="solid"/>
+              </a:ln>
+              <a:solidFill>
+                <a:schemeClr val="bg1"/>
+              </a:solidFill>
+              <a:effectLst>
+                <a:outerShdw blurRad="101600" dist="38100" dir="2700000" algn="tl" rotWithShape="0">
+                  <a:schemeClr val="tx1"/>
+                </a:outerShdw>
+              </a:effectLst>
+              <a:latin typeface="思源黑体" panose="020B0500000000000000" pitchFamily="34" charset="-122"/>
+              <a:ea typeface="思源黑体" panose="020B0500000000000000" pitchFamily="34" charset="-122"/>
+            </a:endParaRPr>
+          </a:p>
+        </p:txBody>
+      </p:sp>
+      <p:sp>
+        <p:nvSpPr>
+          <p:cNvPr id="18" name="椭圆 17">
+            <a:extLst>
+              <a:ext uri="{FF2B5EF4-FFF2-40B4-BE49-F238E27FC236}">
+                <a16:creationId xmlns:a16="http://schemas.microsoft.com/office/drawing/2014/main" id="{3773E45F-D584-45C8-B2B5-A246C1173AD8}"/>
+              </a:ext>
+            </a:extLst>
+          </p:cNvPr>
+          <p:cNvSpPr/>
+          <p:nvPr/>
+        </p:nvSpPr>
+        <p:spPr>
+          <a:xfrm>
+            <a:off x="1260089" y="1271378"/>
+            <a:ext cx="144000" cy="144000"/>
+          </a:xfrm>
+          <a:prstGeom prst="ellipse">
+            <a:avLst/>
+          </a:prstGeom>
+          <a:solidFill>
+            <a:schemeClr val="bg1">
+              <a:lumMod val="95000"/>
+            </a:schemeClr>
+          </a:solidFill>
+          <a:ln w="25400">
+            <a:solidFill>
+              <a:schemeClr val="tx1"/>
+            </a:solidFill>
+          </a:ln>
+          <a:effectLst>
+            <a:outerShdw blurRad="50800" dist="38100" dir="2700000" algn="tl" rotWithShape="0">
+              <a:prstClr val="black">
+                <a:alpha val="40000"/>
+              </a:prstClr>
+            </a:outerShdw>
+          </a:effectLst>
+        </p:spPr>
+        <p:style>
+          <a:lnRef idx="2">
+            <a:schemeClr val="accent1">
+              <a:shade val="50000"/>
+            </a:schemeClr>
+          </a:lnRef>
+          <a:fillRef idx="1">
+            <a:schemeClr val="accent1"/>
+          </a:fillRef>
+          <a:effectRef idx="0">
+            <a:schemeClr val="accent1"/>
+          </a:effectRef>
+          <a:fontRef idx="minor">
+            <a:schemeClr val="lt1"/>
+          </a:fontRef>
+        </p:style>
+        <p:txBody>
+          <a:bodyPr rtlCol="0" anchor="ctr"/>
+          <a:lstStyle/>
+          <a:p>
+            <a:pPr algn="ctr"/>
+            <a:endParaRPr lang="zh-CN" altLang="en-US"/>
+          </a:p>
+        </p:txBody>
+      </p:sp>
+      <p:sp>
+        <p:nvSpPr>
+          <p:cNvPr id="19" name="椭圆 18">
+            <a:extLst>
+              <a:ext uri="{FF2B5EF4-FFF2-40B4-BE49-F238E27FC236}">
+                <a16:creationId xmlns:a16="http://schemas.microsoft.com/office/drawing/2014/main" id="{8DF08511-4B37-412F-A27A-95238674BF95}"/>
+              </a:ext>
+            </a:extLst>
+          </p:cNvPr>
+          <p:cNvSpPr/>
+          <p:nvPr/>
+        </p:nvSpPr>
+        <p:spPr>
+          <a:xfrm>
+            <a:off x="4296801" y="1271378"/>
+            <a:ext cx="144000" cy="144000"/>
+          </a:xfrm>
+          <a:prstGeom prst="ellipse">
+            <a:avLst/>
+          </a:prstGeom>
+          <a:solidFill>
+            <a:schemeClr val="bg1">
+              <a:lumMod val="95000"/>
+            </a:schemeClr>
+          </a:solidFill>
+          <a:ln w="25400">
+            <a:solidFill>
+              <a:schemeClr val="tx1"/>
+            </a:solidFill>
+          </a:ln>
+          <a:effectLst>
+            <a:outerShdw blurRad="50800" dist="38100" dir="2700000" algn="tl" rotWithShape="0">
+              <a:prstClr val="black">
+                <a:alpha val="40000"/>
+              </a:prstClr>
+            </a:outerShdw>
+          </a:effectLst>
+        </p:spPr>
+        <p:style>
+          <a:lnRef idx="2">
+            <a:schemeClr val="accent1">
+              <a:shade val="50000"/>
+            </a:schemeClr>
+          </a:lnRef>
+          <a:fillRef idx="1">
+            <a:schemeClr val="accent1"/>
+          </a:fillRef>
+          <a:effectRef idx="0">
+            <a:schemeClr val="accent1"/>
+          </a:effectRef>
+          <a:fontRef idx="minor">
+            <a:schemeClr val="lt1"/>
+          </a:fontRef>
+        </p:style>
+        <p:txBody>
+          <a:bodyPr rtlCol="0" anchor="ctr"/>
+          <a:lstStyle/>
+          <a:p>
+            <a:pPr algn="ctr"/>
+            <a:endParaRPr lang="zh-CN" altLang="en-US"/>
+          </a:p>
+        </p:txBody>
+      </p:sp>
+      <p:sp>
+        <p:nvSpPr>
+          <p:cNvPr id="20" name="椭圆 19">
+            <a:extLst>
+              <a:ext uri="{FF2B5EF4-FFF2-40B4-BE49-F238E27FC236}">
+                <a16:creationId xmlns:a16="http://schemas.microsoft.com/office/drawing/2014/main" id="{F8091F9E-E8CF-4357-9994-63AE7271FF55}"/>
+              </a:ext>
+            </a:extLst>
+          </p:cNvPr>
+          <p:cNvSpPr/>
+          <p:nvPr/>
+        </p:nvSpPr>
+        <p:spPr>
+          <a:xfrm>
+            <a:off x="1260089" y="4308089"/>
+            <a:ext cx="144000" cy="144000"/>
+          </a:xfrm>
+          <a:prstGeom prst="ellipse">
+            <a:avLst/>
+          </a:prstGeom>
+          <a:solidFill>
+            <a:schemeClr val="bg1">
+              <a:lumMod val="95000"/>
+            </a:schemeClr>
+          </a:solidFill>
+          <a:ln w="25400">
+            <a:solidFill>
+              <a:schemeClr val="tx1"/>
+            </a:solidFill>
+          </a:ln>
+          <a:effectLst>
+            <a:outerShdw blurRad="50800" dist="38100" dir="2700000" algn="tl" rotWithShape="0">
+              <a:prstClr val="black">
+                <a:alpha val="40000"/>
+              </a:prstClr>
+            </a:outerShdw>
+          </a:effectLst>
+        </p:spPr>
+        <p:style>
+          <a:lnRef idx="2">
+            <a:schemeClr val="accent1">
+              <a:shade val="50000"/>
+            </a:schemeClr>
+          </a:lnRef>
+          <a:fillRef idx="1">
+            <a:schemeClr val="accent1"/>
+          </a:fillRef>
+          <a:effectRef idx="0">
+            <a:schemeClr val="accent1"/>
+          </a:effectRef>
+          <a:fontRef idx="minor">
+            <a:schemeClr val="lt1"/>
+          </a:fontRef>
+        </p:style>
+        <p:txBody>
+          <a:bodyPr rtlCol="0" anchor="ctr"/>
+          <a:lstStyle/>
+          <a:p>
+            <a:pPr algn="ctr"/>
+            <a:endParaRPr lang="zh-CN" altLang="en-US"/>
+          </a:p>
+        </p:txBody>
+      </p:sp>
+      <p:sp>
+        <p:nvSpPr>
+          <p:cNvPr id="21" name="椭圆 20">
+            <a:extLst>
+              <a:ext uri="{FF2B5EF4-FFF2-40B4-BE49-F238E27FC236}">
+                <a16:creationId xmlns:a16="http://schemas.microsoft.com/office/drawing/2014/main" id="{FF9753B1-3319-40DF-901E-2C539B254615}"/>
+              </a:ext>
+            </a:extLst>
+          </p:cNvPr>
+          <p:cNvSpPr/>
+          <p:nvPr/>
+        </p:nvSpPr>
+        <p:spPr>
+          <a:xfrm>
+            <a:off x="4296801" y="4308089"/>
+            <a:ext cx="144000" cy="144000"/>
+          </a:xfrm>
+          <a:prstGeom prst="ellipse">
+            <a:avLst/>
+          </a:prstGeom>
+          <a:solidFill>
+            <a:schemeClr val="bg1">
+              <a:lumMod val="95000"/>
+            </a:schemeClr>
+          </a:solidFill>
+          <a:ln w="25400">
+            <a:solidFill>
+              <a:schemeClr val="tx1"/>
+            </a:solidFill>
+          </a:ln>
+          <a:effectLst>
+            <a:outerShdw blurRad="50800" dist="38100" dir="2700000" algn="tl" rotWithShape="0">
+              <a:prstClr val="black">
+                <a:alpha val="40000"/>
+              </a:prstClr>
+            </a:outerShdw>
+          </a:effectLst>
+        </p:spPr>
+        <p:style>
+          <a:lnRef idx="2">
+            <a:schemeClr val="accent1">
+              <a:shade val="50000"/>
+            </a:schemeClr>
+          </a:lnRef>
+          <a:fillRef idx="1">
+            <a:schemeClr val="accent1"/>
+          </a:fillRef>
+          <a:effectRef idx="0">
+            <a:schemeClr val="accent1"/>
+          </a:effectRef>
+          <a:fontRef idx="minor">
+            <a:schemeClr val="lt1"/>
+          </a:fontRef>
+        </p:style>
+        <p:txBody>
+          <a:bodyPr rtlCol="0" anchor="ctr"/>
+          <a:lstStyle/>
+          <a:p>
+            <a:pPr algn="ctr"/>
+            <a:endParaRPr lang="zh-CN" altLang="en-US"/>
+          </a:p>
+        </p:txBody>
+      </p:sp>
+      <p:sp>
+        <p:nvSpPr>
+          <p:cNvPr id="22" name="椭圆 21">
+            <a:extLst>
+              <a:ext uri="{FF2B5EF4-FFF2-40B4-BE49-F238E27FC236}">
+                <a16:creationId xmlns:a16="http://schemas.microsoft.com/office/drawing/2014/main" id="{3090F03E-9CBA-496F-8EE1-CB3213981C78}"/>
+              </a:ext>
+            </a:extLst>
+          </p:cNvPr>
+          <p:cNvSpPr/>
+          <p:nvPr/>
+        </p:nvSpPr>
+        <p:spPr>
+          <a:xfrm>
+            <a:off x="2781078" y="2790305"/>
+            <a:ext cx="144000" cy="144000"/>
+          </a:xfrm>
+          <a:prstGeom prst="ellipse">
+            <a:avLst/>
+          </a:prstGeom>
+          <a:solidFill>
+            <a:schemeClr val="bg1">
+              <a:lumMod val="95000"/>
+            </a:schemeClr>
+          </a:solidFill>
+          <a:ln w="25400">
+            <a:solidFill>
+              <a:srgbClr val="FF0000"/>
+            </a:solidFill>
+          </a:ln>
+          <a:effectLst>
+            <a:outerShdw blurRad="50800" dist="38100" dir="2700000" algn="tl" rotWithShape="0">
+              <a:schemeClr val="tx1">
+                <a:alpha val="80000"/>
+              </a:schemeClr>
+            </a:outerShdw>
+          </a:effectLst>
+        </p:spPr>
+        <p:style>
+          <a:lnRef idx="2">
+            <a:schemeClr val="accent1">
+              <a:shade val="50000"/>
+            </a:schemeClr>
+          </a:lnRef>
+          <a:fillRef idx="1">
+            <a:schemeClr val="accent1"/>
+          </a:fillRef>
+          <a:effectRef idx="0">
+            <a:schemeClr val="accent1"/>
+          </a:effectRef>
+          <a:fontRef idx="minor">
+            <a:schemeClr val="lt1"/>
+          </a:fontRef>
+        </p:style>
+        <p:txBody>
+          <a:bodyPr rtlCol="0" anchor="ctr"/>
+          <a:lstStyle/>
+          <a:p>
+            <a:pPr algn="ctr"/>
+            <a:endParaRPr lang="zh-CN" altLang="en-US"/>
+          </a:p>
+        </p:txBody>
+      </p:sp>
+    </p:spTree>
+    <p:extLst>
+      <p:ext uri="{BB962C8B-B14F-4D97-AF65-F5344CB8AC3E}">
+        <p14:creationId xmlns:p14="http://schemas.microsoft.com/office/powerpoint/2010/main" val="1291457161"/>
+      </p:ext>
+    </p:extLst>
+  </p:cSld>
+  <p:clrMapOvr>
+    <a:masterClrMapping/>
+  </p:clrMapOvr>
+</p:sld>
+</file>
+
+<file path=ppt/slides/slide8.xml><?xml version="1.0" encoding="utf-8"?>
+<p:sld xmlns:a="http://schemas.openxmlformats.org/drawingml/2006/main" xmlns:r="http://schemas.openxmlformats.org/officeDocument/2006/relationships" xmlns:p="http://schemas.openxmlformats.org/presentationml/2006/main">
+  <p:cSld>
+    <p:spTree>
+      <p:nvGrpSpPr>
+        <p:cNvPr id="1" name=""/>
+        <p:cNvGrpSpPr/>
+        <p:nvPr/>
+      </p:nvGrpSpPr>
+      <p:grpSpPr>
+        <a:xfrm>
+          <a:off x="0" y="0"/>
+          <a:ext cx="0" cy="0"/>
+          <a:chOff x="0" y="0"/>
+          <a:chExt cx="0" cy="0"/>
+        </a:xfrm>
+      </p:grpSpPr>
+      <p:sp>
+        <p:nvSpPr>
+          <p:cNvPr id="4" name="矩形 3">
+            <a:extLst>
+              <a:ext uri="{FF2B5EF4-FFF2-40B4-BE49-F238E27FC236}">
+                <a16:creationId xmlns:a16="http://schemas.microsoft.com/office/drawing/2014/main" id="{76412089-CF2F-46DA-B744-7FC75F698E35}"/>
+              </a:ext>
+            </a:extLst>
+          </p:cNvPr>
+          <p:cNvSpPr/>
+          <p:nvPr/>
+        </p:nvSpPr>
+        <p:spPr>
+          <a:xfrm>
+            <a:off x="1866900" y="1028700"/>
+            <a:ext cx="2286000" cy="2286000"/>
+          </a:xfrm>
+          <a:prstGeom prst="rect">
+            <a:avLst/>
+          </a:prstGeom>
+          <a:noFill/>
+          <a:ln w="12700">
+            <a:solidFill>
+              <a:schemeClr val="tx1"/>
+            </a:solidFill>
+          </a:ln>
+        </p:spPr>
+        <p:style>
+          <a:lnRef idx="2">
+            <a:schemeClr val="accent1">
+              <a:shade val="50000"/>
+            </a:schemeClr>
+          </a:lnRef>
+          <a:fillRef idx="1">
+            <a:schemeClr val="accent1"/>
+          </a:fillRef>
+          <a:effectRef idx="0">
+            <a:schemeClr val="accent1"/>
+          </a:effectRef>
+          <a:fontRef idx="minor">
+            <a:schemeClr val="lt1"/>
+          </a:fontRef>
+        </p:style>
+        <p:txBody>
+          <a:bodyPr rtlCol="0" anchor="ctr"/>
+          <a:lstStyle/>
+          <a:p>
+            <a:pPr algn="ctr"/>
+            <a:endParaRPr lang="zh-CN" altLang="en-US"/>
+          </a:p>
+        </p:txBody>
+      </p:sp>
+      <p:sp>
+        <p:nvSpPr>
+          <p:cNvPr id="5" name="椭圆 4">
+            <a:extLst>
+              <a:ext uri="{FF2B5EF4-FFF2-40B4-BE49-F238E27FC236}">
+                <a16:creationId xmlns:a16="http://schemas.microsoft.com/office/drawing/2014/main" id="{50CB5EEE-5E1B-4812-836E-ED149DC1B4F6}"/>
+              </a:ext>
+            </a:extLst>
+          </p:cNvPr>
+          <p:cNvSpPr/>
+          <p:nvPr/>
+        </p:nvSpPr>
+        <p:spPr>
+          <a:xfrm>
+            <a:off x="1794900" y="956700"/>
+            <a:ext cx="144000" cy="144000"/>
+          </a:xfrm>
+          <a:prstGeom prst="ellipse">
+            <a:avLst/>
+          </a:prstGeom>
+          <a:solidFill>
+            <a:schemeClr val="tx1">
+              <a:lumMod val="95000"/>
+              <a:lumOff val="5000"/>
+            </a:schemeClr>
+          </a:solidFill>
+          <a:ln w="25400">
+            <a:solidFill>
+              <a:schemeClr val="tx1"/>
+            </a:solidFill>
+          </a:ln>
+          <a:effectLst>
+            <a:outerShdw blurRad="50800" dist="38100" dir="2700000" algn="tl" rotWithShape="0">
+              <a:prstClr val="black">
+                <a:alpha val="40000"/>
+              </a:prstClr>
+            </a:outerShdw>
+          </a:effectLst>
+        </p:spPr>
+        <p:style>
+          <a:lnRef idx="2">
+            <a:schemeClr val="accent1">
+              <a:shade val="50000"/>
+            </a:schemeClr>
+          </a:lnRef>
+          <a:fillRef idx="1">
+            <a:schemeClr val="accent1"/>
+          </a:fillRef>
+          <a:effectRef idx="0">
+            <a:schemeClr val="accent1"/>
+          </a:effectRef>
+          <a:fontRef idx="minor">
+            <a:schemeClr val="lt1"/>
+          </a:fontRef>
+        </p:style>
+        <p:txBody>
+          <a:bodyPr rtlCol="0" anchor="ctr"/>
+          <a:lstStyle/>
+          <a:p>
+            <a:pPr algn="ctr"/>
+            <a:endParaRPr lang="zh-CN" altLang="en-US"/>
+          </a:p>
+        </p:txBody>
+      </p:sp>
+      <p:sp>
+        <p:nvSpPr>
+          <p:cNvPr id="6" name="椭圆 5">
+            <a:extLst>
+              <a:ext uri="{FF2B5EF4-FFF2-40B4-BE49-F238E27FC236}">
+                <a16:creationId xmlns:a16="http://schemas.microsoft.com/office/drawing/2014/main" id="{90031A89-6B86-4CA8-AD78-FC4CBA4B530E}"/>
+              </a:ext>
+            </a:extLst>
+          </p:cNvPr>
+          <p:cNvSpPr/>
+          <p:nvPr/>
+        </p:nvSpPr>
+        <p:spPr>
+          <a:xfrm>
+            <a:off x="4080900" y="956700"/>
+            <a:ext cx="144000" cy="144000"/>
+          </a:xfrm>
+          <a:prstGeom prst="ellipse">
+            <a:avLst/>
+          </a:prstGeom>
+          <a:solidFill>
+            <a:schemeClr val="tx1">
+              <a:lumMod val="95000"/>
+              <a:lumOff val="5000"/>
+            </a:schemeClr>
+          </a:solidFill>
+          <a:ln w="25400">
+            <a:solidFill>
+              <a:schemeClr val="tx1"/>
+            </a:solidFill>
+          </a:ln>
+          <a:effectLst>
+            <a:outerShdw blurRad="50800" dist="38100" dir="2700000" algn="tl" rotWithShape="0">
+              <a:prstClr val="black">
+                <a:alpha val="40000"/>
+              </a:prstClr>
+            </a:outerShdw>
+          </a:effectLst>
+        </p:spPr>
+        <p:style>
+          <a:lnRef idx="2">
+            <a:schemeClr val="accent1">
+              <a:shade val="50000"/>
+            </a:schemeClr>
+          </a:lnRef>
+          <a:fillRef idx="1">
+            <a:schemeClr val="accent1"/>
+          </a:fillRef>
+          <a:effectRef idx="0">
+            <a:schemeClr val="accent1"/>
+          </a:effectRef>
+          <a:fontRef idx="minor">
+            <a:schemeClr val="lt1"/>
+          </a:fontRef>
+        </p:style>
+        <p:txBody>
+          <a:bodyPr rtlCol="0" anchor="ctr"/>
+          <a:lstStyle/>
+          <a:p>
+            <a:pPr algn="ctr"/>
+            <a:endParaRPr lang="zh-CN" altLang="en-US"/>
+          </a:p>
+        </p:txBody>
+      </p:sp>
+      <p:sp>
+        <p:nvSpPr>
+          <p:cNvPr id="7" name="椭圆 6">
+            <a:extLst>
+              <a:ext uri="{FF2B5EF4-FFF2-40B4-BE49-F238E27FC236}">
+                <a16:creationId xmlns:a16="http://schemas.microsoft.com/office/drawing/2014/main" id="{D047561E-3228-458E-89A1-01F2D56FFC02}"/>
+              </a:ext>
+            </a:extLst>
+          </p:cNvPr>
+          <p:cNvSpPr/>
+          <p:nvPr/>
+        </p:nvSpPr>
+        <p:spPr>
+          <a:xfrm>
+            <a:off x="1794900" y="3242700"/>
+            <a:ext cx="144000" cy="144000"/>
+          </a:xfrm>
+          <a:prstGeom prst="ellipse">
+            <a:avLst/>
+          </a:prstGeom>
+          <a:solidFill>
+            <a:schemeClr val="tx1">
+              <a:lumMod val="95000"/>
+              <a:lumOff val="5000"/>
+            </a:schemeClr>
+          </a:solidFill>
+          <a:ln w="25400">
+            <a:solidFill>
+              <a:schemeClr val="tx1"/>
+            </a:solidFill>
+          </a:ln>
+          <a:effectLst>
+            <a:outerShdw blurRad="50800" dist="38100" dir="2700000" algn="tl" rotWithShape="0">
+              <a:prstClr val="black">
+                <a:alpha val="40000"/>
+              </a:prstClr>
+            </a:outerShdw>
+          </a:effectLst>
+        </p:spPr>
+        <p:style>
+          <a:lnRef idx="2">
+            <a:schemeClr val="accent1">
+              <a:shade val="50000"/>
+            </a:schemeClr>
+          </a:lnRef>
+          <a:fillRef idx="1">
+            <a:schemeClr val="accent1"/>
+          </a:fillRef>
+          <a:effectRef idx="0">
+            <a:schemeClr val="accent1"/>
+          </a:effectRef>
+          <a:fontRef idx="minor">
+            <a:schemeClr val="lt1"/>
+          </a:fontRef>
+        </p:style>
+        <p:txBody>
+          <a:bodyPr rtlCol="0" anchor="ctr"/>
+          <a:lstStyle/>
+          <a:p>
+            <a:pPr algn="ctr"/>
+            <a:endParaRPr lang="zh-CN" altLang="en-US"/>
+          </a:p>
+        </p:txBody>
+      </p:sp>
+      <p:sp>
+        <p:nvSpPr>
+          <p:cNvPr id="8" name="椭圆 7">
+            <a:extLst>
+              <a:ext uri="{FF2B5EF4-FFF2-40B4-BE49-F238E27FC236}">
+                <a16:creationId xmlns:a16="http://schemas.microsoft.com/office/drawing/2014/main" id="{9F62FFDE-FC62-4C28-987B-42225D0A6776}"/>
+              </a:ext>
+            </a:extLst>
+          </p:cNvPr>
+          <p:cNvSpPr/>
+          <p:nvPr/>
+        </p:nvSpPr>
+        <p:spPr>
+          <a:xfrm>
+            <a:off x="4080900" y="3242700"/>
+            <a:ext cx="144000" cy="144000"/>
+          </a:xfrm>
+          <a:prstGeom prst="ellipse">
+            <a:avLst/>
+          </a:prstGeom>
+          <a:solidFill>
+            <a:schemeClr val="tx1">
+              <a:lumMod val="95000"/>
+              <a:lumOff val="5000"/>
+            </a:schemeClr>
+          </a:solidFill>
+          <a:ln w="25400">
+            <a:solidFill>
+              <a:schemeClr val="tx1"/>
+            </a:solidFill>
+          </a:ln>
+          <a:effectLst>
+            <a:outerShdw blurRad="50800" dist="38100" dir="2700000" algn="tl" rotWithShape="0">
+              <a:prstClr val="black">
+                <a:alpha val="40000"/>
+              </a:prstClr>
+            </a:outerShdw>
+          </a:effectLst>
+        </p:spPr>
+        <p:style>
+          <a:lnRef idx="2">
+            <a:schemeClr val="accent1">
+              <a:shade val="50000"/>
+            </a:schemeClr>
+          </a:lnRef>
+          <a:fillRef idx="1">
+            <a:schemeClr val="accent1"/>
+          </a:fillRef>
+          <a:effectRef idx="0">
+            <a:schemeClr val="accent1"/>
+          </a:effectRef>
+          <a:fontRef idx="minor">
+            <a:schemeClr val="lt1"/>
+          </a:fontRef>
+        </p:style>
+        <p:txBody>
+          <a:bodyPr rtlCol="0" anchor="ctr"/>
+          <a:lstStyle/>
+          <a:p>
+            <a:pPr algn="ctr"/>
+            <a:endParaRPr lang="zh-CN" altLang="en-US"/>
+          </a:p>
+        </p:txBody>
+      </p:sp>
+      <p:cxnSp>
+        <p:nvCxnSpPr>
+          <p:cNvPr id="10" name="直接连接符 9">
+            <a:extLst>
+              <a:ext uri="{FF2B5EF4-FFF2-40B4-BE49-F238E27FC236}">
+                <a16:creationId xmlns:a16="http://schemas.microsoft.com/office/drawing/2014/main" id="{252D4BE6-1EC9-434A-A570-A9DC56841451}"/>
+              </a:ext>
+            </a:extLst>
+          </p:cNvPr>
+          <p:cNvCxnSpPr>
+            <a:stCxn id="4" idx="1"/>
+            <a:endCxn id="4" idx="3"/>
+          </p:cNvCxnSpPr>
+          <p:nvPr/>
+        </p:nvCxnSpPr>
+        <p:spPr>
+          <a:xfrm>
+            <a:off x="1866900" y="2171700"/>
+            <a:ext cx="2286000" cy="0"/>
+          </a:xfrm>
+          <a:prstGeom prst="line">
+            <a:avLst/>
+          </a:prstGeom>
+          <a:ln w="12700">
+            <a:solidFill>
+              <a:schemeClr val="tx1"/>
+            </a:solidFill>
+            <a:prstDash val="sysDash"/>
+          </a:ln>
+        </p:spPr>
+        <p:style>
+          <a:lnRef idx="1">
+            <a:schemeClr val="accent1"/>
+          </a:lnRef>
+          <a:fillRef idx="0">
+            <a:schemeClr val="accent1"/>
+          </a:fillRef>
+          <a:effectRef idx="0">
+            <a:schemeClr val="accent1"/>
+          </a:effectRef>
+          <a:fontRef idx="minor">
+            <a:schemeClr val="tx1"/>
+          </a:fontRef>
+        </p:style>
+      </p:cxnSp>
+      <p:cxnSp>
+        <p:nvCxnSpPr>
+          <p:cNvPr id="12" name="直接连接符 11">
+            <a:extLst>
+              <a:ext uri="{FF2B5EF4-FFF2-40B4-BE49-F238E27FC236}">
+                <a16:creationId xmlns:a16="http://schemas.microsoft.com/office/drawing/2014/main" id="{625F4A4A-6FED-496C-9A9B-349EE27CF3F1}"/>
+              </a:ext>
+            </a:extLst>
+          </p:cNvPr>
+          <p:cNvCxnSpPr>
+            <a:stCxn id="4" idx="0"/>
+            <a:endCxn id="4" idx="2"/>
+          </p:cNvCxnSpPr>
+          <p:nvPr/>
+        </p:nvCxnSpPr>
+        <p:spPr>
+          <a:xfrm>
+            <a:off x="3009900" y="1028700"/>
+            <a:ext cx="0" cy="2286000"/>
+          </a:xfrm>
+          <a:prstGeom prst="line">
+            <a:avLst/>
+          </a:prstGeom>
+          <a:ln w="12700">
+            <a:solidFill>
+              <a:schemeClr val="tx1"/>
+            </a:solidFill>
+            <a:prstDash val="sysDash"/>
+          </a:ln>
+        </p:spPr>
+        <p:style>
+          <a:lnRef idx="1">
+            <a:schemeClr val="accent1"/>
+          </a:lnRef>
+          <a:fillRef idx="0">
+            <a:schemeClr val="accent1"/>
+          </a:fillRef>
+          <a:effectRef idx="0">
+            <a:schemeClr val="accent1"/>
+          </a:effectRef>
+          <a:fontRef idx="minor">
+            <a:schemeClr val="tx1"/>
+          </a:fontRef>
+        </p:style>
+      </p:cxnSp>
+      <p:sp>
+        <p:nvSpPr>
+          <p:cNvPr id="13" name="椭圆 12">
+            <a:extLst>
+              <a:ext uri="{FF2B5EF4-FFF2-40B4-BE49-F238E27FC236}">
+                <a16:creationId xmlns:a16="http://schemas.microsoft.com/office/drawing/2014/main" id="{584D7EFD-8688-4264-92D4-D396F6DA3296}"/>
+              </a:ext>
+            </a:extLst>
+          </p:cNvPr>
+          <p:cNvSpPr/>
+          <p:nvPr/>
+        </p:nvSpPr>
+        <p:spPr>
+          <a:xfrm>
+            <a:off x="2937900" y="956700"/>
+            <a:ext cx="144000" cy="144000"/>
+          </a:xfrm>
+          <a:prstGeom prst="ellipse">
+            <a:avLst/>
+          </a:prstGeom>
+          <a:solidFill>
+            <a:schemeClr val="bg1">
+              <a:lumMod val="95000"/>
+            </a:schemeClr>
+          </a:solidFill>
+          <a:ln w="25400">
+            <a:solidFill>
+              <a:schemeClr val="tx1"/>
+            </a:solidFill>
+            <a:prstDash val="solid"/>
+          </a:ln>
+          <a:effectLst>
+            <a:outerShdw blurRad="50800" dist="38100" dir="2700000" algn="tl" rotWithShape="0">
+              <a:prstClr val="black">
+                <a:alpha val="40000"/>
+              </a:prstClr>
+            </a:outerShdw>
+          </a:effectLst>
+        </p:spPr>
+        <p:style>
+          <a:lnRef idx="2">
+            <a:schemeClr val="accent1">
+              <a:shade val="50000"/>
+            </a:schemeClr>
+          </a:lnRef>
+          <a:fillRef idx="1">
+            <a:schemeClr val="accent1"/>
+          </a:fillRef>
+          <a:effectRef idx="0">
+            <a:schemeClr val="accent1"/>
+          </a:effectRef>
+          <a:fontRef idx="minor">
+            <a:schemeClr val="lt1"/>
+          </a:fontRef>
+        </p:style>
+        <p:txBody>
+          <a:bodyPr rtlCol="0" anchor="ctr"/>
+          <a:lstStyle/>
+          <a:p>
+            <a:pPr algn="ctr"/>
+            <a:endParaRPr lang="zh-CN" altLang="en-US"/>
+          </a:p>
+        </p:txBody>
+      </p:sp>
+      <p:sp>
+        <p:nvSpPr>
+          <p:cNvPr id="14" name="椭圆 13">
+            <a:extLst>
+              <a:ext uri="{FF2B5EF4-FFF2-40B4-BE49-F238E27FC236}">
+                <a16:creationId xmlns:a16="http://schemas.microsoft.com/office/drawing/2014/main" id="{87B92F6F-B100-4897-83FD-10D3B916C886}"/>
+              </a:ext>
+            </a:extLst>
+          </p:cNvPr>
+          <p:cNvSpPr/>
+          <p:nvPr/>
+        </p:nvSpPr>
+        <p:spPr>
+          <a:xfrm>
+            <a:off x="1794900" y="2099700"/>
+            <a:ext cx="144000" cy="144000"/>
+          </a:xfrm>
+          <a:prstGeom prst="ellipse">
+            <a:avLst/>
+          </a:prstGeom>
+          <a:solidFill>
+            <a:schemeClr val="bg1">
+              <a:lumMod val="95000"/>
+            </a:schemeClr>
+          </a:solidFill>
+          <a:ln w="25400">
+            <a:solidFill>
+              <a:schemeClr val="tx1"/>
+            </a:solidFill>
+            <a:prstDash val="solid"/>
+          </a:ln>
+          <a:effectLst>
+            <a:outerShdw blurRad="50800" dist="38100" dir="2700000" algn="tl" rotWithShape="0">
+              <a:prstClr val="black">
+                <a:alpha val="40000"/>
+              </a:prstClr>
+            </a:outerShdw>
+          </a:effectLst>
+        </p:spPr>
+        <p:style>
+          <a:lnRef idx="2">
+            <a:schemeClr val="accent1">
+              <a:shade val="50000"/>
+            </a:schemeClr>
+          </a:lnRef>
+          <a:fillRef idx="1">
+            <a:schemeClr val="accent1"/>
+          </a:fillRef>
+          <a:effectRef idx="0">
+            <a:schemeClr val="accent1"/>
+          </a:effectRef>
+          <a:fontRef idx="minor">
+            <a:schemeClr val="lt1"/>
+          </a:fontRef>
+        </p:style>
+        <p:txBody>
+          <a:bodyPr rtlCol="0" anchor="ctr"/>
+          <a:lstStyle/>
+          <a:p>
+            <a:pPr algn="ctr"/>
+            <a:endParaRPr lang="zh-CN" altLang="en-US"/>
+          </a:p>
+        </p:txBody>
+      </p:sp>
+      <p:sp>
+        <p:nvSpPr>
+          <p:cNvPr id="15" name="椭圆 14">
+            <a:extLst>
+              <a:ext uri="{FF2B5EF4-FFF2-40B4-BE49-F238E27FC236}">
+                <a16:creationId xmlns:a16="http://schemas.microsoft.com/office/drawing/2014/main" id="{39F2C6BE-74B2-4BEA-BFCA-1BA427902781}"/>
+              </a:ext>
+            </a:extLst>
+          </p:cNvPr>
+          <p:cNvSpPr/>
+          <p:nvPr/>
+        </p:nvSpPr>
+        <p:spPr>
+          <a:xfrm>
+            <a:off x="4080900" y="2099699"/>
+            <a:ext cx="144000" cy="144000"/>
+          </a:xfrm>
+          <a:prstGeom prst="ellipse">
+            <a:avLst/>
+          </a:prstGeom>
+          <a:solidFill>
+            <a:schemeClr val="bg1">
+              <a:lumMod val="95000"/>
+            </a:schemeClr>
+          </a:solidFill>
+          <a:ln w="25400">
+            <a:solidFill>
+              <a:schemeClr val="tx1"/>
+            </a:solidFill>
+            <a:prstDash val="solid"/>
+          </a:ln>
+          <a:effectLst>
+            <a:outerShdw blurRad="50800" dist="38100" dir="2700000" algn="tl" rotWithShape="0">
+              <a:prstClr val="black">
+                <a:alpha val="40000"/>
+              </a:prstClr>
+            </a:outerShdw>
+          </a:effectLst>
+        </p:spPr>
+        <p:style>
+          <a:lnRef idx="2">
+            <a:schemeClr val="accent1">
+              <a:shade val="50000"/>
+            </a:schemeClr>
+          </a:lnRef>
+          <a:fillRef idx="1">
+            <a:schemeClr val="accent1"/>
+          </a:fillRef>
+          <a:effectRef idx="0">
+            <a:schemeClr val="accent1"/>
+          </a:effectRef>
+          <a:fontRef idx="minor">
+            <a:schemeClr val="lt1"/>
+          </a:fontRef>
+        </p:style>
+        <p:txBody>
+          <a:bodyPr rtlCol="0" anchor="ctr"/>
+          <a:lstStyle/>
+          <a:p>
+            <a:pPr algn="ctr"/>
+            <a:endParaRPr lang="zh-CN" altLang="en-US"/>
+          </a:p>
+        </p:txBody>
+      </p:sp>
+      <p:sp>
+        <p:nvSpPr>
+          <p:cNvPr id="16" name="椭圆 15">
+            <a:extLst>
+              <a:ext uri="{FF2B5EF4-FFF2-40B4-BE49-F238E27FC236}">
+                <a16:creationId xmlns:a16="http://schemas.microsoft.com/office/drawing/2014/main" id="{AA2A7164-EB57-43A2-9B71-378C036B49E6}"/>
+              </a:ext>
+            </a:extLst>
+          </p:cNvPr>
+          <p:cNvSpPr/>
+          <p:nvPr/>
+        </p:nvSpPr>
+        <p:spPr>
+          <a:xfrm>
+            <a:off x="2937900" y="3242700"/>
+            <a:ext cx="144000" cy="144000"/>
+          </a:xfrm>
+          <a:prstGeom prst="ellipse">
+            <a:avLst/>
+          </a:prstGeom>
+          <a:solidFill>
+            <a:schemeClr val="bg1">
+              <a:lumMod val="95000"/>
+            </a:schemeClr>
+          </a:solidFill>
+          <a:ln w="25400">
+            <a:solidFill>
+              <a:schemeClr val="tx1"/>
+            </a:solidFill>
+            <a:prstDash val="solid"/>
+          </a:ln>
+          <a:effectLst>
+            <a:outerShdw blurRad="50800" dist="38100" dir="2700000" algn="tl" rotWithShape="0">
+              <a:prstClr val="black">
+                <a:alpha val="40000"/>
+              </a:prstClr>
+            </a:outerShdw>
+          </a:effectLst>
+        </p:spPr>
+        <p:style>
+          <a:lnRef idx="2">
+            <a:schemeClr val="accent1">
+              <a:shade val="50000"/>
+            </a:schemeClr>
+          </a:lnRef>
+          <a:fillRef idx="1">
+            <a:schemeClr val="accent1"/>
+          </a:fillRef>
+          <a:effectRef idx="0">
+            <a:schemeClr val="accent1"/>
+          </a:effectRef>
+          <a:fontRef idx="minor">
+            <a:schemeClr val="lt1"/>
+          </a:fontRef>
+        </p:style>
+        <p:txBody>
+          <a:bodyPr rtlCol="0" anchor="ctr"/>
+          <a:lstStyle/>
+          <a:p>
+            <a:pPr algn="ctr"/>
+            <a:endParaRPr lang="zh-CN" altLang="en-US"/>
+          </a:p>
+        </p:txBody>
+      </p:sp>
+      <p:sp>
+        <p:nvSpPr>
+          <p:cNvPr id="17" name="椭圆 16">
+            <a:extLst>
+              <a:ext uri="{FF2B5EF4-FFF2-40B4-BE49-F238E27FC236}">
+                <a16:creationId xmlns:a16="http://schemas.microsoft.com/office/drawing/2014/main" id="{CEFFD2B5-F6E8-4BC6-9E49-F07F433C2B1E}"/>
+              </a:ext>
+            </a:extLst>
+          </p:cNvPr>
+          <p:cNvSpPr/>
+          <p:nvPr/>
+        </p:nvSpPr>
+        <p:spPr>
+          <a:xfrm>
+            <a:off x="2937899" y="2099699"/>
+            <a:ext cx="144000" cy="144000"/>
+          </a:xfrm>
+          <a:prstGeom prst="ellipse">
+            <a:avLst/>
+          </a:prstGeom>
+          <a:solidFill>
+            <a:schemeClr val="bg1"/>
+          </a:solidFill>
+          <a:ln w="19050">
+            <a:solidFill>
+              <a:schemeClr val="tx1"/>
+            </a:solidFill>
+            <a:prstDash val="sysDash"/>
+          </a:ln>
+          <a:effectLst>
+            <a:outerShdw blurRad="50800" dist="38100" dir="2700000" algn="tl" rotWithShape="0">
+              <a:prstClr val="black">
+                <a:alpha val="40000"/>
+              </a:prstClr>
+            </a:outerShdw>
+          </a:effectLst>
+        </p:spPr>
+        <p:style>
+          <a:lnRef idx="2">
+            <a:schemeClr val="accent1">
+              <a:shade val="50000"/>
+            </a:schemeClr>
+          </a:lnRef>
+          <a:fillRef idx="1">
+            <a:schemeClr val="accent1"/>
+          </a:fillRef>
+          <a:effectRef idx="0">
+            <a:schemeClr val="accent1"/>
+          </a:effectRef>
+          <a:fontRef idx="minor">
+            <a:schemeClr val="lt1"/>
+          </a:fontRef>
+        </p:style>
+        <p:txBody>
+          <a:bodyPr rtlCol="0" anchor="ctr"/>
+          <a:lstStyle/>
+          <a:p>
+            <a:pPr algn="ctr"/>
+            <a:endParaRPr lang="zh-CN" altLang="en-US"/>
+          </a:p>
+        </p:txBody>
+      </p:sp>
+      <p:sp>
+        <p:nvSpPr>
+          <p:cNvPr id="18" name="文本框 17">
+            <a:extLst>
+              <a:ext uri="{FF2B5EF4-FFF2-40B4-BE49-F238E27FC236}">
+                <a16:creationId xmlns:a16="http://schemas.microsoft.com/office/drawing/2014/main" id="{1D081D39-917A-492B-902F-BB303442D32C}"/>
+              </a:ext>
+            </a:extLst>
+          </p:cNvPr>
+          <p:cNvSpPr txBox="1"/>
+          <p:nvPr/>
+        </p:nvSpPr>
+        <p:spPr>
+          <a:xfrm>
+            <a:off x="1481994" y="587368"/>
+            <a:ext cx="312906" cy="369332"/>
+          </a:xfrm>
+          <a:prstGeom prst="rect">
+            <a:avLst/>
+          </a:prstGeom>
+          <a:noFill/>
+        </p:spPr>
+        <p:txBody>
+          <a:bodyPr wrap="none" rtlCol="0">
+            <a:spAutoFit/>
+          </a:bodyPr>
+          <a:lstStyle/>
+          <a:p>
+            <a:r>
+              <a:rPr lang="en-US" altLang="zh-CN" dirty="0">
+                <a:latin typeface="思源黑体" panose="020B0500000000000000" pitchFamily="34" charset="-122"/>
+                <a:ea typeface="思源黑体" panose="020B0500000000000000" pitchFamily="34" charset="-122"/>
+              </a:rPr>
+              <a:t>1</a:t>
+            </a:r>
+            <a:endParaRPr lang="zh-CN" altLang="en-US" dirty="0">
+              <a:latin typeface="思源黑体" panose="020B0500000000000000" pitchFamily="34" charset="-122"/>
+              <a:ea typeface="思源黑体" panose="020B0500000000000000" pitchFamily="34" charset="-122"/>
+            </a:endParaRPr>
+          </a:p>
+        </p:txBody>
+      </p:sp>
+      <p:sp>
+        <p:nvSpPr>
+          <p:cNvPr id="19" name="文本框 18">
+            <a:extLst>
+              <a:ext uri="{FF2B5EF4-FFF2-40B4-BE49-F238E27FC236}">
+                <a16:creationId xmlns:a16="http://schemas.microsoft.com/office/drawing/2014/main" id="{696B4981-6169-4E14-AC4F-866198436743}"/>
+              </a:ext>
+            </a:extLst>
+          </p:cNvPr>
+          <p:cNvSpPr txBox="1"/>
+          <p:nvPr/>
+        </p:nvSpPr>
+        <p:spPr>
+          <a:xfrm>
+            <a:off x="4233742" y="587368"/>
+            <a:ext cx="312906" cy="369332"/>
+          </a:xfrm>
+          <a:prstGeom prst="rect">
+            <a:avLst/>
+          </a:prstGeom>
+          <a:noFill/>
+        </p:spPr>
+        <p:txBody>
+          <a:bodyPr wrap="none" rtlCol="0">
+            <a:spAutoFit/>
+          </a:bodyPr>
+          <a:lstStyle/>
+          <a:p>
+            <a:r>
+              <a:rPr lang="en-US" altLang="zh-CN" dirty="0">
+                <a:latin typeface="思源黑体" panose="020B0500000000000000" pitchFamily="34" charset="-122"/>
+                <a:ea typeface="思源黑体" panose="020B0500000000000000" pitchFamily="34" charset="-122"/>
+              </a:rPr>
+              <a:t>2</a:t>
+            </a:r>
+            <a:endParaRPr lang="zh-CN" altLang="en-US" dirty="0">
+              <a:latin typeface="思源黑体" panose="020B0500000000000000" pitchFamily="34" charset="-122"/>
+              <a:ea typeface="思源黑体" panose="020B0500000000000000" pitchFamily="34" charset="-122"/>
+            </a:endParaRPr>
+          </a:p>
+        </p:txBody>
+      </p:sp>
+      <p:sp>
+        <p:nvSpPr>
+          <p:cNvPr id="20" name="文本框 19">
+            <a:extLst>
+              <a:ext uri="{FF2B5EF4-FFF2-40B4-BE49-F238E27FC236}">
+                <a16:creationId xmlns:a16="http://schemas.microsoft.com/office/drawing/2014/main" id="{0D07A0EB-EE52-4CB6-A92B-1B35F235B9FE}"/>
+              </a:ext>
+            </a:extLst>
+          </p:cNvPr>
+          <p:cNvSpPr txBox="1"/>
+          <p:nvPr/>
+        </p:nvSpPr>
+        <p:spPr>
+          <a:xfrm>
+            <a:off x="1480726" y="3358634"/>
+            <a:ext cx="312906" cy="369332"/>
+          </a:xfrm>
+          <a:prstGeom prst="rect">
+            <a:avLst/>
+          </a:prstGeom>
+          <a:noFill/>
+        </p:spPr>
+        <p:txBody>
+          <a:bodyPr wrap="none" rtlCol="0">
+            <a:spAutoFit/>
+          </a:bodyPr>
+          <a:lstStyle/>
+          <a:p>
+            <a:r>
+              <a:rPr lang="en-US" altLang="zh-CN" dirty="0">
+                <a:latin typeface="思源黑体" panose="020B0500000000000000" pitchFamily="34" charset="-122"/>
+                <a:ea typeface="思源黑体" panose="020B0500000000000000" pitchFamily="34" charset="-122"/>
+              </a:rPr>
+              <a:t>3</a:t>
+            </a:r>
+            <a:endParaRPr lang="zh-CN" altLang="en-US" dirty="0">
+              <a:latin typeface="思源黑体" panose="020B0500000000000000" pitchFamily="34" charset="-122"/>
+              <a:ea typeface="思源黑体" panose="020B0500000000000000" pitchFamily="34" charset="-122"/>
+            </a:endParaRPr>
+          </a:p>
+        </p:txBody>
+      </p:sp>
+      <p:sp>
+        <p:nvSpPr>
+          <p:cNvPr id="21" name="文本框 20">
+            <a:extLst>
+              <a:ext uri="{FF2B5EF4-FFF2-40B4-BE49-F238E27FC236}">
+                <a16:creationId xmlns:a16="http://schemas.microsoft.com/office/drawing/2014/main" id="{FF7CE147-CE14-4E27-BF24-FCA02521DB43}"/>
+              </a:ext>
+            </a:extLst>
+          </p:cNvPr>
+          <p:cNvSpPr txBox="1"/>
+          <p:nvPr/>
+        </p:nvSpPr>
+        <p:spPr>
+          <a:xfrm>
+            <a:off x="4233742" y="3358634"/>
+            <a:ext cx="312906" cy="369332"/>
+          </a:xfrm>
+          <a:prstGeom prst="rect">
+            <a:avLst/>
+          </a:prstGeom>
+          <a:noFill/>
+        </p:spPr>
+        <p:txBody>
+          <a:bodyPr wrap="none" rtlCol="0">
+            <a:spAutoFit/>
+          </a:bodyPr>
+          <a:lstStyle/>
+          <a:p>
+            <a:r>
+              <a:rPr lang="en-US" altLang="zh-CN" dirty="0">
+                <a:latin typeface="思源黑体" panose="020B0500000000000000" pitchFamily="34" charset="-122"/>
+                <a:ea typeface="思源黑体" panose="020B0500000000000000" pitchFamily="34" charset="-122"/>
+              </a:rPr>
+              <a:t>4</a:t>
+            </a:r>
+            <a:endParaRPr lang="zh-CN" altLang="en-US" dirty="0">
+              <a:latin typeface="思源黑体" panose="020B0500000000000000" pitchFamily="34" charset="-122"/>
+              <a:ea typeface="思源黑体" panose="020B0500000000000000" pitchFamily="34" charset="-122"/>
+            </a:endParaRPr>
+          </a:p>
+        </p:txBody>
+      </p:sp>
+      <p:sp>
+        <p:nvSpPr>
+          <p:cNvPr id="22" name="文本框 21">
+            <a:extLst>
+              <a:ext uri="{FF2B5EF4-FFF2-40B4-BE49-F238E27FC236}">
+                <a16:creationId xmlns:a16="http://schemas.microsoft.com/office/drawing/2014/main" id="{A5792132-3BDC-47D1-A59D-C53FFD2442C1}"/>
+              </a:ext>
+            </a:extLst>
+          </p:cNvPr>
+          <p:cNvSpPr txBox="1"/>
+          <p:nvPr/>
+        </p:nvSpPr>
+        <p:spPr>
+          <a:xfrm>
+            <a:off x="2853446" y="587368"/>
+            <a:ext cx="312906" cy="369332"/>
+          </a:xfrm>
+          <a:prstGeom prst="rect">
+            <a:avLst/>
+          </a:prstGeom>
+          <a:noFill/>
+        </p:spPr>
+        <p:txBody>
+          <a:bodyPr wrap="square" rtlCol="0">
+            <a:spAutoFit/>
+          </a:bodyPr>
+          <a:lstStyle/>
+          <a:p>
+            <a:r>
+              <a:rPr lang="en-US" altLang="zh-CN" b="1" dirty="0">
+                <a:ln w="12700">
+                  <a:solidFill>
+                    <a:schemeClr val="tx1"/>
+                  </a:solidFill>
+                </a:ln>
+                <a:solidFill>
+                  <a:schemeClr val="bg1">
+                    <a:lumMod val="95000"/>
+                  </a:schemeClr>
+                </a:solidFill>
+                <a:latin typeface="思源黑体" panose="020B0500000000000000" pitchFamily="34" charset="-122"/>
+                <a:ea typeface="思源黑体" panose="020B0500000000000000" pitchFamily="34" charset="-122"/>
+              </a:rPr>
+              <a:t>5</a:t>
+            </a:r>
+            <a:endParaRPr lang="zh-CN" altLang="en-US" b="1" dirty="0">
+              <a:ln w="12700">
+                <a:solidFill>
+                  <a:schemeClr val="tx1"/>
+                </a:solidFill>
+              </a:ln>
+              <a:solidFill>
+                <a:schemeClr val="bg1">
+                  <a:lumMod val="95000"/>
+                </a:schemeClr>
+              </a:solidFill>
+              <a:latin typeface="思源黑体" panose="020B0500000000000000" pitchFamily="34" charset="-122"/>
+              <a:ea typeface="思源黑体" panose="020B0500000000000000" pitchFamily="34" charset="-122"/>
+            </a:endParaRPr>
+          </a:p>
+        </p:txBody>
+      </p:sp>
+      <p:sp>
+        <p:nvSpPr>
+          <p:cNvPr id="23" name="文本框 22">
+            <a:extLst>
+              <a:ext uri="{FF2B5EF4-FFF2-40B4-BE49-F238E27FC236}">
+                <a16:creationId xmlns:a16="http://schemas.microsoft.com/office/drawing/2014/main" id="{DCA485FF-C04E-4682-AA89-084A4592D6B5}"/>
+              </a:ext>
+            </a:extLst>
+          </p:cNvPr>
+          <p:cNvSpPr txBox="1"/>
+          <p:nvPr/>
+        </p:nvSpPr>
+        <p:spPr>
+          <a:xfrm>
+            <a:off x="4233742" y="1987033"/>
+            <a:ext cx="312906" cy="369332"/>
+          </a:xfrm>
+          <a:prstGeom prst="rect">
+            <a:avLst/>
+          </a:prstGeom>
+          <a:noFill/>
+        </p:spPr>
+        <p:txBody>
+          <a:bodyPr wrap="square" rtlCol="0">
+            <a:spAutoFit/>
+          </a:bodyPr>
+          <a:lstStyle/>
+          <a:p>
+            <a:r>
+              <a:rPr lang="en-US" altLang="zh-CN" b="1" dirty="0">
+                <a:ln w="12700">
+                  <a:solidFill>
+                    <a:schemeClr val="tx1"/>
+                  </a:solidFill>
+                </a:ln>
+                <a:solidFill>
+                  <a:schemeClr val="bg1">
+                    <a:lumMod val="95000"/>
+                  </a:schemeClr>
+                </a:solidFill>
+                <a:latin typeface="思源黑体" panose="020B0500000000000000" pitchFamily="34" charset="-122"/>
+                <a:ea typeface="思源黑体" panose="020B0500000000000000" pitchFamily="34" charset="-122"/>
+              </a:rPr>
+              <a:t>6</a:t>
+            </a:r>
+            <a:endParaRPr lang="zh-CN" altLang="en-US" b="1" dirty="0">
+              <a:ln w="12700">
+                <a:solidFill>
+                  <a:schemeClr val="tx1"/>
+                </a:solidFill>
+              </a:ln>
+              <a:solidFill>
+                <a:schemeClr val="bg1">
+                  <a:lumMod val="95000"/>
+                </a:schemeClr>
+              </a:solidFill>
+              <a:latin typeface="思源黑体" panose="020B0500000000000000" pitchFamily="34" charset="-122"/>
+              <a:ea typeface="思源黑体" panose="020B0500000000000000" pitchFamily="34" charset="-122"/>
+            </a:endParaRPr>
+          </a:p>
+        </p:txBody>
+      </p:sp>
+      <p:sp>
+        <p:nvSpPr>
+          <p:cNvPr id="24" name="文本框 23">
+            <a:extLst>
+              <a:ext uri="{FF2B5EF4-FFF2-40B4-BE49-F238E27FC236}">
+                <a16:creationId xmlns:a16="http://schemas.microsoft.com/office/drawing/2014/main" id="{00E2D277-AEF0-48F2-BDC9-8CA1C1F8F45D}"/>
+              </a:ext>
+            </a:extLst>
+          </p:cNvPr>
+          <p:cNvSpPr txBox="1"/>
+          <p:nvPr/>
+        </p:nvSpPr>
+        <p:spPr>
+          <a:xfrm>
+            <a:off x="2837816" y="3358634"/>
+            <a:ext cx="312906" cy="369332"/>
+          </a:xfrm>
+          <a:prstGeom prst="rect">
+            <a:avLst/>
+          </a:prstGeom>
+          <a:noFill/>
+        </p:spPr>
+        <p:txBody>
+          <a:bodyPr wrap="square" rtlCol="0">
+            <a:spAutoFit/>
+          </a:bodyPr>
+          <a:lstStyle/>
+          <a:p>
+            <a:r>
+              <a:rPr lang="en-US" altLang="zh-CN" b="1" dirty="0">
+                <a:ln w="12700">
+                  <a:solidFill>
+                    <a:schemeClr val="tx1"/>
+                  </a:solidFill>
+                </a:ln>
+                <a:solidFill>
+                  <a:schemeClr val="bg1">
+                    <a:lumMod val="95000"/>
+                  </a:schemeClr>
+                </a:solidFill>
+                <a:latin typeface="思源黑体" panose="020B0500000000000000" pitchFamily="34" charset="-122"/>
+                <a:ea typeface="思源黑体" panose="020B0500000000000000" pitchFamily="34" charset="-122"/>
+              </a:rPr>
+              <a:t>7</a:t>
+            </a:r>
+            <a:endParaRPr lang="zh-CN" altLang="en-US" b="1" dirty="0">
+              <a:ln w="12700">
+                <a:solidFill>
+                  <a:schemeClr val="tx1"/>
+                </a:solidFill>
+              </a:ln>
+              <a:solidFill>
+                <a:schemeClr val="bg1">
+                  <a:lumMod val="95000"/>
+                </a:schemeClr>
+              </a:solidFill>
+              <a:latin typeface="思源黑体" panose="020B0500000000000000" pitchFamily="34" charset="-122"/>
+              <a:ea typeface="思源黑体" panose="020B0500000000000000" pitchFamily="34" charset="-122"/>
+            </a:endParaRPr>
+          </a:p>
+        </p:txBody>
+      </p:sp>
+      <p:sp>
+        <p:nvSpPr>
+          <p:cNvPr id="25" name="文本框 24">
+            <a:extLst>
+              <a:ext uri="{FF2B5EF4-FFF2-40B4-BE49-F238E27FC236}">
+                <a16:creationId xmlns:a16="http://schemas.microsoft.com/office/drawing/2014/main" id="{2030D1CA-09A3-4BE2-8290-185EE63B8D4F}"/>
+              </a:ext>
+            </a:extLst>
+          </p:cNvPr>
+          <p:cNvSpPr txBox="1"/>
+          <p:nvPr/>
+        </p:nvSpPr>
+        <p:spPr>
+          <a:xfrm>
+            <a:off x="1485556" y="1973001"/>
+            <a:ext cx="312906" cy="369332"/>
+          </a:xfrm>
+          <a:prstGeom prst="rect">
+            <a:avLst/>
+          </a:prstGeom>
+          <a:noFill/>
+        </p:spPr>
+        <p:txBody>
+          <a:bodyPr wrap="square" rtlCol="0">
+            <a:spAutoFit/>
+          </a:bodyPr>
+          <a:lstStyle/>
+          <a:p>
+            <a:r>
+              <a:rPr lang="en-US" altLang="zh-CN" b="1" dirty="0">
+                <a:ln w="12700">
+                  <a:solidFill>
+                    <a:schemeClr val="tx1"/>
+                  </a:solidFill>
+                </a:ln>
+                <a:solidFill>
+                  <a:schemeClr val="bg1">
+                    <a:lumMod val="95000"/>
+                  </a:schemeClr>
+                </a:solidFill>
+                <a:latin typeface="思源黑体" panose="020B0500000000000000" pitchFamily="34" charset="-122"/>
+                <a:ea typeface="思源黑体" panose="020B0500000000000000" pitchFamily="34" charset="-122"/>
+              </a:rPr>
+              <a:t>8</a:t>
+            </a:r>
+            <a:endParaRPr lang="zh-CN" altLang="en-US" b="1" dirty="0">
+              <a:ln w="12700">
+                <a:solidFill>
+                  <a:schemeClr val="tx1"/>
+                </a:solidFill>
+              </a:ln>
+              <a:solidFill>
+                <a:schemeClr val="bg1">
+                  <a:lumMod val="95000"/>
+                </a:schemeClr>
+              </a:solidFill>
+              <a:latin typeface="思源黑体" panose="020B0500000000000000" pitchFamily="34" charset="-122"/>
+              <a:ea typeface="思源黑体" panose="020B0500000000000000" pitchFamily="34" charset="-122"/>
+            </a:endParaRPr>
+          </a:p>
+        </p:txBody>
+      </p:sp>
+      <p:sp>
+        <p:nvSpPr>
+          <p:cNvPr id="26" name="文本框 25">
+            <a:extLst>
+              <a:ext uri="{FF2B5EF4-FFF2-40B4-BE49-F238E27FC236}">
+                <a16:creationId xmlns:a16="http://schemas.microsoft.com/office/drawing/2014/main" id="{7E27C2F5-58E3-4419-ADFA-2411E0A07F92}"/>
+              </a:ext>
+            </a:extLst>
+          </p:cNvPr>
+          <p:cNvSpPr txBox="1"/>
+          <p:nvPr/>
+        </p:nvSpPr>
+        <p:spPr>
+          <a:xfrm>
+            <a:off x="3062680" y="1788335"/>
+            <a:ext cx="312906" cy="369332"/>
+          </a:xfrm>
+          <a:prstGeom prst="rect">
+            <a:avLst/>
+          </a:prstGeom>
+          <a:noFill/>
+        </p:spPr>
+        <p:txBody>
+          <a:bodyPr wrap="square" rtlCol="0">
+            <a:spAutoFit/>
+          </a:bodyPr>
+          <a:lstStyle/>
+          <a:p>
+            <a:r>
+              <a:rPr lang="en-US" altLang="zh-CN" dirty="0">
+                <a:ln w="12700">
+                  <a:noFill/>
+                  <a:prstDash val="solid"/>
+                </a:ln>
+                <a:latin typeface="思源黑体" panose="020B0500000000000000" pitchFamily="34" charset="-122"/>
+                <a:ea typeface="思源黑体" panose="020B0500000000000000" pitchFamily="34" charset="-122"/>
+              </a:rPr>
+              <a:t>9</a:t>
+            </a:r>
+            <a:endParaRPr lang="zh-CN" altLang="en-US" dirty="0">
+              <a:ln w="12700">
+                <a:noFill/>
+                <a:prstDash val="solid"/>
+              </a:ln>
+              <a:latin typeface="思源黑体" panose="020B0500000000000000" pitchFamily="34" charset="-122"/>
+              <a:ea typeface="思源黑体" panose="020B0500000000000000" pitchFamily="34" charset="-122"/>
+            </a:endParaRPr>
+          </a:p>
+        </p:txBody>
+      </p:sp>
+      <p:sp>
+        <p:nvSpPr>
+          <p:cNvPr id="27" name="文本框 26">
+            <a:extLst>
+              <a:ext uri="{FF2B5EF4-FFF2-40B4-BE49-F238E27FC236}">
+                <a16:creationId xmlns:a16="http://schemas.microsoft.com/office/drawing/2014/main" id="{859033F9-E3D4-479C-9DEA-E4E2A531EE46}"/>
+              </a:ext>
+            </a:extLst>
+          </p:cNvPr>
+          <p:cNvSpPr txBox="1"/>
+          <p:nvPr/>
+        </p:nvSpPr>
+        <p:spPr>
+          <a:xfrm>
+            <a:off x="2079090" y="1469395"/>
+            <a:ext cx="844060" cy="261610"/>
+          </a:xfrm>
+          <a:prstGeom prst="rect">
+            <a:avLst/>
+          </a:prstGeom>
+          <a:noFill/>
+        </p:spPr>
+        <p:txBody>
+          <a:bodyPr wrap="square" rtlCol="0">
+            <a:spAutoFit/>
+          </a:bodyPr>
+          <a:lstStyle/>
+          <a:p>
+            <a:r>
+              <a:rPr lang="zh-CN" altLang="en-US" sz="1100" dirty="0">
+                <a:ln w="12700">
+                  <a:noFill/>
+                  <a:prstDash val="solid"/>
+                </a:ln>
+                <a:solidFill>
+                  <a:schemeClr val="accent1">
+                    <a:lumMod val="50000"/>
+                  </a:schemeClr>
+                </a:solidFill>
+                <a:latin typeface="思源黑体" panose="020B0500000000000000" pitchFamily="34" charset="-122"/>
+                <a:ea typeface="思源黑体" panose="020B0500000000000000" pitchFamily="34" charset="-122"/>
+              </a:rPr>
+              <a:t>细分平面</a:t>
+            </a:r>
+            <a:r>
+              <a:rPr lang="en-US" altLang="zh-CN" sz="1100" dirty="0">
+                <a:ln w="12700">
+                  <a:noFill/>
+                  <a:prstDash val="solid"/>
+                </a:ln>
+                <a:solidFill>
+                  <a:schemeClr val="accent1">
+                    <a:lumMod val="50000"/>
+                  </a:schemeClr>
+                </a:solidFill>
+                <a:latin typeface="思源黑体" panose="020B0500000000000000" pitchFamily="34" charset="-122"/>
+                <a:ea typeface="思源黑体" panose="020B0500000000000000" pitchFamily="34" charset="-122"/>
+              </a:rPr>
+              <a:t>1</a:t>
+            </a:r>
+            <a:endParaRPr lang="zh-CN" altLang="en-US" sz="1100" dirty="0">
+              <a:ln w="12700">
+                <a:noFill/>
+                <a:prstDash val="solid"/>
+              </a:ln>
+              <a:solidFill>
+                <a:schemeClr val="accent1">
+                  <a:lumMod val="50000"/>
+                </a:schemeClr>
+              </a:solidFill>
+              <a:latin typeface="思源黑体" panose="020B0500000000000000" pitchFamily="34" charset="-122"/>
+              <a:ea typeface="思源黑体" panose="020B0500000000000000" pitchFamily="34" charset="-122"/>
+            </a:endParaRPr>
+          </a:p>
+        </p:txBody>
+      </p:sp>
+      <p:sp>
+        <p:nvSpPr>
+          <p:cNvPr id="28" name="文本框 27">
+            <a:extLst>
+              <a:ext uri="{FF2B5EF4-FFF2-40B4-BE49-F238E27FC236}">
+                <a16:creationId xmlns:a16="http://schemas.microsoft.com/office/drawing/2014/main" id="{73DF522E-7DBB-4713-924C-F0AB3A25504D}"/>
+              </a:ext>
+            </a:extLst>
+          </p:cNvPr>
+          <p:cNvSpPr txBox="1"/>
+          <p:nvPr/>
+        </p:nvSpPr>
+        <p:spPr>
+          <a:xfrm>
+            <a:off x="3155949" y="1467294"/>
+            <a:ext cx="844060" cy="261610"/>
+          </a:xfrm>
+          <a:prstGeom prst="rect">
+            <a:avLst/>
+          </a:prstGeom>
+          <a:noFill/>
+        </p:spPr>
+        <p:txBody>
+          <a:bodyPr wrap="square" rtlCol="0">
+            <a:spAutoFit/>
+          </a:bodyPr>
+          <a:lstStyle/>
+          <a:p>
+            <a:r>
+              <a:rPr lang="zh-CN" altLang="en-US" sz="1100" dirty="0">
+                <a:ln w="12700">
+                  <a:noFill/>
+                  <a:prstDash val="solid"/>
+                </a:ln>
+                <a:solidFill>
+                  <a:schemeClr val="accent1">
+                    <a:lumMod val="50000"/>
+                  </a:schemeClr>
+                </a:solidFill>
+                <a:latin typeface="思源黑体" panose="020B0500000000000000" pitchFamily="34" charset="-122"/>
+                <a:ea typeface="思源黑体" panose="020B0500000000000000" pitchFamily="34" charset="-122"/>
+              </a:rPr>
+              <a:t>细分平面</a:t>
+            </a:r>
+            <a:r>
+              <a:rPr lang="en-US" altLang="zh-CN" sz="1100" dirty="0">
+                <a:ln w="12700">
+                  <a:noFill/>
+                  <a:prstDash val="solid"/>
+                </a:ln>
+                <a:solidFill>
+                  <a:schemeClr val="accent1">
+                    <a:lumMod val="50000"/>
+                  </a:schemeClr>
+                </a:solidFill>
+                <a:latin typeface="思源黑体" panose="020B0500000000000000" pitchFamily="34" charset="-122"/>
+                <a:ea typeface="思源黑体" panose="020B0500000000000000" pitchFamily="34" charset="-122"/>
+              </a:rPr>
+              <a:t>2</a:t>
+            </a:r>
+            <a:endParaRPr lang="zh-CN" altLang="en-US" sz="1100" dirty="0">
+              <a:ln w="12700">
+                <a:noFill/>
+                <a:prstDash val="solid"/>
+              </a:ln>
+              <a:solidFill>
+                <a:schemeClr val="accent1">
+                  <a:lumMod val="50000"/>
+                </a:schemeClr>
+              </a:solidFill>
+              <a:latin typeface="思源黑体" panose="020B0500000000000000" pitchFamily="34" charset="-122"/>
+              <a:ea typeface="思源黑体" panose="020B0500000000000000" pitchFamily="34" charset="-122"/>
+            </a:endParaRPr>
+          </a:p>
+        </p:txBody>
+      </p:sp>
+      <p:sp>
+        <p:nvSpPr>
+          <p:cNvPr id="29" name="文本框 28">
+            <a:extLst>
+              <a:ext uri="{FF2B5EF4-FFF2-40B4-BE49-F238E27FC236}">
+                <a16:creationId xmlns:a16="http://schemas.microsoft.com/office/drawing/2014/main" id="{D6B8442B-2D06-4138-A7A6-95C814D23EE9}"/>
+              </a:ext>
+            </a:extLst>
+          </p:cNvPr>
+          <p:cNvSpPr txBox="1"/>
+          <p:nvPr/>
+        </p:nvSpPr>
+        <p:spPr>
+          <a:xfrm>
+            <a:off x="2019792" y="2612395"/>
+            <a:ext cx="844060" cy="261610"/>
+          </a:xfrm>
+          <a:prstGeom prst="rect">
+            <a:avLst/>
+          </a:prstGeom>
+          <a:noFill/>
+        </p:spPr>
+        <p:txBody>
+          <a:bodyPr wrap="square" rtlCol="0">
+            <a:spAutoFit/>
+          </a:bodyPr>
+          <a:lstStyle/>
+          <a:p>
+            <a:r>
+              <a:rPr lang="zh-CN" altLang="en-US" sz="1100" dirty="0">
+                <a:ln w="12700">
+                  <a:noFill/>
+                  <a:prstDash val="solid"/>
+                </a:ln>
+                <a:solidFill>
+                  <a:schemeClr val="accent1">
+                    <a:lumMod val="50000"/>
+                  </a:schemeClr>
+                </a:solidFill>
+                <a:latin typeface="思源黑体" panose="020B0500000000000000" pitchFamily="34" charset="-122"/>
+                <a:ea typeface="思源黑体" panose="020B0500000000000000" pitchFamily="34" charset="-122"/>
+              </a:rPr>
+              <a:t>细分平面</a:t>
+            </a:r>
+            <a:r>
+              <a:rPr lang="en-US" altLang="zh-CN" sz="1100" dirty="0">
+                <a:ln w="12700">
+                  <a:noFill/>
+                  <a:prstDash val="solid"/>
+                </a:ln>
+                <a:solidFill>
+                  <a:schemeClr val="accent1">
+                    <a:lumMod val="50000"/>
+                  </a:schemeClr>
+                </a:solidFill>
+                <a:latin typeface="思源黑体" panose="020B0500000000000000" pitchFamily="34" charset="-122"/>
+                <a:ea typeface="思源黑体" panose="020B0500000000000000" pitchFamily="34" charset="-122"/>
+              </a:rPr>
+              <a:t>3</a:t>
+            </a:r>
+            <a:endParaRPr lang="zh-CN" altLang="en-US" sz="1100" dirty="0">
+              <a:ln w="12700">
+                <a:noFill/>
+                <a:prstDash val="solid"/>
+              </a:ln>
+              <a:solidFill>
+                <a:schemeClr val="accent1">
+                  <a:lumMod val="50000"/>
+                </a:schemeClr>
+              </a:solidFill>
+              <a:latin typeface="思源黑体" panose="020B0500000000000000" pitchFamily="34" charset="-122"/>
+              <a:ea typeface="思源黑体" panose="020B0500000000000000" pitchFamily="34" charset="-122"/>
+            </a:endParaRPr>
+          </a:p>
+        </p:txBody>
+      </p:sp>
+      <p:sp>
+        <p:nvSpPr>
+          <p:cNvPr id="30" name="文本框 29">
+            <a:extLst>
+              <a:ext uri="{FF2B5EF4-FFF2-40B4-BE49-F238E27FC236}">
+                <a16:creationId xmlns:a16="http://schemas.microsoft.com/office/drawing/2014/main" id="{A4B17D5E-D850-4178-80ED-C57E064B2514}"/>
+              </a:ext>
+            </a:extLst>
+          </p:cNvPr>
+          <p:cNvSpPr txBox="1"/>
+          <p:nvPr/>
+        </p:nvSpPr>
+        <p:spPr>
+          <a:xfrm>
+            <a:off x="3162792" y="2612395"/>
+            <a:ext cx="844060" cy="261610"/>
+          </a:xfrm>
+          <a:prstGeom prst="rect">
+            <a:avLst/>
+          </a:prstGeom>
+          <a:noFill/>
+        </p:spPr>
+        <p:txBody>
+          <a:bodyPr wrap="square" rtlCol="0">
+            <a:spAutoFit/>
+          </a:bodyPr>
+          <a:lstStyle/>
+          <a:p>
+            <a:r>
+              <a:rPr lang="zh-CN" altLang="en-US" sz="1100" dirty="0">
+                <a:ln w="12700">
+                  <a:noFill/>
+                  <a:prstDash val="solid"/>
+                </a:ln>
+                <a:solidFill>
+                  <a:schemeClr val="accent1">
+                    <a:lumMod val="50000"/>
+                  </a:schemeClr>
+                </a:solidFill>
+                <a:latin typeface="思源黑体" panose="020B0500000000000000" pitchFamily="34" charset="-122"/>
+                <a:ea typeface="思源黑体" panose="020B0500000000000000" pitchFamily="34" charset="-122"/>
+              </a:rPr>
+              <a:t>细分平面</a:t>
+            </a:r>
+            <a:r>
+              <a:rPr lang="en-US" altLang="zh-CN" sz="1100" dirty="0">
+                <a:ln w="12700">
+                  <a:noFill/>
+                  <a:prstDash val="solid"/>
+                </a:ln>
+                <a:solidFill>
+                  <a:schemeClr val="accent1">
+                    <a:lumMod val="50000"/>
+                  </a:schemeClr>
+                </a:solidFill>
+                <a:latin typeface="思源黑体" panose="020B0500000000000000" pitchFamily="34" charset="-122"/>
+                <a:ea typeface="思源黑体" panose="020B0500000000000000" pitchFamily="34" charset="-122"/>
+              </a:rPr>
+              <a:t>4</a:t>
+            </a:r>
+            <a:endParaRPr lang="zh-CN" altLang="en-US" sz="1100" dirty="0">
+              <a:ln w="12700">
+                <a:noFill/>
+                <a:prstDash val="solid"/>
+              </a:ln>
+              <a:solidFill>
+                <a:schemeClr val="accent1">
+                  <a:lumMod val="50000"/>
+                </a:schemeClr>
+              </a:solidFill>
+              <a:latin typeface="思源黑体" panose="020B0500000000000000" pitchFamily="34" charset="-122"/>
+              <a:ea typeface="思源黑体" panose="020B0500000000000000" pitchFamily="34" charset="-122"/>
+            </a:endParaRPr>
+          </a:p>
+        </p:txBody>
+      </p:sp>
+    </p:spTree>
+    <p:extLst>
+      <p:ext uri="{BB962C8B-B14F-4D97-AF65-F5344CB8AC3E}">
+        <p14:creationId xmlns:p14="http://schemas.microsoft.com/office/powerpoint/2010/main" val="1169143530"/>
       </p:ext>
     </p:extLst>
   </p:cSld>

--- a/Docs/Technology.pptx
+++ b/Docs/Technology.pptx
@@ -13,6 +13,7 @@
     <p:sldId id="260" r:id="rId7"/>
     <p:sldId id="262" r:id="rId8"/>
     <p:sldId id="263" r:id="rId9"/>
+    <p:sldId id="264" r:id="rId10"/>
   </p:sldIdLst>
   <p:sldSz cx="12192000" cy="6858000"/>
   <p:notesSz cx="6858000" cy="9144000"/>
@@ -128,6 +129,7 @@
             <p14:sldId id="260"/>
             <p14:sldId id="262"/>
             <p14:sldId id="263"/>
+            <p14:sldId id="264"/>
           </p14:sldIdLst>
         </p14:section>
       </p14:sectionLst>
@@ -268,7 +270,7 @@
           <a:p>
             <a:fld id="{CC1FC442-B89C-44C2-8ED1-A5E42BD589E9}" type="datetimeFigureOut">
               <a:rPr lang="zh-CN" altLang="en-US" smtClean="0"/>
-              <a:t>2019/5/6</a:t>
+              <a:t>2019/5/7</a:t>
             </a:fld>
             <a:endParaRPr lang="zh-CN" altLang="en-US"/>
           </a:p>
@@ -436,7 +438,7 @@
           <a:p>
             <a:fld id="{CC1FC442-B89C-44C2-8ED1-A5E42BD589E9}" type="datetimeFigureOut">
               <a:rPr lang="zh-CN" altLang="en-US" smtClean="0"/>
-              <a:t>2019/5/6</a:t>
+              <a:t>2019/5/7</a:t>
             </a:fld>
             <a:endParaRPr lang="zh-CN" altLang="en-US"/>
           </a:p>
@@ -614,7 +616,7 @@
           <a:p>
             <a:fld id="{CC1FC442-B89C-44C2-8ED1-A5E42BD589E9}" type="datetimeFigureOut">
               <a:rPr lang="zh-CN" altLang="en-US" smtClean="0"/>
-              <a:t>2019/5/6</a:t>
+              <a:t>2019/5/7</a:t>
             </a:fld>
             <a:endParaRPr lang="zh-CN" altLang="en-US"/>
           </a:p>
@@ -782,7 +784,7 @@
           <a:p>
             <a:fld id="{CC1FC442-B89C-44C2-8ED1-A5E42BD589E9}" type="datetimeFigureOut">
               <a:rPr lang="zh-CN" altLang="en-US" smtClean="0"/>
-              <a:t>2019/5/6</a:t>
+              <a:t>2019/5/7</a:t>
             </a:fld>
             <a:endParaRPr lang="zh-CN" altLang="en-US"/>
           </a:p>
@@ -1027,7 +1029,7 @@
           <a:p>
             <a:fld id="{CC1FC442-B89C-44C2-8ED1-A5E42BD589E9}" type="datetimeFigureOut">
               <a:rPr lang="zh-CN" altLang="en-US" smtClean="0"/>
-              <a:t>2019/5/6</a:t>
+              <a:t>2019/5/7</a:t>
             </a:fld>
             <a:endParaRPr lang="zh-CN" altLang="en-US"/>
           </a:p>
@@ -1256,7 +1258,7 @@
           <a:p>
             <a:fld id="{CC1FC442-B89C-44C2-8ED1-A5E42BD589E9}" type="datetimeFigureOut">
               <a:rPr lang="zh-CN" altLang="en-US" smtClean="0"/>
-              <a:t>2019/5/6</a:t>
+              <a:t>2019/5/7</a:t>
             </a:fld>
             <a:endParaRPr lang="zh-CN" altLang="en-US"/>
           </a:p>
@@ -1620,7 +1622,7 @@
           <a:p>
             <a:fld id="{CC1FC442-B89C-44C2-8ED1-A5E42BD589E9}" type="datetimeFigureOut">
               <a:rPr lang="zh-CN" altLang="en-US" smtClean="0"/>
-              <a:t>2019/5/6</a:t>
+              <a:t>2019/5/7</a:t>
             </a:fld>
             <a:endParaRPr lang="zh-CN" altLang="en-US"/>
           </a:p>
@@ -1737,7 +1739,7 @@
           <a:p>
             <a:fld id="{CC1FC442-B89C-44C2-8ED1-A5E42BD589E9}" type="datetimeFigureOut">
               <a:rPr lang="zh-CN" altLang="en-US" smtClean="0"/>
-              <a:t>2019/5/6</a:t>
+              <a:t>2019/5/7</a:t>
             </a:fld>
             <a:endParaRPr lang="zh-CN" altLang="en-US"/>
           </a:p>
@@ -1832,7 +1834,7 @@
           <a:p>
             <a:fld id="{CC1FC442-B89C-44C2-8ED1-A5E42BD589E9}" type="datetimeFigureOut">
               <a:rPr lang="zh-CN" altLang="en-US" smtClean="0"/>
-              <a:t>2019/5/6</a:t>
+              <a:t>2019/5/7</a:t>
             </a:fld>
             <a:endParaRPr lang="zh-CN" altLang="en-US"/>
           </a:p>
@@ -2107,7 +2109,7 @@
           <a:p>
             <a:fld id="{CC1FC442-B89C-44C2-8ED1-A5E42BD589E9}" type="datetimeFigureOut">
               <a:rPr lang="zh-CN" altLang="en-US" smtClean="0"/>
-              <a:t>2019/5/6</a:t>
+              <a:t>2019/5/7</a:t>
             </a:fld>
             <a:endParaRPr lang="zh-CN" altLang="en-US"/>
           </a:p>
@@ -2359,7 +2361,7 @@
           <a:p>
             <a:fld id="{CC1FC442-B89C-44C2-8ED1-A5E42BD589E9}" type="datetimeFigureOut">
               <a:rPr lang="zh-CN" altLang="en-US" smtClean="0"/>
-              <a:t>2019/5/6</a:t>
+              <a:t>2019/5/7</a:t>
             </a:fld>
             <a:endParaRPr lang="zh-CN" altLang="en-US"/>
           </a:p>
@@ -2570,7 +2572,7 @@
           <a:p>
             <a:fld id="{CC1FC442-B89C-44C2-8ED1-A5E42BD589E9}" type="datetimeFigureOut">
               <a:rPr lang="zh-CN" altLang="en-US" smtClean="0"/>
-              <a:t>2019/5/6</a:t>
+              <a:t>2019/5/7</a:t>
             </a:fld>
             <a:endParaRPr lang="zh-CN" altLang="en-US"/>
           </a:p>
@@ -13513,6 +13515,1988 @@
 </p:sld>
 </file>
 
+<file path=ppt/slides/slide9.xml><?xml version="1.0" encoding="utf-8"?>
+<p:sld xmlns:a="http://schemas.openxmlformats.org/drawingml/2006/main" xmlns:r="http://schemas.openxmlformats.org/officeDocument/2006/relationships" xmlns:p="http://schemas.openxmlformats.org/presentationml/2006/main">
+  <p:cSld>
+    <p:spTree>
+      <p:nvGrpSpPr>
+        <p:cNvPr id="1" name=""/>
+        <p:cNvGrpSpPr/>
+        <p:nvPr/>
+      </p:nvGrpSpPr>
+      <p:grpSpPr>
+        <a:xfrm>
+          <a:off x="0" y="0"/>
+          <a:ext cx="0" cy="0"/>
+          <a:chOff x="0" y="0"/>
+          <a:chExt cx="0" cy="0"/>
+        </a:xfrm>
+      </p:grpSpPr>
+      <p:sp>
+        <p:nvSpPr>
+          <p:cNvPr id="4" name="矩形 3">
+            <a:extLst>
+              <a:ext uri="{FF2B5EF4-FFF2-40B4-BE49-F238E27FC236}">
+                <a16:creationId xmlns:a16="http://schemas.microsoft.com/office/drawing/2014/main" id="{50786E45-352B-4D04-A15E-7DAE0C29B87F}"/>
+              </a:ext>
+            </a:extLst>
+          </p:cNvPr>
+          <p:cNvSpPr/>
+          <p:nvPr/>
+        </p:nvSpPr>
+        <p:spPr>
+          <a:xfrm>
+            <a:off x="1117600" y="1117600"/>
+            <a:ext cx="720000" cy="720000"/>
+          </a:xfrm>
+          <a:prstGeom prst="rect">
+            <a:avLst/>
+          </a:prstGeom>
+          <a:noFill/>
+          <a:ln>
+            <a:solidFill>
+              <a:schemeClr val="tx1"/>
+            </a:solidFill>
+          </a:ln>
+        </p:spPr>
+        <p:style>
+          <a:lnRef idx="2">
+            <a:schemeClr val="accent1">
+              <a:shade val="50000"/>
+            </a:schemeClr>
+          </a:lnRef>
+          <a:fillRef idx="1">
+            <a:schemeClr val="accent1"/>
+          </a:fillRef>
+          <a:effectRef idx="0">
+            <a:schemeClr val="accent1"/>
+          </a:effectRef>
+          <a:fontRef idx="minor">
+            <a:schemeClr val="lt1"/>
+          </a:fontRef>
+        </p:style>
+        <p:txBody>
+          <a:bodyPr rtlCol="0" anchor="ctr"/>
+          <a:lstStyle/>
+          <a:p>
+            <a:pPr algn="ctr"/>
+            <a:endParaRPr lang="zh-CN" altLang="en-US"/>
+          </a:p>
+        </p:txBody>
+      </p:sp>
+      <p:sp>
+        <p:nvSpPr>
+          <p:cNvPr id="5" name="矩形 4">
+            <a:extLst>
+              <a:ext uri="{FF2B5EF4-FFF2-40B4-BE49-F238E27FC236}">
+                <a16:creationId xmlns:a16="http://schemas.microsoft.com/office/drawing/2014/main" id="{5491B144-46BD-4F0B-BDF3-4B9022D91BF2}"/>
+              </a:ext>
+            </a:extLst>
+          </p:cNvPr>
+          <p:cNvSpPr/>
+          <p:nvPr/>
+        </p:nvSpPr>
+        <p:spPr>
+          <a:xfrm>
+            <a:off x="1837600" y="1117600"/>
+            <a:ext cx="720000" cy="720000"/>
+          </a:xfrm>
+          <a:prstGeom prst="rect">
+            <a:avLst/>
+          </a:prstGeom>
+          <a:noFill/>
+          <a:ln>
+            <a:solidFill>
+              <a:schemeClr val="tx1"/>
+            </a:solidFill>
+          </a:ln>
+        </p:spPr>
+        <p:style>
+          <a:lnRef idx="2">
+            <a:schemeClr val="accent1">
+              <a:shade val="50000"/>
+            </a:schemeClr>
+          </a:lnRef>
+          <a:fillRef idx="1">
+            <a:schemeClr val="accent1"/>
+          </a:fillRef>
+          <a:effectRef idx="0">
+            <a:schemeClr val="accent1"/>
+          </a:effectRef>
+          <a:fontRef idx="minor">
+            <a:schemeClr val="lt1"/>
+          </a:fontRef>
+        </p:style>
+        <p:txBody>
+          <a:bodyPr rtlCol="0" anchor="ctr"/>
+          <a:lstStyle/>
+          <a:p>
+            <a:pPr algn="ctr"/>
+            <a:endParaRPr lang="zh-CN" altLang="en-US"/>
+          </a:p>
+        </p:txBody>
+      </p:sp>
+      <p:sp>
+        <p:nvSpPr>
+          <p:cNvPr id="6" name="矩形 5">
+            <a:extLst>
+              <a:ext uri="{FF2B5EF4-FFF2-40B4-BE49-F238E27FC236}">
+                <a16:creationId xmlns:a16="http://schemas.microsoft.com/office/drawing/2014/main" id="{4F0205F0-696C-4191-9B71-0378B9A1FD66}"/>
+              </a:ext>
+            </a:extLst>
+          </p:cNvPr>
+          <p:cNvSpPr/>
+          <p:nvPr/>
+        </p:nvSpPr>
+        <p:spPr>
+          <a:xfrm>
+            <a:off x="2557600" y="1117600"/>
+            <a:ext cx="720000" cy="720000"/>
+          </a:xfrm>
+          <a:prstGeom prst="rect">
+            <a:avLst/>
+          </a:prstGeom>
+          <a:noFill/>
+          <a:ln>
+            <a:solidFill>
+              <a:schemeClr val="tx1"/>
+            </a:solidFill>
+          </a:ln>
+        </p:spPr>
+        <p:style>
+          <a:lnRef idx="2">
+            <a:schemeClr val="accent1">
+              <a:shade val="50000"/>
+            </a:schemeClr>
+          </a:lnRef>
+          <a:fillRef idx="1">
+            <a:schemeClr val="accent1"/>
+          </a:fillRef>
+          <a:effectRef idx="0">
+            <a:schemeClr val="accent1"/>
+          </a:effectRef>
+          <a:fontRef idx="minor">
+            <a:schemeClr val="lt1"/>
+          </a:fontRef>
+        </p:style>
+        <p:txBody>
+          <a:bodyPr rtlCol="0" anchor="ctr"/>
+          <a:lstStyle/>
+          <a:p>
+            <a:pPr algn="ctr"/>
+            <a:endParaRPr lang="zh-CN" altLang="en-US"/>
+          </a:p>
+        </p:txBody>
+      </p:sp>
+      <p:sp>
+        <p:nvSpPr>
+          <p:cNvPr id="8" name="矩形 7">
+            <a:extLst>
+              <a:ext uri="{FF2B5EF4-FFF2-40B4-BE49-F238E27FC236}">
+                <a16:creationId xmlns:a16="http://schemas.microsoft.com/office/drawing/2014/main" id="{9109D3A5-5F6A-45E8-8694-C663F11DF41A}"/>
+              </a:ext>
+            </a:extLst>
+          </p:cNvPr>
+          <p:cNvSpPr/>
+          <p:nvPr/>
+        </p:nvSpPr>
+        <p:spPr>
+          <a:xfrm>
+            <a:off x="1117600" y="1837600"/>
+            <a:ext cx="720000" cy="720000"/>
+          </a:xfrm>
+          <a:prstGeom prst="rect">
+            <a:avLst/>
+          </a:prstGeom>
+          <a:noFill/>
+          <a:ln>
+            <a:solidFill>
+              <a:schemeClr val="tx1"/>
+            </a:solidFill>
+          </a:ln>
+        </p:spPr>
+        <p:style>
+          <a:lnRef idx="2">
+            <a:schemeClr val="accent1">
+              <a:shade val="50000"/>
+            </a:schemeClr>
+          </a:lnRef>
+          <a:fillRef idx="1">
+            <a:schemeClr val="accent1"/>
+          </a:fillRef>
+          <a:effectRef idx="0">
+            <a:schemeClr val="accent1"/>
+          </a:effectRef>
+          <a:fontRef idx="minor">
+            <a:schemeClr val="lt1"/>
+          </a:fontRef>
+        </p:style>
+        <p:txBody>
+          <a:bodyPr rtlCol="0" anchor="ctr"/>
+          <a:lstStyle/>
+          <a:p>
+            <a:pPr algn="ctr"/>
+            <a:endParaRPr lang="zh-CN" altLang="en-US"/>
+          </a:p>
+        </p:txBody>
+      </p:sp>
+      <p:sp>
+        <p:nvSpPr>
+          <p:cNvPr id="9" name="矩形 8">
+            <a:extLst>
+              <a:ext uri="{FF2B5EF4-FFF2-40B4-BE49-F238E27FC236}">
+                <a16:creationId xmlns:a16="http://schemas.microsoft.com/office/drawing/2014/main" id="{041296AF-AD04-4A6B-809B-B7CF3C063667}"/>
+              </a:ext>
+            </a:extLst>
+          </p:cNvPr>
+          <p:cNvSpPr/>
+          <p:nvPr/>
+        </p:nvSpPr>
+        <p:spPr>
+          <a:xfrm>
+            <a:off x="1837600" y="1837600"/>
+            <a:ext cx="720000" cy="720000"/>
+          </a:xfrm>
+          <a:prstGeom prst="rect">
+            <a:avLst/>
+          </a:prstGeom>
+          <a:noFill/>
+          <a:ln>
+            <a:solidFill>
+              <a:schemeClr val="tx1"/>
+            </a:solidFill>
+          </a:ln>
+        </p:spPr>
+        <p:style>
+          <a:lnRef idx="2">
+            <a:schemeClr val="accent1">
+              <a:shade val="50000"/>
+            </a:schemeClr>
+          </a:lnRef>
+          <a:fillRef idx="1">
+            <a:schemeClr val="accent1"/>
+          </a:fillRef>
+          <a:effectRef idx="0">
+            <a:schemeClr val="accent1"/>
+          </a:effectRef>
+          <a:fontRef idx="minor">
+            <a:schemeClr val="lt1"/>
+          </a:fontRef>
+        </p:style>
+        <p:txBody>
+          <a:bodyPr rtlCol="0" anchor="ctr"/>
+          <a:lstStyle/>
+          <a:p>
+            <a:pPr algn="ctr"/>
+            <a:endParaRPr lang="zh-CN" altLang="en-US"/>
+          </a:p>
+        </p:txBody>
+      </p:sp>
+      <p:sp>
+        <p:nvSpPr>
+          <p:cNvPr id="10" name="矩形 9">
+            <a:extLst>
+              <a:ext uri="{FF2B5EF4-FFF2-40B4-BE49-F238E27FC236}">
+                <a16:creationId xmlns:a16="http://schemas.microsoft.com/office/drawing/2014/main" id="{7DB8F8FF-C984-4AC7-A437-14157758FAD8}"/>
+              </a:ext>
+            </a:extLst>
+          </p:cNvPr>
+          <p:cNvSpPr/>
+          <p:nvPr/>
+        </p:nvSpPr>
+        <p:spPr>
+          <a:xfrm>
+            <a:off x="2557600" y="1837600"/>
+            <a:ext cx="720000" cy="720000"/>
+          </a:xfrm>
+          <a:prstGeom prst="rect">
+            <a:avLst/>
+          </a:prstGeom>
+          <a:noFill/>
+          <a:ln>
+            <a:solidFill>
+              <a:schemeClr val="tx1"/>
+            </a:solidFill>
+          </a:ln>
+        </p:spPr>
+        <p:style>
+          <a:lnRef idx="2">
+            <a:schemeClr val="accent1">
+              <a:shade val="50000"/>
+            </a:schemeClr>
+          </a:lnRef>
+          <a:fillRef idx="1">
+            <a:schemeClr val="accent1"/>
+          </a:fillRef>
+          <a:effectRef idx="0">
+            <a:schemeClr val="accent1"/>
+          </a:effectRef>
+          <a:fontRef idx="minor">
+            <a:schemeClr val="lt1"/>
+          </a:fontRef>
+        </p:style>
+        <p:txBody>
+          <a:bodyPr rtlCol="0" anchor="ctr"/>
+          <a:lstStyle/>
+          <a:p>
+            <a:pPr algn="ctr"/>
+            <a:endParaRPr lang="zh-CN" altLang="en-US"/>
+          </a:p>
+        </p:txBody>
+      </p:sp>
+      <p:cxnSp>
+        <p:nvCxnSpPr>
+          <p:cNvPr id="17" name="直接连接符 16">
+            <a:extLst>
+              <a:ext uri="{FF2B5EF4-FFF2-40B4-BE49-F238E27FC236}">
+                <a16:creationId xmlns:a16="http://schemas.microsoft.com/office/drawing/2014/main" id="{94422506-5343-4FBB-9471-84E86E6216A1}"/>
+              </a:ext>
+            </a:extLst>
+          </p:cNvPr>
+          <p:cNvCxnSpPr>
+            <a:cxnSpLocks/>
+          </p:cNvCxnSpPr>
+          <p:nvPr/>
+        </p:nvCxnSpPr>
+        <p:spPr>
+          <a:xfrm>
+            <a:off x="1117600" y="1117600"/>
+            <a:ext cx="1439862" cy="1440000"/>
+          </a:xfrm>
+          <a:prstGeom prst="line">
+            <a:avLst/>
+          </a:prstGeom>
+          <a:ln>
+            <a:solidFill>
+              <a:schemeClr val="tx1"/>
+            </a:solidFill>
+          </a:ln>
+        </p:spPr>
+        <p:style>
+          <a:lnRef idx="1">
+            <a:schemeClr val="accent1"/>
+          </a:lnRef>
+          <a:fillRef idx="0">
+            <a:schemeClr val="accent1"/>
+          </a:fillRef>
+          <a:effectRef idx="0">
+            <a:schemeClr val="accent1"/>
+          </a:effectRef>
+          <a:fontRef idx="minor">
+            <a:schemeClr val="tx1"/>
+          </a:fontRef>
+        </p:style>
+      </p:cxnSp>
+      <p:cxnSp>
+        <p:nvCxnSpPr>
+          <p:cNvPr id="20" name="直接连接符 19">
+            <a:extLst>
+              <a:ext uri="{FF2B5EF4-FFF2-40B4-BE49-F238E27FC236}">
+                <a16:creationId xmlns:a16="http://schemas.microsoft.com/office/drawing/2014/main" id="{0331CC88-D3D3-4A4E-A72B-806E7D44832E}"/>
+              </a:ext>
+            </a:extLst>
+          </p:cNvPr>
+          <p:cNvCxnSpPr>
+            <a:cxnSpLocks/>
+          </p:cNvCxnSpPr>
+          <p:nvPr/>
+        </p:nvCxnSpPr>
+        <p:spPr>
+          <a:xfrm>
+            <a:off x="1837531" y="1117600"/>
+            <a:ext cx="1439862" cy="1440000"/>
+          </a:xfrm>
+          <a:prstGeom prst="line">
+            <a:avLst/>
+          </a:prstGeom>
+          <a:ln>
+            <a:solidFill>
+              <a:schemeClr val="tx1"/>
+            </a:solidFill>
+          </a:ln>
+        </p:spPr>
+        <p:style>
+          <a:lnRef idx="1">
+            <a:schemeClr val="accent1"/>
+          </a:lnRef>
+          <a:fillRef idx="0">
+            <a:schemeClr val="accent1"/>
+          </a:fillRef>
+          <a:effectRef idx="0">
+            <a:schemeClr val="accent1"/>
+          </a:effectRef>
+          <a:fontRef idx="minor">
+            <a:schemeClr val="tx1"/>
+          </a:fontRef>
+        </p:style>
+      </p:cxnSp>
+      <p:cxnSp>
+        <p:nvCxnSpPr>
+          <p:cNvPr id="21" name="直接连接符 20">
+            <a:extLst>
+              <a:ext uri="{FF2B5EF4-FFF2-40B4-BE49-F238E27FC236}">
+                <a16:creationId xmlns:a16="http://schemas.microsoft.com/office/drawing/2014/main" id="{D6568324-CE44-4BF8-B36E-15F82DE6BEAC}"/>
+              </a:ext>
+            </a:extLst>
+          </p:cNvPr>
+          <p:cNvCxnSpPr>
+            <a:cxnSpLocks/>
+          </p:cNvCxnSpPr>
+          <p:nvPr/>
+        </p:nvCxnSpPr>
+        <p:spPr>
+          <a:xfrm flipH="1">
+            <a:off x="1837108" y="1117600"/>
+            <a:ext cx="1435316" cy="1440000"/>
+          </a:xfrm>
+          <a:prstGeom prst="line">
+            <a:avLst/>
+          </a:prstGeom>
+          <a:ln>
+            <a:solidFill>
+              <a:schemeClr val="tx1"/>
+            </a:solidFill>
+          </a:ln>
+        </p:spPr>
+        <p:style>
+          <a:lnRef idx="1">
+            <a:schemeClr val="accent1"/>
+          </a:lnRef>
+          <a:fillRef idx="0">
+            <a:schemeClr val="accent1"/>
+          </a:fillRef>
+          <a:effectRef idx="0">
+            <a:schemeClr val="accent1"/>
+          </a:effectRef>
+          <a:fontRef idx="minor">
+            <a:schemeClr val="tx1"/>
+          </a:fontRef>
+        </p:style>
+      </p:cxnSp>
+      <p:cxnSp>
+        <p:nvCxnSpPr>
+          <p:cNvPr id="24" name="直接连接符 23">
+            <a:extLst>
+              <a:ext uri="{FF2B5EF4-FFF2-40B4-BE49-F238E27FC236}">
+                <a16:creationId xmlns:a16="http://schemas.microsoft.com/office/drawing/2014/main" id="{E80A54B8-C377-44BC-94E8-DAFF5DC22B06}"/>
+              </a:ext>
+            </a:extLst>
+          </p:cNvPr>
+          <p:cNvCxnSpPr>
+            <a:cxnSpLocks/>
+          </p:cNvCxnSpPr>
+          <p:nvPr/>
+        </p:nvCxnSpPr>
+        <p:spPr>
+          <a:xfrm flipH="1">
+            <a:off x="1121740" y="1117600"/>
+            <a:ext cx="1430858" cy="1440000"/>
+          </a:xfrm>
+          <a:prstGeom prst="line">
+            <a:avLst/>
+          </a:prstGeom>
+          <a:ln>
+            <a:solidFill>
+              <a:schemeClr val="tx1"/>
+            </a:solidFill>
+          </a:ln>
+        </p:spPr>
+        <p:style>
+          <a:lnRef idx="1">
+            <a:schemeClr val="accent1"/>
+          </a:lnRef>
+          <a:fillRef idx="0">
+            <a:schemeClr val="accent1"/>
+          </a:fillRef>
+          <a:effectRef idx="0">
+            <a:schemeClr val="accent1"/>
+          </a:effectRef>
+          <a:fontRef idx="minor">
+            <a:schemeClr val="tx1"/>
+          </a:fontRef>
+        </p:style>
+      </p:cxnSp>
+      <p:cxnSp>
+        <p:nvCxnSpPr>
+          <p:cNvPr id="28" name="直接连接符 27">
+            <a:extLst>
+              <a:ext uri="{FF2B5EF4-FFF2-40B4-BE49-F238E27FC236}">
+                <a16:creationId xmlns:a16="http://schemas.microsoft.com/office/drawing/2014/main" id="{35622CB7-956E-4F5C-953D-1BEE8CB54C29}"/>
+              </a:ext>
+            </a:extLst>
+          </p:cNvPr>
+          <p:cNvCxnSpPr>
+            <a:cxnSpLocks/>
+          </p:cNvCxnSpPr>
+          <p:nvPr/>
+        </p:nvCxnSpPr>
+        <p:spPr>
+          <a:xfrm flipH="1">
+            <a:off x="1119097" y="1117600"/>
+            <a:ext cx="720866" cy="720000"/>
+          </a:xfrm>
+          <a:prstGeom prst="line">
+            <a:avLst/>
+          </a:prstGeom>
+          <a:ln>
+            <a:solidFill>
+              <a:schemeClr val="tx1"/>
+            </a:solidFill>
+          </a:ln>
+        </p:spPr>
+        <p:style>
+          <a:lnRef idx="1">
+            <a:schemeClr val="accent1"/>
+          </a:lnRef>
+          <a:fillRef idx="0">
+            <a:schemeClr val="accent1"/>
+          </a:fillRef>
+          <a:effectRef idx="0">
+            <a:schemeClr val="accent1"/>
+          </a:effectRef>
+          <a:fontRef idx="minor">
+            <a:schemeClr val="tx1"/>
+          </a:fontRef>
+        </p:style>
+      </p:cxnSp>
+      <p:cxnSp>
+        <p:nvCxnSpPr>
+          <p:cNvPr id="31" name="直接连接符 30">
+            <a:extLst>
+              <a:ext uri="{FF2B5EF4-FFF2-40B4-BE49-F238E27FC236}">
+                <a16:creationId xmlns:a16="http://schemas.microsoft.com/office/drawing/2014/main" id="{650D20C7-5750-42C6-96BB-8D049955F465}"/>
+              </a:ext>
+            </a:extLst>
+          </p:cNvPr>
+          <p:cNvCxnSpPr>
+            <a:cxnSpLocks/>
+          </p:cNvCxnSpPr>
+          <p:nvPr/>
+        </p:nvCxnSpPr>
+        <p:spPr>
+          <a:xfrm flipH="1">
+            <a:off x="2557600" y="1837600"/>
+            <a:ext cx="716772" cy="715334"/>
+          </a:xfrm>
+          <a:prstGeom prst="line">
+            <a:avLst/>
+          </a:prstGeom>
+          <a:ln>
+            <a:solidFill>
+              <a:schemeClr val="tx1"/>
+            </a:solidFill>
+          </a:ln>
+        </p:spPr>
+        <p:style>
+          <a:lnRef idx="1">
+            <a:schemeClr val="accent1"/>
+          </a:lnRef>
+          <a:fillRef idx="0">
+            <a:schemeClr val="accent1"/>
+          </a:fillRef>
+          <a:effectRef idx="0">
+            <a:schemeClr val="accent1"/>
+          </a:effectRef>
+          <a:fontRef idx="minor">
+            <a:schemeClr val="tx1"/>
+          </a:fontRef>
+        </p:style>
+      </p:cxnSp>
+      <p:cxnSp>
+        <p:nvCxnSpPr>
+          <p:cNvPr id="32" name="直接连接符 31">
+            <a:extLst>
+              <a:ext uri="{FF2B5EF4-FFF2-40B4-BE49-F238E27FC236}">
+                <a16:creationId xmlns:a16="http://schemas.microsoft.com/office/drawing/2014/main" id="{534DE167-502D-4C2F-8ECC-1C8DD22C314A}"/>
+              </a:ext>
+            </a:extLst>
+          </p:cNvPr>
+          <p:cNvCxnSpPr>
+            <a:cxnSpLocks/>
+          </p:cNvCxnSpPr>
+          <p:nvPr/>
+        </p:nvCxnSpPr>
+        <p:spPr>
+          <a:xfrm>
+            <a:off x="1119093" y="1846932"/>
+            <a:ext cx="720870" cy="710668"/>
+          </a:xfrm>
+          <a:prstGeom prst="line">
+            <a:avLst/>
+          </a:prstGeom>
+          <a:ln>
+            <a:solidFill>
+              <a:schemeClr val="tx1"/>
+            </a:solidFill>
+          </a:ln>
+        </p:spPr>
+        <p:style>
+          <a:lnRef idx="1">
+            <a:schemeClr val="accent1"/>
+          </a:lnRef>
+          <a:fillRef idx="0">
+            <a:schemeClr val="accent1"/>
+          </a:fillRef>
+          <a:effectRef idx="0">
+            <a:schemeClr val="accent1"/>
+          </a:effectRef>
+          <a:fontRef idx="minor">
+            <a:schemeClr val="tx1"/>
+          </a:fontRef>
+        </p:style>
+      </p:cxnSp>
+      <p:cxnSp>
+        <p:nvCxnSpPr>
+          <p:cNvPr id="35" name="直接连接符 34">
+            <a:extLst>
+              <a:ext uri="{FF2B5EF4-FFF2-40B4-BE49-F238E27FC236}">
+                <a16:creationId xmlns:a16="http://schemas.microsoft.com/office/drawing/2014/main" id="{0FA6C237-3416-4464-9F7F-921E12DECCFE}"/>
+              </a:ext>
+            </a:extLst>
+          </p:cNvPr>
+          <p:cNvCxnSpPr>
+            <a:cxnSpLocks/>
+          </p:cNvCxnSpPr>
+          <p:nvPr/>
+        </p:nvCxnSpPr>
+        <p:spPr>
+          <a:xfrm>
+            <a:off x="2556738" y="1117600"/>
+            <a:ext cx="717637" cy="720000"/>
+          </a:xfrm>
+          <a:prstGeom prst="line">
+            <a:avLst/>
+          </a:prstGeom>
+          <a:ln>
+            <a:solidFill>
+              <a:schemeClr val="tx1"/>
+            </a:solidFill>
+          </a:ln>
+        </p:spPr>
+        <p:style>
+          <a:lnRef idx="1">
+            <a:schemeClr val="accent1"/>
+          </a:lnRef>
+          <a:fillRef idx="0">
+            <a:schemeClr val="accent1"/>
+          </a:fillRef>
+          <a:effectRef idx="0">
+            <a:schemeClr val="accent1"/>
+          </a:effectRef>
+          <a:fontRef idx="minor">
+            <a:schemeClr val="tx1"/>
+          </a:fontRef>
+        </p:style>
+      </p:cxnSp>
+      <p:sp>
+        <p:nvSpPr>
+          <p:cNvPr id="12" name="文本框 11">
+            <a:extLst>
+              <a:ext uri="{FF2B5EF4-FFF2-40B4-BE49-F238E27FC236}">
+                <a16:creationId xmlns:a16="http://schemas.microsoft.com/office/drawing/2014/main" id="{76044167-D457-4EF9-BE50-869680F00452}"/>
+              </a:ext>
+            </a:extLst>
+          </p:cNvPr>
+          <p:cNvSpPr txBox="1"/>
+          <p:nvPr/>
+        </p:nvSpPr>
+        <p:spPr>
+          <a:xfrm>
+            <a:off x="964491" y="748268"/>
+            <a:ext cx="320922" cy="369332"/>
+          </a:xfrm>
+          <a:prstGeom prst="rect">
+            <a:avLst/>
+          </a:prstGeom>
+          <a:noFill/>
+        </p:spPr>
+        <p:txBody>
+          <a:bodyPr wrap="none" rtlCol="0">
+            <a:spAutoFit/>
+          </a:bodyPr>
+          <a:lstStyle/>
+          <a:p>
+            <a:r>
+              <a:rPr lang="en-US" altLang="zh-CN" b="1" dirty="0">
+                <a:ln>
+                  <a:solidFill>
+                    <a:sysClr val="windowText" lastClr="000000"/>
+                  </a:solidFill>
+                </a:ln>
+                <a:solidFill>
+                  <a:schemeClr val="bg1"/>
+                </a:solidFill>
+                <a:effectLst>
+                  <a:outerShdw blurRad="50800" dist="38100" dir="2700000" algn="tl" rotWithShape="0">
+                    <a:prstClr val="black">
+                      <a:alpha val="40000"/>
+                    </a:prstClr>
+                  </a:outerShdw>
+                </a:effectLst>
+                <a:latin typeface="思源黑体" panose="020B0500000000000000" pitchFamily="34" charset="-122"/>
+                <a:ea typeface="思源黑体" panose="020B0500000000000000" pitchFamily="34" charset="-122"/>
+              </a:rPr>
+              <a:t>0</a:t>
+            </a:r>
+            <a:endParaRPr lang="zh-CN" altLang="en-US" b="1" dirty="0">
+              <a:ln>
+                <a:solidFill>
+                  <a:sysClr val="windowText" lastClr="000000"/>
+                </a:solidFill>
+              </a:ln>
+              <a:solidFill>
+                <a:schemeClr val="bg1"/>
+              </a:solidFill>
+              <a:effectLst>
+                <a:outerShdw blurRad="50800" dist="38100" dir="2700000" algn="tl" rotWithShape="0">
+                  <a:prstClr val="black">
+                    <a:alpha val="40000"/>
+                  </a:prstClr>
+                </a:outerShdw>
+              </a:effectLst>
+              <a:latin typeface="思源黑体" panose="020B0500000000000000" pitchFamily="34" charset="-122"/>
+              <a:ea typeface="思源黑体" panose="020B0500000000000000" pitchFamily="34" charset="-122"/>
+            </a:endParaRPr>
+          </a:p>
+        </p:txBody>
+      </p:sp>
+      <p:sp>
+        <p:nvSpPr>
+          <p:cNvPr id="13" name="文本框 12">
+            <a:extLst>
+              <a:ext uri="{FF2B5EF4-FFF2-40B4-BE49-F238E27FC236}">
+                <a16:creationId xmlns:a16="http://schemas.microsoft.com/office/drawing/2014/main" id="{8E7D8EE8-42FA-48B8-B659-B6DE3CCE6AAE}"/>
+              </a:ext>
+            </a:extLst>
+          </p:cNvPr>
+          <p:cNvSpPr txBox="1"/>
+          <p:nvPr/>
+        </p:nvSpPr>
+        <p:spPr>
+          <a:xfrm>
+            <a:off x="1684353" y="748268"/>
+            <a:ext cx="320922" cy="369332"/>
+          </a:xfrm>
+          <a:prstGeom prst="rect">
+            <a:avLst/>
+          </a:prstGeom>
+          <a:noFill/>
+        </p:spPr>
+        <p:txBody>
+          <a:bodyPr wrap="none" rtlCol="0">
+            <a:spAutoFit/>
+          </a:bodyPr>
+          <a:lstStyle/>
+          <a:p>
+            <a:r>
+              <a:rPr lang="en-US" altLang="zh-CN" b="1" dirty="0">
+                <a:ln>
+                  <a:solidFill>
+                    <a:sysClr val="windowText" lastClr="000000"/>
+                  </a:solidFill>
+                </a:ln>
+                <a:solidFill>
+                  <a:schemeClr val="bg1"/>
+                </a:solidFill>
+                <a:effectLst>
+                  <a:outerShdw blurRad="50800" dist="38100" dir="2700000" algn="tl" rotWithShape="0">
+                    <a:prstClr val="black">
+                      <a:alpha val="40000"/>
+                    </a:prstClr>
+                  </a:outerShdw>
+                </a:effectLst>
+                <a:latin typeface="思源黑体" panose="020B0500000000000000" pitchFamily="34" charset="-122"/>
+                <a:ea typeface="思源黑体" panose="020B0500000000000000" pitchFamily="34" charset="-122"/>
+              </a:rPr>
+              <a:t>1</a:t>
+            </a:r>
+            <a:endParaRPr lang="zh-CN" altLang="en-US" b="1" dirty="0">
+              <a:ln>
+                <a:solidFill>
+                  <a:sysClr val="windowText" lastClr="000000"/>
+                </a:solidFill>
+              </a:ln>
+              <a:solidFill>
+                <a:schemeClr val="bg1"/>
+              </a:solidFill>
+              <a:effectLst>
+                <a:outerShdw blurRad="50800" dist="38100" dir="2700000" algn="tl" rotWithShape="0">
+                  <a:prstClr val="black">
+                    <a:alpha val="40000"/>
+                  </a:prstClr>
+                </a:outerShdw>
+              </a:effectLst>
+              <a:latin typeface="思源黑体" panose="020B0500000000000000" pitchFamily="34" charset="-122"/>
+              <a:ea typeface="思源黑体" panose="020B0500000000000000" pitchFamily="34" charset="-122"/>
+            </a:endParaRPr>
+          </a:p>
+        </p:txBody>
+      </p:sp>
+      <p:sp>
+        <p:nvSpPr>
+          <p:cNvPr id="14" name="文本框 13">
+            <a:extLst>
+              <a:ext uri="{FF2B5EF4-FFF2-40B4-BE49-F238E27FC236}">
+                <a16:creationId xmlns:a16="http://schemas.microsoft.com/office/drawing/2014/main" id="{559C457F-B6A3-452E-9202-4EEA94EC1672}"/>
+              </a:ext>
+            </a:extLst>
+          </p:cNvPr>
+          <p:cNvSpPr txBox="1"/>
+          <p:nvPr/>
+        </p:nvSpPr>
+        <p:spPr>
+          <a:xfrm>
+            <a:off x="2404215" y="748268"/>
+            <a:ext cx="320922" cy="369332"/>
+          </a:xfrm>
+          <a:prstGeom prst="rect">
+            <a:avLst/>
+          </a:prstGeom>
+          <a:noFill/>
+        </p:spPr>
+        <p:txBody>
+          <a:bodyPr wrap="none" rtlCol="0">
+            <a:spAutoFit/>
+          </a:bodyPr>
+          <a:lstStyle/>
+          <a:p>
+            <a:r>
+              <a:rPr lang="en-US" altLang="zh-CN" b="1" dirty="0">
+                <a:ln>
+                  <a:solidFill>
+                    <a:sysClr val="windowText" lastClr="000000"/>
+                  </a:solidFill>
+                </a:ln>
+                <a:solidFill>
+                  <a:schemeClr val="bg1"/>
+                </a:solidFill>
+                <a:effectLst>
+                  <a:outerShdw blurRad="50800" dist="38100" dir="2700000" algn="tl" rotWithShape="0">
+                    <a:prstClr val="black">
+                      <a:alpha val="40000"/>
+                    </a:prstClr>
+                  </a:outerShdw>
+                </a:effectLst>
+                <a:latin typeface="思源黑体" panose="020B0500000000000000" pitchFamily="34" charset="-122"/>
+                <a:ea typeface="思源黑体" panose="020B0500000000000000" pitchFamily="34" charset="-122"/>
+              </a:rPr>
+              <a:t>2</a:t>
+            </a:r>
+            <a:endParaRPr lang="zh-CN" altLang="en-US" b="1" dirty="0">
+              <a:ln>
+                <a:solidFill>
+                  <a:sysClr val="windowText" lastClr="000000"/>
+                </a:solidFill>
+              </a:ln>
+              <a:solidFill>
+                <a:schemeClr val="bg1"/>
+              </a:solidFill>
+              <a:effectLst>
+                <a:outerShdw blurRad="50800" dist="38100" dir="2700000" algn="tl" rotWithShape="0">
+                  <a:prstClr val="black">
+                    <a:alpha val="40000"/>
+                  </a:prstClr>
+                </a:outerShdw>
+              </a:effectLst>
+              <a:latin typeface="思源黑体" panose="020B0500000000000000" pitchFamily="34" charset="-122"/>
+              <a:ea typeface="思源黑体" panose="020B0500000000000000" pitchFamily="34" charset="-122"/>
+            </a:endParaRPr>
+          </a:p>
+        </p:txBody>
+      </p:sp>
+      <p:sp>
+        <p:nvSpPr>
+          <p:cNvPr id="15" name="文本框 14">
+            <a:extLst>
+              <a:ext uri="{FF2B5EF4-FFF2-40B4-BE49-F238E27FC236}">
+                <a16:creationId xmlns:a16="http://schemas.microsoft.com/office/drawing/2014/main" id="{BB9B4610-F967-49BC-B933-2F2AB87EEB2D}"/>
+              </a:ext>
+            </a:extLst>
+          </p:cNvPr>
+          <p:cNvSpPr txBox="1"/>
+          <p:nvPr/>
+        </p:nvSpPr>
+        <p:spPr>
+          <a:xfrm>
+            <a:off x="3119176" y="748268"/>
+            <a:ext cx="320922" cy="369332"/>
+          </a:xfrm>
+          <a:prstGeom prst="rect">
+            <a:avLst/>
+          </a:prstGeom>
+          <a:noFill/>
+        </p:spPr>
+        <p:txBody>
+          <a:bodyPr wrap="none" rtlCol="0">
+            <a:spAutoFit/>
+          </a:bodyPr>
+          <a:lstStyle/>
+          <a:p>
+            <a:r>
+              <a:rPr lang="en-US" altLang="zh-CN" b="1" dirty="0">
+                <a:ln>
+                  <a:solidFill>
+                    <a:sysClr val="windowText" lastClr="000000"/>
+                  </a:solidFill>
+                </a:ln>
+                <a:solidFill>
+                  <a:schemeClr val="bg1"/>
+                </a:solidFill>
+                <a:effectLst>
+                  <a:outerShdw blurRad="50800" dist="38100" dir="2700000" algn="tl" rotWithShape="0">
+                    <a:prstClr val="black">
+                      <a:alpha val="40000"/>
+                    </a:prstClr>
+                  </a:outerShdw>
+                </a:effectLst>
+                <a:latin typeface="思源黑体" panose="020B0500000000000000" pitchFamily="34" charset="-122"/>
+                <a:ea typeface="思源黑体" panose="020B0500000000000000" pitchFamily="34" charset="-122"/>
+              </a:rPr>
+              <a:t>3</a:t>
+            </a:r>
+            <a:endParaRPr lang="zh-CN" altLang="en-US" b="1" dirty="0">
+              <a:ln>
+                <a:solidFill>
+                  <a:sysClr val="windowText" lastClr="000000"/>
+                </a:solidFill>
+              </a:ln>
+              <a:solidFill>
+                <a:schemeClr val="bg1"/>
+              </a:solidFill>
+              <a:effectLst>
+                <a:outerShdw blurRad="50800" dist="38100" dir="2700000" algn="tl" rotWithShape="0">
+                  <a:prstClr val="black">
+                    <a:alpha val="40000"/>
+                  </a:prstClr>
+                </a:outerShdw>
+              </a:effectLst>
+              <a:latin typeface="思源黑体" panose="020B0500000000000000" pitchFamily="34" charset="-122"/>
+              <a:ea typeface="思源黑体" panose="020B0500000000000000" pitchFamily="34" charset="-122"/>
+            </a:endParaRPr>
+          </a:p>
+        </p:txBody>
+      </p:sp>
+      <p:sp>
+        <p:nvSpPr>
+          <p:cNvPr id="40" name="文本框 39">
+            <a:extLst>
+              <a:ext uri="{FF2B5EF4-FFF2-40B4-BE49-F238E27FC236}">
+                <a16:creationId xmlns:a16="http://schemas.microsoft.com/office/drawing/2014/main" id="{77DDBCF3-FE84-4188-B8B2-7D55DE45F711}"/>
+              </a:ext>
+            </a:extLst>
+          </p:cNvPr>
+          <p:cNvSpPr txBox="1"/>
+          <p:nvPr/>
+        </p:nvSpPr>
+        <p:spPr>
+          <a:xfrm>
+            <a:off x="1497891" y="1283602"/>
+            <a:ext cx="320922" cy="369332"/>
+          </a:xfrm>
+          <a:prstGeom prst="rect">
+            <a:avLst/>
+          </a:prstGeom>
+          <a:noFill/>
+        </p:spPr>
+        <p:txBody>
+          <a:bodyPr wrap="none" rtlCol="0">
+            <a:spAutoFit/>
+          </a:bodyPr>
+          <a:lstStyle/>
+          <a:p>
+            <a:r>
+              <a:rPr lang="en-US" altLang="zh-CN" b="1" dirty="0">
+                <a:ln>
+                  <a:solidFill>
+                    <a:sysClr val="windowText" lastClr="000000"/>
+                  </a:solidFill>
+                </a:ln>
+                <a:solidFill>
+                  <a:schemeClr val="bg1"/>
+                </a:solidFill>
+                <a:effectLst>
+                  <a:outerShdw blurRad="50800" dist="38100" dir="2700000" algn="tl" rotWithShape="0">
+                    <a:prstClr val="black">
+                      <a:alpha val="40000"/>
+                    </a:prstClr>
+                  </a:outerShdw>
+                </a:effectLst>
+                <a:latin typeface="思源黑体" panose="020B0500000000000000" pitchFamily="34" charset="-122"/>
+                <a:ea typeface="思源黑体" panose="020B0500000000000000" pitchFamily="34" charset="-122"/>
+              </a:rPr>
+              <a:t>4</a:t>
+            </a:r>
+            <a:endParaRPr lang="zh-CN" altLang="en-US" b="1" dirty="0">
+              <a:ln>
+                <a:solidFill>
+                  <a:sysClr val="windowText" lastClr="000000"/>
+                </a:solidFill>
+              </a:ln>
+              <a:solidFill>
+                <a:schemeClr val="bg1"/>
+              </a:solidFill>
+              <a:effectLst>
+                <a:outerShdw blurRad="50800" dist="38100" dir="2700000" algn="tl" rotWithShape="0">
+                  <a:prstClr val="black">
+                    <a:alpha val="40000"/>
+                  </a:prstClr>
+                </a:outerShdw>
+              </a:effectLst>
+              <a:latin typeface="思源黑体" panose="020B0500000000000000" pitchFamily="34" charset="-122"/>
+              <a:ea typeface="思源黑体" panose="020B0500000000000000" pitchFamily="34" charset="-122"/>
+            </a:endParaRPr>
+          </a:p>
+        </p:txBody>
+      </p:sp>
+      <p:sp>
+        <p:nvSpPr>
+          <p:cNvPr id="41" name="文本框 40">
+            <a:extLst>
+              <a:ext uri="{FF2B5EF4-FFF2-40B4-BE49-F238E27FC236}">
+                <a16:creationId xmlns:a16="http://schemas.microsoft.com/office/drawing/2014/main" id="{1410C762-DEC5-4FAA-967E-5C7618AE49DD}"/>
+              </a:ext>
+            </a:extLst>
+          </p:cNvPr>
+          <p:cNvSpPr txBox="1"/>
+          <p:nvPr/>
+        </p:nvSpPr>
+        <p:spPr>
+          <a:xfrm>
+            <a:off x="2217753" y="1283602"/>
+            <a:ext cx="320922" cy="369332"/>
+          </a:xfrm>
+          <a:prstGeom prst="rect">
+            <a:avLst/>
+          </a:prstGeom>
+          <a:noFill/>
+        </p:spPr>
+        <p:txBody>
+          <a:bodyPr wrap="none" rtlCol="0">
+            <a:spAutoFit/>
+          </a:bodyPr>
+          <a:lstStyle/>
+          <a:p>
+            <a:r>
+              <a:rPr lang="en-US" altLang="zh-CN" b="1" dirty="0">
+                <a:ln>
+                  <a:solidFill>
+                    <a:sysClr val="windowText" lastClr="000000"/>
+                  </a:solidFill>
+                </a:ln>
+                <a:solidFill>
+                  <a:schemeClr val="bg1"/>
+                </a:solidFill>
+                <a:effectLst>
+                  <a:outerShdw blurRad="50800" dist="38100" dir="2700000" algn="tl" rotWithShape="0">
+                    <a:prstClr val="black">
+                      <a:alpha val="40000"/>
+                    </a:prstClr>
+                  </a:outerShdw>
+                </a:effectLst>
+                <a:latin typeface="思源黑体" panose="020B0500000000000000" pitchFamily="34" charset="-122"/>
+                <a:ea typeface="思源黑体" panose="020B0500000000000000" pitchFamily="34" charset="-122"/>
+              </a:rPr>
+              <a:t>5</a:t>
+            </a:r>
+            <a:endParaRPr lang="zh-CN" altLang="en-US" b="1" dirty="0">
+              <a:ln>
+                <a:solidFill>
+                  <a:sysClr val="windowText" lastClr="000000"/>
+                </a:solidFill>
+              </a:ln>
+              <a:solidFill>
+                <a:schemeClr val="bg1"/>
+              </a:solidFill>
+              <a:effectLst>
+                <a:outerShdw blurRad="50800" dist="38100" dir="2700000" algn="tl" rotWithShape="0">
+                  <a:prstClr val="black">
+                    <a:alpha val="40000"/>
+                  </a:prstClr>
+                </a:outerShdw>
+              </a:effectLst>
+              <a:latin typeface="思源黑体" panose="020B0500000000000000" pitchFamily="34" charset="-122"/>
+              <a:ea typeface="思源黑体" panose="020B0500000000000000" pitchFamily="34" charset="-122"/>
+            </a:endParaRPr>
+          </a:p>
+        </p:txBody>
+      </p:sp>
+      <p:sp>
+        <p:nvSpPr>
+          <p:cNvPr id="42" name="文本框 41">
+            <a:extLst>
+              <a:ext uri="{FF2B5EF4-FFF2-40B4-BE49-F238E27FC236}">
+                <a16:creationId xmlns:a16="http://schemas.microsoft.com/office/drawing/2014/main" id="{DB7A08F7-0414-4FCC-855E-164AD89A033B}"/>
+              </a:ext>
+            </a:extLst>
+          </p:cNvPr>
+          <p:cNvSpPr txBox="1"/>
+          <p:nvPr/>
+        </p:nvSpPr>
+        <p:spPr>
+          <a:xfrm>
+            <a:off x="2937615" y="1283602"/>
+            <a:ext cx="320922" cy="369332"/>
+          </a:xfrm>
+          <a:prstGeom prst="rect">
+            <a:avLst/>
+          </a:prstGeom>
+          <a:noFill/>
+        </p:spPr>
+        <p:txBody>
+          <a:bodyPr wrap="none" rtlCol="0">
+            <a:spAutoFit/>
+          </a:bodyPr>
+          <a:lstStyle/>
+          <a:p>
+            <a:r>
+              <a:rPr lang="en-US" altLang="zh-CN" b="1" dirty="0">
+                <a:ln>
+                  <a:solidFill>
+                    <a:sysClr val="windowText" lastClr="000000"/>
+                  </a:solidFill>
+                </a:ln>
+                <a:solidFill>
+                  <a:schemeClr val="bg1"/>
+                </a:solidFill>
+                <a:effectLst>
+                  <a:outerShdw blurRad="50800" dist="38100" dir="2700000" algn="tl" rotWithShape="0">
+                    <a:prstClr val="black">
+                      <a:alpha val="40000"/>
+                    </a:prstClr>
+                  </a:outerShdw>
+                </a:effectLst>
+                <a:latin typeface="思源黑体" panose="020B0500000000000000" pitchFamily="34" charset="-122"/>
+                <a:ea typeface="思源黑体" panose="020B0500000000000000" pitchFamily="34" charset="-122"/>
+              </a:rPr>
+              <a:t>6</a:t>
+            </a:r>
+            <a:endParaRPr lang="zh-CN" altLang="en-US" b="1" dirty="0">
+              <a:ln>
+                <a:solidFill>
+                  <a:sysClr val="windowText" lastClr="000000"/>
+                </a:solidFill>
+              </a:ln>
+              <a:solidFill>
+                <a:schemeClr val="bg1"/>
+              </a:solidFill>
+              <a:effectLst>
+                <a:outerShdw blurRad="50800" dist="38100" dir="2700000" algn="tl" rotWithShape="0">
+                  <a:prstClr val="black">
+                    <a:alpha val="40000"/>
+                  </a:prstClr>
+                </a:outerShdw>
+              </a:effectLst>
+              <a:latin typeface="思源黑体" panose="020B0500000000000000" pitchFamily="34" charset="-122"/>
+              <a:ea typeface="思源黑体" panose="020B0500000000000000" pitchFamily="34" charset="-122"/>
+            </a:endParaRPr>
+          </a:p>
+        </p:txBody>
+      </p:sp>
+      <p:sp>
+        <p:nvSpPr>
+          <p:cNvPr id="44" name="文本框 43">
+            <a:extLst>
+              <a:ext uri="{FF2B5EF4-FFF2-40B4-BE49-F238E27FC236}">
+                <a16:creationId xmlns:a16="http://schemas.microsoft.com/office/drawing/2014/main" id="{546B8232-100A-42FF-809E-E6897AF3CD02}"/>
+              </a:ext>
+            </a:extLst>
+          </p:cNvPr>
+          <p:cNvSpPr txBox="1"/>
+          <p:nvPr/>
+        </p:nvSpPr>
+        <p:spPr>
+          <a:xfrm>
+            <a:off x="964492" y="1634270"/>
+            <a:ext cx="320922" cy="369332"/>
+          </a:xfrm>
+          <a:prstGeom prst="rect">
+            <a:avLst/>
+          </a:prstGeom>
+          <a:noFill/>
+        </p:spPr>
+        <p:txBody>
+          <a:bodyPr wrap="none" rtlCol="0">
+            <a:spAutoFit/>
+          </a:bodyPr>
+          <a:lstStyle/>
+          <a:p>
+            <a:r>
+              <a:rPr lang="en-US" altLang="zh-CN" b="1" dirty="0">
+                <a:ln>
+                  <a:solidFill>
+                    <a:sysClr val="windowText" lastClr="000000"/>
+                  </a:solidFill>
+                </a:ln>
+                <a:solidFill>
+                  <a:schemeClr val="bg1"/>
+                </a:solidFill>
+                <a:effectLst>
+                  <a:outerShdw blurRad="50800" dist="38100" dir="2700000" algn="tl" rotWithShape="0">
+                    <a:prstClr val="black">
+                      <a:alpha val="40000"/>
+                    </a:prstClr>
+                  </a:outerShdw>
+                </a:effectLst>
+                <a:latin typeface="思源黑体" panose="020B0500000000000000" pitchFamily="34" charset="-122"/>
+                <a:ea typeface="思源黑体" panose="020B0500000000000000" pitchFamily="34" charset="-122"/>
+              </a:rPr>
+              <a:t>7</a:t>
+            </a:r>
+            <a:endParaRPr lang="zh-CN" altLang="en-US" b="1" dirty="0">
+              <a:ln>
+                <a:solidFill>
+                  <a:sysClr val="windowText" lastClr="000000"/>
+                </a:solidFill>
+              </a:ln>
+              <a:solidFill>
+                <a:schemeClr val="bg1"/>
+              </a:solidFill>
+              <a:effectLst>
+                <a:outerShdw blurRad="50800" dist="38100" dir="2700000" algn="tl" rotWithShape="0">
+                  <a:prstClr val="black">
+                    <a:alpha val="40000"/>
+                  </a:prstClr>
+                </a:outerShdw>
+              </a:effectLst>
+              <a:latin typeface="思源黑体" panose="020B0500000000000000" pitchFamily="34" charset="-122"/>
+              <a:ea typeface="思源黑体" panose="020B0500000000000000" pitchFamily="34" charset="-122"/>
+            </a:endParaRPr>
+          </a:p>
+        </p:txBody>
+      </p:sp>
+      <p:sp>
+        <p:nvSpPr>
+          <p:cNvPr id="45" name="文本框 44">
+            <a:extLst>
+              <a:ext uri="{FF2B5EF4-FFF2-40B4-BE49-F238E27FC236}">
+                <a16:creationId xmlns:a16="http://schemas.microsoft.com/office/drawing/2014/main" id="{026EC52E-DE34-489F-AF17-D9F5C106C85F}"/>
+              </a:ext>
+            </a:extLst>
+          </p:cNvPr>
+          <p:cNvSpPr txBox="1"/>
+          <p:nvPr/>
+        </p:nvSpPr>
+        <p:spPr>
+          <a:xfrm>
+            <a:off x="1684354" y="1634270"/>
+            <a:ext cx="320922" cy="369332"/>
+          </a:xfrm>
+          <a:prstGeom prst="rect">
+            <a:avLst/>
+          </a:prstGeom>
+          <a:noFill/>
+        </p:spPr>
+        <p:txBody>
+          <a:bodyPr wrap="none" rtlCol="0">
+            <a:spAutoFit/>
+          </a:bodyPr>
+          <a:lstStyle/>
+          <a:p>
+            <a:r>
+              <a:rPr lang="en-US" altLang="zh-CN" b="1" dirty="0">
+                <a:ln>
+                  <a:solidFill>
+                    <a:sysClr val="windowText" lastClr="000000"/>
+                  </a:solidFill>
+                </a:ln>
+                <a:solidFill>
+                  <a:schemeClr val="bg1"/>
+                </a:solidFill>
+                <a:effectLst>
+                  <a:outerShdw blurRad="50800" dist="38100" dir="2700000" algn="tl" rotWithShape="0">
+                    <a:prstClr val="black">
+                      <a:alpha val="40000"/>
+                    </a:prstClr>
+                  </a:outerShdw>
+                </a:effectLst>
+                <a:latin typeface="思源黑体" panose="020B0500000000000000" pitchFamily="34" charset="-122"/>
+                <a:ea typeface="思源黑体" panose="020B0500000000000000" pitchFamily="34" charset="-122"/>
+              </a:rPr>
+              <a:t>8</a:t>
+            </a:r>
+            <a:endParaRPr lang="zh-CN" altLang="en-US" b="1" dirty="0">
+              <a:ln>
+                <a:solidFill>
+                  <a:sysClr val="windowText" lastClr="000000"/>
+                </a:solidFill>
+              </a:ln>
+              <a:solidFill>
+                <a:schemeClr val="bg1"/>
+              </a:solidFill>
+              <a:effectLst>
+                <a:outerShdw blurRad="50800" dist="38100" dir="2700000" algn="tl" rotWithShape="0">
+                  <a:prstClr val="black">
+                    <a:alpha val="40000"/>
+                  </a:prstClr>
+                </a:outerShdw>
+              </a:effectLst>
+              <a:latin typeface="思源黑体" panose="020B0500000000000000" pitchFamily="34" charset="-122"/>
+              <a:ea typeface="思源黑体" panose="020B0500000000000000" pitchFamily="34" charset="-122"/>
+            </a:endParaRPr>
+          </a:p>
+        </p:txBody>
+      </p:sp>
+      <p:sp>
+        <p:nvSpPr>
+          <p:cNvPr id="46" name="文本框 45">
+            <a:extLst>
+              <a:ext uri="{FF2B5EF4-FFF2-40B4-BE49-F238E27FC236}">
+                <a16:creationId xmlns:a16="http://schemas.microsoft.com/office/drawing/2014/main" id="{FC9944ED-BE9F-4C4A-A2D0-82FAC06AD940}"/>
+              </a:ext>
+            </a:extLst>
+          </p:cNvPr>
+          <p:cNvSpPr txBox="1"/>
+          <p:nvPr/>
+        </p:nvSpPr>
+        <p:spPr>
+          <a:xfrm>
+            <a:off x="2404216" y="1634270"/>
+            <a:ext cx="320922" cy="369332"/>
+          </a:xfrm>
+          <a:prstGeom prst="rect">
+            <a:avLst/>
+          </a:prstGeom>
+          <a:noFill/>
+        </p:spPr>
+        <p:txBody>
+          <a:bodyPr wrap="none" rtlCol="0">
+            <a:spAutoFit/>
+          </a:bodyPr>
+          <a:lstStyle/>
+          <a:p>
+            <a:r>
+              <a:rPr lang="en-US" altLang="zh-CN" b="1" dirty="0">
+                <a:ln>
+                  <a:solidFill>
+                    <a:sysClr val="windowText" lastClr="000000"/>
+                  </a:solidFill>
+                </a:ln>
+                <a:solidFill>
+                  <a:schemeClr val="bg1"/>
+                </a:solidFill>
+                <a:effectLst>
+                  <a:outerShdw blurRad="50800" dist="38100" dir="2700000" algn="tl" rotWithShape="0">
+                    <a:prstClr val="black">
+                      <a:alpha val="40000"/>
+                    </a:prstClr>
+                  </a:outerShdw>
+                </a:effectLst>
+                <a:latin typeface="思源黑体" panose="020B0500000000000000" pitchFamily="34" charset="-122"/>
+                <a:ea typeface="思源黑体" panose="020B0500000000000000" pitchFamily="34" charset="-122"/>
+              </a:rPr>
+              <a:t>9</a:t>
+            </a:r>
+            <a:endParaRPr lang="zh-CN" altLang="en-US" b="1" dirty="0">
+              <a:ln>
+                <a:solidFill>
+                  <a:sysClr val="windowText" lastClr="000000"/>
+                </a:solidFill>
+              </a:ln>
+              <a:solidFill>
+                <a:schemeClr val="bg1"/>
+              </a:solidFill>
+              <a:effectLst>
+                <a:outerShdw blurRad="50800" dist="38100" dir="2700000" algn="tl" rotWithShape="0">
+                  <a:prstClr val="black">
+                    <a:alpha val="40000"/>
+                  </a:prstClr>
+                </a:outerShdw>
+              </a:effectLst>
+              <a:latin typeface="思源黑体" panose="020B0500000000000000" pitchFamily="34" charset="-122"/>
+              <a:ea typeface="思源黑体" panose="020B0500000000000000" pitchFamily="34" charset="-122"/>
+            </a:endParaRPr>
+          </a:p>
+        </p:txBody>
+      </p:sp>
+      <p:sp>
+        <p:nvSpPr>
+          <p:cNvPr id="47" name="文本框 46">
+            <a:extLst>
+              <a:ext uri="{FF2B5EF4-FFF2-40B4-BE49-F238E27FC236}">
+                <a16:creationId xmlns:a16="http://schemas.microsoft.com/office/drawing/2014/main" id="{62C7F2A5-E651-425B-B5D3-389A8CB342BA}"/>
+              </a:ext>
+            </a:extLst>
+          </p:cNvPr>
+          <p:cNvSpPr txBox="1"/>
+          <p:nvPr/>
+        </p:nvSpPr>
+        <p:spPr>
+          <a:xfrm>
+            <a:off x="3119177" y="1634270"/>
+            <a:ext cx="457176" cy="369332"/>
+          </a:xfrm>
+          <a:prstGeom prst="rect">
+            <a:avLst/>
+          </a:prstGeom>
+          <a:noFill/>
+        </p:spPr>
+        <p:txBody>
+          <a:bodyPr wrap="none" rtlCol="0">
+            <a:spAutoFit/>
+          </a:bodyPr>
+          <a:lstStyle/>
+          <a:p>
+            <a:r>
+              <a:rPr lang="en-US" altLang="zh-CN" b="1" dirty="0">
+                <a:ln>
+                  <a:solidFill>
+                    <a:sysClr val="windowText" lastClr="000000"/>
+                  </a:solidFill>
+                </a:ln>
+                <a:solidFill>
+                  <a:schemeClr val="bg1"/>
+                </a:solidFill>
+                <a:effectLst>
+                  <a:outerShdw blurRad="50800" dist="38100" dir="2700000" algn="tl" rotWithShape="0">
+                    <a:prstClr val="black">
+                      <a:alpha val="40000"/>
+                    </a:prstClr>
+                  </a:outerShdw>
+                </a:effectLst>
+                <a:latin typeface="思源黑体" panose="020B0500000000000000" pitchFamily="34" charset="-122"/>
+                <a:ea typeface="思源黑体" panose="020B0500000000000000" pitchFamily="34" charset="-122"/>
+              </a:rPr>
+              <a:t>10</a:t>
+            </a:r>
+            <a:endParaRPr lang="zh-CN" altLang="en-US" b="1" dirty="0">
+              <a:ln>
+                <a:solidFill>
+                  <a:sysClr val="windowText" lastClr="000000"/>
+                </a:solidFill>
+              </a:ln>
+              <a:solidFill>
+                <a:schemeClr val="bg1"/>
+              </a:solidFill>
+              <a:effectLst>
+                <a:outerShdw blurRad="50800" dist="38100" dir="2700000" algn="tl" rotWithShape="0">
+                  <a:prstClr val="black">
+                    <a:alpha val="40000"/>
+                  </a:prstClr>
+                </a:outerShdw>
+              </a:effectLst>
+              <a:latin typeface="思源黑体" panose="020B0500000000000000" pitchFamily="34" charset="-122"/>
+              <a:ea typeface="思源黑体" panose="020B0500000000000000" pitchFamily="34" charset="-122"/>
+            </a:endParaRPr>
+          </a:p>
+        </p:txBody>
+      </p:sp>
+      <p:sp>
+        <p:nvSpPr>
+          <p:cNvPr id="48" name="文本框 47">
+            <a:extLst>
+              <a:ext uri="{FF2B5EF4-FFF2-40B4-BE49-F238E27FC236}">
+                <a16:creationId xmlns:a16="http://schemas.microsoft.com/office/drawing/2014/main" id="{E8114B75-BFC0-4A51-B208-AD5B820FDAAE}"/>
+              </a:ext>
+            </a:extLst>
+          </p:cNvPr>
+          <p:cNvSpPr txBox="1"/>
+          <p:nvPr/>
+        </p:nvSpPr>
+        <p:spPr>
+          <a:xfrm>
+            <a:off x="964492" y="2552476"/>
+            <a:ext cx="457176" cy="369332"/>
+          </a:xfrm>
+          <a:prstGeom prst="rect">
+            <a:avLst/>
+          </a:prstGeom>
+          <a:noFill/>
+        </p:spPr>
+        <p:txBody>
+          <a:bodyPr wrap="none" rtlCol="0">
+            <a:spAutoFit/>
+          </a:bodyPr>
+          <a:lstStyle/>
+          <a:p>
+            <a:r>
+              <a:rPr lang="en-US" altLang="zh-CN" b="1" dirty="0">
+                <a:ln>
+                  <a:solidFill>
+                    <a:sysClr val="windowText" lastClr="000000"/>
+                  </a:solidFill>
+                </a:ln>
+                <a:solidFill>
+                  <a:schemeClr val="bg1"/>
+                </a:solidFill>
+                <a:effectLst>
+                  <a:outerShdw blurRad="50800" dist="38100" dir="2700000" algn="tl" rotWithShape="0">
+                    <a:prstClr val="black">
+                      <a:alpha val="40000"/>
+                    </a:prstClr>
+                  </a:outerShdw>
+                </a:effectLst>
+                <a:latin typeface="思源黑体" panose="020B0500000000000000" pitchFamily="34" charset="-122"/>
+                <a:ea typeface="思源黑体" panose="020B0500000000000000" pitchFamily="34" charset="-122"/>
+              </a:rPr>
+              <a:t>14</a:t>
+            </a:r>
+            <a:endParaRPr lang="zh-CN" altLang="en-US" b="1" dirty="0">
+              <a:ln>
+                <a:solidFill>
+                  <a:sysClr val="windowText" lastClr="000000"/>
+                </a:solidFill>
+              </a:ln>
+              <a:solidFill>
+                <a:schemeClr val="bg1"/>
+              </a:solidFill>
+              <a:effectLst>
+                <a:outerShdw blurRad="50800" dist="38100" dir="2700000" algn="tl" rotWithShape="0">
+                  <a:prstClr val="black">
+                    <a:alpha val="40000"/>
+                  </a:prstClr>
+                </a:outerShdw>
+              </a:effectLst>
+              <a:latin typeface="思源黑体" panose="020B0500000000000000" pitchFamily="34" charset="-122"/>
+              <a:ea typeface="思源黑体" panose="020B0500000000000000" pitchFamily="34" charset="-122"/>
+            </a:endParaRPr>
+          </a:p>
+        </p:txBody>
+      </p:sp>
+      <p:sp>
+        <p:nvSpPr>
+          <p:cNvPr id="49" name="文本框 48">
+            <a:extLst>
+              <a:ext uri="{FF2B5EF4-FFF2-40B4-BE49-F238E27FC236}">
+                <a16:creationId xmlns:a16="http://schemas.microsoft.com/office/drawing/2014/main" id="{F2FA8E9A-4E2D-4E8A-B4A6-BE81F23F0026}"/>
+              </a:ext>
+            </a:extLst>
+          </p:cNvPr>
+          <p:cNvSpPr txBox="1"/>
+          <p:nvPr/>
+        </p:nvSpPr>
+        <p:spPr>
+          <a:xfrm>
+            <a:off x="1684354" y="2552476"/>
+            <a:ext cx="457176" cy="369332"/>
+          </a:xfrm>
+          <a:prstGeom prst="rect">
+            <a:avLst/>
+          </a:prstGeom>
+          <a:noFill/>
+        </p:spPr>
+        <p:txBody>
+          <a:bodyPr wrap="none" rtlCol="0">
+            <a:spAutoFit/>
+          </a:bodyPr>
+          <a:lstStyle/>
+          <a:p>
+            <a:r>
+              <a:rPr lang="en-US" altLang="zh-CN" b="1" dirty="0">
+                <a:ln>
+                  <a:solidFill>
+                    <a:sysClr val="windowText" lastClr="000000"/>
+                  </a:solidFill>
+                </a:ln>
+                <a:solidFill>
+                  <a:schemeClr val="bg1"/>
+                </a:solidFill>
+                <a:effectLst>
+                  <a:outerShdw blurRad="50800" dist="38100" dir="2700000" algn="tl" rotWithShape="0">
+                    <a:prstClr val="black">
+                      <a:alpha val="40000"/>
+                    </a:prstClr>
+                  </a:outerShdw>
+                </a:effectLst>
+                <a:latin typeface="思源黑体" panose="020B0500000000000000" pitchFamily="34" charset="-122"/>
+                <a:ea typeface="思源黑体" panose="020B0500000000000000" pitchFamily="34" charset="-122"/>
+              </a:rPr>
+              <a:t>15</a:t>
+            </a:r>
+            <a:endParaRPr lang="zh-CN" altLang="en-US" b="1" dirty="0">
+              <a:ln>
+                <a:solidFill>
+                  <a:sysClr val="windowText" lastClr="000000"/>
+                </a:solidFill>
+              </a:ln>
+              <a:solidFill>
+                <a:schemeClr val="bg1"/>
+              </a:solidFill>
+              <a:effectLst>
+                <a:outerShdw blurRad="50800" dist="38100" dir="2700000" algn="tl" rotWithShape="0">
+                  <a:prstClr val="black">
+                    <a:alpha val="40000"/>
+                  </a:prstClr>
+                </a:outerShdw>
+              </a:effectLst>
+              <a:latin typeface="思源黑体" panose="020B0500000000000000" pitchFamily="34" charset="-122"/>
+              <a:ea typeface="思源黑体" panose="020B0500000000000000" pitchFamily="34" charset="-122"/>
+            </a:endParaRPr>
+          </a:p>
+        </p:txBody>
+      </p:sp>
+      <p:sp>
+        <p:nvSpPr>
+          <p:cNvPr id="50" name="文本框 49">
+            <a:extLst>
+              <a:ext uri="{FF2B5EF4-FFF2-40B4-BE49-F238E27FC236}">
+                <a16:creationId xmlns:a16="http://schemas.microsoft.com/office/drawing/2014/main" id="{142F7BCF-EBC2-4703-AB2A-2256C496F7C2}"/>
+              </a:ext>
+            </a:extLst>
+          </p:cNvPr>
+          <p:cNvSpPr txBox="1"/>
+          <p:nvPr/>
+        </p:nvSpPr>
+        <p:spPr>
+          <a:xfrm>
+            <a:off x="2404216" y="2552476"/>
+            <a:ext cx="457176" cy="369332"/>
+          </a:xfrm>
+          <a:prstGeom prst="rect">
+            <a:avLst/>
+          </a:prstGeom>
+          <a:noFill/>
+        </p:spPr>
+        <p:txBody>
+          <a:bodyPr wrap="none" rtlCol="0">
+            <a:spAutoFit/>
+          </a:bodyPr>
+          <a:lstStyle/>
+          <a:p>
+            <a:r>
+              <a:rPr lang="en-US" altLang="zh-CN" b="1" dirty="0">
+                <a:ln>
+                  <a:solidFill>
+                    <a:sysClr val="windowText" lastClr="000000"/>
+                  </a:solidFill>
+                </a:ln>
+                <a:solidFill>
+                  <a:schemeClr val="bg1"/>
+                </a:solidFill>
+                <a:effectLst>
+                  <a:outerShdw blurRad="50800" dist="38100" dir="2700000" algn="tl" rotWithShape="0">
+                    <a:prstClr val="black">
+                      <a:alpha val="40000"/>
+                    </a:prstClr>
+                  </a:outerShdw>
+                </a:effectLst>
+                <a:latin typeface="思源黑体" panose="020B0500000000000000" pitchFamily="34" charset="-122"/>
+                <a:ea typeface="思源黑体" panose="020B0500000000000000" pitchFamily="34" charset="-122"/>
+              </a:rPr>
+              <a:t>16</a:t>
+            </a:r>
+            <a:endParaRPr lang="zh-CN" altLang="en-US" b="1" dirty="0">
+              <a:ln>
+                <a:solidFill>
+                  <a:sysClr val="windowText" lastClr="000000"/>
+                </a:solidFill>
+              </a:ln>
+              <a:solidFill>
+                <a:schemeClr val="bg1"/>
+              </a:solidFill>
+              <a:effectLst>
+                <a:outerShdw blurRad="50800" dist="38100" dir="2700000" algn="tl" rotWithShape="0">
+                  <a:prstClr val="black">
+                    <a:alpha val="40000"/>
+                  </a:prstClr>
+                </a:outerShdw>
+              </a:effectLst>
+              <a:latin typeface="思源黑体" panose="020B0500000000000000" pitchFamily="34" charset="-122"/>
+              <a:ea typeface="思源黑体" panose="020B0500000000000000" pitchFamily="34" charset="-122"/>
+            </a:endParaRPr>
+          </a:p>
+        </p:txBody>
+      </p:sp>
+      <p:sp>
+        <p:nvSpPr>
+          <p:cNvPr id="51" name="文本框 50">
+            <a:extLst>
+              <a:ext uri="{FF2B5EF4-FFF2-40B4-BE49-F238E27FC236}">
+                <a16:creationId xmlns:a16="http://schemas.microsoft.com/office/drawing/2014/main" id="{B79BF9BA-B8C9-41BC-BF0D-680FBC22C1B6}"/>
+              </a:ext>
+            </a:extLst>
+          </p:cNvPr>
+          <p:cNvSpPr txBox="1"/>
+          <p:nvPr/>
+        </p:nvSpPr>
+        <p:spPr>
+          <a:xfrm>
+            <a:off x="3119177" y="2552476"/>
+            <a:ext cx="457176" cy="369332"/>
+          </a:xfrm>
+          <a:prstGeom prst="rect">
+            <a:avLst/>
+          </a:prstGeom>
+          <a:noFill/>
+        </p:spPr>
+        <p:txBody>
+          <a:bodyPr wrap="none" rtlCol="0">
+            <a:spAutoFit/>
+          </a:bodyPr>
+          <a:lstStyle/>
+          <a:p>
+            <a:r>
+              <a:rPr lang="en-US" altLang="zh-CN" b="1" dirty="0">
+                <a:ln>
+                  <a:solidFill>
+                    <a:sysClr val="windowText" lastClr="000000"/>
+                  </a:solidFill>
+                </a:ln>
+                <a:solidFill>
+                  <a:schemeClr val="bg1"/>
+                </a:solidFill>
+                <a:effectLst>
+                  <a:outerShdw blurRad="50800" dist="38100" dir="2700000" algn="tl" rotWithShape="0">
+                    <a:prstClr val="black">
+                      <a:alpha val="40000"/>
+                    </a:prstClr>
+                  </a:outerShdw>
+                </a:effectLst>
+                <a:latin typeface="思源黑体" panose="020B0500000000000000" pitchFamily="34" charset="-122"/>
+                <a:ea typeface="思源黑体" panose="020B0500000000000000" pitchFamily="34" charset="-122"/>
+              </a:rPr>
+              <a:t>17</a:t>
+            </a:r>
+            <a:endParaRPr lang="zh-CN" altLang="en-US" b="1" dirty="0">
+              <a:ln>
+                <a:solidFill>
+                  <a:sysClr val="windowText" lastClr="000000"/>
+                </a:solidFill>
+              </a:ln>
+              <a:solidFill>
+                <a:schemeClr val="bg1"/>
+              </a:solidFill>
+              <a:effectLst>
+                <a:outerShdw blurRad="50800" dist="38100" dir="2700000" algn="tl" rotWithShape="0">
+                  <a:prstClr val="black">
+                    <a:alpha val="40000"/>
+                  </a:prstClr>
+                </a:outerShdw>
+              </a:effectLst>
+              <a:latin typeface="思源黑体" panose="020B0500000000000000" pitchFamily="34" charset="-122"/>
+              <a:ea typeface="思源黑体" panose="020B0500000000000000" pitchFamily="34" charset="-122"/>
+            </a:endParaRPr>
+          </a:p>
+        </p:txBody>
+      </p:sp>
+      <p:sp>
+        <p:nvSpPr>
+          <p:cNvPr id="52" name="文本框 51">
+            <a:extLst>
+              <a:ext uri="{FF2B5EF4-FFF2-40B4-BE49-F238E27FC236}">
+                <a16:creationId xmlns:a16="http://schemas.microsoft.com/office/drawing/2014/main" id="{F4CB43D2-C960-4C74-B27C-FA3F3E08EBF9}"/>
+              </a:ext>
+            </a:extLst>
+          </p:cNvPr>
+          <p:cNvSpPr txBox="1"/>
+          <p:nvPr/>
+        </p:nvSpPr>
+        <p:spPr>
+          <a:xfrm>
+            <a:off x="1537609" y="2015652"/>
+            <a:ext cx="457176" cy="369332"/>
+          </a:xfrm>
+          <a:prstGeom prst="rect">
+            <a:avLst/>
+          </a:prstGeom>
+          <a:noFill/>
+        </p:spPr>
+        <p:txBody>
+          <a:bodyPr wrap="none" rtlCol="0">
+            <a:spAutoFit/>
+          </a:bodyPr>
+          <a:lstStyle/>
+          <a:p>
+            <a:r>
+              <a:rPr lang="en-US" altLang="zh-CN" b="1" dirty="0">
+                <a:ln>
+                  <a:solidFill>
+                    <a:sysClr val="windowText" lastClr="000000"/>
+                  </a:solidFill>
+                </a:ln>
+                <a:solidFill>
+                  <a:schemeClr val="bg1"/>
+                </a:solidFill>
+                <a:effectLst>
+                  <a:outerShdw blurRad="50800" dist="38100" dir="2700000" algn="tl" rotWithShape="0">
+                    <a:prstClr val="black">
+                      <a:alpha val="40000"/>
+                    </a:prstClr>
+                  </a:outerShdw>
+                </a:effectLst>
+                <a:latin typeface="思源黑体" panose="020B0500000000000000" pitchFamily="34" charset="-122"/>
+                <a:ea typeface="思源黑体" panose="020B0500000000000000" pitchFamily="34" charset="-122"/>
+              </a:rPr>
+              <a:t>11</a:t>
+            </a:r>
+            <a:endParaRPr lang="zh-CN" altLang="en-US" b="1" dirty="0">
+              <a:ln>
+                <a:solidFill>
+                  <a:sysClr val="windowText" lastClr="000000"/>
+                </a:solidFill>
+              </a:ln>
+              <a:solidFill>
+                <a:schemeClr val="bg1"/>
+              </a:solidFill>
+              <a:effectLst>
+                <a:outerShdw blurRad="50800" dist="38100" dir="2700000" algn="tl" rotWithShape="0">
+                  <a:prstClr val="black">
+                    <a:alpha val="40000"/>
+                  </a:prstClr>
+                </a:outerShdw>
+              </a:effectLst>
+              <a:latin typeface="思源黑体" panose="020B0500000000000000" pitchFamily="34" charset="-122"/>
+              <a:ea typeface="思源黑体" panose="020B0500000000000000" pitchFamily="34" charset="-122"/>
+            </a:endParaRPr>
+          </a:p>
+        </p:txBody>
+      </p:sp>
+      <p:sp>
+        <p:nvSpPr>
+          <p:cNvPr id="53" name="文本框 52">
+            <a:extLst>
+              <a:ext uri="{FF2B5EF4-FFF2-40B4-BE49-F238E27FC236}">
+                <a16:creationId xmlns:a16="http://schemas.microsoft.com/office/drawing/2014/main" id="{CF052D4A-EF50-43B1-AF98-4CE638CA5FCC}"/>
+              </a:ext>
+            </a:extLst>
+          </p:cNvPr>
+          <p:cNvSpPr txBox="1"/>
+          <p:nvPr/>
+        </p:nvSpPr>
+        <p:spPr>
+          <a:xfrm>
+            <a:off x="2257471" y="2015652"/>
+            <a:ext cx="457176" cy="369332"/>
+          </a:xfrm>
+          <a:prstGeom prst="rect">
+            <a:avLst/>
+          </a:prstGeom>
+          <a:noFill/>
+        </p:spPr>
+        <p:txBody>
+          <a:bodyPr wrap="none" rtlCol="0">
+            <a:spAutoFit/>
+          </a:bodyPr>
+          <a:lstStyle/>
+          <a:p>
+            <a:r>
+              <a:rPr lang="en-US" altLang="zh-CN" b="1" dirty="0">
+                <a:ln>
+                  <a:solidFill>
+                    <a:sysClr val="windowText" lastClr="000000"/>
+                  </a:solidFill>
+                </a:ln>
+                <a:solidFill>
+                  <a:schemeClr val="bg1"/>
+                </a:solidFill>
+                <a:effectLst>
+                  <a:outerShdw blurRad="50800" dist="38100" dir="2700000" algn="tl" rotWithShape="0">
+                    <a:prstClr val="black">
+                      <a:alpha val="40000"/>
+                    </a:prstClr>
+                  </a:outerShdw>
+                </a:effectLst>
+                <a:latin typeface="思源黑体" panose="020B0500000000000000" pitchFamily="34" charset="-122"/>
+                <a:ea typeface="思源黑体" panose="020B0500000000000000" pitchFamily="34" charset="-122"/>
+              </a:rPr>
+              <a:t>12</a:t>
+            </a:r>
+            <a:endParaRPr lang="zh-CN" altLang="en-US" b="1" dirty="0">
+              <a:ln>
+                <a:solidFill>
+                  <a:sysClr val="windowText" lastClr="000000"/>
+                </a:solidFill>
+              </a:ln>
+              <a:solidFill>
+                <a:schemeClr val="bg1"/>
+              </a:solidFill>
+              <a:effectLst>
+                <a:outerShdw blurRad="50800" dist="38100" dir="2700000" algn="tl" rotWithShape="0">
+                  <a:prstClr val="black">
+                    <a:alpha val="40000"/>
+                  </a:prstClr>
+                </a:outerShdw>
+              </a:effectLst>
+              <a:latin typeface="思源黑体" panose="020B0500000000000000" pitchFamily="34" charset="-122"/>
+              <a:ea typeface="思源黑体" panose="020B0500000000000000" pitchFamily="34" charset="-122"/>
+            </a:endParaRPr>
+          </a:p>
+        </p:txBody>
+      </p:sp>
+      <p:sp>
+        <p:nvSpPr>
+          <p:cNvPr id="54" name="文本框 53">
+            <a:extLst>
+              <a:ext uri="{FF2B5EF4-FFF2-40B4-BE49-F238E27FC236}">
+                <a16:creationId xmlns:a16="http://schemas.microsoft.com/office/drawing/2014/main" id="{5E497539-E4FA-4E56-A488-899A81AB9A18}"/>
+              </a:ext>
+            </a:extLst>
+          </p:cNvPr>
+          <p:cNvSpPr txBox="1"/>
+          <p:nvPr/>
+        </p:nvSpPr>
+        <p:spPr>
+          <a:xfrm>
+            <a:off x="2977333" y="2015652"/>
+            <a:ext cx="457176" cy="369332"/>
+          </a:xfrm>
+          <a:prstGeom prst="rect">
+            <a:avLst/>
+          </a:prstGeom>
+          <a:noFill/>
+        </p:spPr>
+        <p:txBody>
+          <a:bodyPr wrap="none" rtlCol="0">
+            <a:spAutoFit/>
+          </a:bodyPr>
+          <a:lstStyle/>
+          <a:p>
+            <a:r>
+              <a:rPr lang="en-US" altLang="zh-CN" b="1" dirty="0">
+                <a:ln>
+                  <a:solidFill>
+                    <a:sysClr val="windowText" lastClr="000000"/>
+                  </a:solidFill>
+                </a:ln>
+                <a:solidFill>
+                  <a:schemeClr val="bg1"/>
+                </a:solidFill>
+                <a:effectLst>
+                  <a:outerShdw blurRad="50800" dist="38100" dir="2700000" algn="tl" rotWithShape="0">
+                    <a:prstClr val="black">
+                      <a:alpha val="40000"/>
+                    </a:prstClr>
+                  </a:outerShdw>
+                </a:effectLst>
+                <a:latin typeface="思源黑体" panose="020B0500000000000000" pitchFamily="34" charset="-122"/>
+                <a:ea typeface="思源黑体" panose="020B0500000000000000" pitchFamily="34" charset="-122"/>
+              </a:rPr>
+              <a:t>13</a:t>
+            </a:r>
+            <a:endParaRPr lang="zh-CN" altLang="en-US" b="1" dirty="0">
+              <a:ln>
+                <a:solidFill>
+                  <a:sysClr val="windowText" lastClr="000000"/>
+                </a:solidFill>
+              </a:ln>
+              <a:solidFill>
+                <a:schemeClr val="bg1"/>
+              </a:solidFill>
+              <a:effectLst>
+                <a:outerShdw blurRad="50800" dist="38100" dir="2700000" algn="tl" rotWithShape="0">
+                  <a:prstClr val="black">
+                    <a:alpha val="40000"/>
+                  </a:prstClr>
+                </a:outerShdw>
+              </a:effectLst>
+              <a:latin typeface="思源黑体" panose="020B0500000000000000" pitchFamily="34" charset="-122"/>
+              <a:ea typeface="思源黑体" panose="020B0500000000000000" pitchFamily="34" charset="-122"/>
+            </a:endParaRPr>
+          </a:p>
+        </p:txBody>
+      </p:sp>
+    </p:spTree>
+    <p:extLst>
+      <p:ext uri="{BB962C8B-B14F-4D97-AF65-F5344CB8AC3E}">
+        <p14:creationId xmlns:p14="http://schemas.microsoft.com/office/powerpoint/2010/main" val="175879520"/>
+      </p:ext>
+    </p:extLst>
+  </p:cSld>
+  <p:clrMapOvr>
+    <a:masterClrMapping/>
+  </p:clrMapOvr>
+</p:sld>
+</file>
+
 <file path=ppt/theme/theme1.xml><?xml version="1.0" encoding="utf-8"?>
 <a:theme xmlns:a="http://schemas.openxmlformats.org/drawingml/2006/main" name="Office 主题​​">
   <a:themeElements>

--- a/Docs/Technology.pptx
+++ b/Docs/Technology.pptx
@@ -270,7 +270,7 @@
           <a:p>
             <a:fld id="{CC1FC442-B89C-44C2-8ED1-A5E42BD589E9}" type="datetimeFigureOut">
               <a:rPr lang="zh-CN" altLang="en-US" smtClean="0"/>
-              <a:t>2019/5/7</a:t>
+              <a:t>2019/5/13</a:t>
             </a:fld>
             <a:endParaRPr lang="zh-CN" altLang="en-US"/>
           </a:p>
@@ -438,7 +438,7 @@
           <a:p>
             <a:fld id="{CC1FC442-B89C-44C2-8ED1-A5E42BD589E9}" type="datetimeFigureOut">
               <a:rPr lang="zh-CN" altLang="en-US" smtClean="0"/>
-              <a:t>2019/5/7</a:t>
+              <a:t>2019/5/13</a:t>
             </a:fld>
             <a:endParaRPr lang="zh-CN" altLang="en-US"/>
           </a:p>
@@ -616,7 +616,7 @@
           <a:p>
             <a:fld id="{CC1FC442-B89C-44C2-8ED1-A5E42BD589E9}" type="datetimeFigureOut">
               <a:rPr lang="zh-CN" altLang="en-US" smtClean="0"/>
-              <a:t>2019/5/7</a:t>
+              <a:t>2019/5/13</a:t>
             </a:fld>
             <a:endParaRPr lang="zh-CN" altLang="en-US"/>
           </a:p>
@@ -784,7 +784,7 @@
           <a:p>
             <a:fld id="{CC1FC442-B89C-44C2-8ED1-A5E42BD589E9}" type="datetimeFigureOut">
               <a:rPr lang="zh-CN" altLang="en-US" smtClean="0"/>
-              <a:t>2019/5/7</a:t>
+              <a:t>2019/5/13</a:t>
             </a:fld>
             <a:endParaRPr lang="zh-CN" altLang="en-US"/>
           </a:p>
@@ -1029,7 +1029,7 @@
           <a:p>
             <a:fld id="{CC1FC442-B89C-44C2-8ED1-A5E42BD589E9}" type="datetimeFigureOut">
               <a:rPr lang="zh-CN" altLang="en-US" smtClean="0"/>
-              <a:t>2019/5/7</a:t>
+              <a:t>2019/5/13</a:t>
             </a:fld>
             <a:endParaRPr lang="zh-CN" altLang="en-US"/>
           </a:p>
@@ -1258,7 +1258,7 @@
           <a:p>
             <a:fld id="{CC1FC442-B89C-44C2-8ED1-A5E42BD589E9}" type="datetimeFigureOut">
               <a:rPr lang="zh-CN" altLang="en-US" smtClean="0"/>
-              <a:t>2019/5/7</a:t>
+              <a:t>2019/5/13</a:t>
             </a:fld>
             <a:endParaRPr lang="zh-CN" altLang="en-US"/>
           </a:p>
@@ -1622,7 +1622,7 @@
           <a:p>
             <a:fld id="{CC1FC442-B89C-44C2-8ED1-A5E42BD589E9}" type="datetimeFigureOut">
               <a:rPr lang="zh-CN" altLang="en-US" smtClean="0"/>
-              <a:t>2019/5/7</a:t>
+              <a:t>2019/5/13</a:t>
             </a:fld>
             <a:endParaRPr lang="zh-CN" altLang="en-US"/>
           </a:p>
@@ -1739,7 +1739,7 @@
           <a:p>
             <a:fld id="{CC1FC442-B89C-44C2-8ED1-A5E42BD589E9}" type="datetimeFigureOut">
               <a:rPr lang="zh-CN" altLang="en-US" smtClean="0"/>
-              <a:t>2019/5/7</a:t>
+              <a:t>2019/5/13</a:t>
             </a:fld>
             <a:endParaRPr lang="zh-CN" altLang="en-US"/>
           </a:p>
@@ -1834,7 +1834,7 @@
           <a:p>
             <a:fld id="{CC1FC442-B89C-44C2-8ED1-A5E42BD589E9}" type="datetimeFigureOut">
               <a:rPr lang="zh-CN" altLang="en-US" smtClean="0"/>
-              <a:t>2019/5/7</a:t>
+              <a:t>2019/5/13</a:t>
             </a:fld>
             <a:endParaRPr lang="zh-CN" altLang="en-US"/>
           </a:p>
@@ -2109,7 +2109,7 @@
           <a:p>
             <a:fld id="{CC1FC442-B89C-44C2-8ED1-A5E42BD589E9}" type="datetimeFigureOut">
               <a:rPr lang="zh-CN" altLang="en-US" smtClean="0"/>
-              <a:t>2019/5/7</a:t>
+              <a:t>2019/5/13</a:t>
             </a:fld>
             <a:endParaRPr lang="zh-CN" altLang="en-US"/>
           </a:p>
@@ -2361,7 +2361,7 @@
           <a:p>
             <a:fld id="{CC1FC442-B89C-44C2-8ED1-A5E42BD589E9}" type="datetimeFigureOut">
               <a:rPr lang="zh-CN" altLang="en-US" smtClean="0"/>
-              <a:t>2019/5/7</a:t>
+              <a:t>2019/5/13</a:t>
             </a:fld>
             <a:endParaRPr lang="zh-CN" altLang="en-US"/>
           </a:p>
@@ -2572,7 +2572,7 @@
           <a:p>
             <a:fld id="{CC1FC442-B89C-44C2-8ED1-A5E42BD589E9}" type="datetimeFigureOut">
               <a:rPr lang="zh-CN" altLang="en-US" smtClean="0"/>
-              <a:t>2019/5/7</a:t>
+              <a:t>2019/5/13</a:t>
             </a:fld>
             <a:endParaRPr lang="zh-CN" altLang="en-US"/>
           </a:p>
@@ -4640,7 +4640,7 @@
           <p:spPr>
             <a:xfrm>
               <a:off x="5993724" y="3670962"/>
-              <a:ext cx="2133918" cy="369332"/>
+              <a:ext cx="1338828" cy="369332"/>
             </a:xfrm>
             <a:prstGeom prst="rect">
               <a:avLst/>
@@ -4653,20 +4653,6 @@
             </a:bodyPr>
             <a:lstStyle/>
             <a:p>
-              <a:r>
-                <a:rPr lang="zh-CN" altLang="en-US" dirty="0">
-                  <a:latin typeface="思源黑体" panose="020B0500000000000000" pitchFamily="34" charset="-122"/>
-                  <a:ea typeface="思源黑体" panose="020B0500000000000000" pitchFamily="34" charset="-122"/>
-                </a:rPr>
-                <a:t>图</a:t>
-              </a:r>
-              <a:r>
-                <a:rPr lang="en-US" altLang="zh-CN" dirty="0">
-                  <a:latin typeface="思源黑体" panose="020B0500000000000000" pitchFamily="34" charset="-122"/>
-                  <a:ea typeface="思源黑体" panose="020B0500000000000000" pitchFamily="34" charset="-122"/>
-                </a:rPr>
-                <a:t>2.3.1 </a:t>
-              </a:r>
               <a:r>
                 <a:rPr lang="zh-CN" altLang="en-US" dirty="0">
                   <a:latin typeface="思源黑体" panose="020B0500000000000000" pitchFamily="34" charset="-122"/>
@@ -7189,12 +7175,948 @@
           <a:chExt cx="0" cy="0"/>
         </a:xfrm>
       </p:grpSpPr>
+      <p:sp>
+        <p:nvSpPr>
+          <p:cNvPr id="29" name="矩形 28">
+            <a:extLst>
+              <a:ext uri="{FF2B5EF4-FFF2-40B4-BE49-F238E27FC236}">
+                <a16:creationId xmlns:a16="http://schemas.microsoft.com/office/drawing/2014/main" id="{98A2059D-F87E-455D-B879-3F46C094BF80}"/>
+              </a:ext>
+            </a:extLst>
+          </p:cNvPr>
+          <p:cNvSpPr/>
+          <p:nvPr/>
+        </p:nvSpPr>
+        <p:spPr>
+          <a:xfrm>
+            <a:off x="537986" y="1137648"/>
+            <a:ext cx="10062279" cy="4797840"/>
+          </a:xfrm>
+          <a:prstGeom prst="rect">
+            <a:avLst/>
+          </a:prstGeom>
+          <a:solidFill>
+            <a:schemeClr val="bg1"/>
+          </a:solidFill>
+          <a:ln w="38100">
+            <a:solidFill>
+              <a:schemeClr val="tx1"/>
+            </a:solidFill>
+          </a:ln>
+        </p:spPr>
+        <p:style>
+          <a:lnRef idx="2">
+            <a:schemeClr val="accent1">
+              <a:shade val="50000"/>
+            </a:schemeClr>
+          </a:lnRef>
+          <a:fillRef idx="1">
+            <a:schemeClr val="accent1"/>
+          </a:fillRef>
+          <a:effectRef idx="0">
+            <a:schemeClr val="accent1"/>
+          </a:effectRef>
+          <a:fontRef idx="minor">
+            <a:schemeClr val="lt1"/>
+          </a:fontRef>
+        </p:style>
+        <p:txBody>
+          <a:bodyPr rtlCol="0" anchor="ctr"/>
+          <a:lstStyle/>
+          <a:p>
+            <a:pPr algn="ctr"/>
+            <a:endParaRPr lang="zh-CN" altLang="en-US">
+              <a:latin typeface="思源黑体" panose="020B0500000000000000" pitchFamily="34" charset="-122"/>
+              <a:ea typeface="思源黑体" panose="020B0500000000000000" pitchFamily="34" charset="-122"/>
+            </a:endParaRPr>
+          </a:p>
+        </p:txBody>
+      </p:sp>
+      <p:sp>
+        <p:nvSpPr>
+          <p:cNvPr id="6" name="矩形 5">
+            <a:extLst>
+              <a:ext uri="{FF2B5EF4-FFF2-40B4-BE49-F238E27FC236}">
+                <a16:creationId xmlns:a16="http://schemas.microsoft.com/office/drawing/2014/main" id="{12AFA5B0-3854-4480-BB2E-3B1C79768A9A}"/>
+              </a:ext>
+            </a:extLst>
+          </p:cNvPr>
+          <p:cNvSpPr/>
+          <p:nvPr/>
+        </p:nvSpPr>
+        <p:spPr>
+          <a:xfrm>
+            <a:off x="711204" y="4084174"/>
+            <a:ext cx="9155277" cy="1726076"/>
+          </a:xfrm>
+          <a:prstGeom prst="rect">
+            <a:avLst/>
+          </a:prstGeom>
+          <a:solidFill>
+            <a:schemeClr val="bg1"/>
+          </a:solidFill>
+          <a:ln w="28575">
+            <a:solidFill>
+              <a:schemeClr val="tx1"/>
+            </a:solidFill>
+            <a:prstDash val="sysDash"/>
+          </a:ln>
+        </p:spPr>
+        <p:style>
+          <a:lnRef idx="2">
+            <a:schemeClr val="accent1">
+              <a:shade val="50000"/>
+            </a:schemeClr>
+          </a:lnRef>
+          <a:fillRef idx="1">
+            <a:schemeClr val="accent1"/>
+          </a:fillRef>
+          <a:effectRef idx="0">
+            <a:schemeClr val="accent1"/>
+          </a:effectRef>
+          <a:fontRef idx="minor">
+            <a:schemeClr val="lt1"/>
+          </a:fontRef>
+        </p:style>
+        <p:txBody>
+          <a:bodyPr rtlCol="0" anchor="ctr"/>
+          <a:lstStyle/>
+          <a:p>
+            <a:pPr algn="ctr"/>
+            <a:endParaRPr lang="zh-CN" altLang="en-US" dirty="0">
+              <a:solidFill>
+                <a:sysClr val="windowText" lastClr="000000"/>
+              </a:solidFill>
+              <a:latin typeface="思源黑体" panose="020B0500000000000000" pitchFamily="34" charset="-122"/>
+              <a:ea typeface="思源黑体" panose="020B0500000000000000" pitchFamily="34" charset="-122"/>
+            </a:endParaRPr>
+          </a:p>
+        </p:txBody>
+      </p:sp>
+      <p:sp>
+        <p:nvSpPr>
+          <p:cNvPr id="4" name="矩形 3">
+            <a:extLst>
+              <a:ext uri="{FF2B5EF4-FFF2-40B4-BE49-F238E27FC236}">
+                <a16:creationId xmlns:a16="http://schemas.microsoft.com/office/drawing/2014/main" id="{36A293A0-9A89-4CE4-BB5A-DED5064645E1}"/>
+              </a:ext>
+            </a:extLst>
+          </p:cNvPr>
+          <p:cNvSpPr/>
+          <p:nvPr/>
+        </p:nvSpPr>
+        <p:spPr>
+          <a:xfrm>
+            <a:off x="3153805" y="5339970"/>
+            <a:ext cx="6379748" cy="380383"/>
+          </a:xfrm>
+          <a:prstGeom prst="rect">
+            <a:avLst/>
+          </a:prstGeom>
+          <a:solidFill>
+            <a:schemeClr val="bg1"/>
+          </a:solidFill>
+          <a:ln>
+            <a:solidFill>
+              <a:schemeClr val="tx1"/>
+            </a:solidFill>
+          </a:ln>
+        </p:spPr>
+        <p:style>
+          <a:lnRef idx="2">
+            <a:schemeClr val="accent1">
+              <a:shade val="50000"/>
+            </a:schemeClr>
+          </a:lnRef>
+          <a:fillRef idx="1">
+            <a:schemeClr val="accent1"/>
+          </a:fillRef>
+          <a:effectRef idx="0">
+            <a:schemeClr val="accent1"/>
+          </a:effectRef>
+          <a:fontRef idx="minor">
+            <a:schemeClr val="lt1"/>
+          </a:fontRef>
+        </p:style>
+        <p:txBody>
+          <a:bodyPr rtlCol="0" anchor="ctr"/>
+          <a:lstStyle/>
+          <a:p>
+            <a:pPr algn="ctr"/>
+            <a:r>
+              <a:rPr lang="en-US" altLang="zh-CN" dirty="0">
+                <a:solidFill>
+                  <a:sysClr val="windowText" lastClr="000000"/>
+                </a:solidFill>
+                <a:latin typeface="思源黑体" panose="020B0500000000000000" pitchFamily="34" charset="-122"/>
+                <a:ea typeface="思源黑体" panose="020B0500000000000000" pitchFamily="34" charset="-122"/>
+              </a:rPr>
+              <a:t>Studio Core</a:t>
+            </a:r>
+            <a:endParaRPr lang="zh-CN" altLang="en-US" dirty="0">
+              <a:solidFill>
+                <a:sysClr val="windowText" lastClr="000000"/>
+              </a:solidFill>
+              <a:latin typeface="思源黑体" panose="020B0500000000000000" pitchFamily="34" charset="-122"/>
+              <a:ea typeface="思源黑体" panose="020B0500000000000000" pitchFamily="34" charset="-122"/>
+            </a:endParaRPr>
+          </a:p>
+        </p:txBody>
+      </p:sp>
+      <p:sp>
+        <p:nvSpPr>
+          <p:cNvPr id="5" name="矩形 4">
+            <a:extLst>
+              <a:ext uri="{FF2B5EF4-FFF2-40B4-BE49-F238E27FC236}">
+                <a16:creationId xmlns:a16="http://schemas.microsoft.com/office/drawing/2014/main" id="{5722600C-73B3-4B99-99DB-E50D525C8024}"/>
+              </a:ext>
+            </a:extLst>
+          </p:cNvPr>
+          <p:cNvSpPr/>
+          <p:nvPr/>
+        </p:nvSpPr>
+        <p:spPr>
+          <a:xfrm>
+            <a:off x="784315" y="4286218"/>
+            <a:ext cx="2720400" cy="380382"/>
+          </a:xfrm>
+          <a:prstGeom prst="rect">
+            <a:avLst/>
+          </a:prstGeom>
+          <a:solidFill>
+            <a:schemeClr val="bg1"/>
+          </a:solidFill>
+          <a:ln>
+            <a:solidFill>
+              <a:schemeClr val="tx1"/>
+            </a:solidFill>
+          </a:ln>
+        </p:spPr>
+        <p:style>
+          <a:lnRef idx="2">
+            <a:schemeClr val="accent1">
+              <a:shade val="50000"/>
+            </a:schemeClr>
+          </a:lnRef>
+          <a:fillRef idx="1">
+            <a:schemeClr val="accent1"/>
+          </a:fillRef>
+          <a:effectRef idx="0">
+            <a:schemeClr val="accent1"/>
+          </a:effectRef>
+          <a:fontRef idx="minor">
+            <a:schemeClr val="lt1"/>
+          </a:fontRef>
+        </p:style>
+        <p:txBody>
+          <a:bodyPr rtlCol="0" anchor="ctr"/>
+          <a:lstStyle/>
+          <a:p>
+            <a:pPr algn="ctr"/>
+            <a:r>
+              <a:rPr lang="en-US" altLang="zh-CN" dirty="0">
+                <a:solidFill>
+                  <a:sysClr val="windowText" lastClr="000000"/>
+                </a:solidFill>
+                <a:latin typeface="思源黑体" panose="020B0500000000000000" pitchFamily="34" charset="-122"/>
+                <a:ea typeface="思源黑体" panose="020B0500000000000000" pitchFamily="34" charset="-122"/>
+              </a:rPr>
+              <a:t>Studio UI</a:t>
+            </a:r>
+            <a:endParaRPr lang="zh-CN" altLang="en-US" dirty="0">
+              <a:solidFill>
+                <a:sysClr val="windowText" lastClr="000000"/>
+              </a:solidFill>
+              <a:latin typeface="思源黑体" panose="020B0500000000000000" pitchFamily="34" charset="-122"/>
+              <a:ea typeface="思源黑体" panose="020B0500000000000000" pitchFamily="34" charset="-122"/>
+            </a:endParaRPr>
+          </a:p>
+        </p:txBody>
+      </p:sp>
+      <p:sp>
+        <p:nvSpPr>
+          <p:cNvPr id="7" name="矩形 6">
+            <a:extLst>
+              <a:ext uri="{FF2B5EF4-FFF2-40B4-BE49-F238E27FC236}">
+                <a16:creationId xmlns:a16="http://schemas.microsoft.com/office/drawing/2014/main" id="{B0D8E357-9F88-40E1-9A21-3FA5D347BF38}"/>
+              </a:ext>
+            </a:extLst>
+          </p:cNvPr>
+          <p:cNvSpPr/>
+          <p:nvPr/>
+        </p:nvSpPr>
+        <p:spPr>
+          <a:xfrm>
+            <a:off x="2836912" y="1481652"/>
+            <a:ext cx="1880780" cy="1624909"/>
+          </a:xfrm>
+          <a:prstGeom prst="rect">
+            <a:avLst/>
+          </a:prstGeom>
+          <a:solidFill>
+            <a:schemeClr val="bg1"/>
+          </a:solidFill>
+          <a:ln>
+            <a:solidFill>
+              <a:schemeClr val="tx1"/>
+            </a:solidFill>
+          </a:ln>
+        </p:spPr>
+        <p:style>
+          <a:lnRef idx="2">
+            <a:schemeClr val="accent1">
+              <a:shade val="50000"/>
+            </a:schemeClr>
+          </a:lnRef>
+          <a:fillRef idx="1">
+            <a:schemeClr val="accent1"/>
+          </a:fillRef>
+          <a:effectRef idx="0">
+            <a:schemeClr val="accent1"/>
+          </a:effectRef>
+          <a:fontRef idx="minor">
+            <a:schemeClr val="lt1"/>
+          </a:fontRef>
+        </p:style>
+        <p:txBody>
+          <a:bodyPr rtlCol="0" anchor="ctr"/>
+          <a:lstStyle/>
+          <a:p>
+            <a:pPr algn="ctr"/>
+            <a:endParaRPr lang="zh-CN" altLang="en-US" dirty="0">
+              <a:solidFill>
+                <a:sysClr val="windowText" lastClr="000000"/>
+              </a:solidFill>
+              <a:latin typeface="思源黑体" panose="020B0500000000000000" pitchFamily="34" charset="-122"/>
+              <a:ea typeface="思源黑体" panose="020B0500000000000000" pitchFamily="34" charset="-122"/>
+            </a:endParaRPr>
+          </a:p>
+        </p:txBody>
+      </p:sp>
+      <p:cxnSp>
+        <p:nvCxnSpPr>
+          <p:cNvPr id="10" name="直接箭头连接符 9">
+            <a:extLst>
+              <a:ext uri="{FF2B5EF4-FFF2-40B4-BE49-F238E27FC236}">
+                <a16:creationId xmlns:a16="http://schemas.microsoft.com/office/drawing/2014/main" id="{45DFEDE9-211E-479A-A168-30A0C7F8D106}"/>
+              </a:ext>
+            </a:extLst>
+          </p:cNvPr>
+          <p:cNvCxnSpPr>
+            <a:cxnSpLocks/>
+            <a:stCxn id="8" idx="2"/>
+          </p:cNvCxnSpPr>
+          <p:nvPr/>
+        </p:nvCxnSpPr>
+        <p:spPr>
+          <a:xfrm flipH="1">
+            <a:off x="7519162" y="3212386"/>
+            <a:ext cx="1" cy="2127584"/>
+          </a:xfrm>
+          <a:prstGeom prst="straightConnector1">
+            <a:avLst/>
+          </a:prstGeom>
+          <a:ln w="38100">
+            <a:solidFill>
+              <a:schemeClr val="tx1"/>
+            </a:solidFill>
+            <a:headEnd type="triangle"/>
+            <a:tailEnd type="triangle"/>
+          </a:ln>
+        </p:spPr>
+        <p:style>
+          <a:lnRef idx="1">
+            <a:schemeClr val="accent1"/>
+          </a:lnRef>
+          <a:fillRef idx="0">
+            <a:schemeClr val="accent1"/>
+          </a:fillRef>
+          <a:effectRef idx="0">
+            <a:schemeClr val="accent1"/>
+          </a:effectRef>
+          <a:fontRef idx="minor">
+            <a:schemeClr val="tx1"/>
+          </a:fontRef>
+        </p:style>
+      </p:cxnSp>
+      <p:cxnSp>
+        <p:nvCxnSpPr>
+          <p:cNvPr id="13" name="直接箭头连接符 12">
+            <a:extLst>
+              <a:ext uri="{FF2B5EF4-FFF2-40B4-BE49-F238E27FC236}">
+                <a16:creationId xmlns:a16="http://schemas.microsoft.com/office/drawing/2014/main" id="{50DE987E-7C95-44EA-9E85-765003DFA4EF}"/>
+              </a:ext>
+            </a:extLst>
+          </p:cNvPr>
+          <p:cNvCxnSpPr>
+            <a:cxnSpLocks/>
+            <a:stCxn id="7" idx="2"/>
+          </p:cNvCxnSpPr>
+          <p:nvPr/>
+        </p:nvCxnSpPr>
+        <p:spPr>
+          <a:xfrm flipH="1">
+            <a:off x="3773614" y="3106561"/>
+            <a:ext cx="3688" cy="2233409"/>
+          </a:xfrm>
+          <a:prstGeom prst="straightConnector1">
+            <a:avLst/>
+          </a:prstGeom>
+          <a:ln w="38100">
+            <a:solidFill>
+              <a:schemeClr val="tx1"/>
+            </a:solidFill>
+            <a:headEnd type="triangle"/>
+            <a:tailEnd type="triangle"/>
+          </a:ln>
+        </p:spPr>
+        <p:style>
+          <a:lnRef idx="1">
+            <a:schemeClr val="accent1"/>
+          </a:lnRef>
+          <a:fillRef idx="0">
+            <a:schemeClr val="accent1"/>
+          </a:fillRef>
+          <a:effectRef idx="0">
+            <a:schemeClr val="accent1"/>
+          </a:effectRef>
+          <a:fontRef idx="minor">
+            <a:schemeClr val="tx1"/>
+          </a:fontRef>
+        </p:style>
+      </p:cxnSp>
+      <p:sp>
+        <p:nvSpPr>
+          <p:cNvPr id="19" name="矩形 18">
+            <a:extLst>
+              <a:ext uri="{FF2B5EF4-FFF2-40B4-BE49-F238E27FC236}">
+                <a16:creationId xmlns:a16="http://schemas.microsoft.com/office/drawing/2014/main" id="{3DBD84FA-00B0-406F-945F-6C4B8EF1547F}"/>
+              </a:ext>
+            </a:extLst>
+          </p:cNvPr>
+          <p:cNvSpPr/>
+          <p:nvPr/>
+        </p:nvSpPr>
+        <p:spPr>
+          <a:xfrm>
+            <a:off x="1265289" y="265433"/>
+            <a:ext cx="1758452" cy="492369"/>
+          </a:xfrm>
+          <a:prstGeom prst="rect">
+            <a:avLst/>
+          </a:prstGeom>
+          <a:solidFill>
+            <a:schemeClr val="bg1"/>
+          </a:solidFill>
+          <a:ln w="38100">
+            <a:solidFill>
+              <a:schemeClr val="tx1"/>
+            </a:solidFill>
+          </a:ln>
+        </p:spPr>
+        <p:style>
+          <a:lnRef idx="2">
+            <a:schemeClr val="accent1">
+              <a:shade val="50000"/>
+            </a:schemeClr>
+          </a:lnRef>
+          <a:fillRef idx="1">
+            <a:schemeClr val="accent1"/>
+          </a:fillRef>
+          <a:effectRef idx="0">
+            <a:schemeClr val="accent1"/>
+          </a:effectRef>
+          <a:fontRef idx="minor">
+            <a:schemeClr val="lt1"/>
+          </a:fontRef>
+        </p:style>
+        <p:txBody>
+          <a:bodyPr rtlCol="0" anchor="ctr"/>
+          <a:lstStyle/>
+          <a:p>
+            <a:pPr algn="ctr"/>
+            <a:r>
+              <a:rPr lang="zh-CN" altLang="en-US" dirty="0">
+                <a:solidFill>
+                  <a:sysClr val="windowText" lastClr="000000"/>
+                </a:solidFill>
+                <a:latin typeface="思源黑体" panose="020B0500000000000000" pitchFamily="34" charset="-122"/>
+                <a:ea typeface="思源黑体" panose="020B0500000000000000" pitchFamily="34" charset="-122"/>
+              </a:rPr>
+              <a:t>用户</a:t>
+            </a:r>
+          </a:p>
+        </p:txBody>
+      </p:sp>
+      <p:cxnSp>
+        <p:nvCxnSpPr>
+          <p:cNvPr id="20" name="直接箭头连接符 19">
+            <a:extLst>
+              <a:ext uri="{FF2B5EF4-FFF2-40B4-BE49-F238E27FC236}">
+                <a16:creationId xmlns:a16="http://schemas.microsoft.com/office/drawing/2014/main" id="{A7FE214A-5AB4-47C1-AE2E-A99BAD7441B8}"/>
+              </a:ext>
+            </a:extLst>
+          </p:cNvPr>
+          <p:cNvCxnSpPr>
+            <a:cxnSpLocks/>
+            <a:stCxn id="19" idx="2"/>
+            <a:endCxn id="5" idx="0"/>
+          </p:cNvCxnSpPr>
+          <p:nvPr/>
+        </p:nvCxnSpPr>
+        <p:spPr>
+          <a:xfrm>
+            <a:off x="2144515" y="757802"/>
+            <a:ext cx="0" cy="3528416"/>
+          </a:xfrm>
+          <a:prstGeom prst="straightConnector1">
+            <a:avLst/>
+          </a:prstGeom>
+          <a:ln w="38100">
+            <a:solidFill>
+              <a:schemeClr val="tx1"/>
+            </a:solidFill>
+            <a:headEnd type="triangle"/>
+            <a:tailEnd type="triangle"/>
+          </a:ln>
+        </p:spPr>
+        <p:style>
+          <a:lnRef idx="1">
+            <a:schemeClr val="accent1"/>
+          </a:lnRef>
+          <a:fillRef idx="0">
+            <a:schemeClr val="accent1"/>
+          </a:fillRef>
+          <a:effectRef idx="0">
+            <a:schemeClr val="accent1"/>
+          </a:effectRef>
+          <a:fontRef idx="minor">
+            <a:schemeClr val="tx1"/>
+          </a:fontRef>
+        </p:style>
+      </p:cxnSp>
+      <p:cxnSp>
+        <p:nvCxnSpPr>
+          <p:cNvPr id="23" name="直接箭头连接符 22">
+            <a:extLst>
+              <a:ext uri="{FF2B5EF4-FFF2-40B4-BE49-F238E27FC236}">
+                <a16:creationId xmlns:a16="http://schemas.microsoft.com/office/drawing/2014/main" id="{58139020-11F8-49AD-8270-7B2A17D2EDCC}"/>
+              </a:ext>
+            </a:extLst>
+          </p:cNvPr>
+          <p:cNvCxnSpPr>
+            <a:cxnSpLocks/>
+            <a:endCxn id="18" idx="0"/>
+          </p:cNvCxnSpPr>
+          <p:nvPr/>
+        </p:nvCxnSpPr>
+        <p:spPr>
+          <a:xfrm>
+            <a:off x="1841738" y="4671922"/>
+            <a:ext cx="0" cy="326016"/>
+          </a:xfrm>
+          <a:prstGeom prst="straightConnector1">
+            <a:avLst/>
+          </a:prstGeom>
+          <a:ln w="38100">
+            <a:solidFill>
+              <a:schemeClr val="tx1"/>
+            </a:solidFill>
+            <a:headEnd type="triangle"/>
+            <a:tailEnd type="triangle"/>
+          </a:ln>
+        </p:spPr>
+        <p:style>
+          <a:lnRef idx="1">
+            <a:schemeClr val="accent1"/>
+          </a:lnRef>
+          <a:fillRef idx="0">
+            <a:schemeClr val="accent1"/>
+          </a:fillRef>
+          <a:effectRef idx="0">
+            <a:schemeClr val="accent1"/>
+          </a:effectRef>
+          <a:fontRef idx="minor">
+            <a:schemeClr val="tx1"/>
+          </a:fontRef>
+        </p:style>
+      </p:cxnSp>
+      <p:sp>
+        <p:nvSpPr>
+          <p:cNvPr id="18" name="矩形 17">
+            <a:extLst>
+              <a:ext uri="{FF2B5EF4-FFF2-40B4-BE49-F238E27FC236}">
+                <a16:creationId xmlns:a16="http://schemas.microsoft.com/office/drawing/2014/main" id="{1379673F-5BF3-45DA-BB87-D1050341565C}"/>
+              </a:ext>
+            </a:extLst>
+          </p:cNvPr>
+          <p:cNvSpPr/>
+          <p:nvPr/>
+        </p:nvSpPr>
+        <p:spPr>
+          <a:xfrm>
+            <a:off x="779988" y="4997938"/>
+            <a:ext cx="2123500" cy="342032"/>
+          </a:xfrm>
+          <a:prstGeom prst="rect">
+            <a:avLst/>
+          </a:prstGeom>
+          <a:solidFill>
+            <a:schemeClr val="bg1"/>
+          </a:solidFill>
+          <a:ln>
+            <a:solidFill>
+              <a:schemeClr val="tx1"/>
+            </a:solidFill>
+          </a:ln>
+        </p:spPr>
+        <p:style>
+          <a:lnRef idx="2">
+            <a:schemeClr val="accent1">
+              <a:shade val="50000"/>
+            </a:schemeClr>
+          </a:lnRef>
+          <a:fillRef idx="1">
+            <a:schemeClr val="accent1"/>
+          </a:fillRef>
+          <a:effectRef idx="0">
+            <a:schemeClr val="accent1"/>
+          </a:effectRef>
+          <a:fontRef idx="minor">
+            <a:schemeClr val="lt1"/>
+          </a:fontRef>
+        </p:style>
+        <p:txBody>
+          <a:bodyPr rtlCol="0" anchor="ctr"/>
+          <a:lstStyle/>
+          <a:p>
+            <a:pPr algn="ctr"/>
+            <a:r>
+              <a:rPr lang="en-US" altLang="zh-CN" dirty="0">
+                <a:solidFill>
+                  <a:sysClr val="windowText" lastClr="000000"/>
+                </a:solidFill>
+                <a:latin typeface="思源黑体" panose="020B0500000000000000" pitchFamily="34" charset="-122"/>
+                <a:ea typeface="思源黑体" panose="020B0500000000000000" pitchFamily="34" charset="-122"/>
+              </a:rPr>
+              <a:t>Studio </a:t>
+            </a:r>
+            <a:r>
+              <a:rPr lang="en-US" altLang="zh-CN" dirty="0" err="1">
+                <a:solidFill>
+                  <a:sysClr val="windowText" lastClr="000000"/>
+                </a:solidFill>
+                <a:latin typeface="思源黑体" panose="020B0500000000000000" pitchFamily="34" charset="-122"/>
+                <a:ea typeface="思源黑体" panose="020B0500000000000000" pitchFamily="34" charset="-122"/>
+              </a:rPr>
+              <a:t>Resouses</a:t>
+            </a:r>
+            <a:endParaRPr lang="zh-CN" altLang="en-US" dirty="0">
+              <a:solidFill>
+                <a:sysClr val="windowText" lastClr="000000"/>
+              </a:solidFill>
+              <a:latin typeface="思源黑体" panose="020B0500000000000000" pitchFamily="34" charset="-122"/>
+              <a:ea typeface="思源黑体" panose="020B0500000000000000" pitchFamily="34" charset="-122"/>
+            </a:endParaRPr>
+          </a:p>
+        </p:txBody>
+      </p:sp>
+      <p:cxnSp>
+        <p:nvCxnSpPr>
+          <p:cNvPr id="24" name="直接箭头连接符 23">
+            <a:extLst>
+              <a:ext uri="{FF2B5EF4-FFF2-40B4-BE49-F238E27FC236}">
+                <a16:creationId xmlns:a16="http://schemas.microsoft.com/office/drawing/2014/main" id="{4A3D6C37-A023-4F1C-A705-246FDBB37591}"/>
+              </a:ext>
+            </a:extLst>
+          </p:cNvPr>
+          <p:cNvCxnSpPr>
+            <a:cxnSpLocks/>
+          </p:cNvCxnSpPr>
+          <p:nvPr/>
+        </p:nvCxnSpPr>
+        <p:spPr>
+          <a:xfrm>
+            <a:off x="3253288" y="4666600"/>
+            <a:ext cx="0" cy="673370"/>
+          </a:xfrm>
+          <a:prstGeom prst="straightConnector1">
+            <a:avLst/>
+          </a:prstGeom>
+          <a:ln w="38100">
+            <a:solidFill>
+              <a:schemeClr val="tx1"/>
+            </a:solidFill>
+            <a:headEnd type="triangle"/>
+            <a:tailEnd type="triangle"/>
+          </a:ln>
+        </p:spPr>
+        <p:style>
+          <a:lnRef idx="1">
+            <a:schemeClr val="accent1"/>
+          </a:lnRef>
+          <a:fillRef idx="0">
+            <a:schemeClr val="accent1"/>
+          </a:fillRef>
+          <a:effectRef idx="0">
+            <a:schemeClr val="accent1"/>
+          </a:effectRef>
+          <a:fontRef idx="minor">
+            <a:schemeClr val="tx1"/>
+          </a:fontRef>
+        </p:style>
+      </p:cxnSp>
+      <p:sp>
+        <p:nvSpPr>
+          <p:cNvPr id="34" name="矩形 33">
+            <a:extLst>
+              <a:ext uri="{FF2B5EF4-FFF2-40B4-BE49-F238E27FC236}">
+                <a16:creationId xmlns:a16="http://schemas.microsoft.com/office/drawing/2014/main" id="{5188D961-A83C-4055-990C-92033211DF5C}"/>
+              </a:ext>
+            </a:extLst>
+          </p:cNvPr>
+          <p:cNvSpPr/>
+          <p:nvPr/>
+        </p:nvSpPr>
+        <p:spPr>
+          <a:xfrm>
+            <a:off x="8464213" y="4235738"/>
+            <a:ext cx="1191003" cy="380382"/>
+          </a:xfrm>
+          <a:prstGeom prst="rect">
+            <a:avLst/>
+          </a:prstGeom>
+          <a:solidFill>
+            <a:schemeClr val="bg1"/>
+          </a:solidFill>
+          <a:ln>
+            <a:noFill/>
+          </a:ln>
+        </p:spPr>
+        <p:style>
+          <a:lnRef idx="2">
+            <a:schemeClr val="accent1">
+              <a:shade val="50000"/>
+            </a:schemeClr>
+          </a:lnRef>
+          <a:fillRef idx="1">
+            <a:schemeClr val="accent1"/>
+          </a:fillRef>
+          <a:effectRef idx="0">
+            <a:schemeClr val="accent1"/>
+          </a:effectRef>
+          <a:fontRef idx="minor">
+            <a:schemeClr val="lt1"/>
+          </a:fontRef>
+        </p:style>
+        <p:txBody>
+          <a:bodyPr rtlCol="0" anchor="ctr"/>
+          <a:lstStyle/>
+          <a:p>
+            <a:pPr algn="ctr"/>
+            <a:r>
+              <a:rPr lang="zh-CN" altLang="en-US" dirty="0">
+                <a:solidFill>
+                  <a:sysClr val="windowText" lastClr="000000"/>
+                </a:solidFill>
+                <a:latin typeface="思源黑体" panose="020B0500000000000000" pitchFamily="34" charset="-122"/>
+                <a:ea typeface="思源黑体" panose="020B0500000000000000" pitchFamily="34" charset="-122"/>
+              </a:rPr>
+              <a:t>应用核心</a:t>
+            </a:r>
+          </a:p>
+        </p:txBody>
+      </p:sp>
+      <p:sp>
+        <p:nvSpPr>
+          <p:cNvPr id="36" name="矩形 35">
+            <a:extLst>
+              <a:ext uri="{FF2B5EF4-FFF2-40B4-BE49-F238E27FC236}">
+                <a16:creationId xmlns:a16="http://schemas.microsoft.com/office/drawing/2014/main" id="{C5DDFB2F-57F8-4482-9DC1-720606E2EA49}"/>
+              </a:ext>
+            </a:extLst>
+          </p:cNvPr>
+          <p:cNvSpPr/>
+          <p:nvPr/>
+        </p:nvSpPr>
+        <p:spPr>
+          <a:xfrm>
+            <a:off x="2918747" y="2516239"/>
+            <a:ext cx="1624020" cy="492369"/>
+          </a:xfrm>
+          <a:prstGeom prst="rect">
+            <a:avLst/>
+          </a:prstGeom>
+          <a:solidFill>
+            <a:schemeClr val="bg1"/>
+          </a:solidFill>
+          <a:ln>
+            <a:solidFill>
+              <a:schemeClr val="tx1"/>
+            </a:solidFill>
+          </a:ln>
+        </p:spPr>
+        <p:style>
+          <a:lnRef idx="2">
+            <a:schemeClr val="accent1">
+              <a:shade val="50000"/>
+            </a:schemeClr>
+          </a:lnRef>
+          <a:fillRef idx="1">
+            <a:schemeClr val="accent1"/>
+          </a:fillRef>
+          <a:effectRef idx="0">
+            <a:schemeClr val="accent1"/>
+          </a:effectRef>
+          <a:fontRef idx="minor">
+            <a:schemeClr val="lt1"/>
+          </a:fontRef>
+        </p:style>
+        <p:txBody>
+          <a:bodyPr rtlCol="0" anchor="ctr"/>
+          <a:lstStyle/>
+          <a:p>
+            <a:pPr algn="ctr"/>
+            <a:r>
+              <a:rPr lang="en-US" altLang="zh-CN" dirty="0">
+                <a:solidFill>
+                  <a:sysClr val="windowText" lastClr="000000"/>
+                </a:solidFill>
+                <a:latin typeface="思源黑体" panose="020B0500000000000000" pitchFamily="34" charset="-122"/>
+                <a:ea typeface="思源黑体" panose="020B0500000000000000" pitchFamily="34" charset="-122"/>
+              </a:rPr>
+              <a:t>RandomTend</a:t>
+            </a:r>
+            <a:endParaRPr lang="zh-CN" altLang="en-US" dirty="0">
+              <a:solidFill>
+                <a:sysClr val="windowText" lastClr="000000"/>
+              </a:solidFill>
+              <a:latin typeface="思源黑体" panose="020B0500000000000000" pitchFamily="34" charset="-122"/>
+              <a:ea typeface="思源黑体" panose="020B0500000000000000" pitchFamily="34" charset="-122"/>
+            </a:endParaRPr>
+          </a:p>
+        </p:txBody>
+      </p:sp>
+      <p:sp>
+        <p:nvSpPr>
+          <p:cNvPr id="40" name="矩形 39">
+            <a:extLst>
+              <a:ext uri="{FF2B5EF4-FFF2-40B4-BE49-F238E27FC236}">
+                <a16:creationId xmlns:a16="http://schemas.microsoft.com/office/drawing/2014/main" id="{F22CA951-F6E3-4123-83C4-2683863BD9DE}"/>
+              </a:ext>
+            </a:extLst>
+          </p:cNvPr>
+          <p:cNvSpPr/>
+          <p:nvPr/>
+        </p:nvSpPr>
+        <p:spPr>
+          <a:xfrm>
+            <a:off x="4223598" y="3603817"/>
+            <a:ext cx="2188509" cy="369332"/>
+          </a:xfrm>
+          <a:prstGeom prst="rect">
+            <a:avLst/>
+          </a:prstGeom>
+          <a:solidFill>
+            <a:schemeClr val="bg1"/>
+          </a:solidFill>
+          <a:ln>
+            <a:solidFill>
+              <a:schemeClr val="tx1"/>
+            </a:solidFill>
+          </a:ln>
+        </p:spPr>
+        <p:style>
+          <a:lnRef idx="2">
+            <a:schemeClr val="dk1"/>
+          </a:lnRef>
+          <a:fillRef idx="1">
+            <a:schemeClr val="lt1"/>
+          </a:fillRef>
+          <a:effectRef idx="0">
+            <a:schemeClr val="dk1"/>
+          </a:effectRef>
+          <a:fontRef idx="minor">
+            <a:schemeClr val="dk1"/>
+          </a:fontRef>
+        </p:style>
+        <p:txBody>
+          <a:bodyPr wrap="square">
+            <a:spAutoFit/>
+          </a:bodyPr>
+          <a:lstStyle/>
+          <a:p>
+            <a:pPr algn="ctr"/>
+            <a:r>
+              <a:rPr lang="en-US" altLang="zh-CN" dirty="0" err="1">
+                <a:latin typeface="思源黑体" panose="020B0500000000000000" pitchFamily="34" charset="-122"/>
+                <a:ea typeface="思源黑体" panose="020B0500000000000000" pitchFamily="34" charset="-122"/>
+              </a:rPr>
+              <a:t>ValueToImage</a:t>
+            </a:r>
+            <a:endParaRPr lang="zh-CN" altLang="en-US" dirty="0">
+              <a:latin typeface="思源黑体" panose="020B0500000000000000" pitchFamily="34" charset="-122"/>
+              <a:ea typeface="思源黑体" panose="020B0500000000000000" pitchFamily="34" charset="-122"/>
+            </a:endParaRPr>
+          </a:p>
+        </p:txBody>
+      </p:sp>
+      <p:sp>
+        <p:nvSpPr>
+          <p:cNvPr id="52" name="矩形 51">
+            <a:extLst>
+              <a:ext uri="{FF2B5EF4-FFF2-40B4-BE49-F238E27FC236}">
+                <a16:creationId xmlns:a16="http://schemas.microsoft.com/office/drawing/2014/main" id="{68B3BF08-1660-48BF-A130-88059572F177}"/>
+              </a:ext>
+            </a:extLst>
+          </p:cNvPr>
+          <p:cNvSpPr/>
+          <p:nvPr/>
+        </p:nvSpPr>
+        <p:spPr>
+          <a:xfrm>
+            <a:off x="2956913" y="1705425"/>
+            <a:ext cx="1569660" cy="646331"/>
+          </a:xfrm>
+          <a:prstGeom prst="rect">
+            <a:avLst/>
+          </a:prstGeom>
+        </p:spPr>
+        <p:txBody>
+          <a:bodyPr wrap="square">
+            <a:spAutoFit/>
+          </a:bodyPr>
+          <a:lstStyle/>
+          <a:p>
+            <a:r>
+              <a:rPr lang="zh-CN" altLang="en-US" dirty="0">
+                <a:latin typeface="思源黑体" panose="020B0500000000000000" pitchFamily="34" charset="-122"/>
+                <a:ea typeface="思源黑体" panose="020B0500000000000000" pitchFamily="34" charset="-122"/>
+              </a:rPr>
+              <a:t>前端工厂相关</a:t>
+            </a:r>
+            <a:endParaRPr lang="en-US" altLang="zh-CN" dirty="0">
+              <a:latin typeface="思源黑体" panose="020B0500000000000000" pitchFamily="34" charset="-122"/>
+              <a:ea typeface="思源黑体" panose="020B0500000000000000" pitchFamily="34" charset="-122"/>
+            </a:endParaRPr>
+          </a:p>
+          <a:p>
+            <a:r>
+              <a:rPr lang="zh-CN" altLang="en-US" dirty="0">
+                <a:latin typeface="思源黑体" panose="020B0500000000000000" pitchFamily="34" charset="-122"/>
+                <a:ea typeface="思源黑体" panose="020B0500000000000000" pitchFamily="34" charset="-122"/>
+              </a:rPr>
+              <a:t>实现算法模块</a:t>
+            </a:r>
+          </a:p>
+        </p:txBody>
+      </p:sp>
       <p:grpSp>
         <p:nvGrpSpPr>
-          <p:cNvPr id="30" name="组合 29">
+          <p:cNvPr id="66" name="组合 65">
             <a:extLst>
               <a:ext uri="{FF2B5EF4-FFF2-40B4-BE49-F238E27FC236}">
-                <a16:creationId xmlns:a16="http://schemas.microsoft.com/office/drawing/2014/main" id="{A9D035F9-07BC-446F-9A0A-5C213D35FF2E}"/>
+                <a16:creationId xmlns:a16="http://schemas.microsoft.com/office/drawing/2014/main" id="{55F6A9D7-F29D-4024-894F-2E8764770F4F}"/>
               </a:ext>
             </a:extLst>
           </p:cNvPr>
@@ -7203,18 +8125,18 @@
         </p:nvGrpSpPr>
         <p:grpSpPr>
           <a:xfrm>
-            <a:off x="1666875" y="1248657"/>
-            <a:ext cx="7267575" cy="3885318"/>
-            <a:chOff x="1666875" y="1248657"/>
-            <a:chExt cx="7267575" cy="3885318"/>
+            <a:off x="5029424" y="1274969"/>
+            <a:ext cx="4979477" cy="1937417"/>
+            <a:chOff x="5043753" y="1644302"/>
+            <a:chExt cx="4979477" cy="1937417"/>
           </a:xfrm>
         </p:grpSpPr>
         <p:sp>
           <p:nvSpPr>
-            <p:cNvPr id="29" name="矩形 28">
+            <p:cNvPr id="8" name="矩形 7">
               <a:extLst>
                 <a:ext uri="{FF2B5EF4-FFF2-40B4-BE49-F238E27FC236}">
-                  <a16:creationId xmlns:a16="http://schemas.microsoft.com/office/drawing/2014/main" id="{98A2059D-F87E-455D-B879-3F46C094BF80}"/>
+                  <a16:creationId xmlns:a16="http://schemas.microsoft.com/office/drawing/2014/main" id="{4CF0AD0A-37CF-4D1C-B027-B2EB7F2B0C50}"/>
                 </a:ext>
               </a:extLst>
             </p:cNvPr>
@@ -7223,8 +8145,8 @@
           </p:nvSpPr>
           <p:spPr>
             <a:xfrm>
-              <a:off x="1666875" y="2233395"/>
-              <a:ext cx="7267575" cy="2900580"/>
+              <a:off x="5043753" y="1644302"/>
+              <a:ext cx="4979477" cy="1937417"/>
             </a:xfrm>
             <a:prstGeom prst="rect">
               <a:avLst/>
@@ -7258,20 +8180,63 @@
             <a:bodyPr rtlCol="0" anchor="ctr"/>
             <a:lstStyle/>
             <a:p>
-              <a:pPr algn="ctr"/>
-              <a:endParaRPr lang="zh-CN" altLang="en-US">
+              <a:r>
+                <a:rPr lang="zh-CN" altLang="en-US" dirty="0">
+                  <a:solidFill>
+                    <a:sysClr val="windowText" lastClr="000000"/>
+                  </a:solidFill>
+                  <a:latin typeface="思源黑体" panose="020B0500000000000000" pitchFamily="34" charset="-122"/>
+                  <a:ea typeface="思源黑体" panose="020B0500000000000000" pitchFamily="34" charset="-122"/>
+                </a:rPr>
+                <a:t>后端工厂</a:t>
+              </a:r>
+              <a:endParaRPr lang="en-US" altLang="zh-CN" dirty="0">
+                <a:solidFill>
+                  <a:sysClr val="windowText" lastClr="000000"/>
+                </a:solidFill>
                 <a:latin typeface="思源黑体" panose="020B0500000000000000" pitchFamily="34" charset="-122"/>
                 <a:ea typeface="思源黑体" panose="020B0500000000000000" pitchFamily="34" charset="-122"/>
               </a:endParaRPr>
+            </a:p>
+            <a:p>
+              <a:r>
+                <a:rPr lang="zh-CN" altLang="en-US" dirty="0">
+                  <a:solidFill>
+                    <a:sysClr val="windowText" lastClr="000000"/>
+                  </a:solidFill>
+                  <a:latin typeface="思源黑体" panose="020B0500000000000000" pitchFamily="34" charset="-122"/>
+                  <a:ea typeface="思源黑体" panose="020B0500000000000000" pitchFamily="34" charset="-122"/>
+                </a:rPr>
+                <a:t>相关实现</a:t>
+              </a:r>
+              <a:endParaRPr lang="en-US" altLang="zh-CN" dirty="0">
+                <a:solidFill>
+                  <a:sysClr val="windowText" lastClr="000000"/>
+                </a:solidFill>
+                <a:latin typeface="思源黑体" panose="020B0500000000000000" pitchFamily="34" charset="-122"/>
+                <a:ea typeface="思源黑体" panose="020B0500000000000000" pitchFamily="34" charset="-122"/>
+              </a:endParaRPr>
+            </a:p>
+            <a:p>
+              <a:r>
+                <a:rPr lang="zh-CN" altLang="en-US" dirty="0">
+                  <a:solidFill>
+                    <a:sysClr val="windowText" lastClr="000000"/>
+                  </a:solidFill>
+                  <a:latin typeface="思源黑体" panose="020B0500000000000000" pitchFamily="34" charset="-122"/>
+                  <a:ea typeface="思源黑体" panose="020B0500000000000000" pitchFamily="34" charset="-122"/>
+                </a:rPr>
+                <a:t>算法模块</a:t>
+              </a:r>
             </a:p>
           </p:txBody>
         </p:sp>
         <p:sp>
           <p:nvSpPr>
-            <p:cNvPr id="6" name="矩形 5">
+            <p:cNvPr id="45" name="矩形 44">
               <a:extLst>
                 <a:ext uri="{FF2B5EF4-FFF2-40B4-BE49-F238E27FC236}">
-                  <a16:creationId xmlns:a16="http://schemas.microsoft.com/office/drawing/2014/main" id="{12AFA5B0-3854-4480-BB2E-3B1C79768A9A}"/>
+                  <a16:creationId xmlns:a16="http://schemas.microsoft.com/office/drawing/2014/main" id="{267026B9-F659-4CCD-98FD-DACFEFA8A6D5}"/>
                 </a:ext>
               </a:extLst>
             </p:cNvPr>
@@ -7280,68 +8245,8 @@
           </p:nvSpPr>
           <p:spPr>
             <a:xfrm>
-              <a:off x="2178147" y="3127722"/>
-              <a:ext cx="6445348" cy="1755427"/>
-            </a:xfrm>
-            <a:prstGeom prst="rect">
-              <a:avLst/>
-            </a:prstGeom>
-            <a:solidFill>
-              <a:schemeClr val="bg1"/>
-            </a:solidFill>
-            <a:ln>
-              <a:solidFill>
-                <a:schemeClr val="tx1"/>
-              </a:solidFill>
-            </a:ln>
-          </p:spPr>
-          <p:style>
-            <a:lnRef idx="2">
-              <a:schemeClr val="accent1">
-                <a:shade val="50000"/>
-              </a:schemeClr>
-            </a:lnRef>
-            <a:fillRef idx="1">
-              <a:schemeClr val="accent1"/>
-            </a:fillRef>
-            <a:effectRef idx="0">
-              <a:schemeClr val="accent1"/>
-            </a:effectRef>
-            <a:fontRef idx="minor">
-              <a:schemeClr val="lt1"/>
-            </a:fontRef>
-          </p:style>
-          <p:txBody>
-            <a:bodyPr rtlCol="0" anchor="ctr"/>
-            <a:lstStyle/>
-            <a:p>
-              <a:pPr algn="ctr"/>
-              <a:endParaRPr lang="zh-CN" altLang="en-US" dirty="0">
-                <a:solidFill>
-                  <a:sysClr val="windowText" lastClr="000000"/>
-                </a:solidFill>
-                <a:latin typeface="思源黑体" panose="020B0500000000000000" pitchFamily="34" charset="-122"/>
-                <a:ea typeface="思源黑体" panose="020B0500000000000000" pitchFamily="34" charset="-122"/>
-              </a:endParaRPr>
-            </a:p>
-          </p:txBody>
-        </p:sp>
-        <p:sp>
-          <p:nvSpPr>
-            <p:cNvPr id="4" name="矩形 3">
-              <a:extLst>
-                <a:ext uri="{FF2B5EF4-FFF2-40B4-BE49-F238E27FC236}">
-                  <a16:creationId xmlns:a16="http://schemas.microsoft.com/office/drawing/2014/main" id="{36A293A0-9A89-4CE4-BB5A-DED5064645E1}"/>
-                </a:ext>
-              </a:extLst>
-            </p:cNvPr>
-            <p:cNvSpPr/>
-            <p:nvPr/>
-          </p:nvSpPr>
-          <p:spPr>
-            <a:xfrm>
-              <a:off x="2518116" y="4149968"/>
-              <a:ext cx="5795889" cy="492369"/>
+              <a:off x="6304795" y="1764916"/>
+              <a:ext cx="3411203" cy="308826"/>
             </a:xfrm>
             <a:prstGeom prst="rect">
               <a:avLst/>
@@ -7384,24 +8289,27 @@
                   <a:latin typeface="思源黑体" panose="020B0500000000000000" pitchFamily="34" charset="-122"/>
                   <a:ea typeface="思源黑体" panose="020B0500000000000000" pitchFamily="34" charset="-122"/>
                 </a:rPr>
-                <a:t>Studio Core</a:t>
+                <a:t>AtmosphericMotion</a:t>
               </a:r>
-              <a:endParaRPr lang="zh-CN" altLang="en-US" dirty="0">
-                <a:solidFill>
-                  <a:sysClr val="windowText" lastClr="000000"/>
-                </a:solidFill>
-                <a:latin typeface="思源黑体" panose="020B0500000000000000" pitchFamily="34" charset="-122"/>
-                <a:ea typeface="思源黑体" panose="020B0500000000000000" pitchFamily="34" charset="-122"/>
-              </a:endParaRPr>
+              <a:r>
+                <a:rPr lang="zh-CN" altLang="en-US" dirty="0">
+                  <a:solidFill>
+                    <a:sysClr val="windowText" lastClr="000000"/>
+                  </a:solidFill>
+                  <a:latin typeface="思源黑体" panose="020B0500000000000000" pitchFamily="34" charset="-122"/>
+                  <a:ea typeface="思源黑体" panose="020B0500000000000000" pitchFamily="34" charset="-122"/>
+                </a:rPr>
+                <a:t>相关实现</a:t>
+              </a:r>
             </a:p>
           </p:txBody>
         </p:sp>
         <p:sp>
           <p:nvSpPr>
-            <p:cNvPr id="5" name="矩形 4">
+            <p:cNvPr id="61" name="矩形 60">
               <a:extLst>
                 <a:ext uri="{FF2B5EF4-FFF2-40B4-BE49-F238E27FC236}">
-                  <a16:creationId xmlns:a16="http://schemas.microsoft.com/office/drawing/2014/main" id="{5722600C-73B3-4B99-99DB-E50D525C8024}"/>
+                  <a16:creationId xmlns:a16="http://schemas.microsoft.com/office/drawing/2014/main" id="{986E5541-D207-4A74-B971-39C65E76703B}"/>
                 </a:ext>
               </a:extLst>
             </p:cNvPr>
@@ -7410,8 +8318,154 @@
           </p:nvSpPr>
           <p:spPr>
             <a:xfrm>
-              <a:off x="2518117" y="3322175"/>
-              <a:ext cx="2208628" cy="492369"/>
+              <a:off x="6304795" y="2207264"/>
+              <a:ext cx="3411203" cy="308826"/>
+            </a:xfrm>
+            <a:prstGeom prst="rect">
+              <a:avLst/>
+            </a:prstGeom>
+            <a:solidFill>
+              <a:schemeClr val="bg1"/>
+            </a:solidFill>
+            <a:ln>
+              <a:solidFill>
+                <a:schemeClr val="tx1"/>
+              </a:solidFill>
+            </a:ln>
+          </p:spPr>
+          <p:style>
+            <a:lnRef idx="2">
+              <a:schemeClr val="accent1">
+                <a:shade val="50000"/>
+              </a:schemeClr>
+            </a:lnRef>
+            <a:fillRef idx="1">
+              <a:schemeClr val="accent1"/>
+            </a:fillRef>
+            <a:effectRef idx="0">
+              <a:schemeClr val="accent1"/>
+            </a:effectRef>
+            <a:fontRef idx="minor">
+              <a:schemeClr val="lt1"/>
+            </a:fontRef>
+          </p:style>
+          <p:txBody>
+            <a:bodyPr rtlCol="0" anchor="ctr"/>
+            <a:lstStyle/>
+            <a:p>
+              <a:pPr algn="ctr"/>
+              <a:r>
+                <a:rPr lang="en-US" altLang="zh-CN" dirty="0" err="1">
+                  <a:solidFill>
+                    <a:sysClr val="windowText" lastClr="000000"/>
+                  </a:solidFill>
+                  <a:latin typeface="思源黑体" panose="020B0500000000000000" pitchFamily="34" charset="-122"/>
+                  <a:ea typeface="思源黑体" panose="020B0500000000000000" pitchFamily="34" charset="-122"/>
+                </a:rPr>
+                <a:t>RainfallMotion</a:t>
+              </a:r>
+              <a:r>
+                <a:rPr lang="zh-CN" altLang="en-US" dirty="0">
+                  <a:solidFill>
+                    <a:sysClr val="windowText" lastClr="000000"/>
+                  </a:solidFill>
+                  <a:latin typeface="思源黑体" panose="020B0500000000000000" pitchFamily="34" charset="-122"/>
+                  <a:ea typeface="思源黑体" panose="020B0500000000000000" pitchFamily="34" charset="-122"/>
+                </a:rPr>
+                <a:t>相关实现</a:t>
+              </a:r>
+            </a:p>
+          </p:txBody>
+        </p:sp>
+        <p:sp>
+          <p:nvSpPr>
+            <p:cNvPr id="62" name="矩形 61">
+              <a:extLst>
+                <a:ext uri="{FF2B5EF4-FFF2-40B4-BE49-F238E27FC236}">
+                  <a16:creationId xmlns:a16="http://schemas.microsoft.com/office/drawing/2014/main" id="{25F3B37B-1B45-46BB-9616-F8FB9EE90752}"/>
+                </a:ext>
+              </a:extLst>
+            </p:cNvPr>
+            <p:cNvSpPr/>
+            <p:nvPr/>
+          </p:nvSpPr>
+          <p:spPr>
+            <a:xfrm>
+              <a:off x="6304795" y="2649612"/>
+              <a:ext cx="3411203" cy="308826"/>
+            </a:xfrm>
+            <a:prstGeom prst="rect">
+              <a:avLst/>
+            </a:prstGeom>
+            <a:solidFill>
+              <a:schemeClr val="bg1"/>
+            </a:solidFill>
+            <a:ln>
+              <a:solidFill>
+                <a:schemeClr val="tx1"/>
+              </a:solidFill>
+            </a:ln>
+          </p:spPr>
+          <p:style>
+            <a:lnRef idx="2">
+              <a:schemeClr val="accent1">
+                <a:shade val="50000"/>
+              </a:schemeClr>
+            </a:lnRef>
+            <a:fillRef idx="1">
+              <a:schemeClr val="accent1"/>
+            </a:fillRef>
+            <a:effectRef idx="0">
+              <a:schemeClr val="accent1"/>
+            </a:effectRef>
+            <a:fontRef idx="minor">
+              <a:schemeClr val="lt1"/>
+            </a:fontRef>
+          </p:style>
+          <p:txBody>
+            <a:bodyPr rtlCol="0" anchor="ctr"/>
+            <a:lstStyle/>
+            <a:p>
+              <a:pPr algn="ctr"/>
+              <a:r>
+                <a:rPr lang="en-US" altLang="zh-CN" dirty="0" err="1">
+                  <a:solidFill>
+                    <a:sysClr val="windowText" lastClr="000000"/>
+                  </a:solidFill>
+                  <a:latin typeface="思源黑体" panose="020B0500000000000000" pitchFamily="34" charset="-122"/>
+                  <a:ea typeface="思源黑体" panose="020B0500000000000000" pitchFamily="34" charset="-122"/>
+                </a:rPr>
+                <a:t>SolarIlluminance</a:t>
+              </a:r>
+              <a:r>
+                <a:rPr lang="zh-CN" altLang="en-US" dirty="0">
+                  <a:solidFill>
+                    <a:sysClr val="windowText" lastClr="000000"/>
+                  </a:solidFill>
+                  <a:latin typeface="思源黑体" panose="020B0500000000000000" pitchFamily="34" charset="-122"/>
+                  <a:ea typeface="思源黑体" panose="020B0500000000000000" pitchFamily="34" charset="-122"/>
+                </a:rPr>
+                <a:t>相关实现</a:t>
+              </a:r>
+            </a:p>
+          </p:txBody>
+        </p:sp>
+        <p:sp>
+          <p:nvSpPr>
+            <p:cNvPr id="63" name="矩形 62">
+              <a:extLst>
+                <a:ext uri="{FF2B5EF4-FFF2-40B4-BE49-F238E27FC236}">
+                  <a16:creationId xmlns:a16="http://schemas.microsoft.com/office/drawing/2014/main" id="{EAE57484-2F8A-40F2-83CE-AA36BF3F63C8}"/>
+                </a:ext>
+              </a:extLst>
+            </p:cNvPr>
+            <p:cNvSpPr/>
+            <p:nvPr/>
+          </p:nvSpPr>
+          <p:spPr>
+            <a:xfrm>
+              <a:off x="6304795" y="3091959"/>
+              <a:ext cx="3411203" cy="308826"/>
             </a:xfrm>
             <a:prstGeom prst="rect">
               <a:avLst/>
@@ -7454,68 +8508,8 @@
                   <a:latin typeface="思源黑体" panose="020B0500000000000000" pitchFamily="34" charset="-122"/>
                   <a:ea typeface="思源黑体" panose="020B0500000000000000" pitchFamily="34" charset="-122"/>
                 </a:rPr>
-                <a:t>Studio UI</a:t>
+                <a:t>Biomes</a:t>
               </a:r>
-              <a:endParaRPr lang="zh-CN" altLang="en-US" dirty="0">
-                <a:solidFill>
-                  <a:sysClr val="windowText" lastClr="000000"/>
-                </a:solidFill>
-                <a:latin typeface="思源黑体" panose="020B0500000000000000" pitchFamily="34" charset="-122"/>
-                <a:ea typeface="思源黑体" panose="020B0500000000000000" pitchFamily="34" charset="-122"/>
-              </a:endParaRPr>
-            </a:p>
-          </p:txBody>
-        </p:sp>
-        <p:sp>
-          <p:nvSpPr>
-            <p:cNvPr id="7" name="矩形 6">
-              <a:extLst>
-                <a:ext uri="{FF2B5EF4-FFF2-40B4-BE49-F238E27FC236}">
-                  <a16:creationId xmlns:a16="http://schemas.microsoft.com/office/drawing/2014/main" id="{B0D8E357-9F88-40E1-9A21-3FA5D347BF38}"/>
-                </a:ext>
-              </a:extLst>
-            </p:cNvPr>
-            <p:cNvSpPr/>
-            <p:nvPr/>
-          </p:nvSpPr>
-          <p:spPr>
-            <a:xfrm>
-              <a:off x="4726745" y="2314223"/>
-              <a:ext cx="1758461" cy="635458"/>
-            </a:xfrm>
-            <a:prstGeom prst="rect">
-              <a:avLst/>
-            </a:prstGeom>
-            <a:solidFill>
-              <a:schemeClr val="bg1"/>
-            </a:solidFill>
-            <a:ln>
-              <a:solidFill>
-                <a:schemeClr val="tx1"/>
-              </a:solidFill>
-            </a:ln>
-          </p:spPr>
-          <p:style>
-            <a:lnRef idx="2">
-              <a:schemeClr val="accent1">
-                <a:shade val="50000"/>
-              </a:schemeClr>
-            </a:lnRef>
-            <a:fillRef idx="1">
-              <a:schemeClr val="accent1"/>
-            </a:fillRef>
-            <a:effectRef idx="0">
-              <a:schemeClr val="accent1"/>
-            </a:effectRef>
-            <a:fontRef idx="minor">
-              <a:schemeClr val="lt1"/>
-            </a:fontRef>
-          </p:style>
-          <p:txBody>
-            <a:bodyPr rtlCol="0" anchor="ctr"/>
-            <a:lstStyle/>
-            <a:p>
-              <a:pPr algn="ctr"/>
               <a:r>
                 <a:rPr lang="zh-CN" altLang="en-US" dirty="0">
                   <a:solidFill>
@@ -7524,323 +8518,255 @@
                   <a:latin typeface="思源黑体" panose="020B0500000000000000" pitchFamily="34" charset="-122"/>
                   <a:ea typeface="思源黑体" panose="020B0500000000000000" pitchFamily="34" charset="-122"/>
                 </a:rPr>
-                <a:t>前端工厂相关实现算法模块</a:t>
+                <a:t>相关实现</a:t>
               </a:r>
             </a:p>
           </p:txBody>
         </p:sp>
-        <p:sp>
-          <p:nvSpPr>
-            <p:cNvPr id="8" name="矩形 7">
-              <a:extLst>
-                <a:ext uri="{FF2B5EF4-FFF2-40B4-BE49-F238E27FC236}">
-                  <a16:creationId xmlns:a16="http://schemas.microsoft.com/office/drawing/2014/main" id="{4CF0AD0A-37CF-4D1C-B027-B2EB7F2B0C50}"/>
-                </a:ext>
-              </a:extLst>
-            </p:cNvPr>
-            <p:cNvSpPr/>
-            <p:nvPr/>
-          </p:nvSpPr>
-          <p:spPr>
-            <a:xfrm>
-              <a:off x="6710288" y="2314223"/>
-              <a:ext cx="1758462" cy="635458"/>
-            </a:xfrm>
-            <a:prstGeom prst="rect">
-              <a:avLst/>
-            </a:prstGeom>
+      </p:grpSp>
+      <p:sp>
+        <p:nvSpPr>
+          <p:cNvPr id="65" name="矩形 64">
+            <a:extLst>
+              <a:ext uri="{FF2B5EF4-FFF2-40B4-BE49-F238E27FC236}">
+                <a16:creationId xmlns:a16="http://schemas.microsoft.com/office/drawing/2014/main" id="{B78C426B-06C8-43BB-90DE-872C0C550EE1}"/>
+              </a:ext>
+            </a:extLst>
+          </p:cNvPr>
+          <p:cNvSpPr/>
+          <p:nvPr/>
+        </p:nvSpPr>
+        <p:spPr>
+          <a:xfrm>
+            <a:off x="711204" y="1505275"/>
+            <a:ext cx="722484" cy="380382"/>
+          </a:xfrm>
+          <a:prstGeom prst="rect">
+            <a:avLst/>
+          </a:prstGeom>
+          <a:solidFill>
+            <a:schemeClr val="bg1"/>
+          </a:solidFill>
+          <a:ln>
+            <a:noFill/>
+          </a:ln>
+        </p:spPr>
+        <p:style>
+          <a:lnRef idx="2">
+            <a:schemeClr val="accent1">
+              <a:shade val="50000"/>
+            </a:schemeClr>
+          </a:lnRef>
+          <a:fillRef idx="1">
+            <a:schemeClr val="accent1"/>
+          </a:fillRef>
+          <a:effectRef idx="0">
+            <a:schemeClr val="accent1"/>
+          </a:effectRef>
+          <a:fontRef idx="minor">
+            <a:schemeClr val="lt1"/>
+          </a:fontRef>
+        </p:style>
+        <p:txBody>
+          <a:bodyPr rtlCol="0" anchor="ctr"/>
+          <a:lstStyle/>
+          <a:p>
+            <a:pPr algn="ctr"/>
+            <a:r>
+              <a:rPr lang="zh-CN" altLang="en-US" dirty="0">
+                <a:solidFill>
+                  <a:sysClr val="windowText" lastClr="000000"/>
+                </a:solidFill>
+                <a:latin typeface="思源黑体" panose="020B0500000000000000" pitchFamily="34" charset="-122"/>
+                <a:ea typeface="思源黑体" panose="020B0500000000000000" pitchFamily="34" charset="-122"/>
+              </a:rPr>
+              <a:t>应用</a:t>
+            </a:r>
+          </a:p>
+        </p:txBody>
+      </p:sp>
+      <p:cxnSp>
+        <p:nvCxnSpPr>
+          <p:cNvPr id="67" name="直接箭头连接符 66">
+            <a:extLst>
+              <a:ext uri="{FF2B5EF4-FFF2-40B4-BE49-F238E27FC236}">
+                <a16:creationId xmlns:a16="http://schemas.microsoft.com/office/drawing/2014/main" id="{F13D44FB-011A-4E83-A4B2-E461D45A278B}"/>
+              </a:ext>
+            </a:extLst>
+          </p:cNvPr>
+          <p:cNvCxnSpPr>
+            <a:cxnSpLocks/>
+          </p:cNvCxnSpPr>
+          <p:nvPr/>
+        </p:nvCxnSpPr>
+        <p:spPr>
+          <a:xfrm>
+            <a:off x="4542767" y="3112353"/>
+            <a:ext cx="0" cy="491464"/>
+          </a:xfrm>
+          <a:prstGeom prst="straightConnector1">
+            <a:avLst/>
+          </a:prstGeom>
+          <a:ln w="38100">
             <a:solidFill>
-              <a:schemeClr val="bg1"/>
+              <a:schemeClr val="tx1"/>
             </a:solidFill>
-            <a:ln>
-              <a:solidFill>
-                <a:schemeClr val="tx1"/>
-              </a:solidFill>
-            </a:ln>
-          </p:spPr>
-          <p:style>
-            <a:lnRef idx="2">
-              <a:schemeClr val="accent1">
-                <a:shade val="50000"/>
-              </a:schemeClr>
-            </a:lnRef>
-            <a:fillRef idx="1">
-              <a:schemeClr val="accent1"/>
-            </a:fillRef>
-            <a:effectRef idx="0">
-              <a:schemeClr val="accent1"/>
-            </a:effectRef>
-            <a:fontRef idx="minor">
-              <a:schemeClr val="lt1"/>
-            </a:fontRef>
-          </p:style>
-          <p:txBody>
-            <a:bodyPr rtlCol="0" anchor="ctr"/>
-            <a:lstStyle/>
-            <a:p>
-              <a:pPr algn="ctr"/>
-              <a:r>
-                <a:rPr lang="zh-CN" altLang="en-US" dirty="0">
-                  <a:solidFill>
-                    <a:sysClr val="windowText" lastClr="000000"/>
-                  </a:solidFill>
-                  <a:latin typeface="思源黑体" panose="020B0500000000000000" pitchFamily="34" charset="-122"/>
-                  <a:ea typeface="思源黑体" panose="020B0500000000000000" pitchFamily="34" charset="-122"/>
-                </a:rPr>
-                <a:t>后端工厂相关实现算法模块</a:t>
-              </a:r>
-            </a:p>
-          </p:txBody>
-        </p:sp>
-        <p:cxnSp>
-          <p:nvCxnSpPr>
-            <p:cNvPr id="10" name="直接箭头连接符 9">
-              <a:extLst>
-                <a:ext uri="{FF2B5EF4-FFF2-40B4-BE49-F238E27FC236}">
-                  <a16:creationId xmlns:a16="http://schemas.microsoft.com/office/drawing/2014/main" id="{45DFEDE9-211E-479A-A168-30A0C7F8D106}"/>
-                </a:ext>
-              </a:extLst>
-            </p:cNvPr>
-            <p:cNvCxnSpPr>
-              <a:cxnSpLocks/>
-              <a:stCxn id="8" idx="2"/>
-            </p:cNvCxnSpPr>
-            <p:nvPr/>
-          </p:nvCxnSpPr>
-          <p:spPr>
-            <a:xfrm>
-              <a:off x="7589519" y="2949681"/>
-              <a:ext cx="0" cy="1200287"/>
-            </a:xfrm>
-            <a:prstGeom prst="straightConnector1">
-              <a:avLst/>
-            </a:prstGeom>
-            <a:ln w="38100">
-              <a:solidFill>
-                <a:schemeClr val="tx1"/>
-              </a:solidFill>
-              <a:headEnd type="triangle"/>
-              <a:tailEnd type="triangle"/>
-            </a:ln>
-          </p:spPr>
-          <p:style>
-            <a:lnRef idx="1">
-              <a:schemeClr val="accent1"/>
-            </a:lnRef>
-            <a:fillRef idx="0">
-              <a:schemeClr val="accent1"/>
-            </a:fillRef>
-            <a:effectRef idx="0">
-              <a:schemeClr val="accent1"/>
-            </a:effectRef>
-            <a:fontRef idx="minor">
+            <a:headEnd type="triangle"/>
+            <a:tailEnd type="triangle"/>
+          </a:ln>
+        </p:spPr>
+        <p:style>
+          <a:lnRef idx="1">
+            <a:schemeClr val="accent1"/>
+          </a:lnRef>
+          <a:fillRef idx="0">
+            <a:schemeClr val="accent1"/>
+          </a:fillRef>
+          <a:effectRef idx="0">
+            <a:schemeClr val="accent1"/>
+          </a:effectRef>
+          <a:fontRef idx="minor">
+            <a:schemeClr val="tx1"/>
+          </a:fontRef>
+        </p:style>
+      </p:cxnSp>
+      <p:cxnSp>
+        <p:nvCxnSpPr>
+          <p:cNvPr id="69" name="直接箭头连接符 68">
+            <a:extLst>
+              <a:ext uri="{FF2B5EF4-FFF2-40B4-BE49-F238E27FC236}">
+                <a16:creationId xmlns:a16="http://schemas.microsoft.com/office/drawing/2014/main" id="{15F3BF43-A54B-4EC9-9129-9E5E30587816}"/>
+              </a:ext>
+            </a:extLst>
+          </p:cNvPr>
+          <p:cNvCxnSpPr>
+            <a:cxnSpLocks/>
+          </p:cNvCxnSpPr>
+          <p:nvPr/>
+        </p:nvCxnSpPr>
+        <p:spPr>
+          <a:xfrm>
+            <a:off x="6016098" y="3203611"/>
+            <a:ext cx="0" cy="400206"/>
+          </a:xfrm>
+          <a:prstGeom prst="straightConnector1">
+            <a:avLst/>
+          </a:prstGeom>
+          <a:ln w="38100">
+            <a:solidFill>
               <a:schemeClr val="tx1"/>
-            </a:fontRef>
-          </p:style>
-        </p:cxnSp>
-        <p:cxnSp>
-          <p:nvCxnSpPr>
-            <p:cNvPr id="13" name="直接箭头连接符 12">
-              <a:extLst>
-                <a:ext uri="{FF2B5EF4-FFF2-40B4-BE49-F238E27FC236}">
-                  <a16:creationId xmlns:a16="http://schemas.microsoft.com/office/drawing/2014/main" id="{50DE987E-7C95-44EA-9E85-765003DFA4EF}"/>
-                </a:ext>
-              </a:extLst>
-            </p:cNvPr>
-            <p:cNvCxnSpPr>
-              <a:cxnSpLocks/>
-              <a:stCxn id="7" idx="2"/>
-            </p:cNvCxnSpPr>
-            <p:nvPr/>
-          </p:nvCxnSpPr>
-          <p:spPr>
-            <a:xfrm>
-              <a:off x="5605976" y="2949681"/>
-              <a:ext cx="0" cy="1200287"/>
-            </a:xfrm>
-            <a:prstGeom prst="straightConnector1">
-              <a:avLst/>
-            </a:prstGeom>
-            <a:ln w="38100">
-              <a:solidFill>
-                <a:schemeClr val="tx1"/>
-              </a:solidFill>
-              <a:headEnd type="triangle"/>
-              <a:tailEnd type="triangle"/>
-            </a:ln>
-          </p:spPr>
-          <p:style>
-            <a:lnRef idx="1">
-              <a:schemeClr val="accent1"/>
-            </a:lnRef>
-            <a:fillRef idx="0">
-              <a:schemeClr val="accent1"/>
-            </a:fillRef>
-            <a:effectRef idx="0">
-              <a:schemeClr val="accent1"/>
-            </a:effectRef>
-            <a:fontRef idx="minor">
+            </a:solidFill>
+            <a:headEnd type="triangle"/>
+            <a:tailEnd type="triangle"/>
+          </a:ln>
+        </p:spPr>
+        <p:style>
+          <a:lnRef idx="1">
+            <a:schemeClr val="accent1"/>
+          </a:lnRef>
+          <a:fillRef idx="0">
+            <a:schemeClr val="accent1"/>
+          </a:fillRef>
+          <a:effectRef idx="0">
+            <a:schemeClr val="accent1"/>
+          </a:effectRef>
+          <a:fontRef idx="minor">
+            <a:schemeClr val="tx1"/>
+          </a:fontRef>
+        </p:style>
+      </p:cxnSp>
+      <p:sp>
+        <p:nvSpPr>
+          <p:cNvPr id="82" name="矩形 81">
+            <a:extLst>
+              <a:ext uri="{FF2B5EF4-FFF2-40B4-BE49-F238E27FC236}">
+                <a16:creationId xmlns:a16="http://schemas.microsoft.com/office/drawing/2014/main" id="{A4F077CD-FF1D-4016-B5E5-8F22F2AC4C2C}"/>
+              </a:ext>
+            </a:extLst>
+          </p:cNvPr>
+          <p:cNvSpPr/>
+          <p:nvPr/>
+        </p:nvSpPr>
+        <p:spPr>
+          <a:xfrm>
+            <a:off x="270869" y="107236"/>
+            <a:ext cx="10596511" cy="6485331"/>
+          </a:xfrm>
+          <a:prstGeom prst="rect">
+            <a:avLst/>
+          </a:prstGeom>
+          <a:noFill/>
+          <a:ln>
+            <a:solidFill>
               <a:schemeClr val="tx1"/>
-            </a:fontRef>
-          </p:style>
-        </p:cxnSp>
-        <p:sp>
-          <p:nvSpPr>
-            <p:cNvPr id="19" name="矩形 18">
-              <a:extLst>
-                <a:ext uri="{FF2B5EF4-FFF2-40B4-BE49-F238E27FC236}">
-                  <a16:creationId xmlns:a16="http://schemas.microsoft.com/office/drawing/2014/main" id="{3DBD84FA-00B0-406F-945F-6C4B8EF1547F}"/>
-                </a:ext>
-              </a:extLst>
-            </p:cNvPr>
-            <p:cNvSpPr/>
-            <p:nvPr/>
-          </p:nvSpPr>
-          <p:spPr>
-            <a:xfrm>
-              <a:off x="2743205" y="1248657"/>
-              <a:ext cx="1758452" cy="492369"/>
-            </a:xfrm>
-            <a:prstGeom prst="rect">
-              <a:avLst/>
-            </a:prstGeom>
-            <a:solidFill>
-              <a:schemeClr val="bg1"/>
             </a:solidFill>
-            <a:ln>
-              <a:solidFill>
-                <a:schemeClr val="tx1"/>
-              </a:solidFill>
-            </a:ln>
-          </p:spPr>
-          <p:style>
-            <a:lnRef idx="2">
-              <a:schemeClr val="accent1">
-                <a:shade val="50000"/>
-              </a:schemeClr>
-            </a:lnRef>
-            <a:fillRef idx="1">
-              <a:schemeClr val="accent1"/>
-            </a:fillRef>
-            <a:effectRef idx="0">
-              <a:schemeClr val="accent1"/>
-            </a:effectRef>
-            <a:fontRef idx="minor">
-              <a:schemeClr val="lt1"/>
-            </a:fontRef>
-          </p:style>
-          <p:txBody>
-            <a:bodyPr rtlCol="0" anchor="ctr"/>
-            <a:lstStyle/>
-            <a:p>
-              <a:pPr algn="ctr"/>
-              <a:r>
-                <a:rPr lang="zh-CN" altLang="en-US" dirty="0">
-                  <a:solidFill>
-                    <a:sysClr val="windowText" lastClr="000000"/>
-                  </a:solidFill>
-                  <a:latin typeface="思源黑体" panose="020B0500000000000000" pitchFamily="34" charset="-122"/>
-                  <a:ea typeface="思源黑体" panose="020B0500000000000000" pitchFamily="34" charset="-122"/>
-                </a:rPr>
-                <a:t>用户</a:t>
-              </a:r>
-            </a:p>
-          </p:txBody>
-        </p:sp>
-        <p:cxnSp>
-          <p:nvCxnSpPr>
-            <p:cNvPr id="20" name="直接箭头连接符 19">
-              <a:extLst>
-                <a:ext uri="{FF2B5EF4-FFF2-40B4-BE49-F238E27FC236}">
-                  <a16:creationId xmlns:a16="http://schemas.microsoft.com/office/drawing/2014/main" id="{A7FE214A-5AB4-47C1-AE2E-A99BAD7441B8}"/>
-                </a:ext>
-              </a:extLst>
-            </p:cNvPr>
-            <p:cNvCxnSpPr>
-              <a:cxnSpLocks/>
-              <a:stCxn id="19" idx="2"/>
-              <a:endCxn id="5" idx="0"/>
-            </p:cNvCxnSpPr>
-            <p:nvPr/>
-          </p:nvCxnSpPr>
-          <p:spPr>
-            <a:xfrm>
-              <a:off x="3622431" y="1741026"/>
-              <a:ext cx="0" cy="1581149"/>
-            </a:xfrm>
-            <a:prstGeom prst="straightConnector1">
-              <a:avLst/>
-            </a:prstGeom>
-            <a:ln w="38100">
-              <a:solidFill>
-                <a:schemeClr val="tx1"/>
-              </a:solidFill>
-              <a:headEnd type="triangle"/>
-              <a:tailEnd type="triangle"/>
-            </a:ln>
-          </p:spPr>
-          <p:style>
-            <a:lnRef idx="1">
-              <a:schemeClr val="accent1"/>
-            </a:lnRef>
-            <a:fillRef idx="0">
-              <a:schemeClr val="accent1"/>
-            </a:fillRef>
-            <a:effectRef idx="0">
-              <a:schemeClr val="accent1"/>
-            </a:effectRef>
-            <a:fontRef idx="minor">
-              <a:schemeClr val="tx1"/>
-            </a:fontRef>
-          </p:style>
-        </p:cxnSp>
-        <p:cxnSp>
-          <p:nvCxnSpPr>
-            <p:cNvPr id="23" name="直接箭头连接符 22">
-              <a:extLst>
-                <a:ext uri="{FF2B5EF4-FFF2-40B4-BE49-F238E27FC236}">
-                  <a16:creationId xmlns:a16="http://schemas.microsoft.com/office/drawing/2014/main" id="{58139020-11F8-49AD-8270-7B2A17D2EDCC}"/>
-                </a:ext>
-              </a:extLst>
-            </p:cNvPr>
-            <p:cNvCxnSpPr>
-              <a:cxnSpLocks/>
-              <a:stCxn id="5" idx="2"/>
-            </p:cNvCxnSpPr>
-            <p:nvPr/>
-          </p:nvCxnSpPr>
-          <p:spPr>
-            <a:xfrm>
-              <a:off x="3622431" y="3814544"/>
-              <a:ext cx="0" cy="335424"/>
-            </a:xfrm>
-            <a:prstGeom prst="straightConnector1">
-              <a:avLst/>
-            </a:prstGeom>
-            <a:ln w="38100">
-              <a:solidFill>
-                <a:schemeClr val="tx1"/>
-              </a:solidFill>
-              <a:headEnd type="triangle"/>
-              <a:tailEnd type="triangle"/>
-            </a:ln>
-          </p:spPr>
-          <p:style>
-            <a:lnRef idx="1">
-              <a:schemeClr val="accent1"/>
-            </a:lnRef>
-            <a:fillRef idx="0">
-              <a:schemeClr val="accent1"/>
-            </a:fillRef>
-            <a:effectRef idx="0">
-              <a:schemeClr val="accent1"/>
-            </a:effectRef>
-            <a:fontRef idx="minor">
-              <a:schemeClr val="tx1"/>
-            </a:fontRef>
-          </p:style>
-        </p:cxnSp>
-      </p:grpSp>
+          </a:ln>
+        </p:spPr>
+        <p:style>
+          <a:lnRef idx="2">
+            <a:schemeClr val="accent1">
+              <a:shade val="50000"/>
+            </a:schemeClr>
+          </a:lnRef>
+          <a:fillRef idx="1">
+            <a:schemeClr val="accent1"/>
+          </a:fillRef>
+          <a:effectRef idx="0">
+            <a:schemeClr val="accent1"/>
+          </a:effectRef>
+          <a:fontRef idx="minor">
+            <a:schemeClr val="lt1"/>
+          </a:fontRef>
+        </p:style>
+        <p:txBody>
+          <a:bodyPr rtlCol="0" anchor="ctr"/>
+          <a:lstStyle/>
+          <a:p>
+            <a:pPr algn="ctr"/>
+            <a:endParaRPr lang="zh-CN" altLang="en-US">
+              <a:latin typeface="思源黑体" panose="020B0500000000000000" pitchFamily="34" charset="-122"/>
+              <a:ea typeface="思源黑体" panose="020B0500000000000000" pitchFamily="34" charset="-122"/>
+            </a:endParaRPr>
+          </a:p>
+        </p:txBody>
+      </p:sp>
+      <p:sp>
+        <p:nvSpPr>
+          <p:cNvPr id="83" name="矩形 82">
+            <a:extLst>
+              <a:ext uri="{FF2B5EF4-FFF2-40B4-BE49-F238E27FC236}">
+                <a16:creationId xmlns:a16="http://schemas.microsoft.com/office/drawing/2014/main" id="{66218A34-D209-40A7-A2D6-61C6853DB18E}"/>
+              </a:ext>
+            </a:extLst>
+          </p:cNvPr>
+          <p:cNvSpPr/>
+          <p:nvPr/>
+        </p:nvSpPr>
+        <p:spPr>
+          <a:xfrm>
+            <a:off x="4542767" y="6188029"/>
+            <a:ext cx="2262158" cy="369332"/>
+          </a:xfrm>
+          <a:prstGeom prst="rect">
+            <a:avLst/>
+          </a:prstGeom>
+        </p:spPr>
+        <p:txBody>
+          <a:bodyPr wrap="none">
+            <a:spAutoFit/>
+          </a:bodyPr>
+          <a:lstStyle/>
+          <a:p>
+            <a:r>
+              <a:rPr lang="zh-CN" altLang="en-US" dirty="0">
+                <a:latin typeface="思源黑体" panose="020B0500000000000000" pitchFamily="34" charset="-122"/>
+                <a:ea typeface="思源黑体" panose="020B0500000000000000" pitchFamily="34" charset="-122"/>
+              </a:rPr>
+              <a:t>主要模块依赖关系图</a:t>
+            </a:r>
+          </a:p>
+        </p:txBody>
+      </p:sp>
     </p:spTree>
     <p:extLst>
       <p:ext uri="{BB962C8B-B14F-4D97-AF65-F5344CB8AC3E}">
